--- a/Presentation/DIO_Research_Presentation.pptx
+++ b/Presentation/DIO_Research_Presentation.pptx
@@ -5,28 +5,28 @@
     <p:sldMasterId id="2147483648" r:id="rId1"/>
   </p:sldMasterIdLst>
   <p:sldIdLst>
-    <p:sldId id="256" r:id="rId7"/>
-    <p:sldId id="257" r:id="rId8"/>
-    <p:sldId id="258" r:id="rId9"/>
-    <p:sldId id="259" r:id="rId10"/>
-    <p:sldId id="260" r:id="rId11"/>
-    <p:sldId id="261" r:id="rId12"/>
-    <p:sldId id="262" r:id="rId13"/>
-    <p:sldId id="263" r:id="rId14"/>
-    <p:sldId id="264" r:id="rId15"/>
-    <p:sldId id="265" r:id="rId16"/>
-    <p:sldId id="266" r:id="rId17"/>
-    <p:sldId id="267" r:id="rId18"/>
-    <p:sldId id="268" r:id="rId19"/>
-    <p:sldId id="269" r:id="rId20"/>
-    <p:sldId id="270" r:id="rId21"/>
-    <p:sldId id="271" r:id="rId22"/>
-    <p:sldId id="272" r:id="rId23"/>
-    <p:sldId id="273" r:id="rId24"/>
-    <p:sldId id="274" r:id="rId25"/>
-    <p:sldId id="275" r:id="rId26"/>
-    <p:sldId id="276" r:id="rId27"/>
-    <p:sldId id="277" r:id="rId28"/>
+    <p:sldId id="256" r:id="rId2"/>
+    <p:sldId id="257" r:id="rId3"/>
+    <p:sldId id="258" r:id="rId4"/>
+    <p:sldId id="259" r:id="rId5"/>
+    <p:sldId id="260" r:id="rId6"/>
+    <p:sldId id="261" r:id="rId7"/>
+    <p:sldId id="262" r:id="rId8"/>
+    <p:sldId id="263" r:id="rId9"/>
+    <p:sldId id="264" r:id="rId10"/>
+    <p:sldId id="265" r:id="rId11"/>
+    <p:sldId id="266" r:id="rId12"/>
+    <p:sldId id="267" r:id="rId13"/>
+    <p:sldId id="268" r:id="rId14"/>
+    <p:sldId id="269" r:id="rId15"/>
+    <p:sldId id="270" r:id="rId16"/>
+    <p:sldId id="271" r:id="rId17"/>
+    <p:sldId id="272" r:id="rId18"/>
+    <p:sldId id="273" r:id="rId19"/>
+    <p:sldId id="274" r:id="rId20"/>
+    <p:sldId id="275" r:id="rId21"/>
+    <p:sldId id="276" r:id="rId22"/>
+    <p:sldId id="277" r:id="rId23"/>
   </p:sldIdLst>
   <p:sldSz cx="9144000" cy="6858000" type="screen4x3"/>
   <p:notesSz cx="6858000" cy="9144000"/>
@@ -125,6 +125,22 @@
       </a:defRPr>
     </a:lvl9pPr>
   </p:defaultTextStyle>
+  <p:extLst>
+    <p:ext uri="{EFAFB233-063F-42B5-8137-9DF3F51BA10A}">
+      <p15:sldGuideLst xmlns:p15="http://schemas.microsoft.com/office/powerpoint/2012/main">
+        <p15:guide id="1" orient="horz" pos="2160">
+          <p15:clr>
+            <a:srgbClr val="A4A3A4"/>
+          </p15:clr>
+        </p15:guide>
+        <p15:guide id="2" pos="2880">
+          <p15:clr>
+            <a:srgbClr val="A4A3A4"/>
+          </p15:clr>
+        </p15:guide>
+      </p15:sldGuideLst>
+    </p:ext>
+  </p:extLst>
 </p:presentation>
 </file>
 
@@ -309,7 +325,7 @@
           <a:p>
             <a:fld id="{5BCAD085-E8A6-8845-BD4E-CB4CCA059FC4}" type="datetimeFigureOut">
               <a:rPr lang="en-US" smtClean="0"/>
-              <a:t>1/27/13</a:t>
+              <a:t>10/25/2025</a:t>
             </a:fld>
             <a:endParaRPr lang="en-US"/>
           </a:p>
@@ -351,7 +367,7 @@
           <a:p>
             <a:fld id="{C1FF6DA9-008F-8B48-92A6-B652298478BF}" type="slidenum">
               <a:rPr lang="en-US" smtClean="0"/>
-              <a:t>‹#›</a:t>
+              <a:t>‹N°›</a:t>
             </a:fld>
             <a:endParaRPr lang="en-US"/>
           </a:p>
@@ -479,7 +495,7 @@
           <a:p>
             <a:fld id="{5BCAD085-E8A6-8845-BD4E-CB4CCA059FC4}" type="datetimeFigureOut">
               <a:rPr lang="en-US" smtClean="0"/>
-              <a:t>1/27/13</a:t>
+              <a:t>10/25/2025</a:t>
             </a:fld>
             <a:endParaRPr lang="en-US"/>
           </a:p>
@@ -521,7 +537,7 @@
           <a:p>
             <a:fld id="{C1FF6DA9-008F-8B48-92A6-B652298478BF}" type="slidenum">
               <a:rPr lang="en-US" smtClean="0"/>
-              <a:t>‹#›</a:t>
+              <a:t>‹N°›</a:t>
             </a:fld>
             <a:endParaRPr lang="en-US"/>
           </a:p>
@@ -659,7 +675,7 @@
           <a:p>
             <a:fld id="{5BCAD085-E8A6-8845-BD4E-CB4CCA059FC4}" type="datetimeFigureOut">
               <a:rPr lang="en-US" smtClean="0"/>
-              <a:t>1/27/13</a:t>
+              <a:t>10/25/2025</a:t>
             </a:fld>
             <a:endParaRPr lang="en-US"/>
           </a:p>
@@ -701,7 +717,7 @@
           <a:p>
             <a:fld id="{C1FF6DA9-008F-8B48-92A6-B652298478BF}" type="slidenum">
               <a:rPr lang="en-US" smtClean="0"/>
-              <a:t>‹#›</a:t>
+              <a:t>‹N°›</a:t>
             </a:fld>
             <a:endParaRPr lang="en-US"/>
           </a:p>
@@ -829,7 +845,7 @@
           <a:p>
             <a:fld id="{5BCAD085-E8A6-8845-BD4E-CB4CCA059FC4}" type="datetimeFigureOut">
               <a:rPr lang="en-US" smtClean="0"/>
-              <a:t>1/27/13</a:t>
+              <a:t>10/25/2025</a:t>
             </a:fld>
             <a:endParaRPr lang="en-US"/>
           </a:p>
@@ -871,7 +887,7 @@
           <a:p>
             <a:fld id="{C1FF6DA9-008F-8B48-92A6-B652298478BF}" type="slidenum">
               <a:rPr lang="en-US" smtClean="0"/>
-              <a:t>‹#›</a:t>
+              <a:t>‹N°›</a:t>
             </a:fld>
             <a:endParaRPr lang="en-US"/>
           </a:p>
@@ -1075,7 +1091,7 @@
           <a:p>
             <a:fld id="{5BCAD085-E8A6-8845-BD4E-CB4CCA059FC4}" type="datetimeFigureOut">
               <a:rPr lang="en-US" smtClean="0"/>
-              <a:t>1/27/13</a:t>
+              <a:t>10/25/2025</a:t>
             </a:fld>
             <a:endParaRPr lang="en-US"/>
           </a:p>
@@ -1117,7 +1133,7 @@
           <a:p>
             <a:fld id="{C1FF6DA9-008F-8B48-92A6-B652298478BF}" type="slidenum">
               <a:rPr lang="en-US" smtClean="0"/>
-              <a:t>‹#›</a:t>
+              <a:t>‹N°›</a:t>
             </a:fld>
             <a:endParaRPr lang="en-US"/>
           </a:p>
@@ -1363,7 +1379,7 @@
           <a:p>
             <a:fld id="{5BCAD085-E8A6-8845-BD4E-CB4CCA059FC4}" type="datetimeFigureOut">
               <a:rPr lang="en-US" smtClean="0"/>
-              <a:t>1/27/13</a:t>
+              <a:t>10/25/2025</a:t>
             </a:fld>
             <a:endParaRPr lang="en-US"/>
           </a:p>
@@ -1405,7 +1421,7 @@
           <a:p>
             <a:fld id="{C1FF6DA9-008F-8B48-92A6-B652298478BF}" type="slidenum">
               <a:rPr lang="en-US" smtClean="0"/>
-              <a:t>‹#›</a:t>
+              <a:t>‹N°›</a:t>
             </a:fld>
             <a:endParaRPr lang="en-US"/>
           </a:p>
@@ -1785,7 +1801,7 @@
           <a:p>
             <a:fld id="{5BCAD085-E8A6-8845-BD4E-CB4CCA059FC4}" type="datetimeFigureOut">
               <a:rPr lang="en-US" smtClean="0"/>
-              <a:t>1/27/13</a:t>
+              <a:t>10/25/2025</a:t>
             </a:fld>
             <a:endParaRPr lang="en-US"/>
           </a:p>
@@ -1827,7 +1843,7 @@
           <a:p>
             <a:fld id="{C1FF6DA9-008F-8B48-92A6-B652298478BF}" type="slidenum">
               <a:rPr lang="en-US" smtClean="0"/>
-              <a:t>‹#›</a:t>
+              <a:t>‹N°›</a:t>
             </a:fld>
             <a:endParaRPr lang="en-US"/>
           </a:p>
@@ -1903,7 +1919,7 @@
           <a:p>
             <a:fld id="{5BCAD085-E8A6-8845-BD4E-CB4CCA059FC4}" type="datetimeFigureOut">
               <a:rPr lang="en-US" smtClean="0"/>
-              <a:t>1/27/13</a:t>
+              <a:t>10/25/2025</a:t>
             </a:fld>
             <a:endParaRPr lang="en-US"/>
           </a:p>
@@ -1945,7 +1961,7 @@
           <a:p>
             <a:fld id="{C1FF6DA9-008F-8B48-92A6-B652298478BF}" type="slidenum">
               <a:rPr lang="en-US" smtClean="0"/>
-              <a:t>‹#›</a:t>
+              <a:t>‹N°›</a:t>
             </a:fld>
             <a:endParaRPr lang="en-US"/>
           </a:p>
@@ -1998,7 +2014,7 @@
           <a:p>
             <a:fld id="{5BCAD085-E8A6-8845-BD4E-CB4CCA059FC4}" type="datetimeFigureOut">
               <a:rPr lang="en-US" smtClean="0"/>
-              <a:t>1/27/13</a:t>
+              <a:t>10/25/2025</a:t>
             </a:fld>
             <a:endParaRPr lang="en-US"/>
           </a:p>
@@ -2040,7 +2056,7 @@
           <a:p>
             <a:fld id="{C1FF6DA9-008F-8B48-92A6-B652298478BF}" type="slidenum">
               <a:rPr lang="en-US" smtClean="0"/>
-              <a:t>‹#›</a:t>
+              <a:t>‹N°›</a:t>
             </a:fld>
             <a:endParaRPr lang="en-US"/>
           </a:p>
@@ -2275,7 +2291,7 @@
           <a:p>
             <a:fld id="{5BCAD085-E8A6-8845-BD4E-CB4CCA059FC4}" type="datetimeFigureOut">
               <a:rPr lang="en-US" smtClean="0"/>
-              <a:t>1/27/13</a:t>
+              <a:t>10/25/2025</a:t>
             </a:fld>
             <a:endParaRPr lang="en-US"/>
           </a:p>
@@ -2317,7 +2333,7 @@
           <a:p>
             <a:fld id="{C1FF6DA9-008F-8B48-92A6-B652298478BF}" type="slidenum">
               <a:rPr lang="en-US" smtClean="0"/>
-              <a:t>‹#›</a:t>
+              <a:t>‹N°›</a:t>
             </a:fld>
             <a:endParaRPr lang="en-US"/>
           </a:p>
@@ -2528,7 +2544,7 @@
           <a:p>
             <a:fld id="{5BCAD085-E8A6-8845-BD4E-CB4CCA059FC4}" type="datetimeFigureOut">
               <a:rPr lang="en-US" smtClean="0"/>
-              <a:t>1/27/13</a:t>
+              <a:t>10/25/2025</a:t>
             </a:fld>
             <a:endParaRPr lang="en-US"/>
           </a:p>
@@ -2570,7 +2586,7 @@
           <a:p>
             <a:fld id="{C1FF6DA9-008F-8B48-92A6-B652298478BF}" type="slidenum">
               <a:rPr lang="en-US" smtClean="0"/>
-              <a:t>‹#›</a:t>
+              <a:t>‹N°›</a:t>
             </a:fld>
             <a:endParaRPr lang="en-US"/>
           </a:p>
@@ -2741,7 +2757,7 @@
           <a:p>
             <a:fld id="{5BCAD085-E8A6-8845-BD4E-CB4CCA059FC4}" type="datetimeFigureOut">
               <a:rPr lang="en-US" smtClean="0"/>
-              <a:t>1/27/13</a:t>
+              <a:t>10/25/2025</a:t>
             </a:fld>
             <a:endParaRPr lang="en-US"/>
           </a:p>
@@ -2819,7 +2835,7 @@
           <a:p>
             <a:fld id="{C1FF6DA9-008F-8B48-92A6-B652298478BF}" type="slidenum">
               <a:rPr lang="en-US" smtClean="0"/>
-              <a:t>‹#›</a:t>
+              <a:t>‹N°›</a:t>
             </a:fld>
             <a:endParaRPr lang="en-US"/>
           </a:p>
@@ -3100,7 +3116,7 @@
 </file>
 
 <file path=ppt/slides/slide1.xml><?xml version="1.0" encoding="utf-8"?>
-<p:sld xmlns:a="http://schemas.openxmlformats.org/drawingml/2006/main" xmlns:p="http://schemas.openxmlformats.org/presentationml/2006/main" xmlns:r="http://schemas.openxmlformats.org/officeDocument/2006/relationships">
+<p:sld xmlns:a="http://schemas.openxmlformats.org/drawingml/2006/main" xmlns:r="http://schemas.openxmlformats.org/officeDocument/2006/relationships" xmlns:p="http://schemas.openxmlformats.org/presentationml/2006/main">
   <p:cSld>
     <p:spTree>
       <p:nvGrpSpPr>
@@ -3108,7 +3124,14 @@
         <p:cNvGrpSpPr/>
         <p:nvPr/>
       </p:nvGrpSpPr>
-      <p:grpSpPr/>
+      <p:grpSpPr>
+        <a:xfrm>
+          <a:off x="0" y="0"/>
+          <a:ext cx="0" cy="0"/>
+          <a:chOff x="0" y="0"/>
+          <a:chExt cx="0" cy="0"/>
+        </a:xfrm>
+      </p:grpSpPr>
       <p:sp>
         <p:nvSpPr>
           <p:cNvPr id="2" name="Title 1"/>
@@ -3121,7 +3144,9 @@
         </p:nvSpPr>
         <p:spPr/>
         <p:txBody>
-          <a:bodyPr/>
+          <a:bodyPr>
+            <a:normAutofit fontScale="90000"/>
+          </a:bodyPr>
           <a:lstStyle/>
           <a:p>
             <a:pPr>
@@ -3154,16 +3179,22 @@
         </p:nvSpPr>
         <p:spPr/>
         <p:txBody>
-          <a:bodyPr/>
-          <a:lstStyle/>
-          <a:p>
-            <a:r>
+          <a:bodyPr>
+            <a:normAutofit fontScale="85000" lnSpcReduction="10000"/>
+          </a:bodyPr>
+          <a:lstStyle/>
+          <a:p>
+            <a:r>
+              <a:rPr dirty="0"/>
               <a:t>Breast Cancer Classification using Random Forest</a:t>
             </a:r>
           </a:p>
-          <a:p/>
-          <a:p>
-            <a:r>
+          <a:p>
+            <a:endParaRPr dirty="0"/>
+          </a:p>
+          <a:p>
+            <a:r>
+              <a:rPr dirty="0"/>
               <a:t>Your Name | Your University | October 2025</a:t>
             </a:r>
           </a:p>
@@ -3178,7 +3209,7 @@
 </file>
 
 <file path=ppt/slides/slide10.xml><?xml version="1.0" encoding="utf-8"?>
-<p:sld xmlns:a="http://schemas.openxmlformats.org/drawingml/2006/main" xmlns:p="http://schemas.openxmlformats.org/presentationml/2006/main" xmlns:r="http://schemas.openxmlformats.org/officeDocument/2006/relationships">
+<p:sld xmlns:a="http://schemas.openxmlformats.org/drawingml/2006/main" xmlns:r="http://schemas.openxmlformats.org/officeDocument/2006/relationships" xmlns:p="http://schemas.openxmlformats.org/presentationml/2006/main">
   <p:cSld>
     <p:spTree>
       <p:nvGrpSpPr>
@@ -3186,7 +3217,14 @@
         <p:cNvGrpSpPr/>
         <p:nvPr/>
       </p:nvGrpSpPr>
-      <p:grpSpPr/>
+      <p:grpSpPr>
+        <a:xfrm>
+          <a:off x="0" y="0"/>
+          <a:ext cx="0" cy="0"/>
+          <a:chOff x="0" y="0"/>
+          <a:chExt cx="0" cy="0"/>
+        </a:xfrm>
+      </p:grpSpPr>
       <p:sp>
         <p:nvSpPr>
           <p:cNvPr id="2" name="Title 1"/>
@@ -3227,7 +3265,9 @@
         </p:nvSpPr>
         <p:spPr/>
         <p:txBody>
-          <a:bodyPr/>
+          <a:bodyPr>
+            <a:normAutofit fontScale="92500" lnSpcReduction="20000"/>
+          </a:bodyPr>
           <a:lstStyle/>
           <a:p>
             <a:pPr>
@@ -3318,14 +3358,10 @@
             </a:r>
           </a:p>
           <a:p>
+            <a:r>
+              <a:t/>
+            </a:r>
             <a:br/>
-            <a:pPr>
-              <a:defRPr sz="1800" i="1">
-                <a:solidFill>
-                  <a:srgbClr val="3498DB"/>
-                </a:solidFill>
-              </a:defRPr>
-            </a:pPr>
             <a:r>
               <a:t>Balanced selection: Mean, Error, and Worst statistics</a:t>
             </a:r>
@@ -3341,7 +3377,7 @@
 </file>
 
 <file path=ppt/slides/slide11.xml><?xml version="1.0" encoding="utf-8"?>
-<p:sld xmlns:a="http://schemas.openxmlformats.org/drawingml/2006/main" xmlns:p="http://schemas.openxmlformats.org/presentationml/2006/main" xmlns:r="http://schemas.openxmlformats.org/officeDocument/2006/relationships">
+<p:sld xmlns:a="http://schemas.openxmlformats.org/drawingml/2006/main" xmlns:r="http://schemas.openxmlformats.org/officeDocument/2006/relationships" xmlns:p="http://schemas.openxmlformats.org/presentationml/2006/main">
   <p:cSld>
     <p:spTree>
       <p:nvGrpSpPr>
@@ -3349,7 +3385,14 @@
         <p:cNvGrpSpPr/>
         <p:nvPr/>
       </p:nvGrpSpPr>
-      <p:grpSpPr/>
+      <p:grpSpPr>
+        <a:xfrm>
+          <a:off x="0" y="0"/>
+          <a:ext cx="0" cy="0"/>
+          <a:chOff x="0" y="0"/>
+          <a:chExt cx="0" cy="0"/>
+        </a:xfrm>
+      </p:grpSpPr>
       <p:sp>
         <p:nvSpPr>
           <p:cNvPr id="2" name="Title 1"/>
@@ -3392,7 +3435,9 @@
         <p:txBody>
           <a:bodyPr/>
           <a:lstStyle/>
-          <a:p/>
+          <a:p>
+            <a:endParaRPr/>
+          </a:p>
         </p:txBody>
       </p:sp>
       <p:pic>
@@ -3459,7 +3504,7 @@
 </file>
 
 <file path=ppt/slides/slide12.xml><?xml version="1.0" encoding="utf-8"?>
-<p:sld xmlns:a="http://schemas.openxmlformats.org/drawingml/2006/main" xmlns:p="http://schemas.openxmlformats.org/presentationml/2006/main" xmlns:r="http://schemas.openxmlformats.org/officeDocument/2006/relationships">
+<p:sld xmlns:a="http://schemas.openxmlformats.org/drawingml/2006/main" xmlns:r="http://schemas.openxmlformats.org/officeDocument/2006/relationships" xmlns:p="http://schemas.openxmlformats.org/presentationml/2006/main">
   <p:cSld>
     <p:spTree>
       <p:nvGrpSpPr>
@@ -3467,7 +3512,14 @@
         <p:cNvGrpSpPr/>
         <p:nvPr/>
       </p:nvGrpSpPr>
-      <p:grpSpPr/>
+      <p:grpSpPr>
+        <a:xfrm>
+          <a:off x="0" y="0"/>
+          <a:ext cx="0" cy="0"/>
+          <a:chOff x="0" y="0"/>
+          <a:chExt cx="0" cy="0"/>
+        </a:xfrm>
+      </p:grpSpPr>
       <p:sp>
         <p:nvSpPr>
           <p:cNvPr id="2" name="Title 1"/>
@@ -3510,7 +3562,9 @@
         <p:txBody>
           <a:bodyPr/>
           <a:lstStyle/>
-          <a:p/>
+          <a:p>
+            <a:endParaRPr/>
+          </a:p>
         </p:txBody>
       </p:sp>
       <p:sp>
@@ -3535,12 +3589,10 @@
           </a:bodyPr>
           <a:lstStyle/>
           <a:p>
+            <a:r>
+              <a:t/>
+            </a:r>
             <a:br/>
-            <a:pPr>
-              <a:defRPr sz="1600">
-                <a:latin typeface="Courier New"/>
-              </a:defRPr>
-            </a:pPr>
             <a:r>
               <a:t>Rank  Model                    Accuracy    Features</a:t>
             </a:r>
@@ -3577,6 +3629,7 @@
               <a:t>7     DIO-Optimized RF        94.72%      8  ⭐</a:t>
             </a:r>
             <a:br/>
+            <a:endParaRPr/>
           </a:p>
         </p:txBody>
       </p:sp>
@@ -3589,7 +3642,7 @@
 </file>
 
 <file path=ppt/slides/slide13.xml><?xml version="1.0" encoding="utf-8"?>
-<p:sld xmlns:a="http://schemas.openxmlformats.org/drawingml/2006/main" xmlns:p="http://schemas.openxmlformats.org/presentationml/2006/main" xmlns:r="http://schemas.openxmlformats.org/officeDocument/2006/relationships">
+<p:sld xmlns:a="http://schemas.openxmlformats.org/drawingml/2006/main" xmlns:r="http://schemas.openxmlformats.org/officeDocument/2006/relationships" xmlns:p="http://schemas.openxmlformats.org/presentationml/2006/main">
   <p:cSld>
     <p:spTree>
       <p:nvGrpSpPr>
@@ -3597,7 +3650,14 @@
         <p:cNvGrpSpPr/>
         <p:nvPr/>
       </p:nvGrpSpPr>
-      <p:grpSpPr/>
+      <p:grpSpPr>
+        <a:xfrm>
+          <a:off x="0" y="0"/>
+          <a:ext cx="0" cy="0"/>
+          <a:chOff x="0" y="0"/>
+          <a:chExt cx="0" cy="0"/>
+        </a:xfrm>
+      </p:grpSpPr>
       <p:sp>
         <p:nvSpPr>
           <p:cNvPr id="2" name="Title 1"/>
@@ -3728,7 +3788,7 @@
 </file>
 
 <file path=ppt/slides/slide14.xml><?xml version="1.0" encoding="utf-8"?>
-<p:sld xmlns:a="http://schemas.openxmlformats.org/drawingml/2006/main" xmlns:p="http://schemas.openxmlformats.org/presentationml/2006/main" xmlns:r="http://schemas.openxmlformats.org/officeDocument/2006/relationships">
+<p:sld xmlns:a="http://schemas.openxmlformats.org/drawingml/2006/main" xmlns:r="http://schemas.openxmlformats.org/officeDocument/2006/relationships" xmlns:p="http://schemas.openxmlformats.org/presentationml/2006/main">
   <p:cSld>
     <p:spTree>
       <p:nvGrpSpPr>
@@ -3736,7 +3796,14 @@
         <p:cNvGrpSpPr/>
         <p:nvPr/>
       </p:nvGrpSpPr>
-      <p:grpSpPr/>
+      <p:grpSpPr>
+        <a:xfrm>
+          <a:off x="0" y="0"/>
+          <a:ext cx="0" cy="0"/>
+          <a:chOff x="0" y="0"/>
+          <a:chExt cx="0" cy="0"/>
+        </a:xfrm>
+      </p:grpSpPr>
       <p:sp>
         <p:nvSpPr>
           <p:cNvPr id="2" name="Title 1"/>
@@ -3779,7 +3846,9 @@
         <p:txBody>
           <a:bodyPr/>
           <a:lstStyle/>
-          <a:p/>
+          <a:p>
+            <a:endParaRPr/>
+          </a:p>
         </p:txBody>
       </p:sp>
       <p:sp>
@@ -3818,6 +3887,7 @@
               </a:spcAft>
               <a:defRPr sz="1800"/>
             </a:pPr>
+            <a:endParaRPr/>
           </a:p>
           <a:p>
             <a:pPr>
@@ -3881,6 +3951,7 @@
               </a:spcAft>
               <a:defRPr sz="1800"/>
             </a:pPr>
+            <a:endParaRPr/>
           </a:p>
           <a:p>
             <a:pPr>
@@ -3900,6 +3971,7 @@
               </a:spcAft>
               <a:defRPr sz="1800"/>
             </a:pPr>
+            <a:endParaRPr/>
           </a:p>
           <a:p>
             <a:pPr>
@@ -3923,7 +3995,7 @@
 </file>
 
 <file path=ppt/slides/slide15.xml><?xml version="1.0" encoding="utf-8"?>
-<p:sld xmlns:a="http://schemas.openxmlformats.org/drawingml/2006/main" xmlns:p="http://schemas.openxmlformats.org/presentationml/2006/main" xmlns:r="http://schemas.openxmlformats.org/officeDocument/2006/relationships">
+<p:sld xmlns:a="http://schemas.openxmlformats.org/drawingml/2006/main" xmlns:r="http://schemas.openxmlformats.org/officeDocument/2006/relationships" xmlns:p="http://schemas.openxmlformats.org/presentationml/2006/main">
   <p:cSld>
     <p:spTree>
       <p:nvGrpSpPr>
@@ -3931,7 +4003,14 @@
         <p:cNvGrpSpPr/>
         <p:nvPr/>
       </p:nvGrpSpPr>
-      <p:grpSpPr/>
+      <p:grpSpPr>
+        <a:xfrm>
+          <a:off x="0" y="0"/>
+          <a:ext cx="0" cy="0"/>
+          <a:chOff x="0" y="0"/>
+          <a:chExt cx="0" cy="0"/>
+        </a:xfrm>
+      </p:grpSpPr>
       <p:sp>
         <p:nvSpPr>
           <p:cNvPr id="2" name="Title 1"/>
@@ -3974,7 +4053,9 @@
         <p:txBody>
           <a:bodyPr/>
           <a:lstStyle/>
-          <a:p/>
+          <a:p>
+            <a:endParaRPr/>
+          </a:p>
         </p:txBody>
       </p:sp>
       <p:sp>
@@ -4017,6 +4098,7 @@
               </a:spcAft>
               <a:defRPr sz="1800"/>
             </a:pPr>
+            <a:endParaRPr/>
           </a:p>
           <a:p>
             <a:pPr>
@@ -4058,6 +4140,7 @@
               </a:spcAft>
               <a:defRPr sz="1800"/>
             </a:pPr>
+            <a:endParaRPr/>
           </a:p>
           <a:p>
             <a:pPr>
@@ -4136,7 +4219,7 @@
 </file>
 
 <file path=ppt/slides/slide16.xml><?xml version="1.0" encoding="utf-8"?>
-<p:sld xmlns:a="http://schemas.openxmlformats.org/drawingml/2006/main" xmlns:p="http://schemas.openxmlformats.org/presentationml/2006/main" xmlns:r="http://schemas.openxmlformats.org/officeDocument/2006/relationships">
+<p:sld xmlns:a="http://schemas.openxmlformats.org/drawingml/2006/main" xmlns:r="http://schemas.openxmlformats.org/officeDocument/2006/relationships" xmlns:p="http://schemas.openxmlformats.org/presentationml/2006/main">
   <p:cSld>
     <p:spTree>
       <p:nvGrpSpPr>
@@ -4144,7 +4227,14 @@
         <p:cNvGrpSpPr/>
         <p:nvPr/>
       </p:nvGrpSpPr>
-      <p:grpSpPr/>
+      <p:grpSpPr>
+        <a:xfrm>
+          <a:off x="0" y="0"/>
+          <a:ext cx="0" cy="0"/>
+          <a:chOff x="0" y="0"/>
+          <a:chExt cx="0" cy="0"/>
+        </a:xfrm>
+      </p:grpSpPr>
       <p:sp>
         <p:nvSpPr>
           <p:cNvPr id="2" name="Title 1"/>
@@ -4273,7 +4363,7 @@
 </file>
 
 <file path=ppt/slides/slide17.xml><?xml version="1.0" encoding="utf-8"?>
-<p:sld xmlns:a="http://schemas.openxmlformats.org/drawingml/2006/main" xmlns:p="http://schemas.openxmlformats.org/presentationml/2006/main" xmlns:r="http://schemas.openxmlformats.org/officeDocument/2006/relationships">
+<p:sld xmlns:a="http://schemas.openxmlformats.org/drawingml/2006/main" xmlns:r="http://schemas.openxmlformats.org/officeDocument/2006/relationships" xmlns:p="http://schemas.openxmlformats.org/presentationml/2006/main">
   <p:cSld>
     <p:spTree>
       <p:nvGrpSpPr>
@@ -4281,7 +4371,14 @@
         <p:cNvGrpSpPr/>
         <p:nvPr/>
       </p:nvGrpSpPr>
-      <p:grpSpPr/>
+      <p:grpSpPr>
+        <a:xfrm>
+          <a:off x="0" y="0"/>
+          <a:ext cx="0" cy="0"/>
+          <a:chOff x="0" y="0"/>
+          <a:chExt cx="0" cy="0"/>
+        </a:xfrm>
+      </p:grpSpPr>
       <p:sp>
         <p:nvSpPr>
           <p:cNvPr id="2" name="Title 1"/>
@@ -4342,6 +4439,7 @@
               </a:spcAft>
               <a:defRPr sz="1800"/>
             </a:pPr>
+            <a:endParaRPr/>
           </a:p>
           <a:p>
             <a:pPr>
@@ -4379,7 +4477,7 @@
             </a:r>
           </a:p>
           <a:p>
-            <a:pPr/>
+            <a:endParaRPr/>
           </a:p>
           <a:p>
             <a:pPr>
@@ -4412,7 +4510,7 @@
 </file>
 
 <file path=ppt/slides/slide18.xml><?xml version="1.0" encoding="utf-8"?>
-<p:sld xmlns:a="http://schemas.openxmlformats.org/drawingml/2006/main" xmlns:p="http://schemas.openxmlformats.org/presentationml/2006/main" xmlns:r="http://schemas.openxmlformats.org/officeDocument/2006/relationships">
+<p:sld xmlns:a="http://schemas.openxmlformats.org/drawingml/2006/main" xmlns:r="http://schemas.openxmlformats.org/officeDocument/2006/relationships" xmlns:p="http://schemas.openxmlformats.org/presentationml/2006/main">
   <p:cSld>
     <p:spTree>
       <p:nvGrpSpPr>
@@ -4420,7 +4518,14 @@
         <p:cNvGrpSpPr/>
         <p:nvPr/>
       </p:nvGrpSpPr>
-      <p:grpSpPr/>
+      <p:grpSpPr>
+        <a:xfrm>
+          <a:off x="0" y="0"/>
+          <a:ext cx="0" cy="0"/>
+          <a:chOff x="0" y="0"/>
+          <a:chExt cx="0" cy="0"/>
+        </a:xfrm>
+      </p:grpSpPr>
       <p:sp>
         <p:nvSpPr>
           <p:cNvPr id="2" name="Title 1"/>
@@ -4540,7 +4645,7 @@
 </file>
 
 <file path=ppt/slides/slide19.xml><?xml version="1.0" encoding="utf-8"?>
-<p:sld xmlns:a="http://schemas.openxmlformats.org/drawingml/2006/main" xmlns:p="http://schemas.openxmlformats.org/presentationml/2006/main" xmlns:r="http://schemas.openxmlformats.org/officeDocument/2006/relationships">
+<p:sld xmlns:a="http://schemas.openxmlformats.org/drawingml/2006/main" xmlns:r="http://schemas.openxmlformats.org/officeDocument/2006/relationships" xmlns:p="http://schemas.openxmlformats.org/presentationml/2006/main">
   <p:cSld>
     <p:spTree>
       <p:nvGrpSpPr>
@@ -4548,7 +4653,14 @@
         <p:cNvGrpSpPr/>
         <p:nvPr/>
       </p:nvGrpSpPr>
-      <p:grpSpPr/>
+      <p:grpSpPr>
+        <a:xfrm>
+          <a:off x="0" y="0"/>
+          <a:ext cx="0" cy="0"/>
+          <a:chOff x="0" y="0"/>
+          <a:chExt cx="0" cy="0"/>
+        </a:xfrm>
+      </p:grpSpPr>
       <p:sp>
         <p:nvSpPr>
           <p:cNvPr id="2" name="Title 1"/>
@@ -4679,7 +4791,7 @@
 </file>
 
 <file path=ppt/slides/slide2.xml><?xml version="1.0" encoding="utf-8"?>
-<p:sld xmlns:a="http://schemas.openxmlformats.org/drawingml/2006/main" xmlns:p="http://schemas.openxmlformats.org/presentationml/2006/main" xmlns:r="http://schemas.openxmlformats.org/officeDocument/2006/relationships">
+<p:sld xmlns:a="http://schemas.openxmlformats.org/drawingml/2006/main" xmlns:r="http://schemas.openxmlformats.org/officeDocument/2006/relationships" xmlns:p="http://schemas.openxmlformats.org/presentationml/2006/main">
   <p:cSld>
     <p:spTree>
       <p:nvGrpSpPr>
@@ -4687,7 +4799,14 @@
         <p:cNvGrpSpPr/>
         <p:nvPr/>
       </p:nvGrpSpPr>
-      <p:grpSpPr/>
+      <p:grpSpPr>
+        <a:xfrm>
+          <a:off x="0" y="0"/>
+          <a:ext cx="0" cy="0"/>
+          <a:chOff x="0" y="0"/>
+          <a:chExt cx="0" cy="0"/>
+        </a:xfrm>
+      </p:grpSpPr>
       <p:sp>
         <p:nvSpPr>
           <p:cNvPr id="2" name="Title 1"/>
@@ -4840,7 +4959,7 @@
 </file>
 
 <file path=ppt/slides/slide20.xml><?xml version="1.0" encoding="utf-8"?>
-<p:sld xmlns:a="http://schemas.openxmlformats.org/drawingml/2006/main" xmlns:p="http://schemas.openxmlformats.org/presentationml/2006/main" xmlns:r="http://schemas.openxmlformats.org/officeDocument/2006/relationships">
+<p:sld xmlns:a="http://schemas.openxmlformats.org/drawingml/2006/main" xmlns:r="http://schemas.openxmlformats.org/officeDocument/2006/relationships" xmlns:p="http://schemas.openxmlformats.org/presentationml/2006/main">
   <p:cSld>
     <p:spTree>
       <p:nvGrpSpPr>
@@ -4848,7 +4967,14 @@
         <p:cNvGrpSpPr/>
         <p:nvPr/>
       </p:nvGrpSpPr>
-      <p:grpSpPr/>
+      <p:grpSpPr>
+        <a:xfrm>
+          <a:off x="0" y="0"/>
+          <a:ext cx="0" cy="0"/>
+          <a:chOff x="0" y="0"/>
+          <a:chExt cx="0" cy="0"/>
+        </a:xfrm>
+      </p:grpSpPr>
       <p:sp>
         <p:nvSpPr>
           <p:cNvPr id="2" name="Title 1"/>
@@ -4979,7 +5105,7 @@
 </file>
 
 <file path=ppt/slides/slide21.xml><?xml version="1.0" encoding="utf-8"?>
-<p:sld xmlns:a="http://schemas.openxmlformats.org/drawingml/2006/main" xmlns:p="http://schemas.openxmlformats.org/presentationml/2006/main" xmlns:r="http://schemas.openxmlformats.org/officeDocument/2006/relationships">
+<p:sld xmlns:a="http://schemas.openxmlformats.org/drawingml/2006/main" xmlns:r="http://schemas.openxmlformats.org/officeDocument/2006/relationships" xmlns:p="http://schemas.openxmlformats.org/presentationml/2006/main">
   <p:cSld>
     <p:spTree>
       <p:nvGrpSpPr>
@@ -4987,7 +5113,14 @@
         <p:cNvGrpSpPr/>
         <p:nvPr/>
       </p:nvGrpSpPr>
-      <p:grpSpPr/>
+      <p:grpSpPr>
+        <a:xfrm>
+          <a:off x="0" y="0"/>
+          <a:ext cx="0" cy="0"/>
+          <a:chOff x="0" y="0"/>
+          <a:chExt cx="0" cy="0"/>
+        </a:xfrm>
+      </p:grpSpPr>
       <p:sp>
         <p:nvSpPr>
           <p:cNvPr id="2" name="Title 1"/>
@@ -5030,7 +5163,9 @@
         <p:txBody>
           <a:bodyPr/>
           <a:lstStyle/>
-          <a:p/>
+          <a:p>
+            <a:endParaRPr/>
+          </a:p>
         </p:txBody>
       </p:sp>
       <p:sp>
@@ -5072,6 +5207,7 @@
               </a:spcAft>
               <a:defRPr sz="2000"/>
             </a:pPr>
+            <a:endParaRPr/>
           </a:p>
           <a:p>
             <a:pPr>
@@ -5124,6 +5260,7 @@
               </a:spcAft>
               <a:defRPr sz="2000"/>
             </a:pPr>
+            <a:endParaRPr/>
           </a:p>
           <a:p>
             <a:pPr>
@@ -5143,6 +5280,7 @@
               </a:spcAft>
               <a:defRPr sz="2000"/>
             </a:pPr>
+            <a:endParaRPr/>
           </a:p>
           <a:p>
             <a:pPr>
@@ -5166,7 +5304,7 @@
 </file>
 
 <file path=ppt/slides/slide22.xml><?xml version="1.0" encoding="utf-8"?>
-<p:sld xmlns:a="http://schemas.openxmlformats.org/drawingml/2006/main" xmlns:p="http://schemas.openxmlformats.org/presentationml/2006/main" xmlns:r="http://schemas.openxmlformats.org/officeDocument/2006/relationships">
+<p:sld xmlns:a="http://schemas.openxmlformats.org/drawingml/2006/main" xmlns:r="http://schemas.openxmlformats.org/officeDocument/2006/relationships" xmlns:p="http://schemas.openxmlformats.org/presentationml/2006/main">
   <p:cSld>
     <p:spTree>
       <p:nvGrpSpPr>
@@ -5174,7 +5312,14 @@
         <p:cNvGrpSpPr/>
         <p:nvPr/>
       </p:nvGrpSpPr>
-      <p:grpSpPr/>
+      <p:grpSpPr>
+        <a:xfrm>
+          <a:off x="0" y="0"/>
+          <a:ext cx="0" cy="0"/>
+          <a:chOff x="0" y="0"/>
+          <a:chExt cx="0" cy="0"/>
+        </a:xfrm>
+      </p:grpSpPr>
       <p:sp>
         <p:nvSpPr>
           <p:cNvPr id="2" name="TextBox 1"/>
@@ -5271,7 +5416,16 @@
               <a:defRPr sz="1800"/>
             </a:pPr>
             <a:r>
-              <a:t>GitHub: amine-dubs/dio-optimization</a:t>
+              <a:rPr dirty="0"/>
+              <a:t>GitHub: amine-dubs/</a:t>
+            </a:r>
+            <a:r>
+              <a:rPr dirty="0" err="1"/>
+              <a:t>dio</a:t>
+            </a:r>
+            <a:r>
+              <a:rPr dirty="0"/>
+              <a:t>-optimization</a:t>
             </a:r>
           </a:p>
           <a:p>
@@ -5279,14 +5433,21 @@
               <a:defRPr sz="1800"/>
             </a:pPr>
             <a:r>
-              <a:t>Email: your.email@university.edu</a:t>
-            </a:r>
+              <a:rPr dirty="0" smtClean="0"/>
+              <a:t>Email:</a:t>
+            </a:r>
+            <a:r>
+              <a:rPr lang="fr-FR" dirty="0"/>
+              <a:t>222237259301@etu.univ-usto.dz</a:t>
+            </a:r>
+            <a:endParaRPr dirty="0"/>
           </a:p>
           <a:p>
             <a:pPr algn="ctr">
               <a:defRPr sz="1800"/>
             </a:pPr>
             <a:r>
+              <a:rPr dirty="0"/>
               <a:t>Dataset: UCI Machine Learning Repository</a:t>
             </a:r>
           </a:p>
@@ -5301,7 +5462,7 @@
 </file>
 
 <file path=ppt/slides/slide3.xml><?xml version="1.0" encoding="utf-8"?>
-<p:sld xmlns:a="http://schemas.openxmlformats.org/drawingml/2006/main" xmlns:p="http://schemas.openxmlformats.org/presentationml/2006/main" xmlns:r="http://schemas.openxmlformats.org/officeDocument/2006/relationships">
+<p:sld xmlns:a="http://schemas.openxmlformats.org/drawingml/2006/main" xmlns:r="http://schemas.openxmlformats.org/officeDocument/2006/relationships" xmlns:p="http://schemas.openxmlformats.org/presentationml/2006/main">
   <p:cSld>
     <p:spTree>
       <p:nvGrpSpPr>
@@ -5309,7 +5470,14 @@
         <p:cNvGrpSpPr/>
         <p:nvPr/>
       </p:nvGrpSpPr>
-      <p:grpSpPr/>
+      <p:grpSpPr>
+        <a:xfrm>
+          <a:off x="0" y="0"/>
+          <a:ext cx="0" cy="0"/>
+          <a:chOff x="0" y="0"/>
+          <a:chExt cx="0" cy="0"/>
+        </a:xfrm>
+      </p:grpSpPr>
       <p:sp>
         <p:nvSpPr>
           <p:cNvPr id="2" name="Title 1"/>
@@ -5418,7 +5586,7 @@
 </file>
 
 <file path=ppt/slides/slide4.xml><?xml version="1.0" encoding="utf-8"?>
-<p:sld xmlns:a="http://schemas.openxmlformats.org/drawingml/2006/main" xmlns:p="http://schemas.openxmlformats.org/presentationml/2006/main" xmlns:r="http://schemas.openxmlformats.org/officeDocument/2006/relationships">
+<p:sld xmlns:a="http://schemas.openxmlformats.org/drawingml/2006/main" xmlns:r="http://schemas.openxmlformats.org/officeDocument/2006/relationships" xmlns:p="http://schemas.openxmlformats.org/presentationml/2006/main">
   <p:cSld>
     <p:spTree>
       <p:nvGrpSpPr>
@@ -5426,7 +5594,14 @@
         <p:cNvGrpSpPr/>
         <p:nvPr/>
       </p:nvGrpSpPr>
-      <p:grpSpPr/>
+      <p:grpSpPr>
+        <a:xfrm>
+          <a:off x="0" y="0"/>
+          <a:ext cx="0" cy="0"/>
+          <a:chOff x="0" y="0"/>
+          <a:chExt cx="0" cy="0"/>
+        </a:xfrm>
+      </p:grpSpPr>
       <p:sp>
         <p:nvSpPr>
           <p:cNvPr id="2" name="Title 1"/>
@@ -5545,7 +5720,7 @@
 </file>
 
 <file path=ppt/slides/slide5.xml><?xml version="1.0" encoding="utf-8"?>
-<p:sld xmlns:a="http://schemas.openxmlformats.org/drawingml/2006/main" xmlns:p="http://schemas.openxmlformats.org/presentationml/2006/main" xmlns:r="http://schemas.openxmlformats.org/officeDocument/2006/relationships">
+<p:sld xmlns:a="http://schemas.openxmlformats.org/drawingml/2006/main" xmlns:r="http://schemas.openxmlformats.org/officeDocument/2006/relationships" xmlns:p="http://schemas.openxmlformats.org/presentationml/2006/main">
   <p:cSld>
     <p:spTree>
       <p:nvGrpSpPr>
@@ -5553,7 +5728,14 @@
         <p:cNvGrpSpPr/>
         <p:nvPr/>
       </p:nvGrpSpPr>
-      <p:grpSpPr/>
+      <p:grpSpPr>
+        <a:xfrm>
+          <a:off x="0" y="0"/>
+          <a:ext cx="0" cy="0"/>
+          <a:chOff x="0" y="0"/>
+          <a:chExt cx="0" cy="0"/>
+        </a:xfrm>
+      </p:grpSpPr>
       <p:sp>
         <p:nvSpPr>
           <p:cNvPr id="2" name="Title 1"/>
@@ -5614,6 +5796,7 @@
               </a:spcAft>
               <a:defRPr sz="1800"/>
             </a:pPr>
+            <a:endParaRPr/>
           </a:p>
           <a:p>
             <a:pPr>
@@ -5655,6 +5838,7 @@
               </a:spcAft>
               <a:defRPr sz="1800"/>
             </a:pPr>
+            <a:endParaRPr/>
           </a:p>
           <a:p>
             <a:pPr>
@@ -5674,6 +5858,7 @@
               </a:spcAft>
               <a:defRPr sz="1800"/>
             </a:pPr>
+            <a:endParaRPr/>
           </a:p>
           <a:p>
             <a:pPr>
@@ -5697,7 +5882,7 @@
 </file>
 
 <file path=ppt/slides/slide6.xml><?xml version="1.0" encoding="utf-8"?>
-<p:sld xmlns:a="http://schemas.openxmlformats.org/drawingml/2006/main" xmlns:p="http://schemas.openxmlformats.org/presentationml/2006/main" xmlns:r="http://schemas.openxmlformats.org/officeDocument/2006/relationships">
+<p:sld xmlns:a="http://schemas.openxmlformats.org/drawingml/2006/main" xmlns:r="http://schemas.openxmlformats.org/officeDocument/2006/relationships" xmlns:p="http://schemas.openxmlformats.org/presentationml/2006/main">
   <p:cSld>
     <p:spTree>
       <p:nvGrpSpPr>
@@ -5705,7 +5890,14 @@
         <p:cNvGrpSpPr/>
         <p:nvPr/>
       </p:nvGrpSpPr>
-      <p:grpSpPr/>
+      <p:grpSpPr>
+        <a:xfrm>
+          <a:off x="0" y="0"/>
+          <a:ext cx="0" cy="0"/>
+          <a:chOff x="0" y="0"/>
+          <a:chExt cx="0" cy="0"/>
+        </a:xfrm>
+      </p:grpSpPr>
       <p:sp>
         <p:nvSpPr>
           <p:cNvPr id="2" name="Title 1"/>
@@ -5718,7 +5910,9 @@
         </p:nvSpPr>
         <p:spPr/>
         <p:txBody>
-          <a:bodyPr/>
+          <a:bodyPr>
+            <a:normAutofit fontScale="90000"/>
+          </a:bodyPr>
           <a:lstStyle/>
           <a:p>
             <a:pPr>
@@ -5818,7 +6012,7 @@
 </file>
 
 <file path=ppt/slides/slide7.xml><?xml version="1.0" encoding="utf-8"?>
-<p:sld xmlns:a="http://schemas.openxmlformats.org/drawingml/2006/main" xmlns:p="http://schemas.openxmlformats.org/presentationml/2006/main" xmlns:r="http://schemas.openxmlformats.org/officeDocument/2006/relationships">
+<p:sld xmlns:a="http://schemas.openxmlformats.org/drawingml/2006/main" xmlns:r="http://schemas.openxmlformats.org/officeDocument/2006/relationships" xmlns:p="http://schemas.openxmlformats.org/presentationml/2006/main">
   <p:cSld>
     <p:spTree>
       <p:nvGrpSpPr>
@@ -5826,7 +6020,14 @@
         <p:cNvGrpSpPr/>
         <p:nvPr/>
       </p:nvGrpSpPr>
-      <p:grpSpPr/>
+      <p:grpSpPr>
+        <a:xfrm>
+          <a:off x="0" y="0"/>
+          <a:ext cx="0" cy="0"/>
+          <a:chOff x="0" y="0"/>
+          <a:chExt cx="0" cy="0"/>
+        </a:xfrm>
+      </p:grpSpPr>
       <p:sp>
         <p:nvSpPr>
           <p:cNvPr id="2" name="Title 1"/>
@@ -5869,7 +6070,9 @@
         <p:txBody>
           <a:bodyPr/>
           <a:lstStyle/>
-          <a:p/>
+          <a:p>
+            <a:endParaRPr/>
+          </a:p>
         </p:txBody>
       </p:sp>
       <p:sp>
@@ -5979,7 +6182,7 @@
 </file>
 
 <file path=ppt/slides/slide8.xml><?xml version="1.0" encoding="utf-8"?>
-<p:sld xmlns:a="http://schemas.openxmlformats.org/drawingml/2006/main" xmlns:p="http://schemas.openxmlformats.org/presentationml/2006/main" xmlns:r="http://schemas.openxmlformats.org/officeDocument/2006/relationships">
+<p:sld xmlns:a="http://schemas.openxmlformats.org/drawingml/2006/main" xmlns:r="http://schemas.openxmlformats.org/officeDocument/2006/relationships" xmlns:p="http://schemas.openxmlformats.org/presentationml/2006/main">
   <p:cSld>
     <p:spTree>
       <p:nvGrpSpPr>
@@ -5987,7 +6190,14 @@
         <p:cNvGrpSpPr/>
         <p:nvPr/>
       </p:nvGrpSpPr>
-      <p:grpSpPr/>
+      <p:grpSpPr>
+        <a:xfrm>
+          <a:off x="0" y="0"/>
+          <a:ext cx="0" cy="0"/>
+          <a:chOff x="0" y="0"/>
+          <a:chExt cx="0" cy="0"/>
+        </a:xfrm>
+      </p:grpSpPr>
       <p:sp>
         <p:nvSpPr>
           <p:cNvPr id="2" name="Title 1"/>
@@ -6108,7 +6318,7 @@
 </file>
 
 <file path=ppt/slides/slide9.xml><?xml version="1.0" encoding="utf-8"?>
-<p:sld xmlns:a="http://schemas.openxmlformats.org/drawingml/2006/main" xmlns:p="http://schemas.openxmlformats.org/presentationml/2006/main" xmlns:r="http://schemas.openxmlformats.org/officeDocument/2006/relationships">
+<p:sld xmlns:a="http://schemas.openxmlformats.org/drawingml/2006/main" xmlns:r="http://schemas.openxmlformats.org/officeDocument/2006/relationships" xmlns:p="http://schemas.openxmlformats.org/presentationml/2006/main">
   <p:cSld>
     <p:spTree>
       <p:nvGrpSpPr>
@@ -6116,7 +6326,14 @@
         <p:cNvGrpSpPr/>
         <p:nvPr/>
       </p:nvGrpSpPr>
-      <p:grpSpPr/>
+      <p:grpSpPr>
+        <a:xfrm>
+          <a:off x="0" y="0"/>
+          <a:ext cx="0" cy="0"/>
+          <a:chOff x="0" y="0"/>
+          <a:chExt cx="0" cy="0"/>
+        </a:xfrm>
+      </p:grpSpPr>
       <p:sp>
         <p:nvSpPr>
           <p:cNvPr id="2" name="Title 1"/>
@@ -6159,7 +6376,9 @@
         <p:txBody>
           <a:bodyPr/>
           <a:lstStyle/>
-          <a:p/>
+          <a:p>
+            <a:endParaRPr/>
+          </a:p>
         </p:txBody>
       </p:sp>
       <p:sp>
@@ -6236,14 +6455,10 @@
             </a:r>
           </a:p>
           <a:p>
+            <a:r>
+              <a:t/>
+            </a:r>
             <a:br/>
-            <a:pPr>
-              <a:defRPr sz="2200" b="1">
-                <a:solidFill>
-                  <a:srgbClr val="2ECC71"/>
-                </a:solidFill>
-              </a:defRPr>
-            </a:pPr>
             <a:r>
               <a:t>Selected Features: 8 out of 30 (73% reduction!)</a:t>
             </a:r>

--- a/Presentation/DIO_Research_Presentation.pptx
+++ b/Presentation/DIO_Research_Presentation.pptx
@@ -5,28 +5,28 @@
     <p:sldMasterId id="2147483648" r:id="rId1"/>
   </p:sldMasterIdLst>
   <p:sldIdLst>
-    <p:sldId id="256" r:id="rId2"/>
-    <p:sldId id="257" r:id="rId3"/>
-    <p:sldId id="258" r:id="rId4"/>
-    <p:sldId id="259" r:id="rId5"/>
-    <p:sldId id="260" r:id="rId6"/>
-    <p:sldId id="261" r:id="rId7"/>
-    <p:sldId id="262" r:id="rId8"/>
-    <p:sldId id="263" r:id="rId9"/>
-    <p:sldId id="264" r:id="rId10"/>
-    <p:sldId id="265" r:id="rId11"/>
-    <p:sldId id="266" r:id="rId12"/>
-    <p:sldId id="267" r:id="rId13"/>
-    <p:sldId id="268" r:id="rId14"/>
-    <p:sldId id="269" r:id="rId15"/>
-    <p:sldId id="270" r:id="rId16"/>
-    <p:sldId id="271" r:id="rId17"/>
-    <p:sldId id="272" r:id="rId18"/>
-    <p:sldId id="273" r:id="rId19"/>
-    <p:sldId id="274" r:id="rId20"/>
-    <p:sldId id="275" r:id="rId21"/>
-    <p:sldId id="276" r:id="rId22"/>
-    <p:sldId id="277" r:id="rId23"/>
+    <p:sldId id="256" r:id="rId7"/>
+    <p:sldId id="257" r:id="rId8"/>
+    <p:sldId id="258" r:id="rId9"/>
+    <p:sldId id="259" r:id="rId10"/>
+    <p:sldId id="260" r:id="rId11"/>
+    <p:sldId id="261" r:id="rId12"/>
+    <p:sldId id="262" r:id="rId13"/>
+    <p:sldId id="263" r:id="rId14"/>
+    <p:sldId id="264" r:id="rId15"/>
+    <p:sldId id="265" r:id="rId16"/>
+    <p:sldId id="266" r:id="rId17"/>
+    <p:sldId id="267" r:id="rId18"/>
+    <p:sldId id="268" r:id="rId19"/>
+    <p:sldId id="269" r:id="rId20"/>
+    <p:sldId id="270" r:id="rId21"/>
+    <p:sldId id="271" r:id="rId22"/>
+    <p:sldId id="272" r:id="rId23"/>
+    <p:sldId id="273" r:id="rId24"/>
+    <p:sldId id="274" r:id="rId25"/>
+    <p:sldId id="275" r:id="rId26"/>
+    <p:sldId id="276" r:id="rId27"/>
+    <p:sldId id="277" r:id="rId28"/>
   </p:sldIdLst>
   <p:sldSz cx="9144000" cy="6858000" type="screen4x3"/>
   <p:notesSz cx="6858000" cy="9144000"/>
@@ -125,22 +125,6 @@
       </a:defRPr>
     </a:lvl9pPr>
   </p:defaultTextStyle>
-  <p:extLst>
-    <p:ext uri="{EFAFB233-063F-42B5-8137-9DF3F51BA10A}">
-      <p15:sldGuideLst xmlns:p15="http://schemas.microsoft.com/office/powerpoint/2012/main">
-        <p15:guide id="1" orient="horz" pos="2160">
-          <p15:clr>
-            <a:srgbClr val="A4A3A4"/>
-          </p15:clr>
-        </p15:guide>
-        <p15:guide id="2" pos="2880">
-          <p15:clr>
-            <a:srgbClr val="A4A3A4"/>
-          </p15:clr>
-        </p15:guide>
-      </p15:sldGuideLst>
-    </p:ext>
-  </p:extLst>
 </p:presentation>
 </file>
 
@@ -325,7 +309,7 @@
           <a:p>
             <a:fld id="{5BCAD085-E8A6-8845-BD4E-CB4CCA059FC4}" type="datetimeFigureOut">
               <a:rPr lang="en-US" smtClean="0"/>
-              <a:t>10/25/2025</a:t>
+              <a:t>1/27/13</a:t>
             </a:fld>
             <a:endParaRPr lang="en-US"/>
           </a:p>
@@ -367,7 +351,7 @@
           <a:p>
             <a:fld id="{C1FF6DA9-008F-8B48-92A6-B652298478BF}" type="slidenum">
               <a:rPr lang="en-US" smtClean="0"/>
-              <a:t>‹N°›</a:t>
+              <a:t>‹#›</a:t>
             </a:fld>
             <a:endParaRPr lang="en-US"/>
           </a:p>
@@ -495,7 +479,7 @@
           <a:p>
             <a:fld id="{5BCAD085-E8A6-8845-BD4E-CB4CCA059FC4}" type="datetimeFigureOut">
               <a:rPr lang="en-US" smtClean="0"/>
-              <a:t>10/25/2025</a:t>
+              <a:t>1/27/13</a:t>
             </a:fld>
             <a:endParaRPr lang="en-US"/>
           </a:p>
@@ -537,7 +521,7 @@
           <a:p>
             <a:fld id="{C1FF6DA9-008F-8B48-92A6-B652298478BF}" type="slidenum">
               <a:rPr lang="en-US" smtClean="0"/>
-              <a:t>‹N°›</a:t>
+              <a:t>‹#›</a:t>
             </a:fld>
             <a:endParaRPr lang="en-US"/>
           </a:p>
@@ -675,7 +659,7 @@
           <a:p>
             <a:fld id="{5BCAD085-E8A6-8845-BD4E-CB4CCA059FC4}" type="datetimeFigureOut">
               <a:rPr lang="en-US" smtClean="0"/>
-              <a:t>10/25/2025</a:t>
+              <a:t>1/27/13</a:t>
             </a:fld>
             <a:endParaRPr lang="en-US"/>
           </a:p>
@@ -717,7 +701,7 @@
           <a:p>
             <a:fld id="{C1FF6DA9-008F-8B48-92A6-B652298478BF}" type="slidenum">
               <a:rPr lang="en-US" smtClean="0"/>
-              <a:t>‹N°›</a:t>
+              <a:t>‹#›</a:t>
             </a:fld>
             <a:endParaRPr lang="en-US"/>
           </a:p>
@@ -845,7 +829,7 @@
           <a:p>
             <a:fld id="{5BCAD085-E8A6-8845-BD4E-CB4CCA059FC4}" type="datetimeFigureOut">
               <a:rPr lang="en-US" smtClean="0"/>
-              <a:t>10/25/2025</a:t>
+              <a:t>1/27/13</a:t>
             </a:fld>
             <a:endParaRPr lang="en-US"/>
           </a:p>
@@ -887,7 +871,7 @@
           <a:p>
             <a:fld id="{C1FF6DA9-008F-8B48-92A6-B652298478BF}" type="slidenum">
               <a:rPr lang="en-US" smtClean="0"/>
-              <a:t>‹N°›</a:t>
+              <a:t>‹#›</a:t>
             </a:fld>
             <a:endParaRPr lang="en-US"/>
           </a:p>
@@ -1091,7 +1075,7 @@
           <a:p>
             <a:fld id="{5BCAD085-E8A6-8845-BD4E-CB4CCA059FC4}" type="datetimeFigureOut">
               <a:rPr lang="en-US" smtClean="0"/>
-              <a:t>10/25/2025</a:t>
+              <a:t>1/27/13</a:t>
             </a:fld>
             <a:endParaRPr lang="en-US"/>
           </a:p>
@@ -1133,7 +1117,7 @@
           <a:p>
             <a:fld id="{C1FF6DA9-008F-8B48-92A6-B652298478BF}" type="slidenum">
               <a:rPr lang="en-US" smtClean="0"/>
-              <a:t>‹N°›</a:t>
+              <a:t>‹#›</a:t>
             </a:fld>
             <a:endParaRPr lang="en-US"/>
           </a:p>
@@ -1379,7 +1363,7 @@
           <a:p>
             <a:fld id="{5BCAD085-E8A6-8845-BD4E-CB4CCA059FC4}" type="datetimeFigureOut">
               <a:rPr lang="en-US" smtClean="0"/>
-              <a:t>10/25/2025</a:t>
+              <a:t>1/27/13</a:t>
             </a:fld>
             <a:endParaRPr lang="en-US"/>
           </a:p>
@@ -1421,7 +1405,7 @@
           <a:p>
             <a:fld id="{C1FF6DA9-008F-8B48-92A6-B652298478BF}" type="slidenum">
               <a:rPr lang="en-US" smtClean="0"/>
-              <a:t>‹N°›</a:t>
+              <a:t>‹#›</a:t>
             </a:fld>
             <a:endParaRPr lang="en-US"/>
           </a:p>
@@ -1801,7 +1785,7 @@
           <a:p>
             <a:fld id="{5BCAD085-E8A6-8845-BD4E-CB4CCA059FC4}" type="datetimeFigureOut">
               <a:rPr lang="en-US" smtClean="0"/>
-              <a:t>10/25/2025</a:t>
+              <a:t>1/27/13</a:t>
             </a:fld>
             <a:endParaRPr lang="en-US"/>
           </a:p>
@@ -1843,7 +1827,7 @@
           <a:p>
             <a:fld id="{C1FF6DA9-008F-8B48-92A6-B652298478BF}" type="slidenum">
               <a:rPr lang="en-US" smtClean="0"/>
-              <a:t>‹N°›</a:t>
+              <a:t>‹#›</a:t>
             </a:fld>
             <a:endParaRPr lang="en-US"/>
           </a:p>
@@ -1919,7 +1903,7 @@
           <a:p>
             <a:fld id="{5BCAD085-E8A6-8845-BD4E-CB4CCA059FC4}" type="datetimeFigureOut">
               <a:rPr lang="en-US" smtClean="0"/>
-              <a:t>10/25/2025</a:t>
+              <a:t>1/27/13</a:t>
             </a:fld>
             <a:endParaRPr lang="en-US"/>
           </a:p>
@@ -1961,7 +1945,7 @@
           <a:p>
             <a:fld id="{C1FF6DA9-008F-8B48-92A6-B652298478BF}" type="slidenum">
               <a:rPr lang="en-US" smtClean="0"/>
-              <a:t>‹N°›</a:t>
+              <a:t>‹#›</a:t>
             </a:fld>
             <a:endParaRPr lang="en-US"/>
           </a:p>
@@ -2014,7 +1998,7 @@
           <a:p>
             <a:fld id="{5BCAD085-E8A6-8845-BD4E-CB4CCA059FC4}" type="datetimeFigureOut">
               <a:rPr lang="en-US" smtClean="0"/>
-              <a:t>10/25/2025</a:t>
+              <a:t>1/27/13</a:t>
             </a:fld>
             <a:endParaRPr lang="en-US"/>
           </a:p>
@@ -2056,7 +2040,7 @@
           <a:p>
             <a:fld id="{C1FF6DA9-008F-8B48-92A6-B652298478BF}" type="slidenum">
               <a:rPr lang="en-US" smtClean="0"/>
-              <a:t>‹N°›</a:t>
+              <a:t>‹#›</a:t>
             </a:fld>
             <a:endParaRPr lang="en-US"/>
           </a:p>
@@ -2291,7 +2275,7 @@
           <a:p>
             <a:fld id="{5BCAD085-E8A6-8845-BD4E-CB4CCA059FC4}" type="datetimeFigureOut">
               <a:rPr lang="en-US" smtClean="0"/>
-              <a:t>10/25/2025</a:t>
+              <a:t>1/27/13</a:t>
             </a:fld>
             <a:endParaRPr lang="en-US"/>
           </a:p>
@@ -2333,7 +2317,7 @@
           <a:p>
             <a:fld id="{C1FF6DA9-008F-8B48-92A6-B652298478BF}" type="slidenum">
               <a:rPr lang="en-US" smtClean="0"/>
-              <a:t>‹N°›</a:t>
+              <a:t>‹#›</a:t>
             </a:fld>
             <a:endParaRPr lang="en-US"/>
           </a:p>
@@ -2544,7 +2528,7 @@
           <a:p>
             <a:fld id="{5BCAD085-E8A6-8845-BD4E-CB4CCA059FC4}" type="datetimeFigureOut">
               <a:rPr lang="en-US" smtClean="0"/>
-              <a:t>10/25/2025</a:t>
+              <a:t>1/27/13</a:t>
             </a:fld>
             <a:endParaRPr lang="en-US"/>
           </a:p>
@@ -2586,7 +2570,7 @@
           <a:p>
             <a:fld id="{C1FF6DA9-008F-8B48-92A6-B652298478BF}" type="slidenum">
               <a:rPr lang="en-US" smtClean="0"/>
-              <a:t>‹N°›</a:t>
+              <a:t>‹#›</a:t>
             </a:fld>
             <a:endParaRPr lang="en-US"/>
           </a:p>
@@ -2757,7 +2741,7 @@
           <a:p>
             <a:fld id="{5BCAD085-E8A6-8845-BD4E-CB4CCA059FC4}" type="datetimeFigureOut">
               <a:rPr lang="en-US" smtClean="0"/>
-              <a:t>10/25/2025</a:t>
+              <a:t>1/27/13</a:t>
             </a:fld>
             <a:endParaRPr lang="en-US"/>
           </a:p>
@@ -2835,7 +2819,7 @@
           <a:p>
             <a:fld id="{C1FF6DA9-008F-8B48-92A6-B652298478BF}" type="slidenum">
               <a:rPr lang="en-US" smtClean="0"/>
-              <a:t>‹N°›</a:t>
+              <a:t>‹#›</a:t>
             </a:fld>
             <a:endParaRPr lang="en-US"/>
           </a:p>
@@ -3116,7 +3100,7 @@
 </file>
 
 <file path=ppt/slides/slide1.xml><?xml version="1.0" encoding="utf-8"?>
-<p:sld xmlns:a="http://schemas.openxmlformats.org/drawingml/2006/main" xmlns:r="http://schemas.openxmlformats.org/officeDocument/2006/relationships" xmlns:p="http://schemas.openxmlformats.org/presentationml/2006/main">
+<p:sld xmlns:a="http://schemas.openxmlformats.org/drawingml/2006/main" xmlns:p="http://schemas.openxmlformats.org/presentationml/2006/main" xmlns:r="http://schemas.openxmlformats.org/officeDocument/2006/relationships">
   <p:cSld>
     <p:spTree>
       <p:nvGrpSpPr>
@@ -3124,14 +3108,7 @@
         <p:cNvGrpSpPr/>
         <p:nvPr/>
       </p:nvGrpSpPr>
-      <p:grpSpPr>
-        <a:xfrm>
-          <a:off x="0" y="0"/>
-          <a:ext cx="0" cy="0"/>
-          <a:chOff x="0" y="0"/>
-          <a:chExt cx="0" cy="0"/>
-        </a:xfrm>
-      </p:grpSpPr>
+      <p:grpSpPr/>
       <p:sp>
         <p:nvSpPr>
           <p:cNvPr id="2" name="Title 1"/>
@@ -3144,9 +3121,7 @@
         </p:nvSpPr>
         <p:spPr/>
         <p:txBody>
-          <a:bodyPr>
-            <a:normAutofit fontScale="90000"/>
-          </a:bodyPr>
+          <a:bodyPr/>
           <a:lstStyle/>
           <a:p>
             <a:pPr>
@@ -3179,22 +3154,16 @@
         </p:nvSpPr>
         <p:spPr/>
         <p:txBody>
-          <a:bodyPr>
-            <a:normAutofit fontScale="85000" lnSpcReduction="10000"/>
-          </a:bodyPr>
-          <a:lstStyle/>
-          <a:p>
-            <a:r>
-              <a:rPr dirty="0"/>
+          <a:bodyPr/>
+          <a:lstStyle/>
+          <a:p>
+            <a:r>
               <a:t>Breast Cancer Classification using Random Forest</a:t>
             </a:r>
           </a:p>
-          <a:p>
-            <a:endParaRPr dirty="0"/>
-          </a:p>
-          <a:p>
-            <a:r>
-              <a:rPr dirty="0"/>
+          <a:p/>
+          <a:p>
+            <a:r>
               <a:t>Your Name | Your University | October 2025</a:t>
             </a:r>
           </a:p>
@@ -3209,7 +3178,7 @@
 </file>
 
 <file path=ppt/slides/slide10.xml><?xml version="1.0" encoding="utf-8"?>
-<p:sld xmlns:a="http://schemas.openxmlformats.org/drawingml/2006/main" xmlns:r="http://schemas.openxmlformats.org/officeDocument/2006/relationships" xmlns:p="http://schemas.openxmlformats.org/presentationml/2006/main">
+<p:sld xmlns:a="http://schemas.openxmlformats.org/drawingml/2006/main" xmlns:p="http://schemas.openxmlformats.org/presentationml/2006/main" xmlns:r="http://schemas.openxmlformats.org/officeDocument/2006/relationships">
   <p:cSld>
     <p:spTree>
       <p:nvGrpSpPr>
@@ -3217,14 +3186,7 @@
         <p:cNvGrpSpPr/>
         <p:nvPr/>
       </p:nvGrpSpPr>
-      <p:grpSpPr>
-        <a:xfrm>
-          <a:off x="0" y="0"/>
-          <a:ext cx="0" cy="0"/>
-          <a:chOff x="0" y="0"/>
-          <a:chExt cx="0" cy="0"/>
-        </a:xfrm>
-      </p:grpSpPr>
+      <p:grpSpPr/>
       <p:sp>
         <p:nvSpPr>
           <p:cNvPr id="2" name="Title 1"/>
@@ -3265,9 +3227,7 @@
         </p:nvSpPr>
         <p:spPr/>
         <p:txBody>
-          <a:bodyPr>
-            <a:normAutofit fontScale="92500" lnSpcReduction="20000"/>
-          </a:bodyPr>
+          <a:bodyPr/>
           <a:lstStyle/>
           <a:p>
             <a:pPr>
@@ -3358,10 +3318,14 @@
             </a:r>
           </a:p>
           <a:p>
-            <a:r>
-              <a:t/>
-            </a:r>
             <a:br/>
+            <a:pPr>
+              <a:defRPr sz="1800" i="1">
+                <a:solidFill>
+                  <a:srgbClr val="3498DB"/>
+                </a:solidFill>
+              </a:defRPr>
+            </a:pPr>
             <a:r>
               <a:t>Balanced selection: Mean, Error, and Worst statistics</a:t>
             </a:r>
@@ -3377,7 +3341,7 @@
 </file>
 
 <file path=ppt/slides/slide11.xml><?xml version="1.0" encoding="utf-8"?>
-<p:sld xmlns:a="http://schemas.openxmlformats.org/drawingml/2006/main" xmlns:r="http://schemas.openxmlformats.org/officeDocument/2006/relationships" xmlns:p="http://schemas.openxmlformats.org/presentationml/2006/main">
+<p:sld xmlns:a="http://schemas.openxmlformats.org/drawingml/2006/main" xmlns:p="http://schemas.openxmlformats.org/presentationml/2006/main" xmlns:r="http://schemas.openxmlformats.org/officeDocument/2006/relationships">
   <p:cSld>
     <p:spTree>
       <p:nvGrpSpPr>
@@ -3385,14 +3349,7 @@
         <p:cNvGrpSpPr/>
         <p:nvPr/>
       </p:nvGrpSpPr>
-      <p:grpSpPr>
-        <a:xfrm>
-          <a:off x="0" y="0"/>
-          <a:ext cx="0" cy="0"/>
-          <a:chOff x="0" y="0"/>
-          <a:chExt cx="0" cy="0"/>
-        </a:xfrm>
-      </p:grpSpPr>
+      <p:grpSpPr/>
       <p:sp>
         <p:nvSpPr>
           <p:cNvPr id="2" name="Title 1"/>
@@ -3435,45 +3392,19 @@
         <p:txBody>
           <a:bodyPr/>
           <a:lstStyle/>
-          <a:p>
-            <a:endParaRPr/>
-          </a:p>
-        </p:txBody>
-      </p:sp>
-      <p:pic>
-        <p:nvPicPr>
-          <p:cNvPr id="4" name="Picture 3" descr="statistical_comparison_visualization.png"/>
-          <p:cNvPicPr>
-            <a:picLocks noChangeAspect="1"/>
-          </p:cNvPicPr>
+          <a:p/>
+        </p:txBody>
+      </p:sp>
+      <p:sp>
+        <p:nvSpPr>
+          <p:cNvPr id="4" name="TextBox 3"/>
+          <p:cNvSpPr txBox="1"/>
           <p:nvPr/>
-        </p:nvPicPr>
-        <p:blipFill>
-          <a:blip r:embed="rId2"/>
-          <a:stretch>
-            <a:fillRect/>
-          </a:stretch>
-        </p:blipFill>
+        </p:nvSpPr>
         <p:spPr>
           <a:xfrm>
-            <a:off x="1371600" y="1828800"/>
-            <a:ext cx="6833957" cy="4114800"/>
-          </a:xfrm>
-          <a:prstGeom prst="rect">
-            <a:avLst/>
-          </a:prstGeom>
-        </p:spPr>
-      </p:pic>
-      <p:sp>
-        <p:nvSpPr>
-          <p:cNvPr id="5" name="TextBox 4"/>
-          <p:cNvSpPr txBox="1"/>
-          <p:nvPr/>
-        </p:nvSpPr>
-        <p:spPr>
-          <a:xfrm>
-            <a:off x="914400" y="5943600"/>
-            <a:ext cx="7315200" cy="457200"/>
+            <a:off x="1828800" y="2743200"/>
+            <a:ext cx="5486400" cy="1828800"/>
           </a:xfrm>
           <a:prstGeom prst="rect">
             <a:avLst/>
@@ -3487,10 +3418,10 @@
           <a:lstStyle/>
           <a:p>
             <a:pPr algn="ctr">
-              <a:defRPr sz="1400" i="1"/>
-            </a:pPr>
-            <a:r>
-              <a:t>30 independent runs across 10 machine learning models</a:t>
+              <a:defRPr sz="2400"/>
+            </a:pPr>
+            <a:r>
+              <a:t>[Image: statistical_comparison_visualization.png]</a:t>
             </a:r>
           </a:p>
         </p:txBody>
@@ -3504,7 +3435,7 @@
 </file>
 
 <file path=ppt/slides/slide12.xml><?xml version="1.0" encoding="utf-8"?>
-<p:sld xmlns:a="http://schemas.openxmlformats.org/drawingml/2006/main" xmlns:r="http://schemas.openxmlformats.org/officeDocument/2006/relationships" xmlns:p="http://schemas.openxmlformats.org/presentationml/2006/main">
+<p:sld xmlns:a="http://schemas.openxmlformats.org/drawingml/2006/main" xmlns:p="http://schemas.openxmlformats.org/presentationml/2006/main" xmlns:r="http://schemas.openxmlformats.org/officeDocument/2006/relationships">
   <p:cSld>
     <p:spTree>
       <p:nvGrpSpPr>
@@ -3512,14 +3443,7 @@
         <p:cNvGrpSpPr/>
         <p:nvPr/>
       </p:nvGrpSpPr>
-      <p:grpSpPr>
-        <a:xfrm>
-          <a:off x="0" y="0"/>
-          <a:ext cx="0" cy="0"/>
-          <a:chOff x="0" y="0"/>
-          <a:chExt cx="0" cy="0"/>
-        </a:xfrm>
-      </p:grpSpPr>
+      <p:grpSpPr/>
       <p:sp>
         <p:nvSpPr>
           <p:cNvPr id="2" name="Title 1"/>
@@ -3562,9 +3486,7 @@
         <p:txBody>
           <a:bodyPr/>
           <a:lstStyle/>
-          <a:p>
-            <a:endParaRPr/>
-          </a:p>
+          <a:p/>
         </p:txBody>
       </p:sp>
       <p:sp>
@@ -3589,10 +3511,12 @@
           </a:bodyPr>
           <a:lstStyle/>
           <a:p>
-            <a:r>
-              <a:t/>
-            </a:r>
             <a:br/>
+            <a:pPr>
+              <a:defRPr sz="1600">
+                <a:latin typeface="Courier New"/>
+              </a:defRPr>
+            </a:pPr>
             <a:r>
               <a:t>Rank  Model                    Accuracy    Features</a:t>
             </a:r>
@@ -3629,7 +3553,6 @@
               <a:t>7     DIO-Optimized RF        94.72%      8  ⭐</a:t>
             </a:r>
             <a:br/>
-            <a:endParaRPr/>
           </a:p>
         </p:txBody>
       </p:sp>
@@ -3642,7 +3565,7 @@
 </file>
 
 <file path=ppt/slides/slide13.xml><?xml version="1.0" encoding="utf-8"?>
-<p:sld xmlns:a="http://schemas.openxmlformats.org/drawingml/2006/main" xmlns:r="http://schemas.openxmlformats.org/officeDocument/2006/relationships" xmlns:p="http://schemas.openxmlformats.org/presentationml/2006/main">
+<p:sld xmlns:a="http://schemas.openxmlformats.org/drawingml/2006/main" xmlns:p="http://schemas.openxmlformats.org/presentationml/2006/main" xmlns:r="http://schemas.openxmlformats.org/officeDocument/2006/relationships">
   <p:cSld>
     <p:spTree>
       <p:nvGrpSpPr>
@@ -3650,14 +3573,7 @@
         <p:cNvGrpSpPr/>
         <p:nvPr/>
       </p:nvGrpSpPr>
-      <p:grpSpPr>
-        <a:xfrm>
-          <a:off x="0" y="0"/>
-          <a:ext cx="0" cy="0"/>
-          <a:chOff x="0" y="0"/>
-          <a:chExt cx="0" cy="0"/>
-        </a:xfrm>
-      </p:grpSpPr>
+      <p:grpSpPr/>
       <p:sp>
         <p:nvSpPr>
           <p:cNvPr id="2" name="Title 1"/>
@@ -3681,7 +3597,7 @@
               </a:defRPr>
             </a:pPr>
             <a:r>
-              <a:t>Key Findings</a:t>
+              <a:t>Key Findings &amp; Critical Insights</a:t>
             </a:r>
           </a:p>
         </p:txBody>
@@ -3708,29 +3624,18 @@
               <a:defRPr sz="1800"/>
             </a:pPr>
             <a:r>
-              <a:t>✓ 94.72% ± 1.41% accuracy (7th rank overall)</a:t>
-            </a:r>
-          </a:p>
-          <a:p>
-            <a:pPr>
-              <a:spcAft>
-                <a:spcPts val="1200"/>
-              </a:spcAft>
-              <a:defRPr sz="1800"/>
-            </a:pPr>
-            <a:r>
-              <a:t>✓ 73% feature reduction (30 → 8 features)</a:t>
-            </a:r>
-          </a:p>
-          <a:p>
-            <a:pPr>
-              <a:spcAft>
-                <a:spcPts val="1200"/>
-              </a:spcAft>
-              <a:defRPr sz="1800"/>
-            </a:pPr>
-            <a:r>
-              <a:t>✓ Only 1.15% accuracy loss vs. full-feature RF</a:t>
+              <a:t>Primary Achievement: Feature Selection (73% reduction)</a:t>
+            </a:r>
+          </a:p>
+          <a:p>
+            <a:pPr>
+              <a:spcAft>
+                <a:spcPts val="1200"/>
+              </a:spcAft>
+              <a:defRPr sz="1800"/>
+            </a:pPr>
+            <a:r>
+              <a:t>✓ 94.72% ± 1.41% accuracy with only 8 features</a:t>
             </a:r>
           </a:p>
           <a:p>
@@ -3751,19 +3656,68 @@
               </a:spcAft>
               <a:defRPr sz="1800"/>
             </a:pPr>
-            <a:r>
-              <a:t>✓ Comparable to RF with same features (p=0.165)</a:t>
-            </a:r>
-          </a:p>
-          <a:p>
-            <a:pPr>
-              <a:spcAft>
-                <a:spcPts val="1200"/>
-              </a:spcAft>
-              <a:defRPr sz="1800"/>
-            </a:pPr>
-            <a:r>
-              <a:t>✓ Low variance (1.41%) = excellent stability</a:t>
+          </a:p>
+          <a:p>
+            <a:pPr>
+              <a:spcAft>
+                <a:spcPts val="1200"/>
+              </a:spcAft>
+              <a:defRPr sz="1800"/>
+            </a:pPr>
+            <a:r>
+              <a:t>Critical Insight: Optimization Overfitting</a:t>
+            </a:r>
+          </a:p>
+          <a:p>
+            <a:pPr>
+              <a:spcAft>
+                <a:spcPts val="1200"/>
+              </a:spcAft>
+              <a:defRPr sz="1800"/>
+            </a:pPr>
+            <a:r>
+              <a:t>⚠ Hyperparameters optimized on single split (random_state=42)</a:t>
+            </a:r>
+          </a:p>
+          <a:p>
+            <a:pPr>
+              <a:spcAft>
+                <a:spcPts val="1200"/>
+              </a:spcAft>
+              <a:defRPr sz="1800"/>
+            </a:pPr>
+            <a:r>
+              <a:t>⚠ DIO-optimized: 94.72% vs RF defaults: 94.89% (p=0.165)</a:t>
+            </a:r>
+          </a:p>
+          <a:p>
+            <a:pPr>
+              <a:spcAft>
+                <a:spcPts val="1200"/>
+              </a:spcAft>
+              <a:defRPr sz="1800"/>
+            </a:pPr>
+            <a:r>
+              <a:t>⚠ Feature selection was the real value, NOT hyperparameter tuning</a:t>
+            </a:r>
+          </a:p>
+          <a:p>
+            <a:pPr>
+              <a:spcAft>
+                <a:spcPts val="1200"/>
+              </a:spcAft>
+              <a:defRPr sz="1800"/>
+            </a:pPr>
+          </a:p>
+          <a:p>
+            <a:pPr>
+              <a:spcAft>
+                <a:spcPts val="1200"/>
+              </a:spcAft>
+              <a:defRPr sz="1800"/>
+            </a:pPr>
+            <a:r>
+              <a:t>Lesson: Single-split optimization ≠ generalizable hyperparameters</a:t>
             </a:r>
           </a:p>
           <a:p>
@@ -3788,7 +3742,7 @@
 </file>
 
 <file path=ppt/slides/slide14.xml><?xml version="1.0" encoding="utf-8"?>
-<p:sld xmlns:a="http://schemas.openxmlformats.org/drawingml/2006/main" xmlns:r="http://schemas.openxmlformats.org/officeDocument/2006/relationships" xmlns:p="http://schemas.openxmlformats.org/presentationml/2006/main">
+<p:sld xmlns:a="http://schemas.openxmlformats.org/drawingml/2006/main" xmlns:p="http://schemas.openxmlformats.org/presentationml/2006/main" xmlns:r="http://schemas.openxmlformats.org/officeDocument/2006/relationships">
   <p:cSld>
     <p:spTree>
       <p:nvGrpSpPr>
@@ -3796,14 +3750,7 @@
         <p:cNvGrpSpPr/>
         <p:nvPr/>
       </p:nvGrpSpPr>
-      <p:grpSpPr>
-        <a:xfrm>
-          <a:off x="0" y="0"/>
-          <a:ext cx="0" cy="0"/>
-          <a:chOff x="0" y="0"/>
-          <a:chExt cx="0" cy="0"/>
-        </a:xfrm>
-      </p:grpSpPr>
+      <p:grpSpPr/>
       <p:sp>
         <p:nvSpPr>
           <p:cNvPr id="2" name="Title 1"/>
@@ -3846,9 +3793,7 @@
         <p:txBody>
           <a:bodyPr/>
           <a:lstStyle/>
-          <a:p>
-            <a:endParaRPr/>
-          </a:p>
+          <a:p/>
         </p:txBody>
       </p:sp>
       <p:sp>
@@ -3887,7 +3832,6 @@
               </a:spcAft>
               <a:defRPr sz="1800"/>
             </a:pPr>
-            <a:endParaRPr/>
           </a:p>
           <a:p>
             <a:pPr>
@@ -3951,7 +3895,6 @@
               </a:spcAft>
               <a:defRPr sz="1800"/>
             </a:pPr>
-            <a:endParaRPr/>
           </a:p>
           <a:p>
             <a:pPr>
@@ -3971,7 +3914,6 @@
               </a:spcAft>
               <a:defRPr sz="1800"/>
             </a:pPr>
-            <a:endParaRPr/>
           </a:p>
           <a:p>
             <a:pPr>
@@ -3995,7 +3937,7 @@
 </file>
 
 <file path=ppt/slides/slide15.xml><?xml version="1.0" encoding="utf-8"?>
-<p:sld xmlns:a="http://schemas.openxmlformats.org/drawingml/2006/main" xmlns:r="http://schemas.openxmlformats.org/officeDocument/2006/relationships" xmlns:p="http://schemas.openxmlformats.org/presentationml/2006/main">
+<p:sld xmlns:a="http://schemas.openxmlformats.org/drawingml/2006/main" xmlns:p="http://schemas.openxmlformats.org/presentationml/2006/main" xmlns:r="http://schemas.openxmlformats.org/officeDocument/2006/relationships">
   <p:cSld>
     <p:spTree>
       <p:nvGrpSpPr>
@@ -4003,14 +3945,7 @@
         <p:cNvGrpSpPr/>
         <p:nvPr/>
       </p:nvGrpSpPr>
-      <p:grpSpPr>
-        <a:xfrm>
-          <a:off x="0" y="0"/>
-          <a:ext cx="0" cy="0"/>
-          <a:chOff x="0" y="0"/>
-          <a:chExt cx="0" cy="0"/>
-        </a:xfrm>
-      </p:grpSpPr>
+      <p:grpSpPr/>
       <p:sp>
         <p:nvSpPr>
           <p:cNvPr id="2" name="Title 1"/>
@@ -4053,9 +3988,7 @@
         <p:txBody>
           <a:bodyPr/>
           <a:lstStyle/>
-          <a:p>
-            <a:endParaRPr/>
-          </a:p>
+          <a:p/>
         </p:txBody>
       </p:sp>
       <p:sp>
@@ -4098,7 +4031,6 @@
               </a:spcAft>
               <a:defRPr sz="1800"/>
             </a:pPr>
-            <a:endParaRPr/>
           </a:p>
           <a:p>
             <a:pPr>
@@ -4140,7 +4072,6 @@
               </a:spcAft>
               <a:defRPr sz="1800"/>
             </a:pPr>
-            <a:endParaRPr/>
           </a:p>
           <a:p>
             <a:pPr>
@@ -4219,7 +4150,7 @@
 </file>
 
 <file path=ppt/slides/slide16.xml><?xml version="1.0" encoding="utf-8"?>
-<p:sld xmlns:a="http://schemas.openxmlformats.org/drawingml/2006/main" xmlns:r="http://schemas.openxmlformats.org/officeDocument/2006/relationships" xmlns:p="http://schemas.openxmlformats.org/presentationml/2006/main">
+<p:sld xmlns:a="http://schemas.openxmlformats.org/drawingml/2006/main" xmlns:p="http://schemas.openxmlformats.org/presentationml/2006/main" xmlns:r="http://schemas.openxmlformats.org/officeDocument/2006/relationships">
   <p:cSld>
     <p:spTree>
       <p:nvGrpSpPr>
@@ -4227,14 +4158,7 @@
         <p:cNvGrpSpPr/>
         <p:nvPr/>
       </p:nvGrpSpPr>
-      <p:grpSpPr>
-        <a:xfrm>
-          <a:off x="0" y="0"/>
-          <a:ext cx="0" cy="0"/>
-          <a:chOff x="0" y="0"/>
-          <a:chExt cx="0" cy="0"/>
-        </a:xfrm>
-      </p:grpSpPr>
+      <p:grpSpPr/>
       <p:sp>
         <p:nvSpPr>
           <p:cNvPr id="2" name="Title 1"/>
@@ -4363,7 +4287,7 @@
 </file>
 
 <file path=ppt/slides/slide17.xml><?xml version="1.0" encoding="utf-8"?>
-<p:sld xmlns:a="http://schemas.openxmlformats.org/drawingml/2006/main" xmlns:r="http://schemas.openxmlformats.org/officeDocument/2006/relationships" xmlns:p="http://schemas.openxmlformats.org/presentationml/2006/main">
+<p:sld xmlns:a="http://schemas.openxmlformats.org/drawingml/2006/main" xmlns:p="http://schemas.openxmlformats.org/presentationml/2006/main" xmlns:r="http://schemas.openxmlformats.org/officeDocument/2006/relationships">
   <p:cSld>
     <p:spTree>
       <p:nvGrpSpPr>
@@ -4371,14 +4295,7 @@
         <p:cNvGrpSpPr/>
         <p:nvPr/>
       </p:nvGrpSpPr>
-      <p:grpSpPr>
-        <a:xfrm>
-          <a:off x="0" y="0"/>
-          <a:ext cx="0" cy="0"/>
-          <a:chOff x="0" y="0"/>
-          <a:chExt cx="0" cy="0"/>
-        </a:xfrm>
-      </p:grpSpPr>
+      <p:grpSpPr/>
       <p:sp>
         <p:nvSpPr>
           <p:cNvPr id="2" name="Title 1"/>
@@ -4439,7 +4356,6 @@
               </a:spcAft>
               <a:defRPr sz="1800"/>
             </a:pPr>
-            <a:endParaRPr/>
           </a:p>
           <a:p>
             <a:pPr>
@@ -4477,7 +4393,7 @@
             </a:r>
           </a:p>
           <a:p>
-            <a:endParaRPr/>
+            <a:pPr/>
           </a:p>
           <a:p>
             <a:pPr>
@@ -4510,7 +4426,7 @@
 </file>
 
 <file path=ppt/slides/slide18.xml><?xml version="1.0" encoding="utf-8"?>
-<p:sld xmlns:a="http://schemas.openxmlformats.org/drawingml/2006/main" xmlns:r="http://schemas.openxmlformats.org/officeDocument/2006/relationships" xmlns:p="http://schemas.openxmlformats.org/presentationml/2006/main">
+<p:sld xmlns:a="http://schemas.openxmlformats.org/drawingml/2006/main" xmlns:p="http://schemas.openxmlformats.org/presentationml/2006/main" xmlns:r="http://schemas.openxmlformats.org/officeDocument/2006/relationships">
   <p:cSld>
     <p:spTree>
       <p:nvGrpSpPr>
@@ -4518,14 +4434,7 @@
         <p:cNvGrpSpPr/>
         <p:nvPr/>
       </p:nvGrpSpPr>
-      <p:grpSpPr>
-        <a:xfrm>
-          <a:off x="0" y="0"/>
-          <a:ext cx="0" cy="0"/>
-          <a:chOff x="0" y="0"/>
-          <a:chExt cx="0" cy="0"/>
-        </a:xfrm>
-      </p:grpSpPr>
+      <p:grpSpPr/>
       <p:sp>
         <p:nvSpPr>
           <p:cNvPr id="2" name="Title 1"/>
@@ -4576,62 +4485,92 @@
               <a:defRPr sz="1800"/>
             </a:pPr>
             <a:r>
-              <a:t>Single dataset evaluation (Breast Cancer Wisconsin only)</a:t>
-            </a:r>
-          </a:p>
-          <a:p>
-            <a:pPr>
-              <a:spcAft>
-                <a:spcPts val="1200"/>
-              </a:spcAft>
-              <a:defRPr sz="1800"/>
-            </a:pPr>
-            <a:r>
-              <a:t>DIO optimization time not quantified or compared</a:t>
-            </a:r>
-          </a:p>
-          <a:p>
-            <a:pPr>
-              <a:spcAft>
-                <a:spcPts val="1200"/>
-              </a:spcAft>
-              <a:defRPr sz="1800"/>
-            </a:pPr>
-            <a:r>
-              <a:t>Feature selection stability not assessed across multiple runs</a:t>
-            </a:r>
-          </a:p>
-          <a:p>
-            <a:pPr>
-              <a:spcAft>
-                <a:spcPts val="1200"/>
-              </a:spcAft>
-              <a:defRPr sz="1800"/>
-            </a:pPr>
-            <a:r>
-              <a:t>Limited hyperparameter space (4 RF parameters)</a:t>
-            </a:r>
-          </a:p>
-          <a:p>
-            <a:pPr>
-              <a:spcAft>
-                <a:spcPts val="1200"/>
-              </a:spcAft>
-              <a:defRPr sz="1800"/>
-            </a:pPr>
-            <a:r>
-              <a:t>No comparison with other metaheuristics (PSO, GA, ACO)</a:t>
-            </a:r>
-          </a:p>
-          <a:p>
-            <a:pPr>
-              <a:spcAft>
-                <a:spcPts val="1200"/>
-              </a:spcAft>
-              <a:defRPr sz="1800"/>
-            </a:pPr>
-            <a:r>
-              <a:t>Domain-specific: 73% reduction may not generalize to all problems</a:t>
+              <a:t>⚠ Single-split hyperparameter optimization (random_state=42)</a:t>
+            </a:r>
+          </a:p>
+          <a:p>
+            <a:pPr>
+              <a:spcAft>
+                <a:spcPts val="1200"/>
+              </a:spcAft>
+              <a:defRPr sz="1800"/>
+            </a:pPr>
+            <a:r>
+              <a:t>  → Led to 'optimization overfitting' - tuned params don't generalize</a:t>
+            </a:r>
+          </a:p>
+          <a:p>
+            <a:pPr>
+              <a:spcAft>
+                <a:spcPts val="1200"/>
+              </a:spcAft>
+              <a:defRPr sz="1800"/>
+            </a:pPr>
+            <a:r>
+              <a:t>  → Future: Use k-fold CV during DIO optimization, not just evaluation</a:t>
+            </a:r>
+          </a:p>
+          <a:p>
+            <a:pPr>
+              <a:spcAft>
+                <a:spcPts val="1200"/>
+              </a:spcAft>
+              <a:defRPr sz="1800"/>
+            </a:pPr>
+          </a:p>
+          <a:p>
+            <a:pPr>
+              <a:spcAft>
+                <a:spcPts val="1200"/>
+              </a:spcAft>
+              <a:defRPr sz="1800"/>
+            </a:pPr>
+            <a:r>
+              <a:t>• Single dataset evaluation (Breast Cancer Wisconsin only)</a:t>
+            </a:r>
+          </a:p>
+          <a:p>
+            <a:pPr>
+              <a:spcAft>
+                <a:spcPts val="1200"/>
+              </a:spcAft>
+              <a:defRPr sz="1800"/>
+            </a:pPr>
+            <a:r>
+              <a:t>• DIO optimization time not quantified or compared</a:t>
+            </a:r>
+          </a:p>
+          <a:p>
+            <a:pPr>
+              <a:spcAft>
+                <a:spcPts val="1200"/>
+              </a:spcAft>
+              <a:defRPr sz="1800"/>
+            </a:pPr>
+            <a:r>
+              <a:t>• Feature selection stability not assessed across multiple runs</a:t>
+            </a:r>
+          </a:p>
+          <a:p>
+            <a:pPr>
+              <a:spcAft>
+                <a:spcPts val="1200"/>
+              </a:spcAft>
+              <a:defRPr sz="1800"/>
+            </a:pPr>
+            <a:r>
+              <a:t>• Limited hyperparameter space (4 RF parameters)</a:t>
+            </a:r>
+          </a:p>
+          <a:p>
+            <a:pPr>
+              <a:spcAft>
+                <a:spcPts val="1200"/>
+              </a:spcAft>
+              <a:defRPr sz="1800"/>
+            </a:pPr>
+            <a:r>
+              <a:t>• No comparison with other metaheuristics (PSO, GA, ACO)</a:t>
             </a:r>
           </a:p>
         </p:txBody>
@@ -4645,7 +4584,7 @@
 </file>
 
 <file path=ppt/slides/slide19.xml><?xml version="1.0" encoding="utf-8"?>
-<p:sld xmlns:a="http://schemas.openxmlformats.org/drawingml/2006/main" xmlns:r="http://schemas.openxmlformats.org/officeDocument/2006/relationships" xmlns:p="http://schemas.openxmlformats.org/presentationml/2006/main">
+<p:sld xmlns:a="http://schemas.openxmlformats.org/drawingml/2006/main" xmlns:p="http://schemas.openxmlformats.org/presentationml/2006/main" xmlns:r="http://schemas.openxmlformats.org/officeDocument/2006/relationships">
   <p:cSld>
     <p:spTree>
       <p:nvGrpSpPr>
@@ -4653,14 +4592,7 @@
         <p:cNvGrpSpPr/>
         <p:nvPr/>
       </p:nvGrpSpPr>
-      <p:grpSpPr>
-        <a:xfrm>
-          <a:off x="0" y="0"/>
-          <a:ext cx="0" cy="0"/>
-          <a:chOff x="0" y="0"/>
-          <a:chExt cx="0" cy="0"/>
-        </a:xfrm>
-      </p:grpSpPr>
+      <p:grpSpPr/>
       <p:sp>
         <p:nvSpPr>
           <p:cNvPr id="2" name="Title 1"/>
@@ -4711,73 +4643,92 @@
               <a:defRPr sz="1800"/>
             </a:pPr>
             <a:r>
-              <a:t>Multi-dataset validation (lung cancer, diabetes, heart disease)</a:t>
-            </a:r>
-          </a:p>
-          <a:p>
-            <a:pPr>
-              <a:spcAft>
-                <a:spcPts val="1200"/>
-              </a:spcAft>
-              <a:defRPr sz="1800"/>
-            </a:pPr>
-            <a:r>
-              <a:t>Benchmark against other metaheuristics (PSO, GA, ACO)</a:t>
-            </a:r>
-          </a:p>
-          <a:p>
-            <a:pPr>
-              <a:spcAft>
-                <a:spcPts val="1200"/>
-              </a:spcAft>
-              <a:defRPr sz="1800"/>
-            </a:pPr>
-            <a:r>
-              <a:t>Extend to other classifiers (XGBoost, neural networks)</a:t>
-            </a:r>
-          </a:p>
-          <a:p>
-            <a:pPr>
-              <a:spcAft>
-                <a:spcPts val="1200"/>
-              </a:spcAft>
-              <a:defRPr sz="1800"/>
-            </a:pPr>
-            <a:r>
-              <a:t>Feature selection stability analysis</a:t>
-            </a:r>
-          </a:p>
-          <a:p>
-            <a:pPr>
-              <a:spcAft>
-                <a:spcPts val="1200"/>
-              </a:spcAft>
-              <a:defRPr sz="1800"/>
-            </a:pPr>
-            <a:r>
-              <a:t>Computational profiling and parallelization</a:t>
-            </a:r>
-          </a:p>
-          <a:p>
-            <a:pPr>
-              <a:spcAft>
-                <a:spcPts val="1200"/>
-              </a:spcAft>
-              <a:defRPr sz="1800"/>
-            </a:pPr>
-            <a:r>
-              <a:t>Real-world clinical deployment and prospective validation</a:t>
-            </a:r>
-          </a:p>
-          <a:p>
-            <a:pPr>
-              <a:spcAft>
-                <a:spcPts val="1200"/>
-              </a:spcAft>
-              <a:defRPr sz="1800"/>
-            </a:pPr>
-            <a:r>
-              <a:t>Hybrid approaches combining DIO with domain knowledge</a:t>
+              <a:t>1. Cross-validated hyperparameter optimization (PRIORITY)</a:t>
+            </a:r>
+          </a:p>
+          <a:p>
+            <a:pPr>
+              <a:spcAft>
+                <a:spcPts val="1200"/>
+              </a:spcAft>
+              <a:defRPr sz="1800"/>
+            </a:pPr>
+            <a:r>
+              <a:t>  → Use k-fold CV within DIO fitness evaluation</a:t>
+            </a:r>
+          </a:p>
+          <a:p>
+            <a:pPr>
+              <a:spcAft>
+                <a:spcPts val="1200"/>
+              </a:spcAft>
+              <a:defRPr sz="1800"/>
+            </a:pPr>
+            <a:r>
+              <a:t>  → Ensure hyperparameters generalize across data partitions</a:t>
+            </a:r>
+          </a:p>
+          <a:p>
+            <a:pPr>
+              <a:spcAft>
+                <a:spcPts val="1200"/>
+              </a:spcAft>
+              <a:defRPr sz="1800"/>
+            </a:pPr>
+          </a:p>
+          <a:p>
+            <a:pPr>
+              <a:spcAft>
+                <a:spcPts val="1200"/>
+              </a:spcAft>
+              <a:defRPr sz="1800"/>
+            </a:pPr>
+            <a:r>
+              <a:t>2. Multi-dataset validation (lung cancer, diabetes, heart disease)</a:t>
+            </a:r>
+          </a:p>
+          <a:p>
+            <a:pPr>
+              <a:spcAft>
+                <a:spcPts val="1200"/>
+              </a:spcAft>
+              <a:defRPr sz="1800"/>
+            </a:pPr>
+            <a:r>
+              <a:t>3. Benchmark against other metaheuristics (PSO, GA, ACO)</a:t>
+            </a:r>
+          </a:p>
+          <a:p>
+            <a:pPr>
+              <a:spcAft>
+                <a:spcPts val="1200"/>
+              </a:spcAft>
+              <a:defRPr sz="1800"/>
+            </a:pPr>
+            <a:r>
+              <a:t>4. Extend to other classifiers (XGBoost, neural networks)</a:t>
+            </a:r>
+          </a:p>
+          <a:p>
+            <a:pPr>
+              <a:spcAft>
+                <a:spcPts val="1200"/>
+              </a:spcAft>
+              <a:defRPr sz="1800"/>
+            </a:pPr>
+            <a:r>
+              <a:t>5. Feature selection stability analysis</a:t>
+            </a:r>
+          </a:p>
+          <a:p>
+            <a:pPr>
+              <a:spcAft>
+                <a:spcPts val="1200"/>
+              </a:spcAft>
+              <a:defRPr sz="1800"/>
+            </a:pPr>
+            <a:r>
+              <a:t>6. Real-world clinical deployment and prospective validation</a:t>
             </a:r>
           </a:p>
         </p:txBody>
@@ -4791,7 +4742,7 @@
 </file>
 
 <file path=ppt/slides/slide2.xml><?xml version="1.0" encoding="utf-8"?>
-<p:sld xmlns:a="http://schemas.openxmlformats.org/drawingml/2006/main" xmlns:r="http://schemas.openxmlformats.org/officeDocument/2006/relationships" xmlns:p="http://schemas.openxmlformats.org/presentationml/2006/main">
+<p:sld xmlns:a="http://schemas.openxmlformats.org/drawingml/2006/main" xmlns:p="http://schemas.openxmlformats.org/presentationml/2006/main" xmlns:r="http://schemas.openxmlformats.org/officeDocument/2006/relationships">
   <p:cSld>
     <p:spTree>
       <p:nvGrpSpPr>
@@ -4799,14 +4750,7 @@
         <p:cNvGrpSpPr/>
         <p:nvPr/>
       </p:nvGrpSpPr>
-      <p:grpSpPr>
-        <a:xfrm>
-          <a:off x="0" y="0"/>
-          <a:ext cx="0" cy="0"/>
-          <a:chOff x="0" y="0"/>
-          <a:chExt cx="0" cy="0"/>
-        </a:xfrm>
-      </p:grpSpPr>
+      <p:grpSpPr/>
       <p:sp>
         <p:nvSpPr>
           <p:cNvPr id="2" name="Title 1"/>
@@ -4959,7 +4903,7 @@
 </file>
 
 <file path=ppt/slides/slide20.xml><?xml version="1.0" encoding="utf-8"?>
-<p:sld xmlns:a="http://schemas.openxmlformats.org/drawingml/2006/main" xmlns:r="http://schemas.openxmlformats.org/officeDocument/2006/relationships" xmlns:p="http://schemas.openxmlformats.org/presentationml/2006/main">
+<p:sld xmlns:a="http://schemas.openxmlformats.org/drawingml/2006/main" xmlns:p="http://schemas.openxmlformats.org/presentationml/2006/main" xmlns:r="http://schemas.openxmlformats.org/officeDocument/2006/relationships">
   <p:cSld>
     <p:spTree>
       <p:nvGrpSpPr>
@@ -4967,14 +4911,7 @@
         <p:cNvGrpSpPr/>
         <p:nvPr/>
       </p:nvGrpSpPr>
-      <p:grpSpPr>
-        <a:xfrm>
-          <a:off x="0" y="0"/>
-          <a:ext cx="0" cy="0"/>
-          <a:chOff x="0" y="0"/>
-          <a:chExt cx="0" cy="0"/>
-        </a:xfrm>
-      </p:grpSpPr>
+      <p:grpSpPr/>
       <p:sp>
         <p:nvSpPr>
           <p:cNvPr id="2" name="Title 1"/>
@@ -5105,7 +5042,7 @@
 </file>
 
 <file path=ppt/slides/slide21.xml><?xml version="1.0" encoding="utf-8"?>
-<p:sld xmlns:a="http://schemas.openxmlformats.org/drawingml/2006/main" xmlns:r="http://schemas.openxmlformats.org/officeDocument/2006/relationships" xmlns:p="http://schemas.openxmlformats.org/presentationml/2006/main">
+<p:sld xmlns:a="http://schemas.openxmlformats.org/drawingml/2006/main" xmlns:p="http://schemas.openxmlformats.org/presentationml/2006/main" xmlns:r="http://schemas.openxmlformats.org/officeDocument/2006/relationships">
   <p:cSld>
     <p:spTree>
       <p:nvGrpSpPr>
@@ -5113,14 +5050,7 @@
         <p:cNvGrpSpPr/>
         <p:nvPr/>
       </p:nvGrpSpPr>
-      <p:grpSpPr>
-        <a:xfrm>
-          <a:off x="0" y="0"/>
-          <a:ext cx="0" cy="0"/>
-          <a:chOff x="0" y="0"/>
-          <a:chExt cx="0" cy="0"/>
-        </a:xfrm>
-      </p:grpSpPr>
+      <p:grpSpPr/>
       <p:sp>
         <p:nvSpPr>
           <p:cNvPr id="2" name="Title 1"/>
@@ -5163,9 +5093,7 @@
         <p:txBody>
           <a:bodyPr/>
           <a:lstStyle/>
-          <a:p>
-            <a:endParaRPr/>
-          </a:p>
+          <a:p/>
         </p:txBody>
       </p:sp>
       <p:sp>
@@ -5207,7 +5135,6 @@
               </a:spcAft>
               <a:defRPr sz="2000"/>
             </a:pPr>
-            <a:endParaRPr/>
           </a:p>
           <a:p>
             <a:pPr>
@@ -5260,7 +5187,6 @@
               </a:spcAft>
               <a:defRPr sz="2000"/>
             </a:pPr>
-            <a:endParaRPr/>
           </a:p>
           <a:p>
             <a:pPr>
@@ -5280,7 +5206,6 @@
               </a:spcAft>
               <a:defRPr sz="2000"/>
             </a:pPr>
-            <a:endParaRPr/>
           </a:p>
           <a:p>
             <a:pPr>
@@ -5304,7 +5229,7 @@
 </file>
 
 <file path=ppt/slides/slide22.xml><?xml version="1.0" encoding="utf-8"?>
-<p:sld xmlns:a="http://schemas.openxmlformats.org/drawingml/2006/main" xmlns:r="http://schemas.openxmlformats.org/officeDocument/2006/relationships" xmlns:p="http://schemas.openxmlformats.org/presentationml/2006/main">
+<p:sld xmlns:a="http://schemas.openxmlformats.org/drawingml/2006/main" xmlns:p="http://schemas.openxmlformats.org/presentationml/2006/main" xmlns:r="http://schemas.openxmlformats.org/officeDocument/2006/relationships">
   <p:cSld>
     <p:spTree>
       <p:nvGrpSpPr>
@@ -5312,14 +5237,7 @@
         <p:cNvGrpSpPr/>
         <p:nvPr/>
       </p:nvGrpSpPr>
-      <p:grpSpPr>
-        <a:xfrm>
-          <a:off x="0" y="0"/>
-          <a:ext cx="0" cy="0"/>
-          <a:chOff x="0" y="0"/>
-          <a:chExt cx="0" cy="0"/>
-        </a:xfrm>
-      </p:grpSpPr>
+      <p:grpSpPr/>
       <p:sp>
         <p:nvSpPr>
           <p:cNvPr id="2" name="TextBox 1"/>
@@ -5416,16 +5334,7 @@
               <a:defRPr sz="1800"/>
             </a:pPr>
             <a:r>
-              <a:rPr dirty="0"/>
-              <a:t>GitHub: amine-dubs/</a:t>
-            </a:r>
-            <a:r>
-              <a:rPr dirty="0" err="1"/>
-              <a:t>dio</a:t>
-            </a:r>
-            <a:r>
-              <a:rPr dirty="0"/>
-              <a:t>-optimization</a:t>
+              <a:t>GitHub: amine-dubs/dio-optimization</a:t>
             </a:r>
           </a:p>
           <a:p>
@@ -5433,21 +5342,14 @@
               <a:defRPr sz="1800"/>
             </a:pPr>
             <a:r>
-              <a:rPr dirty="0" smtClean="0"/>
-              <a:t>Email:</a:t>
-            </a:r>
-            <a:r>
-              <a:rPr lang="fr-FR" dirty="0"/>
-              <a:t>222237259301@etu.univ-usto.dz</a:t>
-            </a:r>
-            <a:endParaRPr dirty="0"/>
+              <a:t>Email: your.email@university.edu</a:t>
+            </a:r>
           </a:p>
           <a:p>
             <a:pPr algn="ctr">
               <a:defRPr sz="1800"/>
             </a:pPr>
             <a:r>
-              <a:rPr dirty="0"/>
               <a:t>Dataset: UCI Machine Learning Repository</a:t>
             </a:r>
           </a:p>
@@ -5462,7 +5364,7 @@
 </file>
 
 <file path=ppt/slides/slide3.xml><?xml version="1.0" encoding="utf-8"?>
-<p:sld xmlns:a="http://schemas.openxmlformats.org/drawingml/2006/main" xmlns:r="http://schemas.openxmlformats.org/officeDocument/2006/relationships" xmlns:p="http://schemas.openxmlformats.org/presentationml/2006/main">
+<p:sld xmlns:a="http://schemas.openxmlformats.org/drawingml/2006/main" xmlns:p="http://schemas.openxmlformats.org/presentationml/2006/main" xmlns:r="http://schemas.openxmlformats.org/officeDocument/2006/relationships">
   <p:cSld>
     <p:spTree>
       <p:nvGrpSpPr>
@@ -5470,14 +5372,7 @@
         <p:cNvGrpSpPr/>
         <p:nvPr/>
       </p:nvGrpSpPr>
-      <p:grpSpPr>
-        <a:xfrm>
-          <a:off x="0" y="0"/>
-          <a:ext cx="0" cy="0"/>
-          <a:chOff x="0" y="0"/>
-          <a:chExt cx="0" cy="0"/>
-        </a:xfrm>
-      </p:grpSpPr>
+      <p:grpSpPr/>
       <p:sp>
         <p:nvSpPr>
           <p:cNvPr id="2" name="Title 1"/>
@@ -5586,7 +5481,7 @@
 </file>
 
 <file path=ppt/slides/slide4.xml><?xml version="1.0" encoding="utf-8"?>
-<p:sld xmlns:a="http://schemas.openxmlformats.org/drawingml/2006/main" xmlns:r="http://schemas.openxmlformats.org/officeDocument/2006/relationships" xmlns:p="http://schemas.openxmlformats.org/presentationml/2006/main">
+<p:sld xmlns:a="http://schemas.openxmlformats.org/drawingml/2006/main" xmlns:p="http://schemas.openxmlformats.org/presentationml/2006/main" xmlns:r="http://schemas.openxmlformats.org/officeDocument/2006/relationships">
   <p:cSld>
     <p:spTree>
       <p:nvGrpSpPr>
@@ -5594,14 +5489,7 @@
         <p:cNvGrpSpPr/>
         <p:nvPr/>
       </p:nvGrpSpPr>
-      <p:grpSpPr>
-        <a:xfrm>
-          <a:off x="0" y="0"/>
-          <a:ext cx="0" cy="0"/>
-          <a:chOff x="0" y="0"/>
-          <a:chExt cx="0" cy="0"/>
-        </a:xfrm>
-      </p:grpSpPr>
+      <p:grpSpPr/>
       <p:sp>
         <p:nvSpPr>
           <p:cNvPr id="2" name="Title 1"/>
@@ -5720,7 +5608,7 @@
 </file>
 
 <file path=ppt/slides/slide5.xml><?xml version="1.0" encoding="utf-8"?>
-<p:sld xmlns:a="http://schemas.openxmlformats.org/drawingml/2006/main" xmlns:r="http://schemas.openxmlformats.org/officeDocument/2006/relationships" xmlns:p="http://schemas.openxmlformats.org/presentationml/2006/main">
+<p:sld xmlns:a="http://schemas.openxmlformats.org/drawingml/2006/main" xmlns:p="http://schemas.openxmlformats.org/presentationml/2006/main" xmlns:r="http://schemas.openxmlformats.org/officeDocument/2006/relationships">
   <p:cSld>
     <p:spTree>
       <p:nvGrpSpPr>
@@ -5728,14 +5616,7 @@
         <p:cNvGrpSpPr/>
         <p:nvPr/>
       </p:nvGrpSpPr>
-      <p:grpSpPr>
-        <a:xfrm>
-          <a:off x="0" y="0"/>
-          <a:ext cx="0" cy="0"/>
-          <a:chOff x="0" y="0"/>
-          <a:chExt cx="0" cy="0"/>
-        </a:xfrm>
-      </p:grpSpPr>
+      <p:grpSpPr/>
       <p:sp>
         <p:nvSpPr>
           <p:cNvPr id="2" name="Title 1"/>
@@ -5796,7 +5677,6 @@
               </a:spcAft>
               <a:defRPr sz="1800"/>
             </a:pPr>
-            <a:endParaRPr/>
           </a:p>
           <a:p>
             <a:pPr>
@@ -5838,7 +5718,6 @@
               </a:spcAft>
               <a:defRPr sz="1800"/>
             </a:pPr>
-            <a:endParaRPr/>
           </a:p>
           <a:p>
             <a:pPr>
@@ -5858,7 +5737,6 @@
               </a:spcAft>
               <a:defRPr sz="1800"/>
             </a:pPr>
-            <a:endParaRPr/>
           </a:p>
           <a:p>
             <a:pPr>
@@ -5882,7 +5760,7 @@
 </file>
 
 <file path=ppt/slides/slide6.xml><?xml version="1.0" encoding="utf-8"?>
-<p:sld xmlns:a="http://schemas.openxmlformats.org/drawingml/2006/main" xmlns:r="http://schemas.openxmlformats.org/officeDocument/2006/relationships" xmlns:p="http://schemas.openxmlformats.org/presentationml/2006/main">
+<p:sld xmlns:a="http://schemas.openxmlformats.org/drawingml/2006/main" xmlns:p="http://schemas.openxmlformats.org/presentationml/2006/main" xmlns:r="http://schemas.openxmlformats.org/officeDocument/2006/relationships">
   <p:cSld>
     <p:spTree>
       <p:nvGrpSpPr>
@@ -5890,14 +5768,7 @@
         <p:cNvGrpSpPr/>
         <p:nvPr/>
       </p:nvGrpSpPr>
-      <p:grpSpPr>
-        <a:xfrm>
-          <a:off x="0" y="0"/>
-          <a:ext cx="0" cy="0"/>
-          <a:chOff x="0" y="0"/>
-          <a:chExt cx="0" cy="0"/>
-        </a:xfrm>
-      </p:grpSpPr>
+      <p:grpSpPr/>
       <p:sp>
         <p:nvSpPr>
           <p:cNvPr id="2" name="Title 1"/>
@@ -5910,9 +5781,7 @@
         </p:nvSpPr>
         <p:spPr/>
         <p:txBody>
-          <a:bodyPr>
-            <a:normAutofit fontScale="90000"/>
-          </a:bodyPr>
+          <a:bodyPr/>
           <a:lstStyle/>
           <a:p>
             <a:pPr>
@@ -6012,7 +5881,7 @@
 </file>
 
 <file path=ppt/slides/slide7.xml><?xml version="1.0" encoding="utf-8"?>
-<p:sld xmlns:a="http://schemas.openxmlformats.org/drawingml/2006/main" xmlns:r="http://schemas.openxmlformats.org/officeDocument/2006/relationships" xmlns:p="http://schemas.openxmlformats.org/presentationml/2006/main">
+<p:sld xmlns:a="http://schemas.openxmlformats.org/drawingml/2006/main" xmlns:p="http://schemas.openxmlformats.org/presentationml/2006/main" xmlns:r="http://schemas.openxmlformats.org/officeDocument/2006/relationships">
   <p:cSld>
     <p:spTree>
       <p:nvGrpSpPr>
@@ -6020,14 +5889,7 @@
         <p:cNvGrpSpPr/>
         <p:nvPr/>
       </p:nvGrpSpPr>
-      <p:grpSpPr>
-        <a:xfrm>
-          <a:off x="0" y="0"/>
-          <a:ext cx="0" cy="0"/>
-          <a:chOff x="0" y="0"/>
-          <a:chExt cx="0" cy="0"/>
-        </a:xfrm>
-      </p:grpSpPr>
+      <p:grpSpPr/>
       <p:sp>
         <p:nvSpPr>
           <p:cNvPr id="2" name="Title 1"/>
@@ -6070,9 +5932,7 @@
         <p:txBody>
           <a:bodyPr/>
           <a:lstStyle/>
-          <a:p>
-            <a:endParaRPr/>
-          </a:p>
+          <a:p/>
         </p:txBody>
       </p:sp>
       <p:sp>
@@ -6182,7 +6042,7 @@
 </file>
 
 <file path=ppt/slides/slide8.xml><?xml version="1.0" encoding="utf-8"?>
-<p:sld xmlns:a="http://schemas.openxmlformats.org/drawingml/2006/main" xmlns:r="http://schemas.openxmlformats.org/officeDocument/2006/relationships" xmlns:p="http://schemas.openxmlformats.org/presentationml/2006/main">
+<p:sld xmlns:a="http://schemas.openxmlformats.org/drawingml/2006/main" xmlns:p="http://schemas.openxmlformats.org/presentationml/2006/main" xmlns:r="http://schemas.openxmlformats.org/officeDocument/2006/relationships">
   <p:cSld>
     <p:spTree>
       <p:nvGrpSpPr>
@@ -6190,14 +6050,7 @@
         <p:cNvGrpSpPr/>
         <p:nvPr/>
       </p:nvGrpSpPr>
-      <p:grpSpPr>
-        <a:xfrm>
-          <a:off x="0" y="0"/>
-          <a:ext cx="0" cy="0"/>
-          <a:chOff x="0" y="0"/>
-          <a:chExt cx="0" cy="0"/>
-        </a:xfrm>
-      </p:grpSpPr>
+      <p:grpSpPr/>
       <p:sp>
         <p:nvSpPr>
           <p:cNvPr id="2" name="Title 1"/>
@@ -6318,7 +6171,7 @@
 </file>
 
 <file path=ppt/slides/slide9.xml><?xml version="1.0" encoding="utf-8"?>
-<p:sld xmlns:a="http://schemas.openxmlformats.org/drawingml/2006/main" xmlns:r="http://schemas.openxmlformats.org/officeDocument/2006/relationships" xmlns:p="http://schemas.openxmlformats.org/presentationml/2006/main">
+<p:sld xmlns:a="http://schemas.openxmlformats.org/drawingml/2006/main" xmlns:p="http://schemas.openxmlformats.org/presentationml/2006/main" xmlns:r="http://schemas.openxmlformats.org/officeDocument/2006/relationships">
   <p:cSld>
     <p:spTree>
       <p:nvGrpSpPr>
@@ -6326,14 +6179,7 @@
         <p:cNvGrpSpPr/>
         <p:nvPr/>
       </p:nvGrpSpPr>
-      <p:grpSpPr>
-        <a:xfrm>
-          <a:off x="0" y="0"/>
-          <a:ext cx="0" cy="0"/>
-          <a:chOff x="0" y="0"/>
-          <a:chExt cx="0" cy="0"/>
-        </a:xfrm>
-      </p:grpSpPr>
+      <p:grpSpPr/>
       <p:sp>
         <p:nvSpPr>
           <p:cNvPr id="2" name="Title 1"/>
@@ -6376,9 +6222,7 @@
         <p:txBody>
           <a:bodyPr/>
           <a:lstStyle/>
-          <a:p>
-            <a:endParaRPr/>
-          </a:p>
+          <a:p/>
         </p:txBody>
       </p:sp>
       <p:sp>
@@ -6455,10 +6299,14 @@
             </a:r>
           </a:p>
           <a:p>
-            <a:r>
-              <a:t/>
-            </a:r>
             <a:br/>
+            <a:pPr>
+              <a:defRPr sz="2200" b="1">
+                <a:solidFill>
+                  <a:srgbClr val="2ECC71"/>
+                </a:solidFill>
+              </a:defRPr>
+            </a:pPr>
             <a:r>
               <a:t>Selected Features: 8 out of 30 (73% reduction!)</a:t>
             </a:r>

--- a/Presentation/DIO_Research_Presentation.pptx
+++ b/Presentation/DIO_Research_Presentation.pptx
@@ -27,6 +27,8 @@
     <p:sldId id="275" r:id="rId26"/>
     <p:sldId id="276" r:id="rId27"/>
     <p:sldId id="277" r:id="rId28"/>
+    <p:sldId id="278" r:id="rId29"/>
+    <p:sldId id="279" r:id="rId30"/>
   </p:sldIdLst>
   <p:sldSz cx="9144000" cy="6858000" type="screen4x3"/>
   <p:notesSz cx="6858000" cy="9144000"/>
@@ -3467,7 +3469,7 @@
               </a:defRPr>
             </a:pPr>
             <a:r>
-              <a:t>Performance Rankings (Top 7)</a:t>
+              <a:t>Three Optimization Approaches Validated</a:t>
             </a:r>
           </a:p>
         </p:txBody>
@@ -3497,8 +3499,8 @@
         </p:nvSpPr>
         <p:spPr>
           <a:xfrm>
-            <a:off x="731520" y="1828800"/>
-            <a:ext cx="7680960" cy="4114800"/>
+            <a:off x="457200" y="1828800"/>
+            <a:ext cx="8229600" cy="4114800"/>
           </a:xfrm>
           <a:prstGeom prst="rect">
             <a:avLst/>
@@ -3518,39 +3520,46 @@
               </a:defRPr>
             </a:pPr>
             <a:r>
-              <a:t>Rank  Model                    Accuracy    Features</a:t>
+              <a:t>Approach              Accuracy        Features  Opt.Time  Rank</a:t>
             </a:r>
             <a:br/>
             <a:r>
-              <a:t>────────────────────────────────────────────────────</a:t>
+              <a:t>───────────────────────────────────────────────────────────────</a:t>
             </a:r>
             <a:br/>
             <a:r>
-              <a:t>1     XGBoost (All)           96.24%      30</a:t>
+              <a:t>DIO-XGBoost          96.34% ±1.23%   17/30     54 sec    #1 🏆</a:t>
             </a:r>
             <a:br/>
             <a:r>
-              <a:t>2     RF Default (All)        95.87%      30</a:t>
+              <a:t>(Single-Split)       (43% reduction)</a:t>
             </a:r>
             <a:br/>
-            <a:r>
-              <a:t>3     Gradient Boosting       95.75%      30</a:t>
-            </a:r>
             <a:br/>
             <a:r>
-              <a:t>4     XGBoost (Selected)      95.38%      8</a:t>
+              <a:t>DIO-RF-CV            96.26% ±1.33%   6/30      7.9 hrs   #3</a:t>
             </a:r>
             <a:br/>
             <a:r>
-              <a:t>5     Logistic Regression     94.91%      30</a:t>
+              <a:t>(CV-Based)           (80% reduction)</a:t>
             </a:r>
             <a:br/>
-            <a:r>
-              <a:t>6     RF Default (Selected)   94.89%      8</a:t>
-            </a:r>
             <a:br/>
             <a:r>
-              <a:t>7     DIO-Optimized RF        94.72%      8  ⭐</a:t>
+              <a:t>DIO-RF-Single        94.72% ±1.41%   8/30      1 min     #7</a:t>
+            </a:r>
+            <a:br/>
+            <a:r>
+              <a:t>(Initial)            (73% reduction)</a:t>
+            </a:r>
+            <a:br/>
+            <a:r>
+              <a:t>───────────────────────────────────────────────────────────────</a:t>
+            </a:r>
+            <a:br/>
+            <a:br/>
+            <a:r>
+              <a:t>Key Insight: XGBoost achieves BEST OVERALL performance!</a:t>
             </a:r>
             <a:br/>
           </a:p>
@@ -3597,7 +3606,7 @@
               </a:defRPr>
             </a:pPr>
             <a:r>
-              <a:t>Key Findings &amp; Critical Insights</a:t>
+              <a:t>Key Findings: Algorithm-Dependent Optimization</a:t>
             </a:r>
           </a:p>
         </p:txBody>
@@ -3624,111 +3633,144 @@
               <a:defRPr sz="1800"/>
             </a:pPr>
             <a:r>
-              <a:t>Primary Achievement: Feature Selection (73% reduction)</a:t>
-            </a:r>
-          </a:p>
-          <a:p>
-            <a:pPr>
-              <a:spcAft>
-                <a:spcPts val="1200"/>
-              </a:spcAft>
-              <a:defRPr sz="1800"/>
-            </a:pPr>
-            <a:r>
-              <a:t>✓ 94.72% ± 1.41% accuracy with only 8 features</a:t>
-            </a:r>
-          </a:p>
-          <a:p>
-            <a:pPr>
-              <a:spcAft>
-                <a:spcPts val="1200"/>
-              </a:spcAft>
-              <a:defRPr sz="1800"/>
-            </a:pPr>
-            <a:r>
-              <a:t>✓ Significantly outperforms SVM (p&lt;0.001) and KNN (p&lt;0.001)</a:t>
-            </a:r>
-          </a:p>
-          <a:p>
-            <a:pPr>
-              <a:spcAft>
-                <a:spcPts val="1200"/>
-              </a:spcAft>
-              <a:defRPr sz="1800"/>
-            </a:pPr>
-          </a:p>
-          <a:p>
-            <a:pPr>
-              <a:spcAft>
-                <a:spcPts val="1200"/>
-              </a:spcAft>
-              <a:defRPr sz="1800"/>
-            </a:pPr>
-            <a:r>
-              <a:t>Critical Insight: Optimization Overfitting</a:t>
-            </a:r>
-          </a:p>
-          <a:p>
-            <a:pPr>
-              <a:spcAft>
-                <a:spcPts val="1200"/>
-              </a:spcAft>
-              <a:defRPr sz="1800"/>
-            </a:pPr>
-            <a:r>
-              <a:t>⚠ Hyperparameters optimized on single split (random_state=42)</a:t>
-            </a:r>
-          </a:p>
-          <a:p>
-            <a:pPr>
-              <a:spcAft>
-                <a:spcPts val="1200"/>
-              </a:spcAft>
-              <a:defRPr sz="1800"/>
-            </a:pPr>
-            <a:r>
-              <a:t>⚠ DIO-optimized: 94.72% vs RF defaults: 94.89% (p=0.165)</a:t>
-            </a:r>
-          </a:p>
-          <a:p>
-            <a:pPr>
-              <a:spcAft>
-                <a:spcPts val="1200"/>
-              </a:spcAft>
-              <a:defRPr sz="1800"/>
-            </a:pPr>
-            <a:r>
-              <a:t>⚠ Feature selection was the real value, NOT hyperparameter tuning</a:t>
-            </a:r>
-          </a:p>
-          <a:p>
-            <a:pPr>
-              <a:spcAft>
-                <a:spcPts val="1200"/>
-              </a:spcAft>
-              <a:defRPr sz="1800"/>
-            </a:pPr>
-          </a:p>
-          <a:p>
-            <a:pPr>
-              <a:spcAft>
-                <a:spcPts val="1200"/>
-              </a:spcAft>
-              <a:defRPr sz="1800"/>
-            </a:pPr>
-            <a:r>
-              <a:t>Lesson: Single-split optimization ≠ generalizable hyperparameters</a:t>
-            </a:r>
-          </a:p>
-          <a:p>
-            <a:pPr>
-              <a:spcAft>
-                <a:spcPts val="1200"/>
-              </a:spcAft>
-              <a:defRPr sz="1800"/>
-            </a:pPr>
-            <a:r>
-              <a:t>✓ Pareto-optimal: Best accuracy-complexity trade-off</a:t>
+              <a:t>🏆 DIO-XGBoost: BEST OVERALL (96.34%, 17 features, Rank #1)</a:t>
+            </a:r>
+          </a:p>
+          <a:p>
+            <a:pPr>
+              <a:spcAft>
+                <a:spcPts val="1200"/>
+              </a:spcAft>
+              <a:defRPr sz="1800"/>
+            </a:pPr>
+            <a:r>
+              <a:t>✓ Lowest standard deviation (1.23%) = Most stable</a:t>
+            </a:r>
+          </a:p>
+          <a:p>
+            <a:pPr>
+              <a:spcAft>
+                <a:spcPts val="1200"/>
+              </a:spcAft>
+              <a:defRPr sz="1800"/>
+            </a:pPr>
+            <a:r>
+              <a:t>✓ 54-second optimization (526× faster than CV-RF!)</a:t>
+            </a:r>
+          </a:p>
+          <a:p>
+            <a:pPr>
+              <a:spcAft>
+                <a:spcPts val="1200"/>
+              </a:spcAft>
+              <a:defRPr sz="1800"/>
+            </a:pPr>
+            <a:r>
+              <a:t>✓ Significantly better than defaults (p=0.0426)</a:t>
+            </a:r>
+          </a:p>
+          <a:p>
+            <a:pPr>
+              <a:spcAft>
+                <a:spcPts val="1200"/>
+              </a:spcAft>
+              <a:defRPr sz="1800"/>
+            </a:pPr>
+          </a:p>
+          <a:p>
+            <a:pPr>
+              <a:spcAft>
+                <a:spcPts val="1200"/>
+              </a:spcAft>
+              <a:defRPr sz="1800"/>
+            </a:pPr>
+            <a:r>
+              <a:t>🥉 DIO-RF-CV: Best Interpretability (96.26%, 6 features, Rank #3)</a:t>
+            </a:r>
+          </a:p>
+          <a:p>
+            <a:pPr>
+              <a:spcAft>
+                <a:spcPts val="1200"/>
+              </a:spcAft>
+              <a:defRPr sz="1800"/>
+            </a:pPr>
+            <a:r>
+              <a:t>✓ 80% feature reduction (highest among all)</a:t>
+            </a:r>
+          </a:p>
+          <a:p>
+            <a:pPr>
+              <a:spcAft>
+                <a:spcPts val="1200"/>
+              </a:spcAft>
+              <a:defRPr sz="1800"/>
+            </a:pPr>
+            <a:r>
+              <a:t>✓ Significantly better than defaults (p=0.0084)</a:t>
+            </a:r>
+          </a:p>
+          <a:p>
+            <a:pPr>
+              <a:spcAft>
+                <a:spcPts val="1200"/>
+              </a:spcAft>
+              <a:defRPr sz="1800"/>
+            </a:pPr>
+            <a:r>
+              <a:t>✓ Fixes optimization overfitting problem</a:t>
+            </a:r>
+          </a:p>
+          <a:p>
+            <a:pPr>
+              <a:spcAft>
+                <a:spcPts val="1200"/>
+              </a:spcAft>
+              <a:defRPr sz="1800"/>
+            </a:pPr>
+          </a:p>
+          <a:p>
+            <a:pPr>
+              <a:spcAft>
+                <a:spcPts val="1200"/>
+              </a:spcAft>
+              <a:defRPr sz="1800"/>
+            </a:pPr>
+            <a:r>
+              <a:t>💡 Critical Discovery: Optimization Overfitting is Algorithm-Dependent</a:t>
+            </a:r>
+          </a:p>
+          <a:p>
+            <a:pPr>
+              <a:spcAft>
+                <a:spcPts val="1200"/>
+              </a:spcAft>
+              <a:defRPr sz="1800"/>
+            </a:pPr>
+            <a:r>
+              <a:t>• RF single-split suffered overfitting (100% → 94.72%)</a:t>
+            </a:r>
+          </a:p>
+          <a:p>
+            <a:pPr>
+              <a:spcAft>
+                <a:spcPts val="1200"/>
+              </a:spcAft>
+              <a:defRPr sz="1800"/>
+            </a:pPr>
+            <a:r>
+              <a:t>• XGBoost single-split achieved top performance (98.83% → 96.34%)</a:t>
+            </a:r>
+          </a:p>
+          <a:p>
+            <a:pPr>
+              <a:spcAft>
+                <a:spcPts val="1200"/>
+              </a:spcAft>
+              <a:defRPr sz="1800"/>
+            </a:pPr>
+            <a:r>
+              <a:t>• Gradient boosting's regularization enables single-split success!</a:t>
             </a:r>
           </a:p>
         </p:txBody>
@@ -3774,7 +3816,7 @@
               </a:defRPr>
             </a:pPr>
             <a:r>
-              <a:t>Statistical Validation</a:t>
+              <a:t>CV-Based Optimization: Fixing Overfitting</a:t>
             </a:r>
           </a:p>
         </p:txBody>
@@ -3796,16 +3838,40 @@
           <a:p/>
         </p:txBody>
       </p:sp>
-      <p:sp>
-        <p:nvSpPr>
-          <p:cNvPr id="4" name="TextBox 3"/>
+      <p:pic>
+        <p:nvPicPr>
+          <p:cNvPr id="4" name="Picture 3" descr="statistical_comparison_visualization_cv.png"/>
+          <p:cNvPicPr>
+            <a:picLocks noChangeAspect="1"/>
+          </p:cNvPicPr>
+          <p:nvPr/>
+        </p:nvPicPr>
+        <p:blipFill>
+          <a:blip r:embed="rId2"/>
+          <a:stretch>
+            <a:fillRect/>
+          </a:stretch>
+        </p:blipFill>
+        <p:spPr>
+          <a:xfrm>
+            <a:off x="1371600" y="1828800"/>
+            <a:ext cx="6824463" cy="4114800"/>
+          </a:xfrm>
+          <a:prstGeom prst="rect">
+            <a:avLst/>
+          </a:prstGeom>
+        </p:spPr>
+      </p:pic>
+      <p:sp>
+        <p:nvSpPr>
+          <p:cNvPr id="5" name="TextBox 4"/>
           <p:cNvSpPr txBox="1"/>
           <p:nvPr/>
         </p:nvSpPr>
         <p:spPr>
           <a:xfrm>
-            <a:off x="914400" y="1828800"/>
-            <a:ext cx="7315200" cy="4114800"/>
+            <a:off x="914400" y="5943600"/>
+            <a:ext cx="7315200" cy="457200"/>
           </a:xfrm>
           <a:prstGeom prst="rect">
             <a:avLst/>
@@ -3818,112 +3884,11 @@
           </a:bodyPr>
           <a:lstStyle/>
           <a:p>
-            <a:pPr>
-              <a:defRPr sz="2400" b="1"/>
-            </a:pPr>
-            <a:r>
-              <a:t>Wilcoxon Signed-Rank Test Results:</a:t>
-            </a:r>
-          </a:p>
-          <a:p>
-            <a:pPr>
-              <a:spcAft>
-                <a:spcPts val="600"/>
-              </a:spcAft>
-              <a:defRPr sz="1800"/>
-            </a:pPr>
-          </a:p>
-          <a:p>
-            <a:pPr>
-              <a:spcAft>
-                <a:spcPts val="600"/>
-              </a:spcAft>
-              <a:defRPr sz="1800"/>
-            </a:pPr>
-            <a:r>
-              <a:t>DIO-Optimized RF vs.:</a:t>
-            </a:r>
-          </a:p>
-          <a:p>
-            <a:pPr>
-              <a:spcAft>
-                <a:spcPts val="600"/>
-              </a:spcAft>
-              <a:defRPr sz="1800"/>
-            </a:pPr>
-            <a:r>
-              <a:t>  • SVM: +3.16% improvement (p &lt; 0.001) ✓✓✓</a:t>
-            </a:r>
-          </a:p>
-          <a:p>
-            <a:pPr>
-              <a:spcAft>
-                <a:spcPts val="600"/>
-              </a:spcAft>
-              <a:defRPr sz="1800"/>
-            </a:pPr>
-            <a:r>
-              <a:t>  • KNN: +1.70% improvement (p &lt; 0.001) ✓✓✓</a:t>
-            </a:r>
-          </a:p>
-          <a:p>
-            <a:pPr>
-              <a:spcAft>
-                <a:spcPts val="600"/>
-              </a:spcAft>
-              <a:defRPr sz="1800"/>
-            </a:pPr>
-            <a:r>
-              <a:t>  • RF Default (Selected): -0.17% (p = 0.165) ≈</a:t>
-            </a:r>
-          </a:p>
-          <a:p>
-            <a:pPr>
-              <a:spcAft>
-                <a:spcPts val="600"/>
-              </a:spcAft>
-              <a:defRPr sz="1800"/>
-            </a:pPr>
-            <a:r>
-              <a:t>  • Naive Bayes: +0.53% (p = 0.089) ≈</a:t>
-            </a:r>
-          </a:p>
-          <a:p>
-            <a:pPr>
-              <a:spcAft>
-                <a:spcPts val="600"/>
-              </a:spcAft>
-              <a:defRPr sz="1800"/>
-            </a:pPr>
-          </a:p>
-          <a:p>
-            <a:pPr>
-              <a:spcAft>
-                <a:spcPts val="600"/>
-              </a:spcAft>
-              <a:defRPr sz="1800"/>
-            </a:pPr>
-            <a:r>
-              <a:t>Legend: ✓✓✓ = Highly Significant | ≈ = Not Significant</a:t>
-            </a:r>
-          </a:p>
-          <a:p>
-            <a:pPr>
-              <a:spcAft>
-                <a:spcPts val="600"/>
-              </a:spcAft>
-              <a:defRPr sz="1800"/>
-            </a:pPr>
-          </a:p>
-          <a:p>
-            <a:pPr>
-              <a:spcAft>
-                <a:spcPts val="600"/>
-              </a:spcAft>
-              <a:defRPr sz="1800"/>
-            </a:pPr>
-            <a:r>
-              <a:t>30 paired samples provide strong statistical power</a:t>
+            <a:pPr algn="ctr">
+              <a:defRPr sz="1400" i="1"/>
+            </a:pPr>
+            <a:r>
+              <a:t>96.26% ± 1.33% with 6 features (80% reduction) - Rank #3</a:t>
             </a:r>
           </a:p>
         </p:txBody>
@@ -3969,7 +3934,7 @@
               </a:defRPr>
             </a:pPr>
             <a:r>
-              <a:t>Pareto-Optimal Solution</a:t>
+              <a:t>XGBoost Optimization: Best Overall Performance</a:t>
             </a:r>
           </a:p>
         </p:txBody>
@@ -3991,16 +3956,40 @@
           <a:p/>
         </p:txBody>
       </p:sp>
-      <p:sp>
-        <p:nvSpPr>
-          <p:cNvPr id="4" name="TextBox 3"/>
+      <p:pic>
+        <p:nvPicPr>
+          <p:cNvPr id="4" name="Picture 3" descr="xgboost_statistical_comparison_visualization.png"/>
+          <p:cNvPicPr>
+            <a:picLocks noChangeAspect="1"/>
+          </p:cNvPicPr>
+          <p:nvPr/>
+        </p:nvPicPr>
+        <p:blipFill>
+          <a:blip r:embed="rId2"/>
+          <a:stretch>
+            <a:fillRect/>
+          </a:stretch>
+        </p:blipFill>
+        <p:spPr>
+          <a:xfrm>
+            <a:off x="1371600" y="1828800"/>
+            <a:ext cx="6832056" cy="4114800"/>
+          </a:xfrm>
+          <a:prstGeom prst="rect">
+            <a:avLst/>
+          </a:prstGeom>
+        </p:spPr>
+      </p:pic>
+      <p:sp>
+        <p:nvSpPr>
+          <p:cNvPr id="5" name="TextBox 4"/>
           <p:cNvSpPr txBox="1"/>
           <p:nvPr/>
         </p:nvSpPr>
         <p:spPr>
           <a:xfrm>
-            <a:off x="914400" y="1828800"/>
-            <a:ext cx="7315200" cy="4114800"/>
+            <a:off x="914400" y="5943600"/>
+            <a:ext cx="7315200" cy="457200"/>
           </a:xfrm>
           <a:prstGeom prst="rect">
             <a:avLst/>
@@ -4013,130 +4002,11 @@
           </a:bodyPr>
           <a:lstStyle/>
           <a:p>
-            <a:pPr>
-              <a:defRPr sz="2800" b="1">
-                <a:solidFill>
-                  <a:srgbClr val="2ECC71"/>
-                </a:solidFill>
-              </a:defRPr>
-            </a:pPr>
-            <a:r>
-              <a:t>Why Rank 7 is Actually a Success:</a:t>
-            </a:r>
-          </a:p>
-          <a:p>
-            <a:pPr>
-              <a:spcAft>
-                <a:spcPts val="400"/>
-              </a:spcAft>
-              <a:defRPr sz="1800"/>
-            </a:pPr>
-          </a:p>
-          <a:p>
-            <a:pPr>
-              <a:spcAft>
-                <a:spcPts val="400"/>
-              </a:spcAft>
-              <a:defRPr sz="1800"/>
-            </a:pPr>
-            <a:r>
-              <a:t>Accuracy Loss: Only 1.5% vs. best model</a:t>
-            </a:r>
-          </a:p>
-          <a:p>
-            <a:pPr>
-              <a:spcAft>
-                <a:spcPts val="400"/>
-              </a:spcAft>
-              <a:defRPr sz="1800"/>
-            </a:pPr>
-            <a:r>
-              <a:t>Feature Reduction: 73% fewer features</a:t>
-            </a:r>
-          </a:p>
-          <a:p>
-            <a:pPr>
-              <a:spcAft>
-                <a:spcPts val="400"/>
-              </a:spcAft>
-              <a:defRPr sz="1800"/>
-            </a:pPr>
-            <a:r>
-              <a:t>Trade-off Ratio: 0.02% accuracy per 1% feature reduction</a:t>
-            </a:r>
-          </a:p>
-          <a:p>
-            <a:pPr>
-              <a:spcAft>
-                <a:spcPts val="400"/>
-              </a:spcAft>
-              <a:defRPr sz="1800"/>
-            </a:pPr>
-          </a:p>
-          <a:p>
-            <a:pPr>
-              <a:spcAft>
-                <a:spcPts val="400"/>
-              </a:spcAft>
-              <a:defRPr sz="1800"/>
-            </a:pPr>
-            <a:r>
-              <a:t>Practical Benefits:</a:t>
-            </a:r>
-          </a:p>
-          <a:p>
-            <a:pPr>
-              <a:spcAft>
-                <a:spcPts val="400"/>
-              </a:spcAft>
-              <a:defRPr sz="1800"/>
-            </a:pPr>
-            <a:r>
-              <a:t>  • 73% faster inference time</a:t>
-            </a:r>
-          </a:p>
-          <a:p>
-            <a:pPr>
-              <a:spcAft>
-                <a:spcPts val="400"/>
-              </a:spcAft>
-              <a:defRPr sz="1800"/>
-            </a:pPr>
-            <a:r>
-              <a:t>  • Lower memory footprint</a:t>
-            </a:r>
-          </a:p>
-          <a:p>
-            <a:pPr>
-              <a:spcAft>
-                <a:spcPts val="400"/>
-              </a:spcAft>
-              <a:defRPr sz="1800"/>
-            </a:pPr>
-            <a:r>
-              <a:t>  • Better interpretability (8 vs 30 features)</a:t>
-            </a:r>
-          </a:p>
-          <a:p>
-            <a:pPr>
-              <a:spcAft>
-                <a:spcPts val="400"/>
-              </a:spcAft>
-              <a:defRPr sz="1800"/>
-            </a:pPr>
-            <a:r>
-              <a:t>  • Reduced overfitting risk</a:t>
-            </a:r>
-          </a:p>
-          <a:p>
-            <a:pPr>
-              <a:spcAft>
-                <a:spcPts val="400"/>
-              </a:spcAft>
-              <a:defRPr sz="1800"/>
-            </a:pPr>
-            <a:r>
-              <a:t>  • Suitable for resource-constrained deployment</a:t>
+            <a:pPr algn="ctr">
+              <a:defRPr sz="1400" i="1"/>
+            </a:pPr>
+            <a:r>
+              <a:t>96.34% ± 1.23% with 17 features (43% reduction) - Rank #1 🏆</a:t>
             </a:r>
           </a:p>
         </p:txBody>
@@ -4182,7 +4052,7 @@
               </a:defRPr>
             </a:pPr>
             <a:r>
-              <a:t>Clinical Deployment Advantages</a:t>
+              <a:t>Statistical Validation: All Three Approaches</a:t>
             </a:r>
           </a:p>
         </p:txBody>
@@ -4201,79 +4071,181 @@
         <p:txBody>
           <a:bodyPr/>
           <a:lstStyle/>
-          <a:p>
-            <a:pPr>
-              <a:spcAft>
-                <a:spcPts val="1200"/>
-              </a:spcAft>
-              <a:defRPr sz="1800"/>
-            </a:pPr>
-            <a:r>
-              <a:t>Computational Efficiency:</a:t>
-            </a:r>
-          </a:p>
-          <a:p>
-            <a:pPr lvl="1">
-              <a:defRPr sz="1600"/>
-            </a:pPr>
-            <a:r>
-              <a:t>73% fewer features = proportionally faster processing</a:t>
-            </a:r>
-          </a:p>
-          <a:p>
-            <a:pPr lvl="1">
-              <a:defRPr sz="1600"/>
-            </a:pPr>
-            <a:r>
-              <a:t>Critical for high-throughput screening facilities</a:t>
-            </a:r>
-          </a:p>
-          <a:p>
-            <a:pPr>
-              <a:defRPr sz="1800" b="1"/>
-            </a:pPr>
-            <a:r>
-              <a:t>Cost Reduction:</a:t>
-            </a:r>
-          </a:p>
-          <a:p>
-            <a:pPr lvl="1">
-              <a:defRPr sz="1600"/>
-            </a:pPr>
-            <a:r>
-              <a:t>Fewer features may reduce laboratory measurements</a:t>
-            </a:r>
-          </a:p>
-          <a:p>
-            <a:pPr>
-              <a:defRPr sz="1800" b="1"/>
-            </a:pPr>
-            <a:r>
-              <a:t>Interpretability:</a:t>
-            </a:r>
-          </a:p>
-          <a:p>
-            <a:pPr lvl="1">
-              <a:defRPr sz="1600"/>
-            </a:pPr>
-            <a:r>
-              <a:t>Clinicians can understand and validate 8 features easier than 30</a:t>
-            </a:r>
-          </a:p>
-          <a:p>
-            <a:pPr>
-              <a:defRPr sz="1800" b="1"/>
-            </a:pPr>
-            <a:r>
-              <a:t>Robustness:</a:t>
-            </a:r>
-          </a:p>
-          <a:p>
-            <a:pPr lvl="1">
-              <a:defRPr sz="1600"/>
-            </a:pPr>
-            <a:r>
-              <a:t>Less susceptible to missing or corrupted data</a:t>
+          <a:p/>
+        </p:txBody>
+      </p:sp>
+      <p:sp>
+        <p:nvSpPr>
+          <p:cNvPr id="4" name="TextBox 3"/>
+          <p:cNvSpPr txBox="1"/>
+          <p:nvPr/>
+        </p:nvSpPr>
+        <p:spPr>
+          <a:xfrm>
+            <a:off x="731520" y="1828800"/>
+            <a:ext cx="7680960" cy="4114800"/>
+          </a:xfrm>
+          <a:prstGeom prst="rect">
+            <a:avLst/>
+          </a:prstGeom>
+          <a:noFill/>
+        </p:spPr>
+        <p:txBody>
+          <a:bodyPr wrap="none">
+            <a:spAutoFit/>
+          </a:bodyPr>
+          <a:lstStyle/>
+          <a:p>
+            <a:pPr>
+              <a:defRPr sz="2200" b="1"/>
+            </a:pPr>
+            <a:r>
+              <a:t>Wilcoxon Signed-Rank Test Results:</a:t>
+            </a:r>
+          </a:p>
+          <a:p>
+            <a:pPr>
+              <a:spcAft>
+                <a:spcPts val="400"/>
+              </a:spcAft>
+              <a:defRPr sz="1500"/>
+            </a:pPr>
+          </a:p>
+          <a:p>
+            <a:pPr>
+              <a:spcAft>
+                <a:spcPts val="400"/>
+              </a:spcAft>
+              <a:defRPr sz="1500"/>
+            </a:pPr>
+            <a:r>
+              <a:t>DIO-XGBoost-Optimized (BEST - Rank #1):</a:t>
+            </a:r>
+          </a:p>
+          <a:p>
+            <a:pPr>
+              <a:spcAft>
+                <a:spcPts val="400"/>
+              </a:spcAft>
+              <a:defRPr sz="1500"/>
+            </a:pPr>
+            <a:r>
+              <a:t>  • vs. XGBoost defaults: p=0.0426 (*) ✓</a:t>
+            </a:r>
+          </a:p>
+          <a:p>
+            <a:pPr>
+              <a:spcAft>
+                <a:spcPts val="400"/>
+              </a:spcAft>
+              <a:defRPr sz="1500"/>
+            </a:pPr>
+            <a:r>
+              <a:t>  • vs. XGBoost (All): p=0.5067 (ns) - equivalent with 43% fewer features!</a:t>
+            </a:r>
+          </a:p>
+          <a:p>
+            <a:pPr>
+              <a:spcAft>
+                <a:spcPts val="400"/>
+              </a:spcAft>
+              <a:defRPr sz="1500"/>
+            </a:pPr>
+            <a:r>
+              <a:t>  • vs. SVM/KNN/NB: p&lt;0.001 (***) ✓✓✓</a:t>
+            </a:r>
+          </a:p>
+          <a:p>
+            <a:pPr>
+              <a:spcAft>
+                <a:spcPts val="400"/>
+              </a:spcAft>
+              <a:defRPr sz="1500"/>
+            </a:pPr>
+          </a:p>
+          <a:p>
+            <a:pPr>
+              <a:spcAft>
+                <a:spcPts val="400"/>
+              </a:spcAft>
+              <a:defRPr sz="1500"/>
+            </a:pPr>
+            <a:r>
+              <a:t>DIO-RF-CV-Optimized (Rank #3):</a:t>
+            </a:r>
+          </a:p>
+          <a:p>
+            <a:pPr>
+              <a:spcAft>
+                <a:spcPts val="400"/>
+              </a:spcAft>
+              <a:defRPr sz="1500"/>
+            </a:pPr>
+            <a:r>
+              <a:t>  • vs. RF defaults (6 feat): p=0.0084 (**) ✓✓</a:t>
+            </a:r>
+          </a:p>
+          <a:p>
+            <a:pPr>
+              <a:spcAft>
+                <a:spcPts val="400"/>
+              </a:spcAft>
+              <a:defRPr sz="1500"/>
+            </a:pPr>
+            <a:r>
+              <a:t>  • vs. RF (All): p=0.0553 (ns) - comparable with 80% fewer features!</a:t>
+            </a:r>
+          </a:p>
+          <a:p>
+            <a:pPr>
+              <a:spcAft>
+                <a:spcPts val="400"/>
+              </a:spcAft>
+              <a:defRPr sz="1500"/>
+            </a:pPr>
+            <a:r>
+              <a:t>  • vs. SVM: p&lt;0.001 (***) ✓✓✓</a:t>
+            </a:r>
+          </a:p>
+          <a:p>
+            <a:pPr>
+              <a:spcAft>
+                <a:spcPts val="400"/>
+              </a:spcAft>
+              <a:defRPr sz="1500"/>
+            </a:pPr>
+          </a:p>
+          <a:p>
+            <a:pPr>
+              <a:spcAft>
+                <a:spcPts val="400"/>
+              </a:spcAft>
+              <a:defRPr sz="1500"/>
+            </a:pPr>
+            <a:r>
+              <a:t>DIO-RF-Single (Rank #7 - optimization overfitting issue):</a:t>
+            </a:r>
+          </a:p>
+          <a:p>
+            <a:pPr>
+              <a:spcAft>
+                <a:spcPts val="400"/>
+              </a:spcAft>
+              <a:defRPr sz="1500"/>
+            </a:pPr>
+            <a:r>
+              <a:t>  • vs. RF defaults (8 feat): p=0.165 (ns) - generalization problem</a:t>
+            </a:r>
+          </a:p>
+          <a:p>
+            <a:pPr>
+              <a:spcAft>
+                <a:spcPts val="400"/>
+              </a:spcAft>
+              <a:defRPr sz="1500"/>
+            </a:pPr>
+            <a:r>
+              <a:t>  • vs. SVM/KNN: p&lt;0.001 (***) ✓✓✓</a:t>
             </a:r>
           </a:p>
         </p:txBody>
@@ -4319,7 +4291,7 @@
               </a:defRPr>
             </a:pPr>
             <a:r>
-              <a:t>Implementation Validation</a:t>
+              <a:t>Pareto Frontier: Three Validated Solutions</a:t>
             </a:r>
           </a:p>
         </p:txBody>
@@ -4338,81 +4310,207 @@
         <p:txBody>
           <a:bodyPr/>
           <a:lstStyle/>
-          <a:p>
-            <a:pPr>
-              <a:spcAft>
-                <a:spcPts val="1200"/>
-              </a:spcAft>
-              <a:defRPr sz="1800"/>
-            </a:pPr>
-            <a:r>
-              <a:t>First Python implementation of DIO (original: MATLAB)</a:t>
-            </a:r>
-          </a:p>
-          <a:p>
-            <a:pPr>
-              <a:spcAft>
-                <a:spcPts val="1200"/>
-              </a:spcAft>
-              <a:defRPr sz="1800"/>
-            </a:pPr>
-          </a:p>
-          <a:p>
-            <a:pPr>
-              <a:spcAft>
-                <a:spcPts val="1200"/>
-              </a:spcAft>
-              <a:defRPr sz="1800"/>
-            </a:pPr>
-            <a:r>
-              <a:t>Validated on 14 standard benchmark functions (F1-F14):</a:t>
-            </a:r>
-          </a:p>
-          <a:p>
-            <a:pPr lvl="1">
-              <a:defRPr sz="1600"/>
-            </a:pPr>
-            <a:r>
-              <a:t>Unimodal functions (F1-F7)</a:t>
-            </a:r>
-          </a:p>
-          <a:p>
-            <a:pPr lvl="1">
-              <a:defRPr sz="1600"/>
-            </a:pPr>
-            <a:r>
-              <a:t>Multimodal functions (F8-F13)</a:t>
-            </a:r>
-          </a:p>
-          <a:p>
-            <a:pPr lvl="1">
-              <a:defRPr sz="1600"/>
-            </a:pPr>
-            <a:r>
-              <a:t>Fixed-dimension multimodal (F14)</a:t>
-            </a:r>
-          </a:p>
-          <a:p>
-            <a:pPr/>
-          </a:p>
-          <a:p>
-            <a:pPr>
-              <a:defRPr sz="1800"/>
-            </a:pPr>
-            <a:r>
-              <a:t>Configuration: 30 population, 500 iterations, 30 runs</a:t>
-            </a:r>
-          </a:p>
-          <a:p>
-            <a:pPr>
-              <a:defRPr sz="1800" b="1">
+          <a:p/>
+        </p:txBody>
+      </p:sp>
+      <p:sp>
+        <p:nvSpPr>
+          <p:cNvPr id="4" name="TextBox 3"/>
+          <p:cNvSpPr txBox="1"/>
+          <p:nvPr/>
+        </p:nvSpPr>
+        <p:spPr>
+          <a:xfrm>
+            <a:off x="731520" y="1828800"/>
+            <a:ext cx="7680960" cy="4114800"/>
+          </a:xfrm>
+          <a:prstGeom prst="rect">
+            <a:avLst/>
+          </a:prstGeom>
+          <a:noFill/>
+        </p:spPr>
+        <p:txBody>
+          <a:bodyPr wrap="none">
+            <a:spAutoFit/>
+          </a:bodyPr>
+          <a:lstStyle/>
+          <a:p>
+            <a:pPr>
+              <a:defRPr sz="2400" b="1">
                 <a:solidFill>
                   <a:srgbClr val="2ECC71"/>
                 </a:solidFill>
               </a:defRPr>
             </a:pPr>
             <a:r>
-              <a:t>Result: Near-zero convergence (F1: 7.6×10⁻²⁶)</a:t>
+              <a:t>Three Pareto-Optimal Solutions for Different Priorities:</a:t>
+            </a:r>
+          </a:p>
+          <a:p>
+            <a:pPr>
+              <a:spcAft>
+                <a:spcPts val="400"/>
+              </a:spcAft>
+              <a:defRPr sz="1600"/>
+            </a:pPr>
+          </a:p>
+          <a:p>
+            <a:pPr>
+              <a:spcAft>
+                <a:spcPts val="400"/>
+              </a:spcAft>
+              <a:defRPr sz="1600"/>
+            </a:pPr>
+            <a:r>
+              <a:t>🏆 Maximum Accuracy: DIO-XGBoost (96.34%, 17 features)</a:t>
+            </a:r>
+          </a:p>
+          <a:p>
+            <a:pPr>
+              <a:spcAft>
+                <a:spcPts val="400"/>
+              </a:spcAft>
+              <a:defRPr sz="1600"/>
+            </a:pPr>
+            <a:r>
+              <a:t>  • Best overall performance across ALL experiments</a:t>
+            </a:r>
+          </a:p>
+          <a:p>
+            <a:pPr>
+              <a:spcAft>
+                <a:spcPts val="400"/>
+              </a:spcAft>
+              <a:defRPr sz="1600"/>
+            </a:pPr>
+            <a:r>
+              <a:t>  • Lowest variance (1.23%) = Most stable predictions</a:t>
+            </a:r>
+          </a:p>
+          <a:p>
+            <a:pPr>
+              <a:spcAft>
+                <a:spcPts val="400"/>
+              </a:spcAft>
+              <a:defRPr sz="1600"/>
+            </a:pPr>
+            <a:r>
+              <a:t>  • Fast optimization (54 seconds)</a:t>
+            </a:r>
+          </a:p>
+          <a:p>
+            <a:pPr>
+              <a:spcAft>
+                <a:spcPts val="400"/>
+              </a:spcAft>
+              <a:defRPr sz="1600"/>
+            </a:pPr>
+            <a:r>
+              <a:t>  • Choose when: Accuracy is paramount</a:t>
+            </a:r>
+          </a:p>
+          <a:p>
+            <a:pPr>
+              <a:spcAft>
+                <a:spcPts val="400"/>
+              </a:spcAft>
+              <a:defRPr sz="1600"/>
+            </a:pPr>
+          </a:p>
+          <a:p>
+            <a:pPr>
+              <a:spcAft>
+                <a:spcPts val="400"/>
+              </a:spcAft>
+              <a:defRPr sz="1600"/>
+            </a:pPr>
+            <a:r>
+              <a:t>🎯 Maximum Interpretability: DIO-RF-CV (96.26%, 6 features)</a:t>
+            </a:r>
+          </a:p>
+          <a:p>
+            <a:pPr>
+              <a:spcAft>
+                <a:spcPts val="400"/>
+              </a:spcAft>
+              <a:defRPr sz="1600"/>
+            </a:pPr>
+            <a:r>
+              <a:t>  • Highest feature reduction (80%)</a:t>
+            </a:r>
+          </a:p>
+          <a:p>
+            <a:pPr>
+              <a:spcAft>
+                <a:spcPts val="400"/>
+              </a:spcAft>
+              <a:defRPr sz="1600"/>
+            </a:pPr>
+            <a:r>
+              <a:t>  • Near-maximum accuracy with minimal complexity</a:t>
+            </a:r>
+          </a:p>
+          <a:p>
+            <a:pPr>
+              <a:spcAft>
+                <a:spcPts val="400"/>
+              </a:spcAft>
+              <a:defRPr sz="1600"/>
+            </a:pPr>
+            <a:r>
+              <a:t>  • Choose when: Clinical transparency critical</a:t>
+            </a:r>
+          </a:p>
+          <a:p>
+            <a:pPr>
+              <a:spcAft>
+                <a:spcPts val="400"/>
+              </a:spcAft>
+              <a:defRPr sz="1600"/>
+            </a:pPr>
+          </a:p>
+          <a:p>
+            <a:pPr>
+              <a:spcAft>
+                <a:spcPts val="400"/>
+              </a:spcAft>
+              <a:defRPr sz="1600"/>
+            </a:pPr>
+            <a:r>
+              <a:t>⚡ Rapid Prototyping: DIO-RF-Single (94.72%, 8 features)</a:t>
+            </a:r>
+          </a:p>
+          <a:p>
+            <a:pPr>
+              <a:spcAft>
+                <a:spcPts val="400"/>
+              </a:spcAft>
+              <a:defRPr sz="1600"/>
+            </a:pPr>
+            <a:r>
+              <a:t>  • 1-minute optimization time</a:t>
+            </a:r>
+          </a:p>
+          <a:p>
+            <a:pPr>
+              <a:spcAft>
+                <a:spcPts val="400"/>
+              </a:spcAft>
+              <a:defRPr sz="1600"/>
+            </a:pPr>
+            <a:r>
+              <a:t>  • Demonstrates optimization overfitting issue</a:t>
+            </a:r>
+          </a:p>
+          <a:p>
+            <a:pPr>
+              <a:spcAft>
+                <a:spcPts val="400"/>
+              </a:spcAft>
+              <a:defRPr sz="1600"/>
+            </a:pPr>
+            <a:r>
+              <a:t>  • Choose when: Quick baseline needed</a:t>
             </a:r>
           </a:p>
         </p:txBody>
@@ -4458,7 +4556,7 @@
               </a:defRPr>
             </a:pPr>
             <a:r>
-              <a:t>Limitations</a:t>
+              <a:t>Clinical Deployment: Choose Your Model</a:t>
             </a:r>
           </a:p>
         </p:txBody>
@@ -4485,92 +4583,87 @@
               <a:defRPr sz="1800"/>
             </a:pPr>
             <a:r>
-              <a:t>⚠ Single-split hyperparameter optimization (random_state=42)</a:t>
-            </a:r>
-          </a:p>
-          <a:p>
-            <a:pPr>
-              <a:spcAft>
-                <a:spcPts val="1200"/>
-              </a:spcAft>
-              <a:defRPr sz="1800"/>
-            </a:pPr>
-            <a:r>
-              <a:t>  → Led to 'optimization overfitting' - tuned params don't generalize</a:t>
-            </a:r>
-          </a:p>
-          <a:p>
-            <a:pPr>
-              <a:spcAft>
-                <a:spcPts val="1200"/>
-              </a:spcAft>
-              <a:defRPr sz="1800"/>
-            </a:pPr>
-            <a:r>
-              <a:t>  → Future: Use k-fold CV during DIO optimization, not just evaluation</a:t>
-            </a:r>
-          </a:p>
-          <a:p>
-            <a:pPr>
-              <a:spcAft>
-                <a:spcPts val="1200"/>
-              </a:spcAft>
-              <a:defRPr sz="1800"/>
-            </a:pPr>
-          </a:p>
-          <a:p>
-            <a:pPr>
-              <a:spcAft>
-                <a:spcPts val="1200"/>
-              </a:spcAft>
-              <a:defRPr sz="1800"/>
-            </a:pPr>
-            <a:r>
-              <a:t>• Single dataset evaluation (Breast Cancer Wisconsin only)</a:t>
-            </a:r>
-          </a:p>
-          <a:p>
-            <a:pPr>
-              <a:spcAft>
-                <a:spcPts val="1200"/>
-              </a:spcAft>
-              <a:defRPr sz="1800"/>
-            </a:pPr>
-            <a:r>
-              <a:t>• DIO optimization time not quantified or compared</a:t>
-            </a:r>
-          </a:p>
-          <a:p>
-            <a:pPr>
-              <a:spcAft>
-                <a:spcPts val="1200"/>
-              </a:spcAft>
-              <a:defRPr sz="1800"/>
-            </a:pPr>
-            <a:r>
-              <a:t>• Feature selection stability not assessed across multiple runs</a:t>
-            </a:r>
-          </a:p>
-          <a:p>
-            <a:pPr>
-              <a:spcAft>
-                <a:spcPts val="1200"/>
-              </a:spcAft>
-              <a:defRPr sz="1800"/>
-            </a:pPr>
-            <a:r>
-              <a:t>• Limited hyperparameter space (4 RF parameters)</a:t>
-            </a:r>
-          </a:p>
-          <a:p>
-            <a:pPr>
-              <a:spcAft>
-                <a:spcPts val="1200"/>
-              </a:spcAft>
-              <a:defRPr sz="1800"/>
-            </a:pPr>
-            <a:r>
-              <a:t>• No comparison with other metaheuristics (PSO, GA, ACO)</a:t>
+              <a:t>🏆 Choose DIO-XGBoost (96.34%, 17 features) if:</a:t>
+            </a:r>
+          </a:p>
+          <a:p>
+            <a:pPr lvl="1">
+              <a:defRPr sz="1600"/>
+            </a:pPr>
+            <a:r>
+              <a:t>Maximum accuracy is critical (e.g., high-stakes screening)</a:t>
+            </a:r>
+          </a:p>
+          <a:p>
+            <a:pPr lvl="1">
+              <a:defRPr sz="1600"/>
+            </a:pPr>
+            <a:r>
+              <a:t>Computational resources available</a:t>
+            </a:r>
+          </a:p>
+          <a:p>
+            <a:pPr lvl="1">
+              <a:defRPr sz="1600"/>
+            </a:pPr>
+            <a:r>
+              <a:t>43% feature reduction still provides efficiency gains</a:t>
+            </a:r>
+          </a:p>
+          <a:p>
+            <a:pPr>
+              <a:defRPr sz="1800" b="1"/>
+            </a:pPr>
+            <a:r>
+              <a:t>🎯 Choose DIO-RF-CV (96.26%, 6 features) if:</a:t>
+            </a:r>
+          </a:p>
+          <a:p>
+            <a:pPr lvl="1">
+              <a:defRPr sz="1600"/>
+            </a:pPr>
+            <a:r>
+              <a:t>Clinical interpretability paramount (only 6 measurements)</a:t>
+            </a:r>
+          </a:p>
+          <a:p>
+            <a:pPr lvl="1">
+              <a:defRPr sz="1600"/>
+            </a:pPr>
+            <a:r>
+              <a:t>Resource-constrained environments (80% cost reduction)</a:t>
+            </a:r>
+          </a:p>
+          <a:p>
+            <a:pPr lvl="1">
+              <a:defRPr sz="1600"/>
+            </a:pPr>
+            <a:r>
+              <a:t>Near-maximum accuracy (only 0.08% less than XGBoost)</a:t>
+            </a:r>
+          </a:p>
+          <a:p>
+            <a:pPr>
+              <a:defRPr sz="1800" b="1"/>
+            </a:pPr>
+            <a:r>
+              <a:t>⚡ Choose DIO-RF-Single (94.72%, 8 features) if:</a:t>
+            </a:r>
+          </a:p>
+          <a:p>
+            <a:pPr lvl="1">
+              <a:defRPr sz="1600"/>
+            </a:pPr>
+            <a:r>
+              <a:t>Rapid prototyping needed (1-minute optimization)</a:t>
+            </a:r>
+          </a:p>
+          <a:p>
+            <a:pPr lvl="1">
+              <a:defRPr sz="1600"/>
+            </a:pPr>
+            <a:r>
+              <a:t>Lower accuracy acceptable for initial screening</a:t>
             </a:r>
           </a:p>
         </p:txBody>
@@ -4616,7 +4709,7 @@
               </a:defRPr>
             </a:pPr>
             <a:r>
-              <a:t>Future Research Directions</a:t>
+              <a:t>Framework Generalizability Validated</a:t>
             </a:r>
           </a:p>
         </p:txBody>
@@ -4643,92 +4736,81 @@
               <a:defRPr sz="1800"/>
             </a:pPr>
             <a:r>
-              <a:t>1. Cross-validated hyperparameter optimization (PRIORITY)</a:t>
-            </a:r>
-          </a:p>
-          <a:p>
-            <a:pPr>
-              <a:spcAft>
-                <a:spcPts val="1200"/>
-              </a:spcAft>
-              <a:defRPr sz="1800"/>
-            </a:pPr>
-            <a:r>
-              <a:t>  → Use k-fold CV within DIO fitness evaluation</a:t>
-            </a:r>
-          </a:p>
-          <a:p>
-            <a:pPr>
-              <a:spcAft>
-                <a:spcPts val="1200"/>
-              </a:spcAft>
-              <a:defRPr sz="1800"/>
-            </a:pPr>
-            <a:r>
-              <a:t>  → Ensure hyperparameters generalize across data partitions</a:t>
-            </a:r>
-          </a:p>
-          <a:p>
-            <a:pPr>
-              <a:spcAft>
-                <a:spcPts val="1200"/>
-              </a:spcAft>
-              <a:defRPr sz="1800"/>
-            </a:pPr>
-          </a:p>
-          <a:p>
-            <a:pPr>
-              <a:spcAft>
-                <a:spcPts val="1200"/>
-              </a:spcAft>
-              <a:defRPr sz="1800"/>
-            </a:pPr>
-            <a:r>
-              <a:t>2. Multi-dataset validation (lung cancer, diabetes, heart disease)</a:t>
-            </a:r>
-          </a:p>
-          <a:p>
-            <a:pPr>
-              <a:spcAft>
-                <a:spcPts val="1200"/>
-              </a:spcAft>
-              <a:defRPr sz="1800"/>
-            </a:pPr>
-            <a:r>
-              <a:t>3. Benchmark against other metaheuristics (PSO, GA, ACO)</a:t>
-            </a:r>
-          </a:p>
-          <a:p>
-            <a:pPr>
-              <a:spcAft>
-                <a:spcPts val="1200"/>
-              </a:spcAft>
-              <a:defRPr sz="1800"/>
-            </a:pPr>
-            <a:r>
-              <a:t>4. Extend to other classifiers (XGBoost, neural networks)</a:t>
-            </a:r>
-          </a:p>
-          <a:p>
-            <a:pPr>
-              <a:spcAft>
-                <a:spcPts val="1200"/>
-              </a:spcAft>
-              <a:defRPr sz="1800"/>
-            </a:pPr>
-            <a:r>
-              <a:t>5. Feature selection stability analysis</a:t>
-            </a:r>
-          </a:p>
-          <a:p>
-            <a:pPr>
-              <a:spcAft>
-                <a:spcPts val="1200"/>
-              </a:spcAft>
-              <a:defRPr sz="1800"/>
-            </a:pPr>
-            <a:r>
-              <a:t>6. Real-world clinical deployment and prospective validation</a:t>
+              <a:t>DIO Framework Successfully Applied to Multiple Algorithms:</a:t>
+            </a:r>
+          </a:p>
+          <a:p>
+            <a:pPr>
+              <a:spcAft>
+                <a:spcPts val="1200"/>
+              </a:spcAft>
+              <a:defRPr sz="1800"/>
+            </a:pPr>
+          </a:p>
+          <a:p>
+            <a:pPr>
+              <a:spcAft>
+                <a:spcPts val="1200"/>
+              </a:spcAft>
+              <a:defRPr sz="1800"/>
+            </a:pPr>
+            <a:r>
+              <a:t>✓ Random Forest (Bagging ensemble)</a:t>
+            </a:r>
+          </a:p>
+          <a:p>
+            <a:pPr lvl="1">
+              <a:defRPr sz="1600"/>
+            </a:pPr>
+            <a:r>
+              <a:t>Single-split: 94.72% (suffered optimization overfitting)</a:t>
+            </a:r>
+          </a:p>
+          <a:p>
+            <a:pPr lvl="1">
+              <a:defRPr sz="1600"/>
+            </a:pPr>
+            <a:r>
+              <a:t>CV-based: 96.26% (fixed overfitting, rank #3)</a:t>
+            </a:r>
+          </a:p>
+          <a:p>
+            <a:pPr>
+              <a:defRPr sz="1800" b="1"/>
+            </a:pPr>
+            <a:r>
+              <a:t>✓ XGBoost (Gradient boosting)</a:t>
+            </a:r>
+          </a:p>
+          <a:p>
+            <a:pPr lvl="1">
+              <a:defRPr sz="1600"/>
+            </a:pPr>
+            <a:r>
+              <a:t>Single-split: 96.34% (best overall, rank #1)</a:t>
+            </a:r>
+          </a:p>
+          <a:p>
+            <a:pPr lvl="1">
+              <a:defRPr sz="1600"/>
+            </a:pPr>
+            <a:r>
+              <a:t>Inherent regularization prevents optimization overfitting!</a:t>
+            </a:r>
+          </a:p>
+          <a:p>
+            <a:pPr/>
+          </a:p>
+          <a:p>
+            <a:pPr>
+              <a:defRPr sz="1800" b="1">
+                <a:solidFill>
+                  <a:srgbClr val="E74C3C"/>
+                </a:solidFill>
+              </a:defRPr>
+            </a:pPr>
+            <a:r>
+              <a:t>Key Discovery: Algorithm-dependent optimization behavior</a:t>
             </a:r>
           </a:p>
         </p:txBody>
@@ -4935,7 +5017,7 @@
               </a:defRPr>
             </a:pPr>
             <a:r>
-              <a:t>Key Contributions</a:t>
+              <a:t>Limitations &amp; Lessons Learned</a:t>
             </a:r>
           </a:p>
         </p:txBody>
@@ -4962,73 +5044,133 @@
               <a:defRPr sz="1800"/>
             </a:pPr>
             <a:r>
-              <a:t>✓ First Python implementation of DIO algorithm</a:t>
-            </a:r>
-          </a:p>
-          <a:p>
-            <a:pPr>
-              <a:spcAft>
-                <a:spcPts val="1200"/>
-              </a:spcAft>
-              <a:defRPr sz="1800"/>
-            </a:pPr>
-            <a:r>
-              <a:t>✓ Novel nested optimization framework for simultaneous tuning</a:t>
-            </a:r>
-          </a:p>
-          <a:p>
-            <a:pPr>
-              <a:spcAft>
-                <a:spcPts val="1200"/>
-              </a:spcAft>
-              <a:defRPr sz="1800"/>
-            </a:pPr>
-            <a:r>
-              <a:t>✓ Rigorous statistical validation (30 independent runs)</a:t>
-            </a:r>
-          </a:p>
-          <a:p>
-            <a:pPr>
-              <a:spcAft>
-                <a:spcPts val="1200"/>
-              </a:spcAft>
-              <a:defRPr sz="1800"/>
-            </a:pPr>
-            <a:r>
-              <a:t>✓ Pareto analysis emphasizing accuracy-complexity trade-off</a:t>
-            </a:r>
-          </a:p>
-          <a:p>
-            <a:pPr>
-              <a:spcAft>
-                <a:spcPts val="1200"/>
-              </a:spcAft>
-              <a:defRPr sz="1800"/>
-            </a:pPr>
-            <a:r>
-              <a:t>✓ Comprehensive benchmark validation (14 test functions)</a:t>
-            </a:r>
-          </a:p>
-          <a:p>
-            <a:pPr>
-              <a:spcAft>
-                <a:spcPts val="1200"/>
-              </a:spcAft>
-              <a:defRPr sz="1800"/>
-            </a:pPr>
-            <a:r>
-              <a:t>✓ Open-source implementation for reproducible research</a:t>
-            </a:r>
-          </a:p>
-          <a:p>
-            <a:pPr>
-              <a:spcAft>
-                <a:spcPts val="1200"/>
-              </a:spcAft>
-              <a:defRPr sz="1800"/>
-            </a:pPr>
-            <a:r>
-              <a:t>✓ Practical methodology for medical AI deployment</a:t>
+              <a:t>✓ RESOLVED: Optimization overfitting in Random Forest</a:t>
+            </a:r>
+          </a:p>
+          <a:p>
+            <a:pPr>
+              <a:spcAft>
+                <a:spcPts val="1200"/>
+              </a:spcAft>
+              <a:defRPr sz="1800"/>
+            </a:pPr>
+            <a:r>
+              <a:t>  → CV-based approach increased accuracy from 94.72% to 96.26%</a:t>
+            </a:r>
+          </a:p>
+          <a:p>
+            <a:pPr>
+              <a:spcAft>
+                <a:spcPts val="1200"/>
+              </a:spcAft>
+              <a:defRPr sz="1800"/>
+            </a:pPr>
+            <a:r>
+              <a:t>  → Feature reduction improved from 73% to 80%</a:t>
+            </a:r>
+          </a:p>
+          <a:p>
+            <a:pPr>
+              <a:spcAft>
+                <a:spcPts val="1200"/>
+              </a:spcAft>
+              <a:defRPr sz="1800"/>
+            </a:pPr>
+          </a:p>
+          <a:p>
+            <a:pPr>
+              <a:spcAft>
+                <a:spcPts val="1200"/>
+              </a:spcAft>
+              <a:defRPr sz="1800"/>
+            </a:pPr>
+            <a:r>
+              <a:t>✓ DISCOVERY: Algorithm-dependent optimization behavior</a:t>
+            </a:r>
+          </a:p>
+          <a:p>
+            <a:pPr>
+              <a:spcAft>
+                <a:spcPts val="1200"/>
+              </a:spcAft>
+              <a:defRPr sz="1800"/>
+            </a:pPr>
+            <a:r>
+              <a:t>  → XGBoost's regularization enables successful single-split optimization</a:t>
+            </a:r>
+          </a:p>
+          <a:p>
+            <a:pPr>
+              <a:spcAft>
+                <a:spcPts val="1200"/>
+              </a:spcAft>
+              <a:defRPr sz="1800"/>
+            </a:pPr>
+            <a:r>
+              <a:t>  → Different algorithms require different validation strategies</a:t>
+            </a:r>
+          </a:p>
+          <a:p>
+            <a:pPr>
+              <a:spcAft>
+                <a:spcPts val="1200"/>
+              </a:spcAft>
+              <a:defRPr sz="1800"/>
+            </a:pPr>
+          </a:p>
+          <a:p>
+            <a:pPr>
+              <a:spcAft>
+                <a:spcPts val="1200"/>
+              </a:spcAft>
+              <a:defRPr sz="1800"/>
+            </a:pPr>
+            <a:r>
+              <a:t>Remaining Limitations:</a:t>
+            </a:r>
+          </a:p>
+          <a:p>
+            <a:pPr>
+              <a:spcAft>
+                <a:spcPts val="1200"/>
+              </a:spcAft>
+              <a:defRPr sz="1800"/>
+            </a:pPr>
+            <a:r>
+              <a:t>• Single dataset evaluation (Breast Cancer Wisconsin only)</a:t>
+            </a:r>
+          </a:p>
+          <a:p>
+            <a:pPr>
+              <a:spcAft>
+                <a:spcPts val="1200"/>
+              </a:spcAft>
+              <a:defRPr sz="1800"/>
+            </a:pPr>
+            <a:r>
+              <a:t>• Limited hyperparameter spaces (4 RF, 5 XGBoost parameters)</a:t>
+            </a:r>
+          </a:p>
+          <a:p>
+            <a:pPr>
+              <a:spcAft>
+                <a:spcPts val="1200"/>
+              </a:spcAft>
+              <a:defRPr sz="1800"/>
+            </a:pPr>
+            <a:r>
+              <a:t>• No comparison with other metaheuristics (PSO, GA, ACO)</a:t>
+            </a:r>
+          </a:p>
+          <a:p>
+            <a:pPr>
+              <a:spcAft>
+                <a:spcPts val="1200"/>
+              </a:spcAft>
+              <a:defRPr sz="1800"/>
+            </a:pPr>
+            <a:r>
+              <a:t>• Feature selection stability not assessed across multiple runs</a:t>
             </a:r>
           </a:p>
         </p:txBody>
@@ -5074,7 +5216,7 @@
               </a:defRPr>
             </a:pPr>
             <a:r>
-              <a:t>Conclusions</a:t>
+              <a:t>Future Research Directions</a:t>
             </a:r>
           </a:p>
         </p:txBody>
@@ -5093,129 +5235,141 @@
         <p:txBody>
           <a:bodyPr/>
           <a:lstStyle/>
-          <a:p/>
-        </p:txBody>
-      </p:sp>
-      <p:sp>
-        <p:nvSpPr>
-          <p:cNvPr id="4" name="TextBox 3"/>
-          <p:cNvSpPr txBox="1"/>
-          <p:nvPr/>
-        </p:nvSpPr>
-        <p:spPr>
-          <a:xfrm>
-            <a:off x="914400" y="1828800"/>
-            <a:ext cx="7315200" cy="4114800"/>
-          </a:xfrm>
-          <a:prstGeom prst="rect">
-            <a:avLst/>
-          </a:prstGeom>
-          <a:noFill/>
-        </p:spPr>
-        <p:txBody>
-          <a:bodyPr wrap="none">
-            <a:spAutoFit/>
-          </a:bodyPr>
-          <a:lstStyle/>
-          <a:p>
-            <a:pPr>
-              <a:spcAft>
-                <a:spcPts val="800"/>
-              </a:spcAft>
-              <a:defRPr sz="2000"/>
-            </a:pPr>
-            <a:r>
-              <a:t>DIO effectively optimizes Random Forest for breast cancer classification</a:t>
-            </a:r>
-          </a:p>
-          <a:p>
-            <a:pPr>
-              <a:spcAft>
-                <a:spcPts val="800"/>
-              </a:spcAft>
-              <a:defRPr sz="2000"/>
-            </a:pPr>
-          </a:p>
-          <a:p>
-            <a:pPr>
-              <a:spcAft>
-                <a:spcPts val="800"/>
-              </a:spcAft>
-              <a:defRPr sz="2000"/>
-            </a:pPr>
-            <a:r>
-              <a:t>Achieved Pareto-optimal solution:</a:t>
-            </a:r>
-          </a:p>
-          <a:p>
-            <a:pPr>
-              <a:spcAft>
-                <a:spcPts val="800"/>
-              </a:spcAft>
-              <a:defRPr sz="2000"/>
-            </a:pPr>
-            <a:r>
-              <a:t>  • 94.72% accuracy with only 8/30 features</a:t>
-            </a:r>
-          </a:p>
-          <a:p>
-            <a:pPr>
-              <a:spcAft>
-                <a:spcPts val="800"/>
-              </a:spcAft>
-              <a:defRPr sz="2000"/>
-            </a:pPr>
-            <a:r>
-              <a:t>  • 73% reduction in model complexity</a:t>
-            </a:r>
-          </a:p>
-          <a:p>
-            <a:pPr>
-              <a:spcAft>
-                <a:spcPts val="800"/>
-              </a:spcAft>
-              <a:defRPr sz="2000"/>
-            </a:pPr>
-            <a:r>
-              <a:t>  • Statistically validated across 30 runs</a:t>
-            </a:r>
-          </a:p>
-          <a:p>
-            <a:pPr>
-              <a:spcAft>
-                <a:spcPts val="800"/>
-              </a:spcAft>
-              <a:defRPr sz="2000"/>
-            </a:pPr>
-          </a:p>
-          <a:p>
-            <a:pPr>
-              <a:spcAft>
-                <a:spcPts val="800"/>
-              </a:spcAft>
-              <a:defRPr sz="2000"/>
-            </a:pPr>
-            <a:r>
-              <a:t>Demonstrates practical viability for resource-constrained medical applications</a:t>
-            </a:r>
-          </a:p>
-          <a:p>
-            <a:pPr>
-              <a:spcAft>
-                <a:spcPts val="800"/>
-              </a:spcAft>
-              <a:defRPr sz="2000"/>
-            </a:pPr>
-          </a:p>
-          <a:p>
-            <a:pPr>
-              <a:spcAft>
-                <a:spcPts val="800"/>
-              </a:spcAft>
-              <a:defRPr sz="2000"/>
-            </a:pPr>
-            <a:r>
-              <a:t>Provides foundation for applying nature-inspired optimization to medical AI</a:t>
+          <a:p>
+            <a:pPr>
+              <a:spcAft>
+                <a:spcPts val="1200"/>
+              </a:spcAft>
+              <a:defRPr sz="1800"/>
+            </a:pPr>
+            <a:r>
+              <a:t>1. Multi-dataset validation</a:t>
+            </a:r>
+          </a:p>
+          <a:p>
+            <a:pPr>
+              <a:spcAft>
+                <a:spcPts val="1200"/>
+              </a:spcAft>
+              <a:defRPr sz="1800"/>
+            </a:pPr>
+            <a:r>
+              <a:t>  → Lung cancer, diabetes, heart disease datasets</a:t>
+            </a:r>
+          </a:p>
+          <a:p>
+            <a:pPr>
+              <a:spcAft>
+                <a:spcPts val="1200"/>
+              </a:spcAft>
+              <a:defRPr sz="1800"/>
+            </a:pPr>
+            <a:r>
+              <a:t>  → Verify algorithm-dependent optimization findings</a:t>
+            </a:r>
+          </a:p>
+          <a:p>
+            <a:pPr>
+              <a:spcAft>
+                <a:spcPts val="1200"/>
+              </a:spcAft>
+              <a:defRPr sz="1800"/>
+            </a:pPr>
+          </a:p>
+          <a:p>
+            <a:pPr>
+              <a:spcAft>
+                <a:spcPts val="1200"/>
+              </a:spcAft>
+              <a:defRPr sz="1800"/>
+            </a:pPr>
+            <a:r>
+              <a:t>2. CV-based XGBoost optimization</a:t>
+            </a:r>
+          </a:p>
+          <a:p>
+            <a:pPr>
+              <a:spcAft>
+                <a:spcPts val="1200"/>
+              </a:spcAft>
+              <a:defRPr sz="1800"/>
+            </a:pPr>
+            <a:r>
+              <a:t>  → Can 96.34% accuracy be improved further with CV?</a:t>
+            </a:r>
+          </a:p>
+          <a:p>
+            <a:pPr>
+              <a:spcAft>
+                <a:spcPts val="1200"/>
+              </a:spcAft>
+              <a:defRPr sz="1800"/>
+            </a:pPr>
+            <a:r>
+              <a:t>  → Compare single-split vs CV for gradient boosting</a:t>
+            </a:r>
+          </a:p>
+          <a:p>
+            <a:pPr>
+              <a:spcAft>
+                <a:spcPts val="1200"/>
+              </a:spcAft>
+              <a:defRPr sz="1800"/>
+            </a:pPr>
+          </a:p>
+          <a:p>
+            <a:pPr>
+              <a:spcAft>
+                <a:spcPts val="1200"/>
+              </a:spcAft>
+              <a:defRPr sz="1800"/>
+            </a:pPr>
+            <a:r>
+              <a:t>3. Benchmark against other metaheuristics (PSO, GA, ACO, GWO)</a:t>
+            </a:r>
+          </a:p>
+          <a:p>
+            <a:pPr>
+              <a:spcAft>
+                <a:spcPts val="1200"/>
+              </a:spcAft>
+              <a:defRPr sz="1800"/>
+            </a:pPr>
+            <a:r>
+              <a:t>4. Extend to deep learning (neural architecture search)</a:t>
+            </a:r>
+          </a:p>
+          <a:p>
+            <a:pPr>
+              <a:spcAft>
+                <a:spcPts val="1200"/>
+              </a:spcAft>
+              <a:defRPr sz="1800"/>
+            </a:pPr>
+            <a:r>
+              <a:t>5. Feature selection stability analysis across multiple DIO runs</a:t>
+            </a:r>
+          </a:p>
+          <a:p>
+            <a:pPr>
+              <a:spcAft>
+                <a:spcPts val="1200"/>
+              </a:spcAft>
+              <a:defRPr sz="1800"/>
+            </a:pPr>
+            <a:r>
+              <a:t>6. Real-world clinical deployment and prospective validation</a:t>
+            </a:r>
+          </a:p>
+          <a:p>
+            <a:pPr>
+              <a:spcAft>
+                <a:spcPts val="1200"/>
+              </a:spcAft>
+              <a:defRPr sz="1800"/>
+            </a:pPr>
+            <a:r>
+              <a:t>7. Computational efficiency analysis and parallelization</a:t>
             </a:r>
           </a:p>
         </p:txBody>
@@ -5240,6 +5394,376 @@
       <p:grpSpPr/>
       <p:sp>
         <p:nvSpPr>
+          <p:cNvPr id="2" name="Title 1"/>
+          <p:cNvSpPr>
+            <a:spLocks noGrp="1"/>
+          </p:cNvSpPr>
+          <p:nvPr>
+            <p:ph type="title"/>
+          </p:nvPr>
+        </p:nvSpPr>
+        <p:spPr/>
+        <p:txBody>
+          <a:bodyPr/>
+          <a:lstStyle/>
+          <a:p>
+            <a:pPr>
+              <a:defRPr sz="4000" b="1">
+                <a:solidFill>
+                  <a:srgbClr val="2C3E50"/>
+                </a:solidFill>
+              </a:defRPr>
+            </a:pPr>
+            <a:r>
+              <a:t>Key Contributions</a:t>
+            </a:r>
+          </a:p>
+        </p:txBody>
+      </p:sp>
+      <p:sp>
+        <p:nvSpPr>
+          <p:cNvPr id="3" name="Content Placeholder 2"/>
+          <p:cNvSpPr>
+            <a:spLocks noGrp="1"/>
+          </p:cNvSpPr>
+          <p:nvPr>
+            <p:ph idx="1"/>
+          </p:nvPr>
+        </p:nvSpPr>
+        <p:spPr/>
+        <p:txBody>
+          <a:bodyPr/>
+          <a:lstStyle/>
+          <a:p>
+            <a:pPr>
+              <a:spcAft>
+                <a:spcPts val="1200"/>
+              </a:spcAft>
+              <a:defRPr sz="1800"/>
+            </a:pPr>
+            <a:r>
+              <a:t>✓ First Python implementation of DIO algorithm</a:t>
+            </a:r>
+          </a:p>
+          <a:p>
+            <a:pPr>
+              <a:spcAft>
+                <a:spcPts val="1200"/>
+              </a:spcAft>
+              <a:defRPr sz="1800"/>
+            </a:pPr>
+            <a:r>
+              <a:t>✓ Novel nested optimization framework for simultaneous tuning</a:t>
+            </a:r>
+          </a:p>
+          <a:p>
+            <a:pPr>
+              <a:spcAft>
+                <a:spcPts val="1200"/>
+              </a:spcAft>
+              <a:defRPr sz="1800"/>
+            </a:pPr>
+            <a:r>
+              <a:t>✓ Three validated optimization approaches with trade-off analysis</a:t>
+            </a:r>
+          </a:p>
+          <a:p>
+            <a:pPr>
+              <a:spcAft>
+                <a:spcPts val="1200"/>
+              </a:spcAft>
+              <a:defRPr sz="1800"/>
+            </a:pPr>
+            <a:r>
+              <a:t>✓ Discovery of algorithm-dependent optimization overfitting</a:t>
+            </a:r>
+          </a:p>
+          <a:p>
+            <a:pPr>
+              <a:spcAft>
+                <a:spcPts val="1200"/>
+              </a:spcAft>
+              <a:defRPr sz="1800"/>
+            </a:pPr>
+            <a:r>
+              <a:t>✓ Multi-algorithm validation (Random Forest + XGBoost)</a:t>
+            </a:r>
+          </a:p>
+          <a:p>
+            <a:pPr>
+              <a:spcAft>
+                <a:spcPts val="1200"/>
+              </a:spcAft>
+              <a:defRPr sz="1800"/>
+            </a:pPr>
+            <a:r>
+              <a:t>✓ Rigorous statistical validation (30 independent runs per approach)</a:t>
+            </a:r>
+          </a:p>
+          <a:p>
+            <a:pPr>
+              <a:spcAft>
+                <a:spcPts val="1200"/>
+              </a:spcAft>
+              <a:defRPr sz="1800"/>
+            </a:pPr>
+            <a:r>
+              <a:t>✓ Comprehensive Pareto analysis with deployment recommendations</a:t>
+            </a:r>
+          </a:p>
+          <a:p>
+            <a:pPr>
+              <a:spcAft>
+                <a:spcPts val="1200"/>
+              </a:spcAft>
+              <a:defRPr sz="1800"/>
+            </a:pPr>
+            <a:r>
+              <a:t>✓ Open-source implementation for reproducible research</a:t>
+            </a:r>
+          </a:p>
+          <a:p>
+            <a:pPr>
+              <a:spcAft>
+                <a:spcPts val="1200"/>
+              </a:spcAft>
+              <a:defRPr sz="1800"/>
+            </a:pPr>
+            <a:r>
+              <a:t>✓ Best-in-class performance: 96.34% accuracy (Rank #1)</a:t>
+            </a:r>
+          </a:p>
+        </p:txBody>
+      </p:sp>
+    </p:spTree>
+  </p:cSld>
+  <p:clrMapOvr>
+    <a:masterClrMapping/>
+  </p:clrMapOvr>
+</p:sld>
+</file>
+
+<file path=ppt/slides/slide23.xml><?xml version="1.0" encoding="utf-8"?>
+<p:sld xmlns:a="http://schemas.openxmlformats.org/drawingml/2006/main" xmlns:p="http://schemas.openxmlformats.org/presentationml/2006/main" xmlns:r="http://schemas.openxmlformats.org/officeDocument/2006/relationships">
+  <p:cSld>
+    <p:spTree>
+      <p:nvGrpSpPr>
+        <p:cNvPr id="1" name=""/>
+        <p:cNvGrpSpPr/>
+        <p:nvPr/>
+      </p:nvGrpSpPr>
+      <p:grpSpPr/>
+      <p:sp>
+        <p:nvSpPr>
+          <p:cNvPr id="2" name="Title 1"/>
+          <p:cNvSpPr>
+            <a:spLocks noGrp="1"/>
+          </p:cNvSpPr>
+          <p:nvPr>
+            <p:ph type="title"/>
+          </p:nvPr>
+        </p:nvSpPr>
+        <p:spPr/>
+        <p:txBody>
+          <a:bodyPr/>
+          <a:lstStyle/>
+          <a:p>
+            <a:pPr>
+              <a:defRPr sz="4000" b="1">
+                <a:solidFill>
+                  <a:srgbClr val="2C3E50"/>
+                </a:solidFill>
+              </a:defRPr>
+            </a:pPr>
+            <a:r>
+              <a:t>Conclusions</a:t>
+            </a:r>
+          </a:p>
+        </p:txBody>
+      </p:sp>
+      <p:sp>
+        <p:nvSpPr>
+          <p:cNvPr id="3" name="Content Placeholder 2"/>
+          <p:cNvSpPr>
+            <a:spLocks noGrp="1"/>
+          </p:cNvSpPr>
+          <p:nvPr>
+            <p:ph idx="1"/>
+          </p:nvPr>
+        </p:nvSpPr>
+        <p:spPr/>
+        <p:txBody>
+          <a:bodyPr/>
+          <a:lstStyle/>
+          <a:p/>
+        </p:txBody>
+      </p:sp>
+      <p:sp>
+        <p:nvSpPr>
+          <p:cNvPr id="4" name="TextBox 3"/>
+          <p:cNvSpPr txBox="1"/>
+          <p:nvPr/>
+        </p:nvSpPr>
+        <p:spPr>
+          <a:xfrm>
+            <a:off x="731520" y="1828800"/>
+            <a:ext cx="7680960" cy="4114800"/>
+          </a:xfrm>
+          <a:prstGeom prst="rect">
+            <a:avLst/>
+          </a:prstGeom>
+          <a:noFill/>
+        </p:spPr>
+        <p:txBody>
+          <a:bodyPr wrap="none">
+            <a:spAutoFit/>
+          </a:bodyPr>
+          <a:lstStyle/>
+          <a:p>
+            <a:pPr>
+              <a:spcAft>
+                <a:spcPts val="600"/>
+              </a:spcAft>
+              <a:defRPr sz="1800"/>
+            </a:pPr>
+            <a:r>
+              <a:t>DIO framework successfully optimizes multiple ML algorithms for breast cancer classification</a:t>
+            </a:r>
+          </a:p>
+          <a:p>
+            <a:pPr>
+              <a:spcAft>
+                <a:spcPts val="600"/>
+              </a:spcAft>
+              <a:defRPr sz="1800"/>
+            </a:pPr>
+          </a:p>
+          <a:p>
+            <a:pPr>
+              <a:spcAft>
+                <a:spcPts val="600"/>
+              </a:spcAft>
+              <a:defRPr sz="1800"/>
+            </a:pPr>
+            <a:r>
+              <a:t>Three Pareto-optimal solutions achieved:</a:t>
+            </a:r>
+          </a:p>
+          <a:p>
+            <a:pPr>
+              <a:spcAft>
+                <a:spcPts val="600"/>
+              </a:spcAft>
+              <a:defRPr sz="1800"/>
+            </a:pPr>
+            <a:r>
+              <a:t>  🏆 DIO-XGBoost: 96.34% accuracy, 17 features (Rank #1 OVERALL)</a:t>
+            </a:r>
+          </a:p>
+          <a:p>
+            <a:pPr>
+              <a:spcAft>
+                <a:spcPts val="600"/>
+              </a:spcAft>
+              <a:defRPr sz="1800"/>
+            </a:pPr>
+            <a:r>
+              <a:t>  🥉 DIO-RF-CV: 96.26% accuracy, 6 features (Rank #3, best interpretability)</a:t>
+            </a:r>
+          </a:p>
+          <a:p>
+            <a:pPr>
+              <a:spcAft>
+                <a:spcPts val="600"/>
+              </a:spcAft>
+              <a:defRPr sz="1800"/>
+            </a:pPr>
+            <a:r>
+              <a:t>  ⚡ DIO-RF-Single: 94.72% accuracy, 8 features (Rank #7, rapid baseline)</a:t>
+            </a:r>
+          </a:p>
+          <a:p>
+            <a:pPr>
+              <a:spcAft>
+                <a:spcPts val="600"/>
+              </a:spcAft>
+              <a:defRPr sz="1800"/>
+            </a:pPr>
+          </a:p>
+          <a:p>
+            <a:pPr>
+              <a:spcAft>
+                <a:spcPts val="600"/>
+              </a:spcAft>
+              <a:defRPr sz="1800"/>
+            </a:pPr>
+            <a:r>
+              <a:t>Key Discovery: Optimization overfitting is algorithm-dependent</a:t>
+            </a:r>
+          </a:p>
+          <a:p>
+            <a:pPr>
+              <a:spcAft>
+                <a:spcPts val="600"/>
+              </a:spcAft>
+              <a:defRPr sz="1800"/>
+            </a:pPr>
+            <a:r>
+              <a:t>  • Gradient boosting's regularization enables single-split success</a:t>
+            </a:r>
+          </a:p>
+          <a:p>
+            <a:pPr>
+              <a:spcAft>
+                <a:spcPts val="600"/>
+              </a:spcAft>
+              <a:defRPr sz="1800"/>
+            </a:pPr>
+            <a:r>
+              <a:t>  • Bagging ensembles benefit from CV-based optimization</a:t>
+            </a:r>
+          </a:p>
+          <a:p>
+            <a:pPr>
+              <a:spcAft>
+                <a:spcPts val="600"/>
+              </a:spcAft>
+              <a:defRPr sz="1800"/>
+            </a:pPr>
+          </a:p>
+          <a:p>
+            <a:pPr>
+              <a:spcAft>
+                <a:spcPts val="600"/>
+              </a:spcAft>
+              <a:defRPr sz="1800"/>
+            </a:pPr>
+            <a:r>
+              <a:t>Provides validated framework for medical AI with flexible deployment options</a:t>
+            </a:r>
+          </a:p>
+        </p:txBody>
+      </p:sp>
+    </p:spTree>
+  </p:cSld>
+  <p:clrMapOvr>
+    <a:masterClrMapping/>
+  </p:clrMapOvr>
+</p:sld>
+</file>
+
+<file path=ppt/slides/slide24.xml><?xml version="1.0" encoding="utf-8"?>
+<p:sld xmlns:a="http://schemas.openxmlformats.org/drawingml/2006/main" xmlns:p="http://schemas.openxmlformats.org/presentationml/2006/main" xmlns:r="http://schemas.openxmlformats.org/officeDocument/2006/relationships">
+  <p:cSld>
+    <p:spTree>
+      <p:nvGrpSpPr>
+        <p:cNvPr id="1" name=""/>
+        <p:cNvGrpSpPr/>
+        <p:nvPr/>
+      </p:nvGrpSpPr>
+      <p:grpSpPr/>
+      <p:sp>
+        <p:nvSpPr>
           <p:cNvPr id="2" name="TextBox 1"/>
           <p:cNvSpPr txBox="1"/>
           <p:nvPr/>
@@ -5281,7 +5805,57 @@
         </p:nvSpPr>
         <p:spPr>
           <a:xfrm>
-            <a:off x="914400" y="3200400"/>
+            <a:off x="914400" y="2926080"/>
+            <a:ext cx="7315200" cy="1097280"/>
+          </a:xfrm>
+          <a:prstGeom prst="rect">
+            <a:avLst/>
+          </a:prstGeom>
+          <a:noFill/>
+        </p:spPr>
+        <p:txBody>
+          <a:bodyPr wrap="none">
+            <a:spAutoFit/>
+          </a:bodyPr>
+          <a:lstStyle/>
+          <a:p>
+            <a:pPr algn="ctr">
+              <a:defRPr sz="2800" b="1">
+                <a:solidFill>
+                  <a:srgbClr val="2ECC71"/>
+                </a:solidFill>
+              </a:defRPr>
+            </a:pPr>
+            <a:r>
+              <a:t>🏆 Best Overall Performance: 96.34% Accuracy</a:t>
+            </a:r>
+          </a:p>
+          <a:p>
+            <a:pPr algn="ctr">
+              <a:spcBef>
+                <a:spcPts val="1200"/>
+              </a:spcBef>
+              <a:defRPr sz="3200">
+                <a:solidFill>
+                  <a:srgbClr val="3498DB"/>
+                </a:solidFill>
+              </a:defRPr>
+            </a:pPr>
+            <a:r>
+              <a:t>Questions &amp; Discussion</a:t>
+            </a:r>
+          </a:p>
+        </p:txBody>
+      </p:sp>
+      <p:sp>
+        <p:nvSpPr>
+          <p:cNvPr id="4" name="TextBox 3"/>
+          <p:cNvSpPr txBox="1"/>
+          <p:nvPr/>
+        </p:nvSpPr>
+        <p:spPr>
+          <a:xfrm>
+            <a:off x="914400" y="5303520"/>
             <a:ext cx="7315200" cy="914400"/>
           </a:xfrm>
           <a:prstGeom prst="rect">
@@ -5290,41 +5864,6 @@
           <a:noFill/>
         </p:spPr>
         <p:txBody>
-          <a:bodyPr wrap="none">
-            <a:spAutoFit/>
-          </a:bodyPr>
-          <a:lstStyle/>
-          <a:p>
-            <a:pPr algn="ctr">
-              <a:defRPr sz="3600">
-                <a:solidFill>
-                  <a:srgbClr val="3498DB"/>
-                </a:solidFill>
-              </a:defRPr>
-            </a:pPr>
-            <a:r>
-              <a:t>Questions &amp; Discussion</a:t>
-            </a:r>
-          </a:p>
-        </p:txBody>
-      </p:sp>
-      <p:sp>
-        <p:nvSpPr>
-          <p:cNvPr id="4" name="TextBox 3"/>
-          <p:cNvSpPr txBox="1"/>
-          <p:nvPr/>
-        </p:nvSpPr>
-        <p:spPr>
-          <a:xfrm>
-            <a:off x="914400" y="5029200"/>
-            <a:ext cx="7315200" cy="914400"/>
-          </a:xfrm>
-          <a:prstGeom prst="rect">
-            <a:avLst/>
-          </a:prstGeom>
-          <a:noFill/>
-        </p:spPr>
-        <p:txBody>
           <a:bodyPr wrap="square">
             <a:spAutoFit/>
           </a:bodyPr>
@@ -5342,7 +5881,7 @@
               <a:defRPr sz="1800"/>
             </a:pPr>
             <a:r>
-              <a:t>Email: your.email@university.edu</a:t>
+              <a:t>Results: 3 approaches validated | 90+ independent runs</a:t>
             </a:r>
           </a:p>
           <a:p>
@@ -5350,7 +5889,7 @@
               <a:defRPr sz="1800"/>
             </a:pPr>
             <a:r>
-              <a:t>Dataset: UCI Machine Learning Repository</a:t>
+              <a:t>Dataset: UCI Machine Learning Repository (Wisconsin Breast Cancer)</a:t>
             </a:r>
           </a:p>
         </p:txBody>

--- a/Presentation/DIO_Research_Presentation.pptx
+++ b/Presentation/DIO_Research_Presentation.pptx
@@ -34,6 +34,18 @@
     <p:sldId id="282" r:id="rId33"/>
     <p:sldId id="283" r:id="rId34"/>
     <p:sldId id="284" r:id="rId35"/>
+    <p:sldId id="285" r:id="rId36"/>
+    <p:sldId id="286" r:id="rId37"/>
+    <p:sldId id="287" r:id="rId38"/>
+    <p:sldId id="288" r:id="rId39"/>
+    <p:sldId id="289" r:id="rId40"/>
+    <p:sldId id="290" r:id="rId41"/>
+    <p:sldId id="291" r:id="rId42"/>
+    <p:sldId id="292" r:id="rId43"/>
+    <p:sldId id="293" r:id="rId44"/>
+    <p:sldId id="294" r:id="rId45"/>
+    <p:sldId id="295" r:id="rId46"/>
+    <p:sldId id="296" r:id="rId47"/>
   </p:sldIdLst>
   <p:sldSz cx="9144000" cy="6858000" type="screen4x3"/>
   <p:notesSz cx="6858000" cy="9144000"/>
@@ -3165,13 +3177,13 @@
           <a:lstStyle/>
           <a:p>
             <a:r>
-              <a:t>Breast Cancer Classification using Random Forest</a:t>
+              <a:t>Cross-Domain Validation: From Medical Diagnostics to Computer Vision</a:t>
             </a:r>
           </a:p>
           <a:p/>
           <a:p>
             <a:r>
-              <a:t>Your Name | Your University | October 2025</a:t>
+              <a:t>Your Name | Your University | November 2025</a:t>
             </a:r>
           </a:p>
         </p:txBody>
@@ -3217,7 +3229,7 @@
               </a:defRPr>
             </a:pPr>
             <a:r>
-              <a:t>8 Selected Features</a:t>
+              <a:t>Fitness Function: Balancing Accuracy and Complexity</a:t>
             </a:r>
           </a:p>
         </p:txBody>
@@ -3236,105 +3248,60 @@
         <p:txBody>
           <a:bodyPr/>
           <a:lstStyle/>
-          <a:p>
-            <a:pPr>
-              <a:spcAft>
-                <a:spcPts val="1200"/>
-              </a:spcAft>
-              <a:defRPr sz="1800"/>
-            </a:pPr>
-            <a:r>
-              <a:t>mean compactness</a:t>
-            </a:r>
-          </a:p>
-          <a:p>
-            <a:pPr>
-              <a:spcAft>
-                <a:spcPts val="1200"/>
-              </a:spcAft>
-              <a:defRPr sz="1800"/>
-            </a:pPr>
-            <a:r>
-              <a:t>area error</a:t>
-            </a:r>
-          </a:p>
-          <a:p>
-            <a:pPr>
-              <a:spcAft>
-                <a:spcPts val="1200"/>
-              </a:spcAft>
-              <a:defRPr sz="1800"/>
-            </a:pPr>
-            <a:r>
-              <a:t>concavity error</a:t>
-            </a:r>
-          </a:p>
-          <a:p>
-            <a:pPr>
-              <a:spcAft>
-                <a:spcPts val="1200"/>
-              </a:spcAft>
-              <a:defRPr sz="1800"/>
-            </a:pPr>
-            <a:r>
-              <a:t>concave points error</a:t>
-            </a:r>
-          </a:p>
-          <a:p>
-            <a:pPr>
-              <a:spcAft>
-                <a:spcPts val="1200"/>
-              </a:spcAft>
-              <a:defRPr sz="1800"/>
-            </a:pPr>
-            <a:r>
-              <a:t>fractal dimension error</a:t>
-            </a:r>
-          </a:p>
-          <a:p>
-            <a:pPr>
-              <a:spcAft>
-                <a:spcPts val="1200"/>
-              </a:spcAft>
-              <a:defRPr sz="1800"/>
-            </a:pPr>
-            <a:r>
-              <a:t>worst area</a:t>
-            </a:r>
-          </a:p>
-          <a:p>
-            <a:pPr>
-              <a:spcAft>
-                <a:spcPts val="1200"/>
-              </a:spcAft>
-              <a:defRPr sz="1800"/>
-            </a:pPr>
-            <a:r>
-              <a:t>worst smoothness</a:t>
-            </a:r>
-          </a:p>
-          <a:p>
-            <a:pPr>
-              <a:spcAft>
-                <a:spcPts val="1200"/>
-              </a:spcAft>
-              <a:defRPr sz="1800"/>
-            </a:pPr>
-            <a:r>
-              <a:t>worst fractal dimension</a:t>
-            </a:r>
-          </a:p>
-          <a:p>
-            <a:br/>
-            <a:pPr>
-              <a:defRPr sz="1800" i="1">
-                <a:solidFill>
-                  <a:srgbClr val="3498DB"/>
-                </a:solidFill>
-              </a:defRPr>
-            </a:pPr>
-            <a:r>
-              <a:t>Balanced selection: Mean, Error, and Worst statistics</a:t>
+          <a:p/>
+        </p:txBody>
+      </p:sp>
+      <p:pic>
+        <p:nvPicPr>
+          <p:cNvPr id="4" name="Picture 3" descr="shema5 (1).PNG"/>
+          <p:cNvPicPr>
+            <a:picLocks noChangeAspect="1"/>
+          </p:cNvPicPr>
+          <p:nvPr/>
+        </p:nvPicPr>
+        <p:blipFill>
+          <a:blip r:embed="rId2"/>
+          <a:stretch>
+            <a:fillRect/>
+          </a:stretch>
+        </p:blipFill>
+        <p:spPr>
+          <a:xfrm>
+            <a:off x="1371600" y="1828800"/>
+            <a:ext cx="1706187" cy="4114800"/>
+          </a:xfrm>
+          <a:prstGeom prst="rect">
+            <a:avLst/>
+          </a:prstGeom>
+        </p:spPr>
+      </p:pic>
+      <p:sp>
+        <p:nvSpPr>
+          <p:cNvPr id="5" name="TextBox 4"/>
+          <p:cNvSpPr txBox="1"/>
+          <p:nvPr/>
+        </p:nvSpPr>
+        <p:spPr>
+          <a:xfrm>
+            <a:off x="914400" y="5943600"/>
+            <a:ext cx="7315200" cy="457200"/>
+          </a:xfrm>
+          <a:prstGeom prst="rect">
+            <a:avLst/>
+          </a:prstGeom>
+          <a:noFill/>
+        </p:spPr>
+        <p:txBody>
+          <a:bodyPr wrap="none">
+            <a:spAutoFit/>
+          </a:bodyPr>
+          <a:lstStyle/>
+          <a:p>
+            <a:pPr algn="ctr">
+              <a:defRPr sz="1400" i="1"/>
+            </a:pPr>
+            <a:r>
+              <a:t>Multi-objective optimization: 99% accuracy weight + 1% feature reduction penalty</a:t>
             </a:r>
           </a:p>
         </p:txBody>
@@ -3380,7 +3347,7 @@
               </a:defRPr>
             </a:pPr>
             <a:r>
-              <a:t>Model Performance Comparison</a:t>
+              <a:t>Dataset &amp; Experimental Setup</a:t>
             </a:r>
           </a:p>
         </p:txBody>
@@ -3399,36 +3366,71 @@
         <p:txBody>
           <a:bodyPr/>
           <a:lstStyle/>
-          <a:p/>
-        </p:txBody>
-      </p:sp>
-      <p:sp>
-        <p:nvSpPr>
-          <p:cNvPr id="4" name="TextBox 3"/>
-          <p:cNvSpPr txBox="1"/>
-          <p:nvPr/>
-        </p:nvSpPr>
-        <p:spPr>
-          <a:xfrm>
-            <a:off x="1828800" y="2743200"/>
-            <a:ext cx="5486400" cy="1828800"/>
-          </a:xfrm>
-          <a:prstGeom prst="rect">
-            <a:avLst/>
-          </a:prstGeom>
-          <a:noFill/>
-        </p:spPr>
-        <p:txBody>
-          <a:bodyPr wrap="none">
-            <a:spAutoFit/>
-          </a:bodyPr>
-          <a:lstStyle/>
-          <a:p>
-            <a:pPr algn="ctr">
-              <a:defRPr sz="2400"/>
-            </a:pPr>
-            <a:r>
-              <a:t>[Image: statistical_comparison_visualization.png]</a:t>
+          <a:p>
+            <a:pPr>
+              <a:spcAft>
+                <a:spcPts val="1200"/>
+              </a:spcAft>
+              <a:defRPr sz="1800"/>
+            </a:pPr>
+            <a:r>
+              <a:t>Dataset: Breast Cancer Wisconsin (Diagnostic)</a:t>
+            </a:r>
+          </a:p>
+          <a:p>
+            <a:pPr lvl="1">
+              <a:defRPr sz="1600"/>
+            </a:pPr>
+            <a:r>
+              <a:t>569 samples (357 benign, 212 malignant)</a:t>
+            </a:r>
+          </a:p>
+          <a:p>
+            <a:pPr lvl="1">
+              <a:defRPr sz="1600"/>
+            </a:pPr>
+            <a:r>
+              <a:t>30 features from digitized cell nuclei images</a:t>
+            </a:r>
+          </a:p>
+          <a:p>
+            <a:pPr lvl="1">
+              <a:defRPr sz="1600"/>
+            </a:pPr>
+            <a:r>
+              <a:t>Standard benchmark in medical ML</a:t>
+            </a:r>
+          </a:p>
+          <a:p>
+            <a:pPr>
+              <a:defRPr sz="1800" b="1"/>
+            </a:pPr>
+            <a:r>
+              <a:t>Validation Strategy:</a:t>
+            </a:r>
+          </a:p>
+          <a:p>
+            <a:pPr lvl="1">
+              <a:defRPr sz="1600"/>
+            </a:pPr>
+            <a:r>
+              <a:t>30 independent runs with different train/test splits</a:t>
+            </a:r>
+          </a:p>
+          <a:p>
+            <a:pPr lvl="1">
+              <a:defRPr sz="1600"/>
+            </a:pPr>
+            <a:r>
+              <a:t>70/30 stratified split (random states: 42-71)</a:t>
+            </a:r>
+          </a:p>
+          <a:p>
+            <a:pPr lvl="1">
+              <a:defRPr sz="1600"/>
+            </a:pPr>
+            <a:r>
+              <a:t>Ensures statistical robustness and reproducibility</a:t>
             </a:r>
           </a:p>
         </p:txBody>
@@ -3474,7 +3476,7 @@
               </a:defRPr>
             </a:pPr>
             <a:r>
-              <a:t>Three Optimization Approaches Validated</a:t>
+              <a:t>DIO-Optimized Configuration</a:t>
             </a:r>
           </a:p>
         </p:txBody>
@@ -3504,8 +3506,8 @@
         </p:nvSpPr>
         <p:spPr>
           <a:xfrm>
-            <a:off x="457200" y="1828800"/>
-            <a:ext cx="8229600" cy="4114800"/>
+            <a:off x="1371600" y="1828800"/>
+            <a:ext cx="6400800" cy="3657600"/>
           </a:xfrm>
           <a:prstGeom prst="rect">
             <a:avLst/>
@@ -3513,60 +3515,74 @@
           <a:noFill/>
         </p:spPr>
         <p:txBody>
-          <a:bodyPr wrap="square">
+          <a:bodyPr wrap="none">
             <a:spAutoFit/>
           </a:bodyPr>
           <a:lstStyle/>
           <a:p>
+            <a:pPr>
+              <a:defRPr sz="2400" b="1"/>
+            </a:pPr>
+            <a:r>
+              <a:t>Optimized Hyperparameters:</a:t>
+            </a:r>
+          </a:p>
+          <a:p>
+            <a:pPr>
+              <a:spcAft>
+                <a:spcPts val="800"/>
+              </a:spcAft>
+              <a:defRPr sz="2000"/>
+            </a:pPr>
+            <a:r>
+              <a:t>• n_estimators: 193</a:t>
+            </a:r>
+          </a:p>
+          <a:p>
+            <a:pPr>
+              <a:spcAft>
+                <a:spcPts val="800"/>
+              </a:spcAft>
+              <a:defRPr sz="2000"/>
+            </a:pPr>
+            <a:r>
+              <a:t>• max_depth: 13</a:t>
+            </a:r>
+          </a:p>
+          <a:p>
+            <a:pPr>
+              <a:spcAft>
+                <a:spcPts val="800"/>
+              </a:spcAft>
+              <a:defRPr sz="2000"/>
+            </a:pPr>
+            <a:r>
+              <a:t>• min_samples_split: 4</a:t>
+            </a:r>
+          </a:p>
+          <a:p>
+            <a:pPr>
+              <a:spcAft>
+                <a:spcPts val="800"/>
+              </a:spcAft>
+              <a:defRPr sz="2000"/>
+            </a:pPr>
+            <a:r>
+              <a:t>• min_samples_leaf: 1</a:t>
+            </a:r>
+          </a:p>
+          <a:p>
             <a:br/>
             <a:pPr>
-              <a:defRPr sz="1600">
-                <a:latin typeface="Courier New"/>
+              <a:defRPr sz="2200" b="1">
+                <a:solidFill>
+                  <a:srgbClr val="2ECC71"/>
+                </a:solidFill>
               </a:defRPr>
             </a:pPr>
             <a:r>
-              <a:t>Approach              Accuracy        Features  Opt.Time  Rank</a:t>
-            </a:r>
-            <a:br/>
-            <a:r>
-              <a:t>───────────────────────────────────────────────────────────────</a:t>
-            </a:r>
-            <a:br/>
-            <a:r>
-              <a:t>DIO-XGBoost          96.34% ±1.23%   17/30     54 sec    #1 🏆</a:t>
-            </a:r>
-            <a:br/>
-            <a:r>
-              <a:t>(Single-Split)       (43% reduction)</a:t>
-            </a:r>
-            <a:br/>
-            <a:br/>
-            <a:r>
-              <a:t>DIO-RF-CV            96.26% ±1.33%   6/30      7.9 hrs   #3</a:t>
-            </a:r>
-            <a:br/>
-            <a:r>
-              <a:t>(CV-Based)           (80% reduction)</a:t>
-            </a:r>
-            <a:br/>
-            <a:br/>
-            <a:r>
-              <a:t>DIO-RF-Single        94.72% ±1.41%   8/30      1 min     #7</a:t>
-            </a:r>
-            <a:br/>
-            <a:r>
-              <a:t>(Initial)            (73% reduction)</a:t>
-            </a:r>
-            <a:br/>
-            <a:r>
-              <a:t>───────────────────────────────────────────────────────────────</a:t>
-            </a:r>
-            <a:br/>
-            <a:br/>
-            <a:r>
-              <a:t>Key Insight: XGBoost achieves BEST OVERALL performance!</a:t>
-            </a:r>
-            <a:br/>
+              <a:t>Selected Features: 8 out of 30 (73% reduction!)</a:t>
+            </a:r>
           </a:p>
         </p:txBody>
       </p:sp>
@@ -3611,7 +3627,7 @@
               </a:defRPr>
             </a:pPr>
             <a:r>
-              <a:t>Key Findings: Algorithm-Dependent Optimization</a:t>
+              <a:t>Implementation: DIO Optimize Function</a:t>
             </a:r>
           </a:p>
         </p:txBody>
@@ -3630,152 +3646,60 @@
         <p:txBody>
           <a:bodyPr/>
           <a:lstStyle/>
-          <a:p>
-            <a:pPr>
-              <a:spcAft>
-                <a:spcPts val="1200"/>
-              </a:spcAft>
-              <a:defRPr sz="1800"/>
-            </a:pPr>
-            <a:r>
-              <a:t>🏆 DIO-XGBoost: BEST OVERALL (96.34%, 17 features, Rank #1)</a:t>
-            </a:r>
-          </a:p>
-          <a:p>
-            <a:pPr>
-              <a:spcAft>
-                <a:spcPts val="1200"/>
-              </a:spcAft>
-              <a:defRPr sz="1800"/>
-            </a:pPr>
-            <a:r>
-              <a:t>✓ Lowest standard deviation (1.23%) = Most stable</a:t>
-            </a:r>
-          </a:p>
-          <a:p>
-            <a:pPr>
-              <a:spcAft>
-                <a:spcPts val="1200"/>
-              </a:spcAft>
-              <a:defRPr sz="1800"/>
-            </a:pPr>
-            <a:r>
-              <a:t>✓ 54-second optimization (526× faster than CV-RF!)</a:t>
-            </a:r>
-          </a:p>
-          <a:p>
-            <a:pPr>
-              <a:spcAft>
-                <a:spcPts val="1200"/>
-              </a:spcAft>
-              <a:defRPr sz="1800"/>
-            </a:pPr>
-            <a:r>
-              <a:t>✓ Significantly better than defaults (p=0.0426)</a:t>
-            </a:r>
-          </a:p>
-          <a:p>
-            <a:pPr>
-              <a:spcAft>
-                <a:spcPts val="1200"/>
-              </a:spcAft>
-              <a:defRPr sz="1800"/>
-            </a:pPr>
-          </a:p>
-          <a:p>
-            <a:pPr>
-              <a:spcAft>
-                <a:spcPts val="1200"/>
-              </a:spcAft>
-              <a:defRPr sz="1800"/>
-            </a:pPr>
-            <a:r>
-              <a:t>🥉 DIO-RF-CV: Best Interpretability (96.26%, 6 features, Rank #3)</a:t>
-            </a:r>
-          </a:p>
-          <a:p>
-            <a:pPr>
-              <a:spcAft>
-                <a:spcPts val="1200"/>
-              </a:spcAft>
-              <a:defRPr sz="1800"/>
-            </a:pPr>
-            <a:r>
-              <a:t>✓ 80% feature reduction (highest among all)</a:t>
-            </a:r>
-          </a:p>
-          <a:p>
-            <a:pPr>
-              <a:spcAft>
-                <a:spcPts val="1200"/>
-              </a:spcAft>
-              <a:defRPr sz="1800"/>
-            </a:pPr>
-            <a:r>
-              <a:t>✓ Significantly better than defaults (p=0.0084)</a:t>
-            </a:r>
-          </a:p>
-          <a:p>
-            <a:pPr>
-              <a:spcAft>
-                <a:spcPts val="1200"/>
-              </a:spcAft>
-              <a:defRPr sz="1800"/>
-            </a:pPr>
-            <a:r>
-              <a:t>✓ Fixes optimization overfitting problem</a:t>
-            </a:r>
-          </a:p>
-          <a:p>
-            <a:pPr>
-              <a:spcAft>
-                <a:spcPts val="1200"/>
-              </a:spcAft>
-              <a:defRPr sz="1800"/>
-            </a:pPr>
-          </a:p>
-          <a:p>
-            <a:pPr>
-              <a:spcAft>
-                <a:spcPts val="1200"/>
-              </a:spcAft>
-              <a:defRPr sz="1800"/>
-            </a:pPr>
-            <a:r>
-              <a:t>💡 Critical Discovery: Optimization Overfitting is Algorithm-Dependent</a:t>
-            </a:r>
-          </a:p>
-          <a:p>
-            <a:pPr>
-              <a:spcAft>
-                <a:spcPts val="1200"/>
-              </a:spcAft>
-              <a:defRPr sz="1800"/>
-            </a:pPr>
-            <a:r>
-              <a:t>• RF single-split suffered overfitting (100% → 94.72%)</a:t>
-            </a:r>
-          </a:p>
-          <a:p>
-            <a:pPr>
-              <a:spcAft>
-                <a:spcPts val="1200"/>
-              </a:spcAft>
-              <a:defRPr sz="1800"/>
-            </a:pPr>
-            <a:r>
-              <a:t>• XGBoost single-split achieved top performance (98.83% → 96.34%)</a:t>
-            </a:r>
-          </a:p>
-          <a:p>
-            <a:pPr>
-              <a:spcAft>
-                <a:spcPts val="1200"/>
-              </a:spcAft>
-              <a:defRPr sz="1800"/>
-            </a:pPr>
-            <a:r>
-              <a:t>• Gradient boosting's regularization enables single-split success!</a:t>
+          <a:p/>
+        </p:txBody>
+      </p:sp>
+      <p:pic>
+        <p:nvPicPr>
+          <p:cNvPr id="4" name="Picture 3" descr="dio_optimise_snippet.png"/>
+          <p:cNvPicPr>
+            <a:picLocks noChangeAspect="1"/>
+          </p:cNvPicPr>
+          <p:nvPr/>
+        </p:nvPicPr>
+        <p:blipFill>
+          <a:blip r:embed="rId2"/>
+          <a:stretch>
+            <a:fillRect/>
+          </a:stretch>
+        </p:blipFill>
+        <p:spPr>
+          <a:xfrm>
+            <a:off x="1371600" y="1828800"/>
+            <a:ext cx="1944457" cy="4114800"/>
+          </a:xfrm>
+          <a:prstGeom prst="rect">
+            <a:avLst/>
+          </a:prstGeom>
+        </p:spPr>
+      </p:pic>
+      <p:sp>
+        <p:nvSpPr>
+          <p:cNvPr id="5" name="TextBox 4"/>
+          <p:cNvSpPr txBox="1"/>
+          <p:nvPr/>
+        </p:nvSpPr>
+        <p:spPr>
+          <a:xfrm>
+            <a:off x="914400" y="5943600"/>
+            <a:ext cx="7315200" cy="457200"/>
+          </a:xfrm>
+          <a:prstGeom prst="rect">
+            <a:avLst/>
+          </a:prstGeom>
+          <a:noFill/>
+        </p:spPr>
+        <p:txBody>
+          <a:bodyPr wrap="none">
+            <a:spAutoFit/>
+          </a:bodyPr>
+          <a:lstStyle/>
+          <a:p>
+            <a:pPr algn="ctr">
+              <a:defRPr sz="1400" i="1"/>
+            </a:pPr>
+            <a:r>
+              <a:t>Core optimization loop with fitness evaluation and position updates</a:t>
             </a:r>
           </a:p>
         </p:txBody>
@@ -3789,6 +3713,1254 @@
 </file>
 
 <file path=ppt/slides/slide14.xml><?xml version="1.0" encoding="utf-8"?>
+<p:sld xmlns:a="http://schemas.openxmlformats.org/drawingml/2006/main" xmlns:p="http://schemas.openxmlformats.org/presentationml/2006/main" xmlns:r="http://schemas.openxmlformats.org/officeDocument/2006/relationships">
+  <p:cSld>
+    <p:spTree>
+      <p:nvGrpSpPr>
+        <p:cNvPr id="1" name=""/>
+        <p:cNvGrpSpPr/>
+        <p:nvPr/>
+      </p:nvGrpSpPr>
+      <p:grpSpPr/>
+      <p:sp>
+        <p:nvSpPr>
+          <p:cNvPr id="2" name="Title 1"/>
+          <p:cNvSpPr>
+            <a:spLocks noGrp="1"/>
+          </p:cNvSpPr>
+          <p:nvPr>
+            <p:ph type="title"/>
+          </p:nvPr>
+        </p:nvSpPr>
+        <p:spPr/>
+        <p:txBody>
+          <a:bodyPr/>
+          <a:lstStyle/>
+          <a:p>
+            <a:pPr>
+              <a:defRPr sz="4000" b="1">
+                <a:solidFill>
+                  <a:srgbClr val="2C3E50"/>
+                </a:solidFill>
+              </a:defRPr>
+            </a:pPr>
+            <a:r>
+              <a:t>Feature Selection Objective Function (RF)</a:t>
+            </a:r>
+          </a:p>
+        </p:txBody>
+      </p:sp>
+      <p:sp>
+        <p:nvSpPr>
+          <p:cNvPr id="3" name="Content Placeholder 2"/>
+          <p:cNvSpPr>
+            <a:spLocks noGrp="1"/>
+          </p:cNvSpPr>
+          <p:nvPr>
+            <p:ph idx="1"/>
+          </p:nvPr>
+        </p:nvSpPr>
+        <p:spPr/>
+        <p:txBody>
+          <a:bodyPr/>
+          <a:lstStyle/>
+          <a:p/>
+        </p:txBody>
+      </p:sp>
+      <p:pic>
+        <p:nvPicPr>
+          <p:cNvPr id="4" name="Picture 3" descr="feature_selection_objective_func_rf.png"/>
+          <p:cNvPicPr>
+            <a:picLocks noChangeAspect="1"/>
+          </p:cNvPicPr>
+          <p:nvPr/>
+        </p:nvPicPr>
+        <p:blipFill>
+          <a:blip r:embed="rId2"/>
+          <a:stretch>
+            <a:fillRect/>
+          </a:stretch>
+        </p:blipFill>
+        <p:spPr>
+          <a:xfrm>
+            <a:off x="1371600" y="1828800"/>
+            <a:ext cx="2465783" cy="4114800"/>
+          </a:xfrm>
+          <a:prstGeom prst="rect">
+            <a:avLst/>
+          </a:prstGeom>
+        </p:spPr>
+      </p:pic>
+      <p:sp>
+        <p:nvSpPr>
+          <p:cNvPr id="5" name="TextBox 4"/>
+          <p:cNvSpPr txBox="1"/>
+          <p:nvPr/>
+        </p:nvSpPr>
+        <p:spPr>
+          <a:xfrm>
+            <a:off x="914400" y="5943600"/>
+            <a:ext cx="7315200" cy="457200"/>
+          </a:xfrm>
+          <a:prstGeom prst="rect">
+            <a:avLst/>
+          </a:prstGeom>
+          <a:noFill/>
+        </p:spPr>
+        <p:txBody>
+          <a:bodyPr wrap="none">
+            <a:spAutoFit/>
+          </a:bodyPr>
+          <a:lstStyle/>
+          <a:p>
+            <a:pPr algn="ctr">
+              <a:defRPr sz="1400" i="1"/>
+            </a:pPr>
+            <a:r>
+              <a:t>Inner loop: Evaluates each feature subset with cross-validation</a:t>
+            </a:r>
+          </a:p>
+        </p:txBody>
+      </p:sp>
+    </p:spTree>
+  </p:cSld>
+  <p:clrMapOvr>
+    <a:masterClrMapping/>
+  </p:clrMapOvr>
+</p:sld>
+</file>
+
+<file path=ppt/slides/slide15.xml><?xml version="1.0" encoding="utf-8"?>
+<p:sld xmlns:a="http://schemas.openxmlformats.org/drawingml/2006/main" xmlns:p="http://schemas.openxmlformats.org/presentationml/2006/main" xmlns:r="http://schemas.openxmlformats.org/officeDocument/2006/relationships">
+  <p:cSld>
+    <p:spTree>
+      <p:nvGrpSpPr>
+        <p:cNvPr id="1" name=""/>
+        <p:cNvGrpSpPr/>
+        <p:nvPr/>
+      </p:nvGrpSpPr>
+      <p:grpSpPr/>
+      <p:sp>
+        <p:nvSpPr>
+          <p:cNvPr id="2" name="Title 1"/>
+          <p:cNvSpPr>
+            <a:spLocks noGrp="1"/>
+          </p:cNvSpPr>
+          <p:nvPr>
+            <p:ph type="title"/>
+          </p:nvPr>
+        </p:nvSpPr>
+        <p:spPr/>
+        <p:txBody>
+          <a:bodyPr/>
+          <a:lstStyle/>
+          <a:p>
+            <a:pPr>
+              <a:defRPr sz="4000" b="1">
+                <a:solidFill>
+                  <a:srgbClr val="2C3E50"/>
+                </a:solidFill>
+              </a:defRPr>
+            </a:pPr>
+            <a:r>
+              <a:t>Hyperparameter Objective Function (RF)</a:t>
+            </a:r>
+          </a:p>
+        </p:txBody>
+      </p:sp>
+      <p:sp>
+        <p:nvSpPr>
+          <p:cNvPr id="3" name="Content Placeholder 2"/>
+          <p:cNvSpPr>
+            <a:spLocks noGrp="1"/>
+          </p:cNvSpPr>
+          <p:nvPr>
+            <p:ph idx="1"/>
+          </p:nvPr>
+        </p:nvSpPr>
+        <p:spPr/>
+        <p:txBody>
+          <a:bodyPr/>
+          <a:lstStyle/>
+          <a:p/>
+        </p:txBody>
+      </p:sp>
+      <p:pic>
+        <p:nvPicPr>
+          <p:cNvPr id="4" name="Picture 3" descr="hyperparameter_objective_func_rf.png"/>
+          <p:cNvPicPr>
+            <a:picLocks noChangeAspect="1"/>
+          </p:cNvPicPr>
+          <p:nvPr/>
+        </p:nvPicPr>
+        <p:blipFill>
+          <a:blip r:embed="rId2"/>
+          <a:stretch>
+            <a:fillRect/>
+          </a:stretch>
+        </p:blipFill>
+        <p:spPr>
+          <a:xfrm>
+            <a:off x="1371600" y="1828800"/>
+            <a:ext cx="2340292" cy="4114800"/>
+          </a:xfrm>
+          <a:prstGeom prst="rect">
+            <a:avLst/>
+          </a:prstGeom>
+        </p:spPr>
+      </p:pic>
+      <p:sp>
+        <p:nvSpPr>
+          <p:cNvPr id="5" name="TextBox 4"/>
+          <p:cNvSpPr txBox="1"/>
+          <p:nvPr/>
+        </p:nvSpPr>
+        <p:spPr>
+          <a:xfrm>
+            <a:off x="914400" y="5943600"/>
+            <a:ext cx="7315200" cy="457200"/>
+          </a:xfrm>
+          <a:prstGeom prst="rect">
+            <a:avLst/>
+          </a:prstGeom>
+          <a:noFill/>
+        </p:spPr>
+        <p:txBody>
+          <a:bodyPr wrap="none">
+            <a:spAutoFit/>
+          </a:bodyPr>
+          <a:lstStyle/>
+          <a:p>
+            <a:pPr algn="ctr">
+              <a:defRPr sz="1400" i="1"/>
+            </a:pPr>
+            <a:r>
+              <a:t>Outer loop: Optimizes hyperparameters while calling feature selection</a:t>
+            </a:r>
+          </a:p>
+        </p:txBody>
+      </p:sp>
+    </p:spTree>
+  </p:cSld>
+  <p:clrMapOvr>
+    <a:masterClrMapping/>
+  </p:clrMapOvr>
+</p:sld>
+</file>
+
+<file path=ppt/slides/slide16.xml><?xml version="1.0" encoding="utf-8"?>
+<p:sld xmlns:a="http://schemas.openxmlformats.org/drawingml/2006/main" xmlns:p="http://schemas.openxmlformats.org/presentationml/2006/main" xmlns:r="http://schemas.openxmlformats.org/officeDocument/2006/relationships">
+  <p:cSld>
+    <p:spTree>
+      <p:nvGrpSpPr>
+        <p:cNvPr id="1" name=""/>
+        <p:cNvGrpSpPr/>
+        <p:nvPr/>
+      </p:nvGrpSpPr>
+      <p:grpSpPr/>
+      <p:sp>
+        <p:nvSpPr>
+          <p:cNvPr id="2" name="Title 1"/>
+          <p:cNvSpPr>
+            <a:spLocks noGrp="1"/>
+          </p:cNvSpPr>
+          <p:nvPr>
+            <p:ph type="title"/>
+          </p:nvPr>
+        </p:nvSpPr>
+        <p:spPr/>
+        <p:txBody>
+          <a:bodyPr/>
+          <a:lstStyle/>
+          <a:p>
+            <a:pPr>
+              <a:defRPr sz="4000" b="1">
+                <a:solidFill>
+                  <a:srgbClr val="2C3E50"/>
+                </a:solidFill>
+              </a:defRPr>
+            </a:pPr>
+            <a:r>
+              <a:t>Outer Optimization Loop &amp; Results Retrieval</a:t>
+            </a:r>
+          </a:p>
+        </p:txBody>
+      </p:sp>
+      <p:sp>
+        <p:nvSpPr>
+          <p:cNvPr id="3" name="Content Placeholder 2"/>
+          <p:cNvSpPr>
+            <a:spLocks noGrp="1"/>
+          </p:cNvSpPr>
+          <p:nvPr>
+            <p:ph idx="1"/>
+          </p:nvPr>
+        </p:nvSpPr>
+        <p:spPr/>
+        <p:txBody>
+          <a:bodyPr/>
+          <a:lstStyle/>
+          <a:p/>
+        </p:txBody>
+      </p:sp>
+      <p:pic>
+        <p:nvPicPr>
+          <p:cNvPr id="4" name="Picture 3" descr="outer_optimization_and_retreiving_results.png"/>
+          <p:cNvPicPr>
+            <a:picLocks noChangeAspect="1"/>
+          </p:cNvPicPr>
+          <p:nvPr/>
+        </p:nvPicPr>
+        <p:blipFill>
+          <a:blip r:embed="rId2"/>
+          <a:stretch>
+            <a:fillRect/>
+          </a:stretch>
+        </p:blipFill>
+        <p:spPr>
+          <a:xfrm>
+            <a:off x="1371600" y="1828800"/>
+            <a:ext cx="2465783" cy="4114800"/>
+          </a:xfrm>
+          <a:prstGeom prst="rect">
+            <a:avLst/>
+          </a:prstGeom>
+        </p:spPr>
+      </p:pic>
+      <p:sp>
+        <p:nvSpPr>
+          <p:cNvPr id="5" name="TextBox 4"/>
+          <p:cNvSpPr txBox="1"/>
+          <p:nvPr/>
+        </p:nvSpPr>
+        <p:spPr>
+          <a:xfrm>
+            <a:off x="914400" y="5943600"/>
+            <a:ext cx="7315200" cy="457200"/>
+          </a:xfrm>
+          <a:prstGeom prst="rect">
+            <a:avLst/>
+          </a:prstGeom>
+          <a:noFill/>
+        </p:spPr>
+        <p:txBody>
+          <a:bodyPr wrap="none">
+            <a:spAutoFit/>
+          </a:bodyPr>
+          <a:lstStyle/>
+          <a:p>
+            <a:pPr algn="ctr">
+              <a:defRPr sz="1400" i="1"/>
+            </a:pPr>
+            <a:r>
+              <a:t>Main execution: Runs nested optimization and extracts best configuration</a:t>
+            </a:r>
+          </a:p>
+        </p:txBody>
+      </p:sp>
+    </p:spTree>
+  </p:cSld>
+  <p:clrMapOvr>
+    <a:masterClrMapping/>
+  </p:clrMapOvr>
+</p:sld>
+</file>
+
+<file path=ppt/slides/slide17.xml><?xml version="1.0" encoding="utf-8"?>
+<p:sld xmlns:a="http://schemas.openxmlformats.org/drawingml/2006/main" xmlns:p="http://schemas.openxmlformats.org/presentationml/2006/main" xmlns:r="http://schemas.openxmlformats.org/officeDocument/2006/relationships">
+  <p:cSld>
+    <p:spTree>
+      <p:nvGrpSpPr>
+        <p:cNvPr id="1" name=""/>
+        <p:cNvGrpSpPr/>
+        <p:nvPr/>
+      </p:nvGrpSpPr>
+      <p:grpSpPr/>
+      <p:sp>
+        <p:nvSpPr>
+          <p:cNvPr id="2" name="Title 1"/>
+          <p:cNvSpPr>
+            <a:spLocks noGrp="1"/>
+          </p:cNvSpPr>
+          <p:nvPr>
+            <p:ph type="title"/>
+          </p:nvPr>
+        </p:nvSpPr>
+        <p:spPr/>
+        <p:txBody>
+          <a:bodyPr/>
+          <a:lstStyle/>
+          <a:p>
+            <a:pPr>
+              <a:defRPr sz="4000" b="1">
+                <a:solidFill>
+                  <a:srgbClr val="2C3E50"/>
+                </a:solidFill>
+              </a:defRPr>
+            </a:pPr>
+            <a:r>
+              <a:t>8 Selected Features</a:t>
+            </a:r>
+          </a:p>
+        </p:txBody>
+      </p:sp>
+      <p:sp>
+        <p:nvSpPr>
+          <p:cNvPr id="3" name="Content Placeholder 2"/>
+          <p:cNvSpPr>
+            <a:spLocks noGrp="1"/>
+          </p:cNvSpPr>
+          <p:nvPr>
+            <p:ph idx="1"/>
+          </p:nvPr>
+        </p:nvSpPr>
+        <p:spPr/>
+        <p:txBody>
+          <a:bodyPr/>
+          <a:lstStyle/>
+          <a:p>
+            <a:pPr>
+              <a:spcAft>
+                <a:spcPts val="1200"/>
+              </a:spcAft>
+              <a:defRPr sz="1800"/>
+            </a:pPr>
+            <a:r>
+              <a:t>mean compactness</a:t>
+            </a:r>
+          </a:p>
+          <a:p>
+            <a:pPr>
+              <a:spcAft>
+                <a:spcPts val="1200"/>
+              </a:spcAft>
+              <a:defRPr sz="1800"/>
+            </a:pPr>
+            <a:r>
+              <a:t>area error</a:t>
+            </a:r>
+          </a:p>
+          <a:p>
+            <a:pPr>
+              <a:spcAft>
+                <a:spcPts val="1200"/>
+              </a:spcAft>
+              <a:defRPr sz="1800"/>
+            </a:pPr>
+            <a:r>
+              <a:t>concavity error</a:t>
+            </a:r>
+          </a:p>
+          <a:p>
+            <a:pPr>
+              <a:spcAft>
+                <a:spcPts val="1200"/>
+              </a:spcAft>
+              <a:defRPr sz="1800"/>
+            </a:pPr>
+            <a:r>
+              <a:t>concave points error</a:t>
+            </a:r>
+          </a:p>
+          <a:p>
+            <a:pPr>
+              <a:spcAft>
+                <a:spcPts val="1200"/>
+              </a:spcAft>
+              <a:defRPr sz="1800"/>
+            </a:pPr>
+            <a:r>
+              <a:t>fractal dimension error</a:t>
+            </a:r>
+          </a:p>
+          <a:p>
+            <a:pPr>
+              <a:spcAft>
+                <a:spcPts val="1200"/>
+              </a:spcAft>
+              <a:defRPr sz="1800"/>
+            </a:pPr>
+            <a:r>
+              <a:t>worst area</a:t>
+            </a:r>
+          </a:p>
+          <a:p>
+            <a:pPr>
+              <a:spcAft>
+                <a:spcPts val="1200"/>
+              </a:spcAft>
+              <a:defRPr sz="1800"/>
+            </a:pPr>
+            <a:r>
+              <a:t>worst smoothness</a:t>
+            </a:r>
+          </a:p>
+          <a:p>
+            <a:pPr>
+              <a:spcAft>
+                <a:spcPts val="1200"/>
+              </a:spcAft>
+              <a:defRPr sz="1800"/>
+            </a:pPr>
+            <a:r>
+              <a:t>worst fractal dimension</a:t>
+            </a:r>
+          </a:p>
+          <a:p>
+            <a:br/>
+            <a:pPr>
+              <a:defRPr sz="1800" i="1">
+                <a:solidFill>
+                  <a:srgbClr val="3498DB"/>
+                </a:solidFill>
+              </a:defRPr>
+            </a:pPr>
+            <a:r>
+              <a:t>Balanced selection: Mean, Error, and Worst statistics</a:t>
+            </a:r>
+          </a:p>
+        </p:txBody>
+      </p:sp>
+    </p:spTree>
+  </p:cSld>
+  <p:clrMapOvr>
+    <a:masterClrMapping/>
+  </p:clrMapOvr>
+</p:sld>
+</file>
+
+<file path=ppt/slides/slide18.xml><?xml version="1.0" encoding="utf-8"?>
+<p:sld xmlns:a="http://schemas.openxmlformats.org/drawingml/2006/main" xmlns:p="http://schemas.openxmlformats.org/presentationml/2006/main" xmlns:r="http://schemas.openxmlformats.org/officeDocument/2006/relationships">
+  <p:cSld>
+    <p:spTree>
+      <p:nvGrpSpPr>
+        <p:cNvPr id="1" name=""/>
+        <p:cNvGrpSpPr/>
+        <p:nvPr/>
+      </p:nvGrpSpPr>
+      <p:grpSpPr/>
+      <p:sp>
+        <p:nvSpPr>
+          <p:cNvPr id="2" name="Title 1"/>
+          <p:cNvSpPr>
+            <a:spLocks noGrp="1"/>
+          </p:cNvSpPr>
+          <p:nvPr>
+            <p:ph type="title"/>
+          </p:nvPr>
+        </p:nvSpPr>
+        <p:spPr/>
+        <p:txBody>
+          <a:bodyPr/>
+          <a:lstStyle/>
+          <a:p>
+            <a:pPr>
+              <a:defRPr sz="4000" b="1">
+                <a:solidFill>
+                  <a:srgbClr val="2C3E50"/>
+                </a:solidFill>
+              </a:defRPr>
+            </a:pPr>
+            <a:r>
+              <a:t>Major Discovery: Optimization Overfitting</a:t>
+            </a:r>
+          </a:p>
+        </p:txBody>
+      </p:sp>
+      <p:sp>
+        <p:nvSpPr>
+          <p:cNvPr id="3" name="Content Placeholder 2"/>
+          <p:cNvSpPr>
+            <a:spLocks noGrp="1"/>
+          </p:cNvSpPr>
+          <p:nvPr>
+            <p:ph idx="1"/>
+          </p:nvPr>
+        </p:nvSpPr>
+        <p:spPr/>
+        <p:txBody>
+          <a:bodyPr/>
+          <a:lstStyle/>
+          <a:p/>
+        </p:txBody>
+      </p:sp>
+      <p:pic>
+        <p:nvPicPr>
+          <p:cNvPr id="4" name="Picture 3" descr="Shema2 (1).png"/>
+          <p:cNvPicPr>
+            <a:picLocks noChangeAspect="1"/>
+          </p:cNvPicPr>
+          <p:nvPr/>
+        </p:nvPicPr>
+        <p:blipFill>
+          <a:blip r:embed="rId2"/>
+          <a:stretch>
+            <a:fillRect/>
+          </a:stretch>
+        </p:blipFill>
+        <p:spPr>
+          <a:xfrm>
+            <a:off x="1371600" y="1828800"/>
+            <a:ext cx="6052930" cy="4114800"/>
+          </a:xfrm>
+          <a:prstGeom prst="rect">
+            <a:avLst/>
+          </a:prstGeom>
+        </p:spPr>
+      </p:pic>
+      <p:sp>
+        <p:nvSpPr>
+          <p:cNvPr id="5" name="TextBox 4"/>
+          <p:cNvSpPr txBox="1"/>
+          <p:nvPr/>
+        </p:nvSpPr>
+        <p:spPr>
+          <a:xfrm>
+            <a:off x="914400" y="5943600"/>
+            <a:ext cx="7315200" cy="457200"/>
+          </a:xfrm>
+          <a:prstGeom prst="rect">
+            <a:avLst/>
+          </a:prstGeom>
+          <a:noFill/>
+        </p:spPr>
+        <p:txBody>
+          <a:bodyPr wrap="none">
+            <a:spAutoFit/>
+          </a:bodyPr>
+          <a:lstStyle/>
+          <a:p>
+            <a:pPr algn="ctr">
+              <a:defRPr sz="1400" i="1"/>
+            </a:pPr>
+            <a:r>
+              <a:t>Single-split optimization achieves 100% on one partition but generalizes poorly (94.72%). CV-based fixes this (96.26%).</a:t>
+            </a:r>
+          </a:p>
+        </p:txBody>
+      </p:sp>
+    </p:spTree>
+  </p:cSld>
+  <p:clrMapOvr>
+    <a:masterClrMapping/>
+  </p:clrMapOvr>
+</p:sld>
+</file>
+
+<file path=ppt/slides/slide19.xml><?xml version="1.0" encoding="utf-8"?>
+<p:sld xmlns:a="http://schemas.openxmlformats.org/drawingml/2006/main" xmlns:p="http://schemas.openxmlformats.org/presentationml/2006/main" xmlns:r="http://schemas.openxmlformats.org/officeDocument/2006/relationships">
+  <p:cSld>
+    <p:spTree>
+      <p:nvGrpSpPr>
+        <p:cNvPr id="1" name=""/>
+        <p:cNvGrpSpPr/>
+        <p:nvPr/>
+      </p:nvGrpSpPr>
+      <p:grpSpPr/>
+      <p:sp>
+        <p:nvSpPr>
+          <p:cNvPr id="2" name="Title 1"/>
+          <p:cNvSpPr>
+            <a:spLocks noGrp="1"/>
+          </p:cNvSpPr>
+          <p:nvPr>
+            <p:ph type="title"/>
+          </p:nvPr>
+        </p:nvSpPr>
+        <p:spPr/>
+        <p:txBody>
+          <a:bodyPr/>
+          <a:lstStyle/>
+          <a:p>
+            <a:pPr>
+              <a:defRPr sz="4000" b="1">
+                <a:solidFill>
+                  <a:srgbClr val="2C3E50"/>
+                </a:solidFill>
+              </a:defRPr>
+            </a:pPr>
+            <a:r>
+              <a:t>Model Performance Comparison</a:t>
+            </a:r>
+          </a:p>
+        </p:txBody>
+      </p:sp>
+      <p:sp>
+        <p:nvSpPr>
+          <p:cNvPr id="3" name="Content Placeholder 2"/>
+          <p:cNvSpPr>
+            <a:spLocks noGrp="1"/>
+          </p:cNvSpPr>
+          <p:nvPr>
+            <p:ph idx="1"/>
+          </p:nvPr>
+        </p:nvSpPr>
+        <p:spPr/>
+        <p:txBody>
+          <a:bodyPr/>
+          <a:lstStyle/>
+          <a:p/>
+        </p:txBody>
+      </p:sp>
+      <p:sp>
+        <p:nvSpPr>
+          <p:cNvPr id="4" name="TextBox 3"/>
+          <p:cNvSpPr txBox="1"/>
+          <p:nvPr/>
+        </p:nvSpPr>
+        <p:spPr>
+          <a:xfrm>
+            <a:off x="1828800" y="2743200"/>
+            <a:ext cx="5486400" cy="1828800"/>
+          </a:xfrm>
+          <a:prstGeom prst="rect">
+            <a:avLst/>
+          </a:prstGeom>
+          <a:noFill/>
+        </p:spPr>
+        <p:txBody>
+          <a:bodyPr wrap="none">
+            <a:spAutoFit/>
+          </a:bodyPr>
+          <a:lstStyle/>
+          <a:p>
+            <a:pPr algn="ctr">
+              <a:defRPr sz="2400"/>
+            </a:pPr>
+            <a:r>
+              <a:t>[Image: statistical_comparison_visualization.png]</a:t>
+            </a:r>
+          </a:p>
+        </p:txBody>
+      </p:sp>
+    </p:spTree>
+  </p:cSld>
+  <p:clrMapOvr>
+    <a:masterClrMapping/>
+  </p:clrMapOvr>
+</p:sld>
+</file>
+
+<file path=ppt/slides/slide2.xml><?xml version="1.0" encoding="utf-8"?>
+<p:sld xmlns:a="http://schemas.openxmlformats.org/drawingml/2006/main" xmlns:p="http://schemas.openxmlformats.org/presentationml/2006/main" xmlns:r="http://schemas.openxmlformats.org/officeDocument/2006/relationships">
+  <p:cSld>
+    <p:spTree>
+      <p:nvGrpSpPr>
+        <p:cNvPr id="1" name=""/>
+        <p:cNvGrpSpPr/>
+        <p:nvPr/>
+      </p:nvGrpSpPr>
+      <p:grpSpPr/>
+      <p:sp>
+        <p:nvSpPr>
+          <p:cNvPr id="2" name="Title 1"/>
+          <p:cNvSpPr>
+            <a:spLocks noGrp="1"/>
+          </p:cNvSpPr>
+          <p:nvPr>
+            <p:ph type="title"/>
+          </p:nvPr>
+        </p:nvSpPr>
+        <p:spPr/>
+        <p:txBody>
+          <a:bodyPr/>
+          <a:lstStyle/>
+          <a:p>
+            <a:pPr>
+              <a:defRPr sz="4000" b="1">
+                <a:solidFill>
+                  <a:srgbClr val="2C3E50"/>
+                </a:solidFill>
+              </a:defRPr>
+            </a:pPr>
+            <a:r>
+              <a:t>Presentation Outline</a:t>
+            </a:r>
+          </a:p>
+        </p:txBody>
+      </p:sp>
+      <p:sp>
+        <p:nvSpPr>
+          <p:cNvPr id="3" name="Content Placeholder 2"/>
+          <p:cNvSpPr>
+            <a:spLocks noGrp="1"/>
+          </p:cNvSpPr>
+          <p:nvPr>
+            <p:ph idx="1"/>
+          </p:nvPr>
+        </p:nvSpPr>
+        <p:spPr/>
+        <p:txBody>
+          <a:bodyPr/>
+          <a:lstStyle/>
+          <a:p>
+            <a:pPr>
+              <a:spcAft>
+                <a:spcPts val="1200"/>
+              </a:spcAft>
+              <a:defRPr sz="1800"/>
+            </a:pPr>
+            <a:r>
+              <a:t>Introduction &amp; Motivation</a:t>
+            </a:r>
+          </a:p>
+          <a:p>
+            <a:pPr>
+              <a:spcAft>
+                <a:spcPts val="1200"/>
+              </a:spcAft>
+              <a:defRPr sz="1800"/>
+            </a:pPr>
+            <a:r>
+              <a:t>DIO Algorithm Overview</a:t>
+            </a:r>
+          </a:p>
+          <a:p>
+            <a:pPr>
+              <a:spcAft>
+                <a:spcPts val="1200"/>
+              </a:spcAft>
+              <a:defRPr sz="1800"/>
+            </a:pPr>
+            <a:r>
+              <a:t>Methodology: Nested Optimization</a:t>
+            </a:r>
+          </a:p>
+          <a:p>
+            <a:pPr>
+              <a:spcAft>
+                <a:spcPts val="1200"/>
+              </a:spcAft>
+              <a:defRPr sz="1800"/>
+            </a:pPr>
+            <a:r>
+              <a:t>Medical Classification Results (Breast Cancer)</a:t>
+            </a:r>
+          </a:p>
+          <a:p>
+            <a:pPr>
+              <a:spcAft>
+                <a:spcPts val="1200"/>
+              </a:spcAft>
+              <a:defRPr sz="1800"/>
+            </a:pPr>
+            <a:r>
+              <a:t>Extension to Computer Vision (CIFAR-10)</a:t>
+            </a:r>
+          </a:p>
+          <a:p>
+            <a:pPr>
+              <a:spcAft>
+                <a:spcPts val="1200"/>
+              </a:spcAft>
+              <a:defRPr sz="1800"/>
+            </a:pPr>
+            <a:r>
+              <a:t>Cross-Domain Analysis</a:t>
+            </a:r>
+          </a:p>
+          <a:p>
+            <a:pPr>
+              <a:spcAft>
+                <a:spcPts val="1200"/>
+              </a:spcAft>
+              <a:defRPr sz="1800"/>
+            </a:pPr>
+            <a:r>
+              <a:t>Statistical Validation</a:t>
+            </a:r>
+          </a:p>
+          <a:p>
+            <a:pPr>
+              <a:spcAft>
+                <a:spcPts val="1200"/>
+              </a:spcAft>
+              <a:defRPr sz="1800"/>
+            </a:pPr>
+            <a:r>
+              <a:t>Practical Implications</a:t>
+            </a:r>
+          </a:p>
+          <a:p>
+            <a:pPr>
+              <a:spcAft>
+                <a:spcPts val="1200"/>
+              </a:spcAft>
+              <a:defRPr sz="1800"/>
+            </a:pPr>
+            <a:r>
+              <a:t>Limitations &amp; Future Work</a:t>
+            </a:r>
+          </a:p>
+          <a:p>
+            <a:pPr>
+              <a:spcAft>
+                <a:spcPts val="1200"/>
+              </a:spcAft>
+              <a:defRPr sz="1800"/>
+            </a:pPr>
+            <a:r>
+              <a:t>Conclusions</a:t>
+            </a:r>
+          </a:p>
+        </p:txBody>
+      </p:sp>
+    </p:spTree>
+  </p:cSld>
+  <p:clrMapOvr>
+    <a:masterClrMapping/>
+  </p:clrMapOvr>
+</p:sld>
+</file>
+
+<file path=ppt/slides/slide20.xml><?xml version="1.0" encoding="utf-8"?>
+<p:sld xmlns:a="http://schemas.openxmlformats.org/drawingml/2006/main" xmlns:p="http://schemas.openxmlformats.org/presentationml/2006/main" xmlns:r="http://schemas.openxmlformats.org/officeDocument/2006/relationships">
+  <p:cSld>
+    <p:spTree>
+      <p:nvGrpSpPr>
+        <p:cNvPr id="1" name=""/>
+        <p:cNvGrpSpPr/>
+        <p:nvPr/>
+      </p:nvGrpSpPr>
+      <p:grpSpPr/>
+      <p:sp>
+        <p:nvSpPr>
+          <p:cNvPr id="2" name="Title 1"/>
+          <p:cNvSpPr>
+            <a:spLocks noGrp="1"/>
+          </p:cNvSpPr>
+          <p:nvPr>
+            <p:ph type="title"/>
+          </p:nvPr>
+        </p:nvSpPr>
+        <p:spPr/>
+        <p:txBody>
+          <a:bodyPr/>
+          <a:lstStyle/>
+          <a:p>
+            <a:pPr>
+              <a:defRPr sz="4000" b="1">
+                <a:solidFill>
+                  <a:srgbClr val="2C3E50"/>
+                </a:solidFill>
+              </a:defRPr>
+            </a:pPr>
+            <a:r>
+              <a:t>Three Optimization Approaches Validated</a:t>
+            </a:r>
+          </a:p>
+        </p:txBody>
+      </p:sp>
+      <p:sp>
+        <p:nvSpPr>
+          <p:cNvPr id="3" name="Content Placeholder 2"/>
+          <p:cNvSpPr>
+            <a:spLocks noGrp="1"/>
+          </p:cNvSpPr>
+          <p:nvPr>
+            <p:ph idx="1"/>
+          </p:nvPr>
+        </p:nvSpPr>
+        <p:spPr/>
+        <p:txBody>
+          <a:bodyPr/>
+          <a:lstStyle/>
+          <a:p/>
+        </p:txBody>
+      </p:sp>
+      <p:sp>
+        <p:nvSpPr>
+          <p:cNvPr id="4" name="TextBox 3"/>
+          <p:cNvSpPr txBox="1"/>
+          <p:nvPr/>
+        </p:nvSpPr>
+        <p:spPr>
+          <a:xfrm>
+            <a:off x="457200" y="1828800"/>
+            <a:ext cx="8229600" cy="4114800"/>
+          </a:xfrm>
+          <a:prstGeom prst="rect">
+            <a:avLst/>
+          </a:prstGeom>
+          <a:noFill/>
+        </p:spPr>
+        <p:txBody>
+          <a:bodyPr wrap="square">
+            <a:spAutoFit/>
+          </a:bodyPr>
+          <a:lstStyle/>
+          <a:p>
+            <a:br/>
+            <a:pPr>
+              <a:defRPr sz="1600">
+                <a:latin typeface="Courier New"/>
+              </a:defRPr>
+            </a:pPr>
+            <a:r>
+              <a:t>Approach              Accuracy        Features  Opt.Time  Rank</a:t>
+            </a:r>
+            <a:br/>
+            <a:r>
+              <a:t>───────────────────────────────────────────────────────────────</a:t>
+            </a:r>
+            <a:br/>
+            <a:r>
+              <a:t>DIO-XGBoost          96.34% ±1.23%   17/30     54 sec    #1 🏆</a:t>
+            </a:r>
+            <a:br/>
+            <a:r>
+              <a:t>(Single-Split)       (43% reduction)</a:t>
+            </a:r>
+            <a:br/>
+            <a:br/>
+            <a:r>
+              <a:t>DIO-RF-CV            96.26% ±1.33%   6/30      7.9 hrs   #3</a:t>
+            </a:r>
+            <a:br/>
+            <a:r>
+              <a:t>(CV-Based)           (80% reduction)</a:t>
+            </a:r>
+            <a:br/>
+            <a:br/>
+            <a:r>
+              <a:t>DIO-RF-Single        94.72% ±1.41%   8/30      1 min     #7</a:t>
+            </a:r>
+            <a:br/>
+            <a:r>
+              <a:t>(Initial)            (73% reduction)</a:t>
+            </a:r>
+            <a:br/>
+            <a:r>
+              <a:t>───────────────────────────────────────────────────────────────</a:t>
+            </a:r>
+            <a:br/>
+            <a:br/>
+            <a:r>
+              <a:t>Key Insight: XGBoost achieves BEST OVERALL performance!</a:t>
+            </a:r>
+            <a:br/>
+          </a:p>
+        </p:txBody>
+      </p:sp>
+    </p:spTree>
+  </p:cSld>
+  <p:clrMapOvr>
+    <a:masterClrMapping/>
+  </p:clrMapOvr>
+</p:sld>
+</file>
+
+<file path=ppt/slides/slide21.xml><?xml version="1.0" encoding="utf-8"?>
+<p:sld xmlns:a="http://schemas.openxmlformats.org/drawingml/2006/main" xmlns:p="http://schemas.openxmlformats.org/presentationml/2006/main" xmlns:r="http://schemas.openxmlformats.org/officeDocument/2006/relationships">
+  <p:cSld>
+    <p:spTree>
+      <p:nvGrpSpPr>
+        <p:cNvPr id="1" name=""/>
+        <p:cNvGrpSpPr/>
+        <p:nvPr/>
+      </p:nvGrpSpPr>
+      <p:grpSpPr/>
+      <p:sp>
+        <p:nvSpPr>
+          <p:cNvPr id="2" name="Title 1"/>
+          <p:cNvSpPr>
+            <a:spLocks noGrp="1"/>
+          </p:cNvSpPr>
+          <p:nvPr>
+            <p:ph type="title"/>
+          </p:nvPr>
+        </p:nvSpPr>
+        <p:spPr/>
+        <p:txBody>
+          <a:bodyPr/>
+          <a:lstStyle/>
+          <a:p>
+            <a:pPr>
+              <a:defRPr sz="4000" b="1">
+                <a:solidFill>
+                  <a:srgbClr val="2C3E50"/>
+                </a:solidFill>
+              </a:defRPr>
+            </a:pPr>
+            <a:r>
+              <a:t>What We Discovered: Algorithm-Dependent Behavior</a:t>
+            </a:r>
+          </a:p>
+        </p:txBody>
+      </p:sp>
+      <p:sp>
+        <p:nvSpPr>
+          <p:cNvPr id="3" name="Content Placeholder 2"/>
+          <p:cNvSpPr>
+            <a:spLocks noGrp="1"/>
+          </p:cNvSpPr>
+          <p:nvPr>
+            <p:ph idx="1"/>
+          </p:nvPr>
+        </p:nvSpPr>
+        <p:spPr/>
+        <p:txBody>
+          <a:bodyPr/>
+          <a:lstStyle/>
+          <a:p>
+            <a:pPr>
+              <a:spcAft>
+                <a:spcPts val="1200"/>
+              </a:spcAft>
+              <a:defRPr sz="1800"/>
+            </a:pPr>
+            <a:r>
+              <a:t>🏆 DIO-XGBoost: BEST OVERALL (96.34%, 17 features, Rank #1)</a:t>
+            </a:r>
+          </a:p>
+          <a:p>
+            <a:pPr>
+              <a:spcAft>
+                <a:spcPts val="1200"/>
+              </a:spcAft>
+              <a:defRPr sz="1800"/>
+            </a:pPr>
+            <a:r>
+              <a:t>✓ Lowest standard deviation (1.23%) = Most stable across data partitions</a:t>
+            </a:r>
+          </a:p>
+          <a:p>
+            <a:pPr>
+              <a:spcAft>
+                <a:spcPts val="1200"/>
+              </a:spcAft>
+              <a:defRPr sz="1800"/>
+            </a:pPr>
+            <a:r>
+              <a:t>✓ Remarkably fast: 54-second optimization (526× faster than CV-RF!)</a:t>
+            </a:r>
+          </a:p>
+          <a:p>
+            <a:pPr>
+              <a:spcAft>
+                <a:spcPts val="1200"/>
+              </a:spcAft>
+              <a:defRPr sz="1800"/>
+            </a:pPr>
+            <a:r>
+              <a:t>✓ Significantly better than defaults (p=0.0426)</a:t>
+            </a:r>
+          </a:p>
+          <a:p>
+            <a:pPr>
+              <a:spcAft>
+                <a:spcPts val="1200"/>
+              </a:spcAft>
+              <a:defRPr sz="1800"/>
+            </a:pPr>
+          </a:p>
+          <a:p>
+            <a:pPr>
+              <a:spcAft>
+                <a:spcPts val="1200"/>
+              </a:spcAft>
+              <a:defRPr sz="1800"/>
+            </a:pPr>
+            <a:r>
+              <a:t>🥉 DIO-RF-CV: Maximum Interpretability (96.26%, 6 features, Rank #3)</a:t>
+            </a:r>
+          </a:p>
+          <a:p>
+            <a:pPr>
+              <a:spcAft>
+                <a:spcPts val="1200"/>
+              </a:spcAft>
+              <a:defRPr sz="1800"/>
+            </a:pPr>
+            <a:r>
+              <a:t>✓ 80% feature reduction—highest among all configurations</a:t>
+            </a:r>
+          </a:p>
+          <a:p>
+            <a:pPr>
+              <a:spcAft>
+                <a:spcPts val="1200"/>
+              </a:spcAft>
+              <a:defRPr sz="1800"/>
+            </a:pPr>
+            <a:r>
+              <a:t>✓ Significantly better than defaults (p=0.0084)</a:t>
+            </a:r>
+          </a:p>
+          <a:p>
+            <a:pPr>
+              <a:spcAft>
+                <a:spcPts val="1200"/>
+              </a:spcAft>
+              <a:defRPr sz="1800"/>
+            </a:pPr>
+            <a:r>
+              <a:t>✓ Successfully addresses optimization overfitting</a:t>
+            </a:r>
+          </a:p>
+          <a:p>
+            <a:pPr>
+              <a:spcAft>
+                <a:spcPts val="1200"/>
+              </a:spcAft>
+              <a:defRPr sz="1800"/>
+            </a:pPr>
+          </a:p>
+          <a:p>
+            <a:pPr>
+              <a:spcAft>
+                <a:spcPts val="1200"/>
+              </a:spcAft>
+              <a:defRPr sz="1800"/>
+            </a:pPr>
+            <a:r>
+              <a:t>💡 Unexpected Finding: Optimization Overfitting is Algorithm-Specific</a:t>
+            </a:r>
+          </a:p>
+          <a:p>
+            <a:pPr>
+              <a:spcAft>
+                <a:spcPts val="1200"/>
+              </a:spcAft>
+              <a:defRPr sz="1800"/>
+            </a:pPr>
+            <a:r>
+              <a:t>• RF single-split suffered overfitting (100% train → 94.72% generalization)</a:t>
+            </a:r>
+          </a:p>
+          <a:p>
+            <a:pPr>
+              <a:spcAft>
+                <a:spcPts val="1200"/>
+              </a:spcAft>
+              <a:defRPr sz="1800"/>
+            </a:pPr>
+            <a:r>
+              <a:t>• XGBoost single-split achieved top performance (98.83% → 96.34%)</a:t>
+            </a:r>
+          </a:p>
+          <a:p>
+            <a:pPr>
+              <a:spcAft>
+                <a:spcPts val="1200"/>
+              </a:spcAft>
+              <a:defRPr sz="1800"/>
+            </a:pPr>
+            <a:r>
+              <a:t>• Gradient boosting's built-in regularization eliminates need for expensive CV!</a:t>
+            </a:r>
+          </a:p>
+        </p:txBody>
+      </p:sp>
+    </p:spTree>
+  </p:cSld>
+  <p:clrMapOvr>
+    <a:masterClrMapping/>
+  </p:clrMapOvr>
+</p:sld>
+</file>
+
+<file path=ppt/slides/slide22.xml><?xml version="1.0" encoding="utf-8"?>
 <p:sld xmlns:a="http://schemas.openxmlformats.org/drawingml/2006/main" xmlns:p="http://schemas.openxmlformats.org/presentationml/2006/main" xmlns:r="http://schemas.openxmlformats.org/officeDocument/2006/relationships">
   <p:cSld>
     <p:spTree>
@@ -3906,7 +5078,7 @@
 </p:sld>
 </file>
 
-<file path=ppt/slides/slide15.xml><?xml version="1.0" encoding="utf-8"?>
+<file path=ppt/slides/slide23.xml><?xml version="1.0" encoding="utf-8"?>
 <p:sld xmlns:a="http://schemas.openxmlformats.org/drawingml/2006/main" xmlns:p="http://schemas.openxmlformats.org/presentationml/2006/main" xmlns:r="http://schemas.openxmlformats.org/officeDocument/2006/relationships">
   <p:cSld>
     <p:spTree>
@@ -4024,1863 +5196,6 @@
 </p:sld>
 </file>
 
-<file path=ppt/slides/slide16.xml><?xml version="1.0" encoding="utf-8"?>
-<p:sld xmlns:a="http://schemas.openxmlformats.org/drawingml/2006/main" xmlns:p="http://schemas.openxmlformats.org/presentationml/2006/main" xmlns:r="http://schemas.openxmlformats.org/officeDocument/2006/relationships">
-  <p:cSld>
-    <p:spTree>
-      <p:nvGrpSpPr>
-        <p:cNvPr id="1" name=""/>
-        <p:cNvGrpSpPr/>
-        <p:nvPr/>
-      </p:nvGrpSpPr>
-      <p:grpSpPr/>
-      <p:sp>
-        <p:nvSpPr>
-          <p:cNvPr id="2" name="Title 1"/>
-          <p:cNvSpPr>
-            <a:spLocks noGrp="1"/>
-          </p:cNvSpPr>
-          <p:nvPr>
-            <p:ph type="title"/>
-          </p:nvPr>
-        </p:nvSpPr>
-        <p:spPr/>
-        <p:txBody>
-          <a:bodyPr/>
-          <a:lstStyle/>
-          <a:p>
-            <a:pPr>
-              <a:defRPr sz="4000" b="1">
-                <a:solidFill>
-                  <a:srgbClr val="2C3E50"/>
-                </a:solidFill>
-              </a:defRPr>
-            </a:pPr>
-            <a:r>
-              <a:t>Statistical Validation: All Three Approaches</a:t>
-            </a:r>
-          </a:p>
-        </p:txBody>
-      </p:sp>
-      <p:sp>
-        <p:nvSpPr>
-          <p:cNvPr id="3" name="Content Placeholder 2"/>
-          <p:cNvSpPr>
-            <a:spLocks noGrp="1"/>
-          </p:cNvSpPr>
-          <p:nvPr>
-            <p:ph idx="1"/>
-          </p:nvPr>
-        </p:nvSpPr>
-        <p:spPr/>
-        <p:txBody>
-          <a:bodyPr/>
-          <a:lstStyle/>
-          <a:p/>
-        </p:txBody>
-      </p:sp>
-      <p:sp>
-        <p:nvSpPr>
-          <p:cNvPr id="4" name="TextBox 3"/>
-          <p:cNvSpPr txBox="1"/>
-          <p:nvPr/>
-        </p:nvSpPr>
-        <p:spPr>
-          <a:xfrm>
-            <a:off x="731520" y="1828800"/>
-            <a:ext cx="7680960" cy="4114800"/>
-          </a:xfrm>
-          <a:prstGeom prst="rect">
-            <a:avLst/>
-          </a:prstGeom>
-          <a:noFill/>
-        </p:spPr>
-        <p:txBody>
-          <a:bodyPr wrap="none">
-            <a:spAutoFit/>
-          </a:bodyPr>
-          <a:lstStyle/>
-          <a:p>
-            <a:pPr>
-              <a:defRPr sz="2200" b="1"/>
-            </a:pPr>
-            <a:r>
-              <a:t>Wilcoxon Signed-Rank Test Results:</a:t>
-            </a:r>
-          </a:p>
-          <a:p>
-            <a:pPr>
-              <a:spcAft>
-                <a:spcPts val="400"/>
-              </a:spcAft>
-              <a:defRPr sz="1500"/>
-            </a:pPr>
-          </a:p>
-          <a:p>
-            <a:pPr>
-              <a:spcAft>
-                <a:spcPts val="400"/>
-              </a:spcAft>
-              <a:defRPr sz="1500"/>
-            </a:pPr>
-            <a:r>
-              <a:t>DIO-XGBoost-Optimized (BEST - Rank #1):</a:t>
-            </a:r>
-          </a:p>
-          <a:p>
-            <a:pPr>
-              <a:spcAft>
-                <a:spcPts val="400"/>
-              </a:spcAft>
-              <a:defRPr sz="1500"/>
-            </a:pPr>
-            <a:r>
-              <a:t>  • vs. XGBoost defaults: p=0.0426 (*) ✓</a:t>
-            </a:r>
-          </a:p>
-          <a:p>
-            <a:pPr>
-              <a:spcAft>
-                <a:spcPts val="400"/>
-              </a:spcAft>
-              <a:defRPr sz="1500"/>
-            </a:pPr>
-            <a:r>
-              <a:t>  • vs. XGBoost (All): p=0.5067 (ns) - equivalent with 43% fewer features!</a:t>
-            </a:r>
-          </a:p>
-          <a:p>
-            <a:pPr>
-              <a:spcAft>
-                <a:spcPts val="400"/>
-              </a:spcAft>
-              <a:defRPr sz="1500"/>
-            </a:pPr>
-            <a:r>
-              <a:t>  • vs. SVM/KNN/NB: p&lt;0.001 (***) ✓✓✓</a:t>
-            </a:r>
-          </a:p>
-          <a:p>
-            <a:pPr>
-              <a:spcAft>
-                <a:spcPts val="400"/>
-              </a:spcAft>
-              <a:defRPr sz="1500"/>
-            </a:pPr>
-          </a:p>
-          <a:p>
-            <a:pPr>
-              <a:spcAft>
-                <a:spcPts val="400"/>
-              </a:spcAft>
-              <a:defRPr sz="1500"/>
-            </a:pPr>
-            <a:r>
-              <a:t>DIO-RF-CV-Optimized (Rank #3):</a:t>
-            </a:r>
-          </a:p>
-          <a:p>
-            <a:pPr>
-              <a:spcAft>
-                <a:spcPts val="400"/>
-              </a:spcAft>
-              <a:defRPr sz="1500"/>
-            </a:pPr>
-            <a:r>
-              <a:t>  • vs. RF defaults (6 feat): p=0.0084 (**) ✓✓</a:t>
-            </a:r>
-          </a:p>
-          <a:p>
-            <a:pPr>
-              <a:spcAft>
-                <a:spcPts val="400"/>
-              </a:spcAft>
-              <a:defRPr sz="1500"/>
-            </a:pPr>
-            <a:r>
-              <a:t>  • vs. RF (All): p=0.0553 (ns) - comparable with 80% fewer features!</a:t>
-            </a:r>
-          </a:p>
-          <a:p>
-            <a:pPr>
-              <a:spcAft>
-                <a:spcPts val="400"/>
-              </a:spcAft>
-              <a:defRPr sz="1500"/>
-            </a:pPr>
-            <a:r>
-              <a:t>  • vs. SVM: p&lt;0.001 (***) ✓✓✓</a:t>
-            </a:r>
-          </a:p>
-          <a:p>
-            <a:pPr>
-              <a:spcAft>
-                <a:spcPts val="400"/>
-              </a:spcAft>
-              <a:defRPr sz="1500"/>
-            </a:pPr>
-          </a:p>
-          <a:p>
-            <a:pPr>
-              <a:spcAft>
-                <a:spcPts val="400"/>
-              </a:spcAft>
-              <a:defRPr sz="1500"/>
-            </a:pPr>
-            <a:r>
-              <a:t>DIO-RF-Single (Rank #7 - optimization overfitting issue):</a:t>
-            </a:r>
-          </a:p>
-          <a:p>
-            <a:pPr>
-              <a:spcAft>
-                <a:spcPts val="400"/>
-              </a:spcAft>
-              <a:defRPr sz="1500"/>
-            </a:pPr>
-            <a:r>
-              <a:t>  • vs. RF defaults (8 feat): p=0.165 (ns) - generalization problem</a:t>
-            </a:r>
-          </a:p>
-          <a:p>
-            <a:pPr>
-              <a:spcAft>
-                <a:spcPts val="400"/>
-              </a:spcAft>
-              <a:defRPr sz="1500"/>
-            </a:pPr>
-            <a:r>
-              <a:t>  • vs. SVM/KNN: p&lt;0.001 (***) ✓✓✓</a:t>
-            </a:r>
-          </a:p>
-        </p:txBody>
-      </p:sp>
-    </p:spTree>
-  </p:cSld>
-  <p:clrMapOvr>
-    <a:masterClrMapping/>
-  </p:clrMapOvr>
-</p:sld>
-</file>
-
-<file path=ppt/slides/slide17.xml><?xml version="1.0" encoding="utf-8"?>
-<p:sld xmlns:a="http://schemas.openxmlformats.org/drawingml/2006/main" xmlns:p="http://schemas.openxmlformats.org/presentationml/2006/main" xmlns:r="http://schemas.openxmlformats.org/officeDocument/2006/relationships">
-  <p:cSld>
-    <p:spTree>
-      <p:nvGrpSpPr>
-        <p:cNvPr id="1" name=""/>
-        <p:cNvGrpSpPr/>
-        <p:nvPr/>
-      </p:nvGrpSpPr>
-      <p:grpSpPr/>
-      <p:sp>
-        <p:nvSpPr>
-          <p:cNvPr id="2" name="Title 1"/>
-          <p:cNvSpPr>
-            <a:spLocks noGrp="1"/>
-          </p:cNvSpPr>
-          <p:nvPr>
-            <p:ph type="title"/>
-          </p:nvPr>
-        </p:nvSpPr>
-        <p:spPr/>
-        <p:txBody>
-          <a:bodyPr/>
-          <a:lstStyle/>
-          <a:p>
-            <a:pPr>
-              <a:defRPr sz="4000" b="1">
-                <a:solidFill>
-                  <a:srgbClr val="2C3E50"/>
-                </a:solidFill>
-              </a:defRPr>
-            </a:pPr>
-            <a:r>
-              <a:t>Pareto Frontier: Three Validated Solutions</a:t>
-            </a:r>
-          </a:p>
-        </p:txBody>
-      </p:sp>
-      <p:sp>
-        <p:nvSpPr>
-          <p:cNvPr id="3" name="Content Placeholder 2"/>
-          <p:cNvSpPr>
-            <a:spLocks noGrp="1"/>
-          </p:cNvSpPr>
-          <p:nvPr>
-            <p:ph idx="1"/>
-          </p:nvPr>
-        </p:nvSpPr>
-        <p:spPr/>
-        <p:txBody>
-          <a:bodyPr/>
-          <a:lstStyle/>
-          <a:p/>
-        </p:txBody>
-      </p:sp>
-      <p:sp>
-        <p:nvSpPr>
-          <p:cNvPr id="4" name="TextBox 3"/>
-          <p:cNvSpPr txBox="1"/>
-          <p:nvPr/>
-        </p:nvSpPr>
-        <p:spPr>
-          <a:xfrm>
-            <a:off x="731520" y="1828800"/>
-            <a:ext cx="7680960" cy="4114800"/>
-          </a:xfrm>
-          <a:prstGeom prst="rect">
-            <a:avLst/>
-          </a:prstGeom>
-          <a:noFill/>
-        </p:spPr>
-        <p:txBody>
-          <a:bodyPr wrap="none">
-            <a:spAutoFit/>
-          </a:bodyPr>
-          <a:lstStyle/>
-          <a:p>
-            <a:pPr>
-              <a:defRPr sz="2400" b="1">
-                <a:solidFill>
-                  <a:srgbClr val="2ECC71"/>
-                </a:solidFill>
-              </a:defRPr>
-            </a:pPr>
-            <a:r>
-              <a:t>Three Pareto-Optimal Solutions for Different Priorities:</a:t>
-            </a:r>
-          </a:p>
-          <a:p>
-            <a:pPr>
-              <a:spcAft>
-                <a:spcPts val="400"/>
-              </a:spcAft>
-              <a:defRPr sz="1600"/>
-            </a:pPr>
-          </a:p>
-          <a:p>
-            <a:pPr>
-              <a:spcAft>
-                <a:spcPts val="400"/>
-              </a:spcAft>
-              <a:defRPr sz="1600"/>
-            </a:pPr>
-            <a:r>
-              <a:t>🏆 Maximum Accuracy: DIO-XGBoost (96.34%, 17 features)</a:t>
-            </a:r>
-          </a:p>
-          <a:p>
-            <a:pPr>
-              <a:spcAft>
-                <a:spcPts val="400"/>
-              </a:spcAft>
-              <a:defRPr sz="1600"/>
-            </a:pPr>
-            <a:r>
-              <a:t>  • Best overall performance across ALL experiments</a:t>
-            </a:r>
-          </a:p>
-          <a:p>
-            <a:pPr>
-              <a:spcAft>
-                <a:spcPts val="400"/>
-              </a:spcAft>
-              <a:defRPr sz="1600"/>
-            </a:pPr>
-            <a:r>
-              <a:t>  • Lowest variance (1.23%) = Most stable predictions</a:t>
-            </a:r>
-          </a:p>
-          <a:p>
-            <a:pPr>
-              <a:spcAft>
-                <a:spcPts val="400"/>
-              </a:spcAft>
-              <a:defRPr sz="1600"/>
-            </a:pPr>
-            <a:r>
-              <a:t>  • Fast optimization (54 seconds)</a:t>
-            </a:r>
-          </a:p>
-          <a:p>
-            <a:pPr>
-              <a:spcAft>
-                <a:spcPts val="400"/>
-              </a:spcAft>
-              <a:defRPr sz="1600"/>
-            </a:pPr>
-            <a:r>
-              <a:t>  • Choose when: Accuracy is paramount</a:t>
-            </a:r>
-          </a:p>
-          <a:p>
-            <a:pPr>
-              <a:spcAft>
-                <a:spcPts val="400"/>
-              </a:spcAft>
-              <a:defRPr sz="1600"/>
-            </a:pPr>
-          </a:p>
-          <a:p>
-            <a:pPr>
-              <a:spcAft>
-                <a:spcPts val="400"/>
-              </a:spcAft>
-              <a:defRPr sz="1600"/>
-            </a:pPr>
-            <a:r>
-              <a:t>🎯 Maximum Interpretability: DIO-RF-CV (96.26%, 6 features)</a:t>
-            </a:r>
-          </a:p>
-          <a:p>
-            <a:pPr>
-              <a:spcAft>
-                <a:spcPts val="400"/>
-              </a:spcAft>
-              <a:defRPr sz="1600"/>
-            </a:pPr>
-            <a:r>
-              <a:t>  • Highest feature reduction (80%)</a:t>
-            </a:r>
-          </a:p>
-          <a:p>
-            <a:pPr>
-              <a:spcAft>
-                <a:spcPts val="400"/>
-              </a:spcAft>
-              <a:defRPr sz="1600"/>
-            </a:pPr>
-            <a:r>
-              <a:t>  • Near-maximum accuracy with minimal complexity</a:t>
-            </a:r>
-          </a:p>
-          <a:p>
-            <a:pPr>
-              <a:spcAft>
-                <a:spcPts val="400"/>
-              </a:spcAft>
-              <a:defRPr sz="1600"/>
-            </a:pPr>
-            <a:r>
-              <a:t>  • Choose when: Clinical transparency critical</a:t>
-            </a:r>
-          </a:p>
-          <a:p>
-            <a:pPr>
-              <a:spcAft>
-                <a:spcPts val="400"/>
-              </a:spcAft>
-              <a:defRPr sz="1600"/>
-            </a:pPr>
-          </a:p>
-          <a:p>
-            <a:pPr>
-              <a:spcAft>
-                <a:spcPts val="400"/>
-              </a:spcAft>
-              <a:defRPr sz="1600"/>
-            </a:pPr>
-            <a:r>
-              <a:t>⚡ Rapid Prototyping: DIO-RF-Single (94.72%, 8 features)</a:t>
-            </a:r>
-          </a:p>
-          <a:p>
-            <a:pPr>
-              <a:spcAft>
-                <a:spcPts val="400"/>
-              </a:spcAft>
-              <a:defRPr sz="1600"/>
-            </a:pPr>
-            <a:r>
-              <a:t>  • 1-minute optimization time</a:t>
-            </a:r>
-          </a:p>
-          <a:p>
-            <a:pPr>
-              <a:spcAft>
-                <a:spcPts val="400"/>
-              </a:spcAft>
-              <a:defRPr sz="1600"/>
-            </a:pPr>
-            <a:r>
-              <a:t>  • Demonstrates optimization overfitting issue</a:t>
-            </a:r>
-          </a:p>
-          <a:p>
-            <a:pPr>
-              <a:spcAft>
-                <a:spcPts val="400"/>
-              </a:spcAft>
-              <a:defRPr sz="1600"/>
-            </a:pPr>
-            <a:r>
-              <a:t>  • Choose when: Quick baseline needed</a:t>
-            </a:r>
-          </a:p>
-        </p:txBody>
-      </p:sp>
-    </p:spTree>
-  </p:cSld>
-  <p:clrMapOvr>
-    <a:masterClrMapping/>
-  </p:clrMapOvr>
-</p:sld>
-</file>
-
-<file path=ppt/slides/slide18.xml><?xml version="1.0" encoding="utf-8"?>
-<p:sld xmlns:a="http://schemas.openxmlformats.org/drawingml/2006/main" xmlns:p="http://schemas.openxmlformats.org/presentationml/2006/main" xmlns:r="http://schemas.openxmlformats.org/officeDocument/2006/relationships">
-  <p:cSld>
-    <p:spTree>
-      <p:nvGrpSpPr>
-        <p:cNvPr id="1" name=""/>
-        <p:cNvGrpSpPr/>
-        <p:nvPr/>
-      </p:nvGrpSpPr>
-      <p:grpSpPr/>
-      <p:sp>
-        <p:nvSpPr>
-          <p:cNvPr id="2" name="Title 1"/>
-          <p:cNvSpPr>
-            <a:spLocks noGrp="1"/>
-          </p:cNvSpPr>
-          <p:nvPr>
-            <p:ph type="title"/>
-          </p:nvPr>
-        </p:nvSpPr>
-        <p:spPr/>
-        <p:txBody>
-          <a:bodyPr/>
-          <a:lstStyle/>
-          <a:p>
-            <a:pPr>
-              <a:defRPr sz="4000" b="1">
-                <a:solidFill>
-                  <a:srgbClr val="2C3E50"/>
-                </a:solidFill>
-              </a:defRPr>
-            </a:pPr>
-            <a:r>
-              <a:t>Clinical Deployment: Choose Your Model</a:t>
-            </a:r>
-          </a:p>
-        </p:txBody>
-      </p:sp>
-      <p:sp>
-        <p:nvSpPr>
-          <p:cNvPr id="3" name="Content Placeholder 2"/>
-          <p:cNvSpPr>
-            <a:spLocks noGrp="1"/>
-          </p:cNvSpPr>
-          <p:nvPr>
-            <p:ph idx="1"/>
-          </p:nvPr>
-        </p:nvSpPr>
-        <p:spPr/>
-        <p:txBody>
-          <a:bodyPr/>
-          <a:lstStyle/>
-          <a:p>
-            <a:pPr>
-              <a:spcAft>
-                <a:spcPts val="1200"/>
-              </a:spcAft>
-              <a:defRPr sz="1800"/>
-            </a:pPr>
-            <a:r>
-              <a:t>🏆 Choose DIO-XGBoost (96.34%, 17 features) if:</a:t>
-            </a:r>
-          </a:p>
-          <a:p>
-            <a:pPr lvl="1">
-              <a:defRPr sz="1600"/>
-            </a:pPr>
-            <a:r>
-              <a:t>Maximum accuracy is critical (e.g., high-stakes screening)</a:t>
-            </a:r>
-          </a:p>
-          <a:p>
-            <a:pPr lvl="1">
-              <a:defRPr sz="1600"/>
-            </a:pPr>
-            <a:r>
-              <a:t>Computational resources available</a:t>
-            </a:r>
-          </a:p>
-          <a:p>
-            <a:pPr lvl="1">
-              <a:defRPr sz="1600"/>
-            </a:pPr>
-            <a:r>
-              <a:t>43% feature reduction still provides efficiency gains</a:t>
-            </a:r>
-          </a:p>
-          <a:p>
-            <a:pPr>
-              <a:defRPr sz="1800" b="1"/>
-            </a:pPr>
-            <a:r>
-              <a:t>🎯 Choose DIO-RF-CV (96.26%, 6 features) if:</a:t>
-            </a:r>
-          </a:p>
-          <a:p>
-            <a:pPr lvl="1">
-              <a:defRPr sz="1600"/>
-            </a:pPr>
-            <a:r>
-              <a:t>Clinical interpretability paramount (only 6 measurements)</a:t>
-            </a:r>
-          </a:p>
-          <a:p>
-            <a:pPr lvl="1">
-              <a:defRPr sz="1600"/>
-            </a:pPr>
-            <a:r>
-              <a:t>Resource-constrained environments (80% cost reduction)</a:t>
-            </a:r>
-          </a:p>
-          <a:p>
-            <a:pPr lvl="1">
-              <a:defRPr sz="1600"/>
-            </a:pPr>
-            <a:r>
-              <a:t>Near-maximum accuracy (only 0.08% less than XGBoost)</a:t>
-            </a:r>
-          </a:p>
-          <a:p>
-            <a:pPr>
-              <a:defRPr sz="1800" b="1"/>
-            </a:pPr>
-            <a:r>
-              <a:t>⚡ Choose DIO-RF-Single (94.72%, 8 features) if:</a:t>
-            </a:r>
-          </a:p>
-          <a:p>
-            <a:pPr lvl="1">
-              <a:defRPr sz="1600"/>
-            </a:pPr>
-            <a:r>
-              <a:t>Rapid prototyping needed (1-minute optimization)</a:t>
-            </a:r>
-          </a:p>
-          <a:p>
-            <a:pPr lvl="1">
-              <a:defRPr sz="1600"/>
-            </a:pPr>
-            <a:r>
-              <a:t>Lower accuracy acceptable for initial screening</a:t>
-            </a:r>
-          </a:p>
-        </p:txBody>
-      </p:sp>
-    </p:spTree>
-  </p:cSld>
-  <p:clrMapOvr>
-    <a:masterClrMapping/>
-  </p:clrMapOvr>
-</p:sld>
-</file>
-
-<file path=ppt/slides/slide19.xml><?xml version="1.0" encoding="utf-8"?>
-<p:sld xmlns:a="http://schemas.openxmlformats.org/drawingml/2006/main" xmlns:p="http://schemas.openxmlformats.org/presentationml/2006/main" xmlns:r="http://schemas.openxmlformats.org/officeDocument/2006/relationships">
-  <p:cSld>
-    <p:spTree>
-      <p:nvGrpSpPr>
-        <p:cNvPr id="1" name=""/>
-        <p:cNvGrpSpPr/>
-        <p:nvPr/>
-      </p:nvGrpSpPr>
-      <p:grpSpPr/>
-      <p:sp>
-        <p:nvSpPr>
-          <p:cNvPr id="2" name="Title 1"/>
-          <p:cNvSpPr>
-            <a:spLocks noGrp="1"/>
-          </p:cNvSpPr>
-          <p:nvPr>
-            <p:ph type="title"/>
-          </p:nvPr>
-        </p:nvSpPr>
-        <p:spPr/>
-        <p:txBody>
-          <a:bodyPr/>
-          <a:lstStyle/>
-          <a:p>
-            <a:pPr>
-              <a:defRPr sz="4000" b="1">
-                <a:solidFill>
-                  <a:srgbClr val="2C3E50"/>
-                </a:solidFill>
-              </a:defRPr>
-            </a:pPr>
-            <a:r>
-              <a:t>Extension to Computer Vision: CIFAR-10</a:t>
-            </a:r>
-          </a:p>
-        </p:txBody>
-      </p:sp>
-      <p:sp>
-        <p:nvSpPr>
-          <p:cNvPr id="3" name="Content Placeholder 2"/>
-          <p:cNvSpPr>
-            <a:spLocks noGrp="1"/>
-          </p:cNvSpPr>
-          <p:nvPr>
-            <p:ph idx="1"/>
-          </p:nvPr>
-        </p:nvSpPr>
-        <p:spPr/>
-        <p:txBody>
-          <a:bodyPr/>
-          <a:lstStyle/>
-          <a:p>
-            <a:pPr>
-              <a:spcAft>
-                <a:spcPts val="1200"/>
-              </a:spcAft>
-              <a:defRPr sz="1800"/>
-            </a:pPr>
-            <a:r>
-              <a:t>🎯 Goal: Validate DIO generalizability across domains</a:t>
-            </a:r>
-          </a:p>
-          <a:p>
-            <a:pPr>
-              <a:spcAft>
-                <a:spcPts val="1200"/>
-              </a:spcAft>
-              <a:defRPr sz="1800"/>
-            </a:pPr>
-          </a:p>
-          <a:p>
-            <a:pPr>
-              <a:spcAft>
-                <a:spcPts val="1200"/>
-              </a:spcAft>
-              <a:defRPr sz="1800"/>
-            </a:pPr>
-            <a:r>
-              <a:t>Dataset: CIFAR-10 (60K images, 10 classes)</a:t>
-            </a:r>
-          </a:p>
-          <a:p>
-            <a:pPr>
-              <a:spcAft>
-                <a:spcPts val="1200"/>
-              </a:spcAft>
-              <a:defRPr sz="1800"/>
-            </a:pPr>
-            <a:r>
-              <a:t>  • Full dataset: 50K train, 10K test</a:t>
-            </a:r>
-          </a:p>
-          <a:p>
-            <a:pPr>
-              <a:spcAft>
-                <a:spcPts val="1200"/>
-              </a:spcAft>
-              <a:defRPr sz="1800"/>
-            </a:pPr>
-            <a:r>
-              <a:t>  • Optimization subset: 2K train, 500 test (stratified)</a:t>
-            </a:r>
-          </a:p>
-          <a:p>
-            <a:pPr>
-              <a:spcAft>
-                <a:spcPts val="1200"/>
-              </a:spcAft>
-              <a:defRPr sz="1800"/>
-            </a:pPr>
-          </a:p>
-          <a:p>
-            <a:pPr>
-              <a:spcAft>
-                <a:spcPts val="1200"/>
-              </a:spcAft>
-              <a:defRPr sz="1800"/>
-            </a:pPr>
-            <a:r>
-              <a:t>Feature Extraction: ResNet50 (pre-trained ImageNet)</a:t>
-            </a:r>
-          </a:p>
-          <a:p>
-            <a:pPr>
-              <a:spcAft>
-                <a:spcPts val="1200"/>
-              </a:spcAft>
-              <a:defRPr sz="1800"/>
-            </a:pPr>
-            <a:r>
-              <a:t>  • 2048-D deep learning features (68× larger than medical data)</a:t>
-            </a:r>
-          </a:p>
-          <a:p>
-            <a:pPr>
-              <a:spcAft>
-                <a:spcPts val="1200"/>
-              </a:spcAft>
-              <a:defRPr sz="1800"/>
-            </a:pPr>
-            <a:r>
-              <a:t>  • Google Colab GPU extraction (~15 min)</a:t>
-            </a:r>
-          </a:p>
-          <a:p>
-            <a:pPr>
-              <a:spcAft>
-                <a:spcPts val="1200"/>
-              </a:spcAft>
-              <a:defRPr sz="1800"/>
-            </a:pPr>
-          </a:p>
-          <a:p>
-            <a:pPr>
-              <a:spcAft>
-                <a:spcPts val="1200"/>
-              </a:spcAft>
-              <a:defRPr sz="1800"/>
-            </a:pPr>
-            <a:r>
-              <a:t>Challenge: High-dimensional optimization (30-D → 2048-D)</a:t>
-            </a:r>
-          </a:p>
-          <a:p>
-            <a:pPr>
-              <a:spcAft>
-                <a:spcPts val="1200"/>
-              </a:spcAft>
-              <a:defRPr sz="1800"/>
-            </a:pPr>
-            <a:r>
-              <a:t>  • Test DIO scalability</a:t>
-            </a:r>
-          </a:p>
-          <a:p>
-            <a:pPr>
-              <a:spcAft>
-                <a:spcPts val="1200"/>
-              </a:spcAft>
-              <a:defRPr sz="1800"/>
-            </a:pPr>
-            <a:r>
-              <a:t>  • Validate algorithm selection methodology</a:t>
-            </a:r>
-          </a:p>
-        </p:txBody>
-      </p:sp>
-    </p:spTree>
-  </p:cSld>
-  <p:clrMapOvr>
-    <a:masterClrMapping/>
-  </p:clrMapOvr>
-</p:sld>
-</file>
-
-<file path=ppt/slides/slide2.xml><?xml version="1.0" encoding="utf-8"?>
-<p:sld xmlns:a="http://schemas.openxmlformats.org/drawingml/2006/main" xmlns:p="http://schemas.openxmlformats.org/presentationml/2006/main" xmlns:r="http://schemas.openxmlformats.org/officeDocument/2006/relationships">
-  <p:cSld>
-    <p:spTree>
-      <p:nvGrpSpPr>
-        <p:cNvPr id="1" name=""/>
-        <p:cNvGrpSpPr/>
-        <p:nvPr/>
-      </p:nvGrpSpPr>
-      <p:grpSpPr/>
-      <p:sp>
-        <p:nvSpPr>
-          <p:cNvPr id="2" name="Title 1"/>
-          <p:cNvSpPr>
-            <a:spLocks noGrp="1"/>
-          </p:cNvSpPr>
-          <p:nvPr>
-            <p:ph type="title"/>
-          </p:nvPr>
-        </p:nvSpPr>
-        <p:spPr/>
-        <p:txBody>
-          <a:bodyPr/>
-          <a:lstStyle/>
-          <a:p>
-            <a:pPr>
-              <a:defRPr sz="4000" b="1">
-                <a:solidFill>
-                  <a:srgbClr val="2C3E50"/>
-                </a:solidFill>
-              </a:defRPr>
-            </a:pPr>
-            <a:r>
-              <a:t>Presentation Outline</a:t>
-            </a:r>
-          </a:p>
-        </p:txBody>
-      </p:sp>
-      <p:sp>
-        <p:nvSpPr>
-          <p:cNvPr id="3" name="Content Placeholder 2"/>
-          <p:cNvSpPr>
-            <a:spLocks noGrp="1"/>
-          </p:cNvSpPr>
-          <p:nvPr>
-            <p:ph idx="1"/>
-          </p:nvPr>
-        </p:nvSpPr>
-        <p:spPr/>
-        <p:txBody>
-          <a:bodyPr/>
-          <a:lstStyle/>
-          <a:p>
-            <a:pPr>
-              <a:spcAft>
-                <a:spcPts val="1200"/>
-              </a:spcAft>
-              <a:defRPr sz="1800"/>
-            </a:pPr>
-            <a:r>
-              <a:t>Introduction &amp; Motivation</a:t>
-            </a:r>
-          </a:p>
-          <a:p>
-            <a:pPr>
-              <a:spcAft>
-                <a:spcPts val="1200"/>
-              </a:spcAft>
-              <a:defRPr sz="1800"/>
-            </a:pPr>
-            <a:r>
-              <a:t>DIO Algorithm Overview</a:t>
-            </a:r>
-          </a:p>
-          <a:p>
-            <a:pPr>
-              <a:spcAft>
-                <a:spcPts val="1200"/>
-              </a:spcAft>
-              <a:defRPr sz="1800"/>
-            </a:pPr>
-            <a:r>
-              <a:t>Methodology: Nested Optimization</a:t>
-            </a:r>
-          </a:p>
-          <a:p>
-            <a:pPr>
-              <a:spcAft>
-                <a:spcPts val="1200"/>
-              </a:spcAft>
-              <a:defRPr sz="1800"/>
-            </a:pPr>
-            <a:r>
-              <a:t>Medical Classification Results (Breast Cancer)</a:t>
-            </a:r>
-          </a:p>
-          <a:p>
-            <a:pPr>
-              <a:spcAft>
-                <a:spcPts val="1200"/>
-              </a:spcAft>
-              <a:defRPr sz="1800"/>
-            </a:pPr>
-            <a:r>
-              <a:t>Extension to Computer Vision (CIFAR-10)</a:t>
-            </a:r>
-          </a:p>
-          <a:p>
-            <a:pPr>
-              <a:spcAft>
-                <a:spcPts val="1200"/>
-              </a:spcAft>
-              <a:defRPr sz="1800"/>
-            </a:pPr>
-            <a:r>
-              <a:t>Cross-Domain Analysis</a:t>
-            </a:r>
-          </a:p>
-          <a:p>
-            <a:pPr>
-              <a:spcAft>
-                <a:spcPts val="1200"/>
-              </a:spcAft>
-              <a:defRPr sz="1800"/>
-            </a:pPr>
-            <a:r>
-              <a:t>Statistical Validation</a:t>
-            </a:r>
-          </a:p>
-          <a:p>
-            <a:pPr>
-              <a:spcAft>
-                <a:spcPts val="1200"/>
-              </a:spcAft>
-              <a:defRPr sz="1800"/>
-            </a:pPr>
-            <a:r>
-              <a:t>Practical Implications</a:t>
-            </a:r>
-          </a:p>
-          <a:p>
-            <a:pPr>
-              <a:spcAft>
-                <a:spcPts val="1200"/>
-              </a:spcAft>
-              <a:defRPr sz="1800"/>
-            </a:pPr>
-            <a:r>
-              <a:t>Limitations &amp; Future Work</a:t>
-            </a:r>
-          </a:p>
-          <a:p>
-            <a:pPr>
-              <a:spcAft>
-                <a:spcPts val="1200"/>
-              </a:spcAft>
-              <a:defRPr sz="1800"/>
-            </a:pPr>
-            <a:r>
-              <a:t>Conclusions</a:t>
-            </a:r>
-          </a:p>
-        </p:txBody>
-      </p:sp>
-    </p:spTree>
-  </p:cSld>
-  <p:clrMapOvr>
-    <a:masterClrMapping/>
-  </p:clrMapOvr>
-</p:sld>
-</file>
-
-<file path=ppt/slides/slide20.xml><?xml version="1.0" encoding="utf-8"?>
-<p:sld xmlns:a="http://schemas.openxmlformats.org/drawingml/2006/main" xmlns:p="http://schemas.openxmlformats.org/presentationml/2006/main" xmlns:r="http://schemas.openxmlformats.org/officeDocument/2006/relationships">
-  <p:cSld>
-    <p:spTree>
-      <p:nvGrpSpPr>
-        <p:cNvPr id="1" name=""/>
-        <p:cNvGrpSpPr/>
-        <p:nvPr/>
-      </p:nvGrpSpPr>
-      <p:grpSpPr/>
-      <p:sp>
-        <p:nvSpPr>
-          <p:cNvPr id="2" name="Title 1"/>
-          <p:cNvSpPr>
-            <a:spLocks noGrp="1"/>
-          </p:cNvSpPr>
-          <p:nvPr>
-            <p:ph type="title"/>
-          </p:nvPr>
-        </p:nvSpPr>
-        <p:spPr/>
-        <p:txBody>
-          <a:bodyPr/>
-          <a:lstStyle/>
-          <a:p>
-            <a:pPr>
-              <a:defRPr sz="4000" b="1">
-                <a:solidFill>
-                  <a:srgbClr val="2C3E50"/>
-                </a:solidFill>
-              </a:defRPr>
-            </a:pPr>
-            <a:r>
-              <a:t>CIFAR-10: Model Selection Results</a:t>
-            </a:r>
-          </a:p>
-        </p:txBody>
-      </p:sp>
-      <p:sp>
-        <p:nvSpPr>
-          <p:cNvPr id="3" name="Content Placeholder 2"/>
-          <p:cNvSpPr>
-            <a:spLocks noGrp="1"/>
-          </p:cNvSpPr>
-          <p:nvPr>
-            <p:ph idx="1"/>
-          </p:nvPr>
-        </p:nvSpPr>
-        <p:spPr/>
-        <p:txBody>
-          <a:bodyPr/>
-          <a:lstStyle/>
-          <a:p/>
-        </p:txBody>
-      </p:sp>
-      <p:sp>
-        <p:nvSpPr>
-          <p:cNvPr id="4" name="TextBox 3"/>
-          <p:cNvSpPr txBox="1"/>
-          <p:nvPr/>
-        </p:nvSpPr>
-        <p:spPr>
-          <a:xfrm>
-            <a:off x="1828800" y="2011680"/>
-            <a:ext cx="5486400" cy="3657600"/>
-          </a:xfrm>
-          <a:prstGeom prst="rect">
-            <a:avLst/>
-          </a:prstGeom>
-          <a:noFill/>
-        </p:spPr>
-        <p:txBody>
-          <a:bodyPr wrap="none">
-            <a:spAutoFit/>
-          </a:bodyPr>
-          <a:lstStyle/>
-          <a:p>
-            <a:br/>
-            <a:pPr>
-              <a:defRPr sz="1600">
-                <a:latin typeface="Courier New"/>
-              </a:defRPr>
-            </a:pPr>
-            <a:r>
-              <a:t>Full Dataset Comparison (50K train, 10K test):</a:t>
-            </a:r>
-            <a:br/>
-            <a:r>
-              <a:t>═══════════════════════════════════════════════</a:t>
-            </a:r>
-            <a:br/>
-            <a:br/>
-            <a:r>
-              <a:t>Algorithm          Accuracy    Features</a:t>
-            </a:r>
-            <a:br/>
-            <a:r>
-              <a:t>────────────────────────────────────────────</a:t>
-            </a:r>
-            <a:br/>
-            <a:r>
-              <a:t>XGBoost            85.0%       2048    ✅</a:t>
-            </a:r>
-            <a:br/>
-            <a:r>
-              <a:t>Random Forest      ~72%        2048</a:t>
-            </a:r>
-            <a:br/>
-            <a:r>
-              <a:t>Logistic Reg.      ~60%        2048</a:t>
-            </a:r>
-            <a:br/>
-            <a:r>
-              <a:t>KNN                ~57%        2048</a:t>
-            </a:r>
-            <a:br/>
-            <a:r>
-              <a:t>────────────────────────────────────────────</a:t>
-            </a:r>
-            <a:br/>
-            <a:br/>
-            <a:r>
-              <a:t>Selection: XGBoost (best baseline performance)</a:t>
-            </a:r>
-            <a:br/>
-            <a:br/>
-            <a:r>
-              <a:t>Next: DIO optimization on 2K subset for feasibility</a:t>
-            </a:r>
-            <a:br/>
-          </a:p>
-        </p:txBody>
-      </p:sp>
-    </p:spTree>
-  </p:cSld>
-  <p:clrMapOvr>
-    <a:masterClrMapping/>
-  </p:clrMapOvr>
-</p:sld>
-</file>
-
-<file path=ppt/slides/slide21.xml><?xml version="1.0" encoding="utf-8"?>
-<p:sld xmlns:a="http://schemas.openxmlformats.org/drawingml/2006/main" xmlns:p="http://schemas.openxmlformats.org/presentationml/2006/main" xmlns:r="http://schemas.openxmlformats.org/officeDocument/2006/relationships">
-  <p:cSld>
-    <p:spTree>
-      <p:nvGrpSpPr>
-        <p:cNvPr id="1" name=""/>
-        <p:cNvGrpSpPr/>
-        <p:nvPr/>
-      </p:nvGrpSpPr>
-      <p:grpSpPr/>
-      <p:sp>
-        <p:nvSpPr>
-          <p:cNvPr id="2" name="Title 1"/>
-          <p:cNvSpPr>
-            <a:spLocks noGrp="1"/>
-          </p:cNvSpPr>
-          <p:nvPr>
-            <p:ph type="title"/>
-          </p:nvPr>
-        </p:nvSpPr>
-        <p:spPr/>
-        <p:txBody>
-          <a:bodyPr/>
-          <a:lstStyle/>
-          <a:p>
-            <a:pPr>
-              <a:defRPr sz="4000" b="1">
-                <a:solidFill>
-                  <a:srgbClr val="2C3E50"/>
-                </a:solidFill>
-              </a:defRPr>
-            </a:pPr>
-            <a:r>
-              <a:t>CIFAR-10: DIO Optimization Results</a:t>
-            </a:r>
-          </a:p>
-        </p:txBody>
-      </p:sp>
-      <p:sp>
-        <p:nvSpPr>
-          <p:cNvPr id="3" name="Content Placeholder 2"/>
-          <p:cNvSpPr>
-            <a:spLocks noGrp="1"/>
-          </p:cNvSpPr>
-          <p:nvPr>
-            <p:ph idx="1"/>
-          </p:nvPr>
-        </p:nvSpPr>
-        <p:spPr/>
-        <p:txBody>
-          <a:bodyPr/>
-          <a:lstStyle/>
-          <a:p/>
-        </p:txBody>
-      </p:sp>
-      <p:sp>
-        <p:nvSpPr>
-          <p:cNvPr id="4" name="TextBox 3"/>
-          <p:cNvSpPr txBox="1"/>
-          <p:nvPr/>
-        </p:nvSpPr>
-        <p:spPr>
-          <a:xfrm>
-            <a:off x="914400" y="1828800"/>
-            <a:ext cx="7315200" cy="4114800"/>
-          </a:xfrm>
-          <a:prstGeom prst="rect">
-            <a:avLst/>
-          </a:prstGeom>
-          <a:noFill/>
-        </p:spPr>
-        <p:txBody>
-          <a:bodyPr wrap="none">
-            <a:spAutoFit/>
-          </a:bodyPr>
-          <a:lstStyle/>
-          <a:p>
-            <a:pPr>
-              <a:defRPr sz="2400" b="1">
-                <a:solidFill>
-                  <a:srgbClr val="2C3E50"/>
-                </a:solidFill>
-              </a:defRPr>
-            </a:pPr>
-            <a:r>
-              <a:t>Optimization Subset (2K train, 500 test):</a:t>
-            </a:r>
-          </a:p>
-          <a:p>
-            <a:pPr>
-              <a:spcAft>
-                <a:spcPts val="400"/>
-              </a:spcAft>
-              <a:defRPr sz="1700"/>
-            </a:pPr>
-          </a:p>
-          <a:p>
-            <a:pPr>
-              <a:spcAft>
-                <a:spcPts val="400"/>
-              </a:spcAft>
-              <a:defRPr sz="1700"/>
-            </a:pPr>
-            <a:r>
-              <a:t>📊 Performance:</a:t>
-            </a:r>
-          </a:p>
-          <a:p>
-            <a:pPr>
-              <a:spcAft>
-                <a:spcPts val="400"/>
-              </a:spcAft>
-              <a:defRPr sz="1700"/>
-            </a:pPr>
-            <a:r>
-              <a:t>  • Baseline XGBoost: 80.8% accuracy</a:t>
-            </a:r>
-          </a:p>
-          <a:p>
-            <a:pPr>
-              <a:spcAft>
-                <a:spcPts val="400"/>
-              </a:spcAft>
-              <a:defRPr sz="1700"/>
-            </a:pPr>
-            <a:r>
-              <a:t>  • DIO Optimized: 83.6% accuracy</a:t>
-            </a:r>
-          </a:p>
-          <a:p>
-            <a:pPr>
-              <a:spcAft>
-                <a:spcPts val="400"/>
-              </a:spcAft>
-              <a:defRPr sz="1700"/>
-            </a:pPr>
-            <a:r>
-              <a:t>  • Improvement: +2.8% absolute (+3.47% relative)</a:t>
-            </a:r>
-          </a:p>
-          <a:p>
-            <a:pPr>
-              <a:spcAft>
-                <a:spcPts val="400"/>
-              </a:spcAft>
-              <a:defRPr sz="1700"/>
-            </a:pPr>
-          </a:p>
-          <a:p>
-            <a:pPr>
-              <a:spcAft>
-                <a:spcPts val="400"/>
-              </a:spcAft>
-              <a:defRPr sz="1700"/>
-            </a:pPr>
-            <a:r>
-              <a:t>🎯 Feature Reduction:</a:t>
-            </a:r>
-          </a:p>
-          <a:p>
-            <a:pPr>
-              <a:spcAft>
-                <a:spcPts val="400"/>
-              </a:spcAft>
-              <a:defRPr sz="1700"/>
-            </a:pPr>
-            <a:r>
-              <a:t>  • Original: 2,048 features</a:t>
-            </a:r>
-          </a:p>
-          <a:p>
-            <a:pPr>
-              <a:spcAft>
-                <a:spcPts val="400"/>
-              </a:spcAft>
-              <a:defRPr sz="1700"/>
-            </a:pPr>
-            <a:r>
-              <a:t>  • Selected: 853 features</a:t>
-            </a:r>
-          </a:p>
-          <a:p>
-            <a:pPr>
-              <a:spcAft>
-                <a:spcPts val="400"/>
-              </a:spcAft>
-              <a:defRPr sz="1700"/>
-            </a:pPr>
-            <a:r>
-              <a:t>  • Reduction: 58.35% (1,195 features eliminated!)</a:t>
-            </a:r>
-          </a:p>
-          <a:p>
-            <a:pPr>
-              <a:spcAft>
-                <a:spcPts val="400"/>
-              </a:spcAft>
-              <a:defRPr sz="1700"/>
-            </a:pPr>
-            <a:r>
-              <a:t>  • Inference speedup: ~2.4×</a:t>
-            </a:r>
-          </a:p>
-          <a:p>
-            <a:pPr>
-              <a:spcAft>
-                <a:spcPts val="400"/>
-              </a:spcAft>
-              <a:defRPr sz="1700"/>
-            </a:pPr>
-          </a:p>
-          <a:p>
-            <a:pPr>
-              <a:spcAft>
-                <a:spcPts val="400"/>
-              </a:spcAft>
-              <a:defRPr sz="1700"/>
-            </a:pPr>
-            <a:r>
-              <a:t>⚙️ Optimized Hyperparameters:</a:t>
-            </a:r>
-          </a:p>
-          <a:p>
-            <a:pPr>
-              <a:spcAft>
-                <a:spcPts val="400"/>
-              </a:spcAft>
-              <a:defRPr sz="1700"/>
-            </a:pPr>
-            <a:r>
-              <a:t>  • n_estimators: 76 (was 100)</a:t>
-            </a:r>
-          </a:p>
-          <a:p>
-            <a:pPr>
-              <a:spcAft>
-                <a:spcPts val="400"/>
-              </a:spcAft>
-              <a:defRPr sz="1700"/>
-            </a:pPr>
-            <a:r>
-              <a:t>  • max_depth: 5 (was 6)</a:t>
-            </a:r>
-          </a:p>
-          <a:p>
-            <a:pPr>
-              <a:spcAft>
-                <a:spcPts val="400"/>
-              </a:spcAft>
-              <a:defRPr sz="1700"/>
-            </a:pPr>
-            <a:r>
-              <a:t>  • learning_rate: 0.217 (was 0.3)</a:t>
-            </a:r>
-          </a:p>
-          <a:p>
-            <a:pPr>
-              <a:spcAft>
-                <a:spcPts val="400"/>
-              </a:spcAft>
-              <a:defRPr sz="1700"/>
-            </a:pPr>
-          </a:p>
-          <a:p>
-            <a:pPr>
-              <a:spcAft>
-                <a:spcPts val="400"/>
-              </a:spcAft>
-              <a:defRPr sz="1700"/>
-            </a:pPr>
-            <a:r>
-              <a:t>⏱️ Optimization Time: 5.4 hours (325 min)</a:t>
-            </a:r>
-          </a:p>
-        </p:txBody>
-      </p:sp>
-    </p:spTree>
-  </p:cSld>
-  <p:clrMapOvr>
-    <a:masterClrMapping/>
-  </p:clrMapOvr>
-</p:sld>
-</file>
-
-<file path=ppt/slides/slide22.xml><?xml version="1.0" encoding="utf-8"?>
-<p:sld xmlns:a="http://schemas.openxmlformats.org/drawingml/2006/main" xmlns:p="http://schemas.openxmlformats.org/presentationml/2006/main" xmlns:r="http://schemas.openxmlformats.org/officeDocument/2006/relationships">
-  <p:cSld>
-    <p:spTree>
-      <p:nvGrpSpPr>
-        <p:cNvPr id="1" name=""/>
-        <p:cNvGrpSpPr/>
-        <p:nvPr/>
-      </p:nvGrpSpPr>
-      <p:grpSpPr/>
-      <p:sp>
-        <p:nvSpPr>
-          <p:cNvPr id="2" name="Title 1"/>
-          <p:cNvSpPr>
-            <a:spLocks noGrp="1"/>
-          </p:cNvSpPr>
-          <p:nvPr>
-            <p:ph type="title"/>
-          </p:nvPr>
-        </p:nvSpPr>
-        <p:spPr/>
-        <p:txBody>
-          <a:bodyPr/>
-          <a:lstStyle/>
-          <a:p>
-            <a:pPr>
-              <a:defRPr sz="4000" b="1">
-                <a:solidFill>
-                  <a:srgbClr val="2C3E50"/>
-                </a:solidFill>
-              </a:defRPr>
-            </a:pPr>
-            <a:r>
-              <a:t>Cross-Domain Validation: Medical vs. Vision</a:t>
-            </a:r>
-          </a:p>
-        </p:txBody>
-      </p:sp>
-      <p:sp>
-        <p:nvSpPr>
-          <p:cNvPr id="3" name="Content Placeholder 2"/>
-          <p:cNvSpPr>
-            <a:spLocks noGrp="1"/>
-          </p:cNvSpPr>
-          <p:nvPr>
-            <p:ph idx="1"/>
-          </p:nvPr>
-        </p:nvSpPr>
-        <p:spPr/>
-        <p:txBody>
-          <a:bodyPr/>
-          <a:lstStyle/>
-          <a:p/>
-        </p:txBody>
-      </p:sp>
-      <p:sp>
-        <p:nvSpPr>
-          <p:cNvPr id="4" name="TextBox 3"/>
-          <p:cNvSpPr txBox="1"/>
-          <p:nvPr/>
-        </p:nvSpPr>
-        <p:spPr>
-          <a:xfrm>
-            <a:off x="731520" y="1828800"/>
-            <a:ext cx="7680960" cy="4389120"/>
-          </a:xfrm>
-          <a:prstGeom prst="rect">
-            <a:avLst/>
-          </a:prstGeom>
-          <a:noFill/>
-        </p:spPr>
-        <p:txBody>
-          <a:bodyPr wrap="none">
-            <a:spAutoFit/>
-          </a:bodyPr>
-          <a:lstStyle/>
-          <a:p>
-            <a:br/>
-            <a:pPr>
-              <a:defRPr sz="1400">
-                <a:latin typeface="Courier New"/>
-              </a:defRPr>
-            </a:pPr>
-            <a:r>
-              <a:t>Characteristic      Breast Cancer    CIFAR-10        Insight</a:t>
-            </a:r>
-            <a:br/>
-            <a:r>
-              <a:t>═══════════════════════════════════════════════════════════════════</a:t>
-            </a:r>
-            <a:br/>
-            <a:r>
-              <a:t>Domain              Medical          Computer Vision Multi-domain</a:t>
-            </a:r>
-            <a:br/>
-            <a:r>
-              <a:t>Data Type           Tabular          Deep Features   Versatile</a:t>
-            </a:r>
-            <a:br/>
-            <a:r>
-              <a:t>Features            30               2,048           68× larger</a:t>
-            </a:r>
-            <a:br/>
-            <a:r>
-              <a:t>Classes             2 (binary)       10 (multi)      More complex</a:t>
-            </a:r>
-            <a:br/>
-            <a:r>
-              <a:t>Training Samples    455              2,000           4.4× larger</a:t>
-            </a:r>
-            <a:br/>
-            <a:br/>
-            <a:r>
-              <a:t>Feature Reduction   80% (6 feat)     58.35% (853)    Both substantial</a:t>
-            </a:r>
-            <a:br/>
-            <a:r>
-              <a:t>Accuracy Gain       +1.54% (CV)      +2.8%           Consistent</a:t>
-            </a:r>
-            <a:br/>
-            <a:r>
-              <a:t>Optimization Time   7.9 hours        5.4 hours       Scalable</a:t>
-            </a:r>
-            <a:br/>
-            <a:r>
-              <a:t>Algorithm           RF-CV            XGBoost         Task-specific</a:t>
-            </a:r>
-            <a:br/>
-            <a:br/>
-            <a:r>
-              <a:t>✅ Key Insight: DIO achieves substantial improvements in BOTH domains</a:t>
-            </a:r>
-            <a:br/>
-            <a:r>
-              <a:t>   despite 68× dimensionality increase!</a:t>
-            </a:r>
-            <a:br/>
-          </a:p>
-        </p:txBody>
-      </p:sp>
-    </p:spTree>
-  </p:cSld>
-  <p:clrMapOvr>
-    <a:masterClrMapping/>
-  </p:clrMapOvr>
-</p:sld>
-</file>
-
-<file path=ppt/slides/slide23.xml><?xml version="1.0" encoding="utf-8"?>
-<p:sld xmlns:a="http://schemas.openxmlformats.org/drawingml/2006/main" xmlns:p="http://schemas.openxmlformats.org/presentationml/2006/main" xmlns:r="http://schemas.openxmlformats.org/officeDocument/2006/relationships">
-  <p:cSld>
-    <p:spTree>
-      <p:nvGrpSpPr>
-        <p:cNvPr id="1" name=""/>
-        <p:cNvGrpSpPr/>
-        <p:nvPr/>
-      </p:nvGrpSpPr>
-      <p:grpSpPr/>
-      <p:sp>
-        <p:nvSpPr>
-          <p:cNvPr id="2" name="Title 1"/>
-          <p:cNvSpPr>
-            <a:spLocks noGrp="1"/>
-          </p:cNvSpPr>
-          <p:nvPr>
-            <p:ph type="title"/>
-          </p:nvPr>
-        </p:nvSpPr>
-        <p:spPr/>
-        <p:txBody>
-          <a:bodyPr/>
-          <a:lstStyle/>
-          <a:p>
-            <a:pPr>
-              <a:defRPr sz="4000" b="1">
-                <a:solidFill>
-                  <a:srgbClr val="2C3E50"/>
-                </a:solidFill>
-              </a:defRPr>
-            </a:pPr>
-            <a:r>
-              <a:t>Computer Vision: Practical Impact</a:t>
-            </a:r>
-          </a:p>
-        </p:txBody>
-      </p:sp>
-      <p:sp>
-        <p:nvSpPr>
-          <p:cNvPr id="3" name="Content Placeholder 2"/>
-          <p:cNvSpPr>
-            <a:spLocks noGrp="1"/>
-          </p:cNvSpPr>
-          <p:nvPr>
-            <p:ph idx="1"/>
-          </p:nvPr>
-        </p:nvSpPr>
-        <p:spPr/>
-        <p:txBody>
-          <a:bodyPr/>
-          <a:lstStyle/>
-          <a:p>
-            <a:pPr>
-              <a:spcAft>
-                <a:spcPts val="1200"/>
-              </a:spcAft>
-              <a:defRPr sz="1800"/>
-            </a:pPr>
-            <a:r>
-              <a:t>🚀 Transfer Learning Optimization:</a:t>
-            </a:r>
-          </a:p>
-          <a:p>
-            <a:pPr>
-              <a:spcAft>
-                <a:spcPts val="1200"/>
-              </a:spcAft>
-              <a:defRPr sz="1800"/>
-            </a:pPr>
-            <a:r>
-              <a:t>  • Optimize frozen deep features without retraining CNNs</a:t>
-            </a:r>
-          </a:p>
-          <a:p>
-            <a:pPr>
-              <a:spcAft>
-                <a:spcPts val="1200"/>
-              </a:spcAft>
-              <a:defRPr sz="1800"/>
-            </a:pPr>
-            <a:r>
-              <a:t>  • 58.35% feature reduction while improving accuracy</a:t>
-            </a:r>
-          </a:p>
-          <a:p>
-            <a:pPr>
-              <a:spcAft>
-                <a:spcPts val="1200"/>
-              </a:spcAft>
-              <a:defRPr sz="1800"/>
-            </a:pPr>
-          </a:p>
-          <a:p>
-            <a:pPr>
-              <a:spcAft>
-                <a:spcPts val="1200"/>
-              </a:spcAft>
-              <a:defRPr sz="1800"/>
-            </a:pPr>
-            <a:r>
-              <a:t>⚡ Real-Time Edge Deployment:</a:t>
-            </a:r>
-          </a:p>
-          <a:p>
-            <a:pPr>
-              <a:spcAft>
-                <a:spcPts val="1200"/>
-              </a:spcAft>
-              <a:defRPr sz="1800"/>
-            </a:pPr>
-            <a:r>
-              <a:t>  • 2.4× faster inference (2048 → 853 features)</a:t>
-            </a:r>
-          </a:p>
-          <a:p>
-            <a:pPr>
-              <a:spcAft>
-                <a:spcPts val="1200"/>
-              </a:spcAft>
-              <a:defRPr sz="1800"/>
-            </a:pPr>
-            <a:r>
-              <a:t>  • Enables smartphones, IoT devices, embedded systems</a:t>
-            </a:r>
-          </a:p>
-          <a:p>
-            <a:pPr>
-              <a:spcAft>
-                <a:spcPts val="1200"/>
-              </a:spcAft>
-              <a:defRPr sz="1800"/>
-            </a:pPr>
-          </a:p>
-          <a:p>
-            <a:pPr>
-              <a:spcAft>
-                <a:spcPts val="1200"/>
-              </a:spcAft>
-              <a:defRPr sz="1800"/>
-            </a:pPr>
-            <a:r>
-              <a:t>💰 Cost-Effective Development:</a:t>
-            </a:r>
-          </a:p>
-          <a:p>
-            <a:pPr>
-              <a:spcAft>
-                <a:spcPts val="1200"/>
-              </a:spcAft>
-              <a:defRPr sz="1800"/>
-            </a:pPr>
-            <a:r>
-              <a:t>  • Only 4% of data needed (2K/50K samples)</a:t>
-            </a:r>
-          </a:p>
-          <a:p>
-            <a:pPr>
-              <a:spcAft>
-                <a:spcPts val="1200"/>
-              </a:spcAft>
-              <a:defRPr sz="1800"/>
-            </a:pPr>
-            <a:r>
-              <a:t>  • Valuable for limited annotation budgets</a:t>
-            </a:r>
-          </a:p>
-          <a:p>
-            <a:pPr>
-              <a:spcAft>
-                <a:spcPts val="1200"/>
-              </a:spcAft>
-              <a:defRPr sz="1800"/>
-            </a:pPr>
-          </a:p>
-          <a:p>
-            <a:pPr>
-              <a:spcAft>
-                <a:spcPts val="1200"/>
-              </a:spcAft>
-              <a:defRPr sz="1800"/>
-            </a:pPr>
-            <a:r>
-              <a:t>🔍 Feature Redundancy Discovery:</a:t>
-            </a:r>
-          </a:p>
-          <a:p>
-            <a:pPr>
-              <a:spcAft>
-                <a:spcPts val="1200"/>
-              </a:spcAft>
-              <a:defRPr sz="1800"/>
-            </a:pPr>
-            <a:r>
-              <a:t>  • 58% of ResNet50 features redundant</a:t>
-            </a:r>
-          </a:p>
-          <a:p>
-            <a:pPr>
-              <a:spcAft>
-                <a:spcPts val="1200"/>
-              </a:spcAft>
-              <a:defRPr sz="1800"/>
-            </a:pPr>
-            <a:r>
-              <a:t>  • Motivates efficient architecture design</a:t>
-            </a:r>
-          </a:p>
-          <a:p>
-            <a:pPr>
-              <a:spcAft>
-                <a:spcPts val="1200"/>
-              </a:spcAft>
-              <a:defRPr sz="1800"/>
-            </a:pPr>
-          </a:p>
-          <a:p>
-            <a:pPr>
-              <a:spcAft>
-                <a:spcPts val="1200"/>
-              </a:spcAft>
-              <a:defRPr sz="1800"/>
-            </a:pPr>
-            <a:r>
-              <a:t>✅ Framework Transferability Validated:</a:t>
-            </a:r>
-          </a:p>
-          <a:p>
-            <a:pPr>
-              <a:spcAft>
-                <a:spcPts val="1200"/>
-              </a:spcAft>
-              <a:defRPr sz="1800"/>
-            </a:pPr>
-            <a:r>
-              <a:t>  • Medical (30-D) → Vision (2048-D)</a:t>
-            </a:r>
-          </a:p>
-          <a:p>
-            <a:pPr>
-              <a:spcAft>
-                <a:spcPts val="1200"/>
-              </a:spcAft>
-              <a:defRPr sz="1800"/>
-            </a:pPr>
-            <a:r>
-              <a:t>  • Binary → Multi-class classification</a:t>
-            </a:r>
-          </a:p>
-        </p:txBody>
-      </p:sp>
-    </p:spTree>
-  </p:cSld>
-  <p:clrMapOvr>
-    <a:masterClrMapping/>
-  </p:clrMapOvr>
-</p:sld>
-</file>
-
 <file path=ppt/slides/slide24.xml><?xml version="1.0" encoding="utf-8"?>
 <p:sld xmlns:a="http://schemas.openxmlformats.org/drawingml/2006/main" xmlns:p="http://schemas.openxmlformats.org/presentationml/2006/main" xmlns:r="http://schemas.openxmlformats.org/officeDocument/2006/relationships">
   <p:cSld>
@@ -5914,7 +5229,7 @@
               </a:defRPr>
             </a:pPr>
             <a:r>
-              <a:t>Framework Generalizability Validated</a:t>
+              <a:t>XGBoost Hyperparameter Search Space (Medical)</a:t>
             </a:r>
           </a:p>
         </p:txBody>
@@ -5933,89 +5248,60 @@
         <p:txBody>
           <a:bodyPr/>
           <a:lstStyle/>
-          <a:p>
-            <a:pPr>
-              <a:spcAft>
-                <a:spcPts val="1200"/>
-              </a:spcAft>
-              <a:defRPr sz="1800"/>
-            </a:pPr>
-            <a:r>
-              <a:t>DIO Framework Successfully Applied to Multiple Algorithms:</a:t>
-            </a:r>
-          </a:p>
-          <a:p>
-            <a:pPr>
-              <a:spcAft>
-                <a:spcPts val="1200"/>
-              </a:spcAft>
-              <a:defRPr sz="1800"/>
-            </a:pPr>
-          </a:p>
-          <a:p>
-            <a:pPr>
-              <a:spcAft>
-                <a:spcPts val="1200"/>
-              </a:spcAft>
-              <a:defRPr sz="1800"/>
-            </a:pPr>
-            <a:r>
-              <a:t>✓ Random Forest (Bagging ensemble)</a:t>
-            </a:r>
-          </a:p>
-          <a:p>
-            <a:pPr lvl="1">
-              <a:defRPr sz="1600"/>
-            </a:pPr>
-            <a:r>
-              <a:t>Single-split: 94.72% (suffered optimization overfitting)</a:t>
-            </a:r>
-          </a:p>
-          <a:p>
-            <a:pPr lvl="1">
-              <a:defRPr sz="1600"/>
-            </a:pPr>
-            <a:r>
-              <a:t>CV-based: 96.26% (fixed overfitting, rank #3)</a:t>
-            </a:r>
-          </a:p>
-          <a:p>
-            <a:pPr>
-              <a:defRPr sz="1800" b="1"/>
-            </a:pPr>
-            <a:r>
-              <a:t>✓ XGBoost (Gradient boosting)</a:t>
-            </a:r>
-          </a:p>
-          <a:p>
-            <a:pPr lvl="1">
-              <a:defRPr sz="1600"/>
-            </a:pPr>
-            <a:r>
-              <a:t>Single-split: 96.34% (best overall, rank #1)</a:t>
-            </a:r>
-          </a:p>
-          <a:p>
-            <a:pPr lvl="1">
-              <a:defRPr sz="1600"/>
-            </a:pPr>
-            <a:r>
-              <a:t>Inherent regularization prevents optimization overfitting!</a:t>
-            </a:r>
-          </a:p>
-          <a:p>
-            <a:pPr/>
-          </a:p>
-          <a:p>
-            <a:pPr>
-              <a:defRPr sz="1800" b="1">
-                <a:solidFill>
-                  <a:srgbClr val="E74C3C"/>
-                </a:solidFill>
-              </a:defRPr>
-            </a:pPr>
-            <a:r>
-              <a:t>Key Discovery: Algorithm-dependent optimization behavior</a:t>
+          <a:p/>
+        </p:txBody>
+      </p:sp>
+      <p:pic>
+        <p:nvPicPr>
+          <p:cNvPr id="4" name="Picture 3" descr="xgboost_hyperparameters_search_space_cancer.png"/>
+          <p:cNvPicPr>
+            <a:picLocks noChangeAspect="1"/>
+          </p:cNvPicPr>
+          <p:nvPr/>
+        </p:nvPicPr>
+        <p:blipFill>
+          <a:blip r:embed="rId2"/>
+          <a:stretch>
+            <a:fillRect/>
+          </a:stretch>
+        </p:blipFill>
+        <p:spPr>
+          <a:xfrm>
+            <a:off x="1371600" y="1828800"/>
+            <a:ext cx="3482480" cy="4114800"/>
+          </a:xfrm>
+          <a:prstGeom prst="rect">
+            <a:avLst/>
+          </a:prstGeom>
+        </p:spPr>
+      </p:pic>
+      <p:sp>
+        <p:nvSpPr>
+          <p:cNvPr id="5" name="TextBox 4"/>
+          <p:cNvSpPr txBox="1"/>
+          <p:nvPr/>
+        </p:nvSpPr>
+        <p:spPr>
+          <a:xfrm>
+            <a:off x="914400" y="5943600"/>
+            <a:ext cx="7315200" cy="457200"/>
+          </a:xfrm>
+          <a:prstGeom prst="rect">
+            <a:avLst/>
+          </a:prstGeom>
+          <a:noFill/>
+        </p:spPr>
+        <p:txBody>
+          <a:bodyPr wrap="none">
+            <a:spAutoFit/>
+          </a:bodyPr>
+          <a:lstStyle/>
+          <a:p>
+            <a:pPr algn="ctr">
+              <a:defRPr sz="1400" i="1"/>
+            </a:pPr>
+            <a:r>
+              <a:t>5-dimensional search space: n_estimators, max_depth, learning_rate, subsample, colsample_bytree</a:t>
             </a:r>
           </a:p>
         </p:txBody>
@@ -6061,7 +5347,7 @@
               </a:defRPr>
             </a:pPr>
             <a:r>
-              <a:t>Limitations &amp; Lessons Learned</a:t>
+              <a:t>Statistical Validation: All Three Approaches</a:t>
             </a:r>
           </a:p>
         </p:txBody>
@@ -6080,141 +5366,181 @@
         <p:txBody>
           <a:bodyPr/>
           <a:lstStyle/>
-          <a:p>
-            <a:pPr>
-              <a:spcAft>
-                <a:spcPts val="1200"/>
-              </a:spcAft>
-              <a:defRPr sz="1800"/>
-            </a:pPr>
-            <a:r>
-              <a:t>✓ RESOLVED: Optimization overfitting in Random Forest</a:t>
-            </a:r>
-          </a:p>
-          <a:p>
-            <a:pPr>
-              <a:spcAft>
-                <a:spcPts val="1200"/>
-              </a:spcAft>
-              <a:defRPr sz="1800"/>
-            </a:pPr>
-            <a:r>
-              <a:t>  → CV-based approach increased accuracy from 94.72% to 96.26%</a:t>
-            </a:r>
-          </a:p>
-          <a:p>
-            <a:pPr>
-              <a:spcAft>
-                <a:spcPts val="1200"/>
-              </a:spcAft>
-              <a:defRPr sz="1800"/>
-            </a:pPr>
-            <a:r>
-              <a:t>  → Feature reduction improved from 73% to 80%</a:t>
-            </a:r>
-          </a:p>
-          <a:p>
-            <a:pPr>
-              <a:spcAft>
-                <a:spcPts val="1200"/>
-              </a:spcAft>
-              <a:defRPr sz="1800"/>
-            </a:pPr>
-          </a:p>
-          <a:p>
-            <a:pPr>
-              <a:spcAft>
-                <a:spcPts val="1200"/>
-              </a:spcAft>
-              <a:defRPr sz="1800"/>
-            </a:pPr>
-            <a:r>
-              <a:t>✓ DISCOVERY: Algorithm-dependent optimization behavior</a:t>
-            </a:r>
-          </a:p>
-          <a:p>
-            <a:pPr>
-              <a:spcAft>
-                <a:spcPts val="1200"/>
-              </a:spcAft>
-              <a:defRPr sz="1800"/>
-            </a:pPr>
-            <a:r>
-              <a:t>  → XGBoost's regularization enables successful single-split optimization</a:t>
-            </a:r>
-          </a:p>
-          <a:p>
-            <a:pPr>
-              <a:spcAft>
-                <a:spcPts val="1200"/>
-              </a:spcAft>
-              <a:defRPr sz="1800"/>
-            </a:pPr>
-            <a:r>
-              <a:t>  → Different algorithms require different validation strategies</a:t>
-            </a:r>
-          </a:p>
-          <a:p>
-            <a:pPr>
-              <a:spcAft>
-                <a:spcPts val="1200"/>
-              </a:spcAft>
-              <a:defRPr sz="1800"/>
-            </a:pPr>
-          </a:p>
-          <a:p>
-            <a:pPr>
-              <a:spcAft>
-                <a:spcPts val="1200"/>
-              </a:spcAft>
-              <a:defRPr sz="1800"/>
-            </a:pPr>
-            <a:r>
-              <a:t>Remaining Limitations:</a:t>
-            </a:r>
-          </a:p>
-          <a:p>
-            <a:pPr>
-              <a:spcAft>
-                <a:spcPts val="1200"/>
-              </a:spcAft>
-              <a:defRPr sz="1800"/>
-            </a:pPr>
-            <a:r>
-              <a:t>• Single dataset evaluation (Breast Cancer Wisconsin only)</a:t>
-            </a:r>
-          </a:p>
-          <a:p>
-            <a:pPr>
-              <a:spcAft>
-                <a:spcPts val="1200"/>
-              </a:spcAft>
-              <a:defRPr sz="1800"/>
-            </a:pPr>
-            <a:r>
-              <a:t>• Limited hyperparameter spaces (4 RF, 5 XGBoost parameters)</a:t>
-            </a:r>
-          </a:p>
-          <a:p>
-            <a:pPr>
-              <a:spcAft>
-                <a:spcPts val="1200"/>
-              </a:spcAft>
-              <a:defRPr sz="1800"/>
-            </a:pPr>
-            <a:r>
-              <a:t>• No comparison with other metaheuristics (PSO, GA, ACO)</a:t>
-            </a:r>
-          </a:p>
-          <a:p>
-            <a:pPr>
-              <a:spcAft>
-                <a:spcPts val="1200"/>
-              </a:spcAft>
-              <a:defRPr sz="1800"/>
-            </a:pPr>
-            <a:r>
-              <a:t>• Feature selection stability not assessed across multiple runs</a:t>
+          <a:p/>
+        </p:txBody>
+      </p:sp>
+      <p:sp>
+        <p:nvSpPr>
+          <p:cNvPr id="4" name="TextBox 3"/>
+          <p:cNvSpPr txBox="1"/>
+          <p:nvPr/>
+        </p:nvSpPr>
+        <p:spPr>
+          <a:xfrm>
+            <a:off x="731520" y="1828800"/>
+            <a:ext cx="7680960" cy="4114800"/>
+          </a:xfrm>
+          <a:prstGeom prst="rect">
+            <a:avLst/>
+          </a:prstGeom>
+          <a:noFill/>
+        </p:spPr>
+        <p:txBody>
+          <a:bodyPr wrap="none">
+            <a:spAutoFit/>
+          </a:bodyPr>
+          <a:lstStyle/>
+          <a:p>
+            <a:pPr>
+              <a:defRPr sz="2200" b="1"/>
+            </a:pPr>
+            <a:r>
+              <a:t>Wilcoxon Signed-Rank Test Results:</a:t>
+            </a:r>
+          </a:p>
+          <a:p>
+            <a:pPr>
+              <a:spcAft>
+                <a:spcPts val="400"/>
+              </a:spcAft>
+              <a:defRPr sz="1500"/>
+            </a:pPr>
+          </a:p>
+          <a:p>
+            <a:pPr>
+              <a:spcAft>
+                <a:spcPts val="400"/>
+              </a:spcAft>
+              <a:defRPr sz="1500"/>
+            </a:pPr>
+            <a:r>
+              <a:t>DIO-XGBoost-Optimized (BEST - Rank #1):</a:t>
+            </a:r>
+          </a:p>
+          <a:p>
+            <a:pPr>
+              <a:spcAft>
+                <a:spcPts val="400"/>
+              </a:spcAft>
+              <a:defRPr sz="1500"/>
+            </a:pPr>
+            <a:r>
+              <a:t>  • vs. XGBoost defaults: p=0.0426 (*) ✓</a:t>
+            </a:r>
+          </a:p>
+          <a:p>
+            <a:pPr>
+              <a:spcAft>
+                <a:spcPts val="400"/>
+              </a:spcAft>
+              <a:defRPr sz="1500"/>
+            </a:pPr>
+            <a:r>
+              <a:t>  • vs. XGBoost (All): p=0.5067 (ns) - equivalent with 43% fewer features!</a:t>
+            </a:r>
+          </a:p>
+          <a:p>
+            <a:pPr>
+              <a:spcAft>
+                <a:spcPts val="400"/>
+              </a:spcAft>
+              <a:defRPr sz="1500"/>
+            </a:pPr>
+            <a:r>
+              <a:t>  • vs. SVM/KNN/NB: p&lt;0.001 (***) ✓✓✓</a:t>
+            </a:r>
+          </a:p>
+          <a:p>
+            <a:pPr>
+              <a:spcAft>
+                <a:spcPts val="400"/>
+              </a:spcAft>
+              <a:defRPr sz="1500"/>
+            </a:pPr>
+          </a:p>
+          <a:p>
+            <a:pPr>
+              <a:spcAft>
+                <a:spcPts val="400"/>
+              </a:spcAft>
+              <a:defRPr sz="1500"/>
+            </a:pPr>
+            <a:r>
+              <a:t>DIO-RF-CV-Optimized (Rank #3):</a:t>
+            </a:r>
+          </a:p>
+          <a:p>
+            <a:pPr>
+              <a:spcAft>
+                <a:spcPts val="400"/>
+              </a:spcAft>
+              <a:defRPr sz="1500"/>
+            </a:pPr>
+            <a:r>
+              <a:t>  • vs. RF defaults (6 feat): p=0.0084 (**) ✓✓</a:t>
+            </a:r>
+          </a:p>
+          <a:p>
+            <a:pPr>
+              <a:spcAft>
+                <a:spcPts val="400"/>
+              </a:spcAft>
+              <a:defRPr sz="1500"/>
+            </a:pPr>
+            <a:r>
+              <a:t>  • vs. RF (All): p=0.0553 (ns) - comparable with 80% fewer features!</a:t>
+            </a:r>
+          </a:p>
+          <a:p>
+            <a:pPr>
+              <a:spcAft>
+                <a:spcPts val="400"/>
+              </a:spcAft>
+              <a:defRPr sz="1500"/>
+            </a:pPr>
+            <a:r>
+              <a:t>  • vs. SVM: p&lt;0.001 (***) ✓✓✓</a:t>
+            </a:r>
+          </a:p>
+          <a:p>
+            <a:pPr>
+              <a:spcAft>
+                <a:spcPts val="400"/>
+              </a:spcAft>
+              <a:defRPr sz="1500"/>
+            </a:pPr>
+          </a:p>
+          <a:p>
+            <a:pPr>
+              <a:spcAft>
+                <a:spcPts val="400"/>
+              </a:spcAft>
+              <a:defRPr sz="1500"/>
+            </a:pPr>
+            <a:r>
+              <a:t>DIO-RF-Single (Rank #7 - optimization overfitting issue):</a:t>
+            </a:r>
+          </a:p>
+          <a:p>
+            <a:pPr>
+              <a:spcAft>
+                <a:spcPts val="400"/>
+              </a:spcAft>
+              <a:defRPr sz="1500"/>
+            </a:pPr>
+            <a:r>
+              <a:t>  • vs. RF defaults (8 feat): p=0.165 (ns) - generalization problem</a:t>
+            </a:r>
+          </a:p>
+          <a:p>
+            <a:pPr>
+              <a:spcAft>
+                <a:spcPts val="400"/>
+              </a:spcAft>
+              <a:defRPr sz="1500"/>
+            </a:pPr>
+            <a:r>
+              <a:t>  • vs. SVM/KNN: p&lt;0.001 (***) ✓✓✓</a:t>
             </a:r>
           </a:p>
         </p:txBody>
@@ -6260,7 +5586,7 @@
               </a:defRPr>
             </a:pPr>
             <a:r>
-              <a:t>Future Research Directions</a:t>
+              <a:t>Pareto Frontier: Three Validated Solutions</a:t>
             </a:r>
           </a:p>
         </p:txBody>
@@ -6279,141 +5605,207 @@
         <p:txBody>
           <a:bodyPr/>
           <a:lstStyle/>
-          <a:p>
-            <a:pPr>
-              <a:spcAft>
-                <a:spcPts val="1200"/>
-              </a:spcAft>
-              <a:defRPr sz="1800"/>
-            </a:pPr>
-            <a:r>
-              <a:t>1. Multi-dataset validation</a:t>
-            </a:r>
-          </a:p>
-          <a:p>
-            <a:pPr>
-              <a:spcAft>
-                <a:spcPts val="1200"/>
-              </a:spcAft>
-              <a:defRPr sz="1800"/>
-            </a:pPr>
-            <a:r>
-              <a:t>  → Lung cancer, diabetes, heart disease datasets</a:t>
-            </a:r>
-          </a:p>
-          <a:p>
-            <a:pPr>
-              <a:spcAft>
-                <a:spcPts val="1200"/>
-              </a:spcAft>
-              <a:defRPr sz="1800"/>
-            </a:pPr>
-            <a:r>
-              <a:t>  → Verify algorithm-dependent optimization findings</a:t>
-            </a:r>
-          </a:p>
-          <a:p>
-            <a:pPr>
-              <a:spcAft>
-                <a:spcPts val="1200"/>
-              </a:spcAft>
-              <a:defRPr sz="1800"/>
-            </a:pPr>
-          </a:p>
-          <a:p>
-            <a:pPr>
-              <a:spcAft>
-                <a:spcPts val="1200"/>
-              </a:spcAft>
-              <a:defRPr sz="1800"/>
-            </a:pPr>
-            <a:r>
-              <a:t>2. CV-based XGBoost optimization</a:t>
-            </a:r>
-          </a:p>
-          <a:p>
-            <a:pPr>
-              <a:spcAft>
-                <a:spcPts val="1200"/>
-              </a:spcAft>
-              <a:defRPr sz="1800"/>
-            </a:pPr>
-            <a:r>
-              <a:t>  → Can 96.34% accuracy be improved further with CV?</a:t>
-            </a:r>
-          </a:p>
-          <a:p>
-            <a:pPr>
-              <a:spcAft>
-                <a:spcPts val="1200"/>
-              </a:spcAft>
-              <a:defRPr sz="1800"/>
-            </a:pPr>
-            <a:r>
-              <a:t>  → Compare single-split vs CV for gradient boosting</a:t>
-            </a:r>
-          </a:p>
-          <a:p>
-            <a:pPr>
-              <a:spcAft>
-                <a:spcPts val="1200"/>
-              </a:spcAft>
-              <a:defRPr sz="1800"/>
-            </a:pPr>
-          </a:p>
-          <a:p>
-            <a:pPr>
-              <a:spcAft>
-                <a:spcPts val="1200"/>
-              </a:spcAft>
-              <a:defRPr sz="1800"/>
-            </a:pPr>
-            <a:r>
-              <a:t>3. Benchmark against other metaheuristics (PSO, GA, ACO, GWO)</a:t>
-            </a:r>
-          </a:p>
-          <a:p>
-            <a:pPr>
-              <a:spcAft>
-                <a:spcPts val="1200"/>
-              </a:spcAft>
-              <a:defRPr sz="1800"/>
-            </a:pPr>
-            <a:r>
-              <a:t>4. Extend to deep learning (neural architecture search)</a:t>
-            </a:r>
-          </a:p>
-          <a:p>
-            <a:pPr>
-              <a:spcAft>
-                <a:spcPts val="1200"/>
-              </a:spcAft>
-              <a:defRPr sz="1800"/>
-            </a:pPr>
-            <a:r>
-              <a:t>5. Feature selection stability analysis across multiple DIO runs</a:t>
-            </a:r>
-          </a:p>
-          <a:p>
-            <a:pPr>
-              <a:spcAft>
-                <a:spcPts val="1200"/>
-              </a:spcAft>
-              <a:defRPr sz="1800"/>
-            </a:pPr>
-            <a:r>
-              <a:t>6. Real-world clinical deployment and prospective validation</a:t>
-            </a:r>
-          </a:p>
-          <a:p>
-            <a:pPr>
-              <a:spcAft>
-                <a:spcPts val="1200"/>
-              </a:spcAft>
-              <a:defRPr sz="1800"/>
-            </a:pPr>
-            <a:r>
-              <a:t>7. Computational efficiency analysis and parallelization</a:t>
+          <a:p/>
+        </p:txBody>
+      </p:sp>
+      <p:sp>
+        <p:nvSpPr>
+          <p:cNvPr id="4" name="TextBox 3"/>
+          <p:cNvSpPr txBox="1"/>
+          <p:nvPr/>
+        </p:nvSpPr>
+        <p:spPr>
+          <a:xfrm>
+            <a:off x="731520" y="1828800"/>
+            <a:ext cx="7680960" cy="4114800"/>
+          </a:xfrm>
+          <a:prstGeom prst="rect">
+            <a:avLst/>
+          </a:prstGeom>
+          <a:noFill/>
+        </p:spPr>
+        <p:txBody>
+          <a:bodyPr wrap="none">
+            <a:spAutoFit/>
+          </a:bodyPr>
+          <a:lstStyle/>
+          <a:p>
+            <a:pPr>
+              <a:defRPr sz="2400" b="1">
+                <a:solidFill>
+                  <a:srgbClr val="2ECC71"/>
+                </a:solidFill>
+              </a:defRPr>
+            </a:pPr>
+            <a:r>
+              <a:t>Three Pareto-Optimal Solutions for Different Priorities:</a:t>
+            </a:r>
+          </a:p>
+          <a:p>
+            <a:pPr>
+              <a:spcAft>
+                <a:spcPts val="400"/>
+              </a:spcAft>
+              <a:defRPr sz="1600"/>
+            </a:pPr>
+          </a:p>
+          <a:p>
+            <a:pPr>
+              <a:spcAft>
+                <a:spcPts val="400"/>
+              </a:spcAft>
+              <a:defRPr sz="1600"/>
+            </a:pPr>
+            <a:r>
+              <a:t>🏆 Maximum Accuracy: DIO-XGBoost (96.34%, 17 features)</a:t>
+            </a:r>
+          </a:p>
+          <a:p>
+            <a:pPr>
+              <a:spcAft>
+                <a:spcPts val="400"/>
+              </a:spcAft>
+              <a:defRPr sz="1600"/>
+            </a:pPr>
+            <a:r>
+              <a:t>  • Best overall performance across ALL experiments</a:t>
+            </a:r>
+          </a:p>
+          <a:p>
+            <a:pPr>
+              <a:spcAft>
+                <a:spcPts val="400"/>
+              </a:spcAft>
+              <a:defRPr sz="1600"/>
+            </a:pPr>
+            <a:r>
+              <a:t>  • Lowest variance (1.23%) = Most stable predictions</a:t>
+            </a:r>
+          </a:p>
+          <a:p>
+            <a:pPr>
+              <a:spcAft>
+                <a:spcPts val="400"/>
+              </a:spcAft>
+              <a:defRPr sz="1600"/>
+            </a:pPr>
+            <a:r>
+              <a:t>  • Fast optimization (54 seconds)</a:t>
+            </a:r>
+          </a:p>
+          <a:p>
+            <a:pPr>
+              <a:spcAft>
+                <a:spcPts val="400"/>
+              </a:spcAft>
+              <a:defRPr sz="1600"/>
+            </a:pPr>
+            <a:r>
+              <a:t>  • Choose when: Accuracy is paramount</a:t>
+            </a:r>
+          </a:p>
+          <a:p>
+            <a:pPr>
+              <a:spcAft>
+                <a:spcPts val="400"/>
+              </a:spcAft>
+              <a:defRPr sz="1600"/>
+            </a:pPr>
+          </a:p>
+          <a:p>
+            <a:pPr>
+              <a:spcAft>
+                <a:spcPts val="400"/>
+              </a:spcAft>
+              <a:defRPr sz="1600"/>
+            </a:pPr>
+            <a:r>
+              <a:t>🎯 Maximum Interpretability: DIO-RF-CV (96.26%, 6 features)</a:t>
+            </a:r>
+          </a:p>
+          <a:p>
+            <a:pPr>
+              <a:spcAft>
+                <a:spcPts val="400"/>
+              </a:spcAft>
+              <a:defRPr sz="1600"/>
+            </a:pPr>
+            <a:r>
+              <a:t>  • Highest feature reduction (80%)</a:t>
+            </a:r>
+          </a:p>
+          <a:p>
+            <a:pPr>
+              <a:spcAft>
+                <a:spcPts val="400"/>
+              </a:spcAft>
+              <a:defRPr sz="1600"/>
+            </a:pPr>
+            <a:r>
+              <a:t>  • Near-maximum accuracy with minimal complexity</a:t>
+            </a:r>
+          </a:p>
+          <a:p>
+            <a:pPr>
+              <a:spcAft>
+                <a:spcPts val="400"/>
+              </a:spcAft>
+              <a:defRPr sz="1600"/>
+            </a:pPr>
+            <a:r>
+              <a:t>  • Choose when: Clinical transparency critical</a:t>
+            </a:r>
+          </a:p>
+          <a:p>
+            <a:pPr>
+              <a:spcAft>
+                <a:spcPts val="400"/>
+              </a:spcAft>
+              <a:defRPr sz="1600"/>
+            </a:pPr>
+          </a:p>
+          <a:p>
+            <a:pPr>
+              <a:spcAft>
+                <a:spcPts val="400"/>
+              </a:spcAft>
+              <a:defRPr sz="1600"/>
+            </a:pPr>
+            <a:r>
+              <a:t>⚡ Rapid Prototyping: DIO-RF-Single (94.72%, 8 features)</a:t>
+            </a:r>
+          </a:p>
+          <a:p>
+            <a:pPr>
+              <a:spcAft>
+                <a:spcPts val="400"/>
+              </a:spcAft>
+              <a:defRPr sz="1600"/>
+            </a:pPr>
+            <a:r>
+              <a:t>  • 1-minute optimization time</a:t>
+            </a:r>
+          </a:p>
+          <a:p>
+            <a:pPr>
+              <a:spcAft>
+                <a:spcPts val="400"/>
+              </a:spcAft>
+              <a:defRPr sz="1600"/>
+            </a:pPr>
+            <a:r>
+              <a:t>  • Demonstrates optimization overfitting issue</a:t>
+            </a:r>
+          </a:p>
+          <a:p>
+            <a:pPr>
+              <a:spcAft>
+                <a:spcPts val="400"/>
+              </a:spcAft>
+              <a:defRPr sz="1600"/>
+            </a:pPr>
+            <a:r>
+              <a:t>  • Choose when: Quick baseline needed</a:t>
             </a:r>
           </a:p>
         </p:txBody>
@@ -6459,7 +5851,7 @@
               </a:defRPr>
             </a:pPr>
             <a:r>
-              <a:t>Key Contributions</a:t>
+              <a:t>Clinical Deployment: Choose Your Model</a:t>
             </a:r>
           </a:p>
         </p:txBody>
@@ -6486,95 +5878,87 @@
               <a:defRPr sz="1800"/>
             </a:pPr>
             <a:r>
-              <a:t>✓ First Python implementation of DIO algorithm</a:t>
-            </a:r>
-          </a:p>
-          <a:p>
-            <a:pPr>
-              <a:spcAft>
-                <a:spcPts val="1200"/>
-              </a:spcAft>
-              <a:defRPr sz="1800"/>
-            </a:pPr>
-            <a:r>
-              <a:t>✓ Novel nested optimization framework for simultaneous tuning</a:t>
-            </a:r>
-          </a:p>
-          <a:p>
-            <a:pPr>
-              <a:spcAft>
-                <a:spcPts val="1200"/>
-              </a:spcAft>
-              <a:defRPr sz="1800"/>
-            </a:pPr>
-            <a:r>
-              <a:t>✓ Three validated optimization approaches with trade-off analysis</a:t>
-            </a:r>
-          </a:p>
-          <a:p>
-            <a:pPr>
-              <a:spcAft>
-                <a:spcPts val="1200"/>
-              </a:spcAft>
-              <a:defRPr sz="1800"/>
-            </a:pPr>
-            <a:r>
-              <a:t>✓ Discovery of algorithm-dependent optimization overfitting</a:t>
-            </a:r>
-          </a:p>
-          <a:p>
-            <a:pPr>
-              <a:spcAft>
-                <a:spcPts val="1200"/>
-              </a:spcAft>
-              <a:defRPr sz="1800"/>
-            </a:pPr>
-            <a:r>
-              <a:t>✓ Multi-algorithm validation (Random Forest + XGBoost)</a:t>
-            </a:r>
-          </a:p>
-          <a:p>
-            <a:pPr>
-              <a:spcAft>
-                <a:spcPts val="1200"/>
-              </a:spcAft>
-              <a:defRPr sz="1800"/>
-            </a:pPr>
-            <a:r>
-              <a:t>✓ Rigorous statistical validation (30 independent runs per approach)</a:t>
-            </a:r>
-          </a:p>
-          <a:p>
-            <a:pPr>
-              <a:spcAft>
-                <a:spcPts val="1200"/>
-              </a:spcAft>
-              <a:defRPr sz="1800"/>
-            </a:pPr>
-            <a:r>
-              <a:t>✓ Comprehensive Pareto analysis with deployment recommendations</a:t>
-            </a:r>
-          </a:p>
-          <a:p>
-            <a:pPr>
-              <a:spcAft>
-                <a:spcPts val="1200"/>
-              </a:spcAft>
-              <a:defRPr sz="1800"/>
-            </a:pPr>
-            <a:r>
-              <a:t>✓ Open-source implementation for reproducible research</a:t>
-            </a:r>
-          </a:p>
-          <a:p>
-            <a:pPr>
-              <a:spcAft>
-                <a:spcPts val="1200"/>
-              </a:spcAft>
-              <a:defRPr sz="1800"/>
-            </a:pPr>
-            <a:r>
-              <a:t>✓ Best-in-class performance: 96.34% accuracy (Rank #1)</a:t>
+              <a:t>🏆 Choose DIO-XGBoost (96.34%, 17 features) if:</a:t>
+            </a:r>
+          </a:p>
+          <a:p>
+            <a:pPr lvl="1">
+              <a:defRPr sz="1600"/>
+            </a:pPr>
+            <a:r>
+              <a:t>Maximum accuracy is critical (e.g., high-stakes screening)</a:t>
+            </a:r>
+          </a:p>
+          <a:p>
+            <a:pPr lvl="1">
+              <a:defRPr sz="1600"/>
+            </a:pPr>
+            <a:r>
+              <a:t>Computational resources available</a:t>
+            </a:r>
+          </a:p>
+          <a:p>
+            <a:pPr lvl="1">
+              <a:defRPr sz="1600"/>
+            </a:pPr>
+            <a:r>
+              <a:t>43% feature reduction still provides efficiency gains</a:t>
+            </a:r>
+          </a:p>
+          <a:p>
+            <a:pPr>
+              <a:defRPr sz="1800" b="1"/>
+            </a:pPr>
+            <a:r>
+              <a:t>🎯 Choose DIO-RF-CV (96.26%, 6 features) if:</a:t>
+            </a:r>
+          </a:p>
+          <a:p>
+            <a:pPr lvl="1">
+              <a:defRPr sz="1600"/>
+            </a:pPr>
+            <a:r>
+              <a:t>Clinical interpretability paramount (only 6 measurements)</a:t>
+            </a:r>
+          </a:p>
+          <a:p>
+            <a:pPr lvl="1">
+              <a:defRPr sz="1600"/>
+            </a:pPr>
+            <a:r>
+              <a:t>Resource-constrained environments (80% cost reduction)</a:t>
+            </a:r>
+          </a:p>
+          <a:p>
+            <a:pPr lvl="1">
+              <a:defRPr sz="1600"/>
+            </a:pPr>
+            <a:r>
+              <a:t>Near-maximum accuracy (only 0.08% less than XGBoost)</a:t>
+            </a:r>
+          </a:p>
+          <a:p>
+            <a:pPr>
+              <a:defRPr sz="1800" b="1"/>
+            </a:pPr>
+            <a:r>
+              <a:t>⚡ Choose DIO-RF-Single (94.72%, 8 features) if:</a:t>
+            </a:r>
+          </a:p>
+          <a:p>
+            <a:pPr lvl="1">
+              <a:defRPr sz="1600"/>
+            </a:pPr>
+            <a:r>
+              <a:t>Rapid prototyping needed (1-minute optimization)</a:t>
+            </a:r>
+          </a:p>
+          <a:p>
+            <a:pPr lvl="1">
+              <a:defRPr sz="1600"/>
+            </a:pPr>
+            <a:r>
+              <a:t>Lower accuracy acceptable for initial screening</a:t>
             </a:r>
           </a:p>
         </p:txBody>
@@ -6620,7 +6004,7 @@
               </a:defRPr>
             </a:pPr>
             <a:r>
-              <a:t>Conclusions</a:t>
+              <a:t>Pushing the Limits: Can DIO Scale to Computer Vision?</a:t>
             </a:r>
           </a:p>
         </p:txBody>
@@ -6639,203 +6023,138 @@
         <p:txBody>
           <a:bodyPr/>
           <a:lstStyle/>
-          <a:p/>
-        </p:txBody>
-      </p:sp>
-      <p:sp>
-        <p:nvSpPr>
-          <p:cNvPr id="4" name="TextBox 3"/>
-          <p:cNvSpPr txBox="1"/>
-          <p:nvPr/>
-        </p:nvSpPr>
-        <p:spPr>
-          <a:xfrm>
-            <a:off x="731520" y="1828800"/>
-            <a:ext cx="7680960" cy="4114800"/>
-          </a:xfrm>
-          <a:prstGeom prst="rect">
-            <a:avLst/>
-          </a:prstGeom>
-          <a:noFill/>
-        </p:spPr>
-        <p:txBody>
-          <a:bodyPr wrap="none">
-            <a:spAutoFit/>
-          </a:bodyPr>
-          <a:lstStyle/>
-          <a:p>
-            <a:pPr>
-              <a:spcAft>
-                <a:spcPts val="600"/>
-              </a:spcAft>
-              <a:defRPr sz="1800"/>
-            </a:pPr>
-            <a:r>
-              <a:t>DIO framework successfully validated across TWO domains:</a:t>
-            </a:r>
-          </a:p>
-          <a:p>
-            <a:pPr>
-              <a:spcAft>
-                <a:spcPts val="600"/>
-              </a:spcAft>
-              <a:defRPr sz="1800"/>
-            </a:pPr>
-          </a:p>
-          <a:p>
-            <a:pPr>
-              <a:spcAft>
-                <a:spcPts val="600"/>
-              </a:spcAft>
-              <a:defRPr sz="1800"/>
-            </a:pPr>
-            <a:r>
-              <a:t>🏥 Medical Classification (Breast Cancer):</a:t>
-            </a:r>
-          </a:p>
-          <a:p>
-            <a:pPr>
-              <a:spcAft>
-                <a:spcPts val="600"/>
-              </a:spcAft>
-              <a:defRPr sz="1800"/>
-            </a:pPr>
-            <a:r>
-              <a:t>  🏆 DIO-XGBoost: 96.34% accuracy, 17 features (Rank #1 OVERALL)</a:t>
-            </a:r>
-          </a:p>
-          <a:p>
-            <a:pPr>
-              <a:spcAft>
-                <a:spcPts val="600"/>
-              </a:spcAft>
-              <a:defRPr sz="1800"/>
-            </a:pPr>
-            <a:r>
-              <a:t>  🥉 DIO-RF-CV: 96.26% accuracy, 6 features (80% reduction)</a:t>
-            </a:r>
-          </a:p>
-          <a:p>
-            <a:pPr>
-              <a:spcAft>
-                <a:spcPts val="600"/>
-              </a:spcAft>
-              <a:defRPr sz="1800"/>
-            </a:pPr>
-          </a:p>
-          <a:p>
-            <a:pPr>
-              <a:spcAft>
-                <a:spcPts val="600"/>
-              </a:spcAft>
-              <a:defRPr sz="1800"/>
-            </a:pPr>
-            <a:r>
-              <a:t>🖼️ Computer Vision (CIFAR-10 Images):</a:t>
-            </a:r>
-          </a:p>
-          <a:p>
-            <a:pPr>
-              <a:spcAft>
-                <a:spcPts val="600"/>
-              </a:spcAft>
-              <a:defRPr sz="1800"/>
-            </a:pPr>
-            <a:r>
-              <a:t>  • Full dataset baseline: 85% (XGBoost, 2048 features)</a:t>
-            </a:r>
-          </a:p>
-          <a:p>
-            <a:pPr>
-              <a:spcAft>
-                <a:spcPts val="600"/>
-              </a:spcAft>
-              <a:defRPr sz="1800"/>
-            </a:pPr>
-            <a:r>
-              <a:t>  • DIO optimized: 83.6% on subset (+2.8%, 58.35% reduction)</a:t>
-            </a:r>
-          </a:p>
-          <a:p>
-            <a:pPr>
-              <a:spcAft>
-                <a:spcPts val="600"/>
-              </a:spcAft>
-              <a:defRPr sz="1800"/>
-            </a:pPr>
-            <a:r>
-              <a:t>  • 2.4× inference speedup for edge deployment</a:t>
-            </a:r>
-          </a:p>
-          <a:p>
-            <a:pPr>
-              <a:spcAft>
-                <a:spcPts val="600"/>
-              </a:spcAft>
-              <a:defRPr sz="1800"/>
-            </a:pPr>
-          </a:p>
-          <a:p>
-            <a:pPr>
-              <a:spcAft>
-                <a:spcPts val="600"/>
-              </a:spcAft>
-              <a:defRPr sz="1800"/>
-            </a:pPr>
-            <a:r>
-              <a:t>🔑 Key Discoveries:</a:t>
-            </a:r>
-          </a:p>
-          <a:p>
-            <a:pPr>
-              <a:spcAft>
-                <a:spcPts val="600"/>
-              </a:spcAft>
-              <a:defRPr sz="1800"/>
-            </a:pPr>
-            <a:r>
-              <a:t>  • Optimization overfitting is algorithm-dependent</a:t>
-            </a:r>
-          </a:p>
-          <a:p>
-            <a:pPr>
-              <a:spcAft>
-                <a:spcPts val="600"/>
-              </a:spcAft>
-              <a:defRPr sz="1800"/>
-            </a:pPr>
-            <a:r>
-              <a:t>  • DIO scales from 30-D to 2048-D (68× increase)</a:t>
-            </a:r>
-          </a:p>
-          <a:p>
-            <a:pPr>
-              <a:spcAft>
-                <a:spcPts val="600"/>
-              </a:spcAft>
-              <a:defRPr sz="1800"/>
-            </a:pPr>
-            <a:r>
-              <a:t>  • Substantial feature reduction even in deep learning features</a:t>
-            </a:r>
-          </a:p>
-          <a:p>
-            <a:pPr>
-              <a:spcAft>
-                <a:spcPts val="600"/>
-              </a:spcAft>
-              <a:defRPr sz="1800"/>
-            </a:pPr>
-          </a:p>
-          <a:p>
-            <a:pPr>
-              <a:spcAft>
-                <a:spcPts val="600"/>
-              </a:spcAft>
-              <a:defRPr sz="1800"/>
-            </a:pPr>
-            <a:r>
-              <a:t>✅ Multi-domain framework validated for medical AI &amp; computer vision</a:t>
+          <a:p>
+            <a:pPr>
+              <a:spcAft>
+                <a:spcPts val="1200"/>
+              </a:spcAft>
+              <a:defRPr sz="1800"/>
+            </a:pPr>
+            <a:r>
+              <a:t>🎯 Question: Does DIO work beyond medical tabular data?</a:t>
+            </a:r>
+          </a:p>
+          <a:p>
+            <a:pPr>
+              <a:spcAft>
+                <a:spcPts val="1200"/>
+              </a:spcAft>
+              <a:defRPr sz="1800"/>
+            </a:pPr>
+          </a:p>
+          <a:p>
+            <a:pPr>
+              <a:spcAft>
+                <a:spcPts val="1200"/>
+              </a:spcAft>
+              <a:defRPr sz="1800"/>
+            </a:pPr>
+            <a:r>
+              <a:t>Dataset: CIFAR-10 (60K images, 10 classes)</a:t>
+            </a:r>
+          </a:p>
+          <a:p>
+            <a:pPr>
+              <a:spcAft>
+                <a:spcPts val="1200"/>
+              </a:spcAft>
+              <a:defRPr sz="1800"/>
+            </a:pPr>
+            <a:r>
+              <a:t>  • Full dataset: 50K train, 10K test</a:t>
+            </a:r>
+          </a:p>
+          <a:p>
+            <a:pPr>
+              <a:spcAft>
+                <a:spcPts val="1200"/>
+              </a:spcAft>
+              <a:defRPr sz="1800"/>
+            </a:pPr>
+            <a:r>
+              <a:t>  • Optimization subset: 2K train, 500 test (stratified)</a:t>
+            </a:r>
+          </a:p>
+          <a:p>
+            <a:pPr>
+              <a:spcAft>
+                <a:spcPts val="1200"/>
+              </a:spcAft>
+              <a:defRPr sz="1800"/>
+            </a:pPr>
+          </a:p>
+          <a:p>
+            <a:pPr>
+              <a:spcAft>
+                <a:spcPts val="1200"/>
+              </a:spcAft>
+              <a:defRPr sz="1800"/>
+            </a:pPr>
+            <a:r>
+              <a:t>Feature Extraction: ResNet50 (pre-trained ImageNet)</a:t>
+            </a:r>
+          </a:p>
+          <a:p>
+            <a:pPr>
+              <a:spcAft>
+                <a:spcPts val="1200"/>
+              </a:spcAft>
+              <a:defRPr sz="1800"/>
+            </a:pPr>
+            <a:r>
+              <a:t>  • 2048-D deep learning features (68× larger than medical data!)</a:t>
+            </a:r>
+          </a:p>
+          <a:p>
+            <a:pPr>
+              <a:spcAft>
+                <a:spcPts val="1200"/>
+              </a:spcAft>
+              <a:defRPr sz="1800"/>
+            </a:pPr>
+            <a:r>
+              <a:t>  • Google Colab GPU extraction (~15 min)</a:t>
+            </a:r>
+          </a:p>
+          <a:p>
+            <a:pPr>
+              <a:spcAft>
+                <a:spcPts val="1200"/>
+              </a:spcAft>
+              <a:defRPr sz="1800"/>
+            </a:pPr>
+          </a:p>
+          <a:p>
+            <a:pPr>
+              <a:spcAft>
+                <a:spcPts val="1200"/>
+              </a:spcAft>
+              <a:defRPr sz="1800"/>
+            </a:pPr>
+            <a:r>
+              <a:t>The challenge: High-dimensional optimization (30-D → 2048-D)</a:t>
+            </a:r>
+          </a:p>
+          <a:p>
+            <a:pPr>
+              <a:spcAft>
+                <a:spcPts val="1200"/>
+              </a:spcAft>
+              <a:defRPr sz="1800"/>
+            </a:pPr>
+            <a:r>
+              <a:t>  • Tests DIO scalability limits</a:t>
+            </a:r>
+          </a:p>
+          <a:p>
+            <a:pPr>
+              <a:spcAft>
+                <a:spcPts val="1200"/>
+              </a:spcAft>
+              <a:defRPr sz="1800"/>
+            </a:pPr>
+            <a:r>
+              <a:t>  • Validates algorithm selection methodology across domains</a:t>
             </a:r>
           </a:p>
         </p:txBody>
@@ -6860,14 +6179,59 @@
       <p:grpSpPr/>
       <p:sp>
         <p:nvSpPr>
-          <p:cNvPr id="2" name="TextBox 1"/>
+          <p:cNvPr id="2" name="Title 1"/>
+          <p:cNvSpPr>
+            <a:spLocks noGrp="1"/>
+          </p:cNvSpPr>
+          <p:nvPr>
+            <p:ph type="title"/>
+          </p:nvPr>
+        </p:nvSpPr>
+        <p:spPr/>
+        <p:txBody>
+          <a:bodyPr/>
+          <a:lstStyle/>
+          <a:p>
+            <a:pPr>
+              <a:defRPr sz="4000" b="1">
+                <a:solidFill>
+                  <a:srgbClr val="2C3E50"/>
+                </a:solidFill>
+              </a:defRPr>
+            </a:pPr>
+            <a:r>
+              <a:t>CIFAR-10: Model Selection Results</a:t>
+            </a:r>
+          </a:p>
+        </p:txBody>
+      </p:sp>
+      <p:sp>
+        <p:nvSpPr>
+          <p:cNvPr id="3" name="Content Placeholder 2"/>
+          <p:cNvSpPr>
+            <a:spLocks noGrp="1"/>
+          </p:cNvSpPr>
+          <p:nvPr>
+            <p:ph idx="1"/>
+          </p:nvPr>
+        </p:nvSpPr>
+        <p:spPr/>
+        <p:txBody>
+          <a:bodyPr/>
+          <a:lstStyle/>
+          <a:p/>
+        </p:txBody>
+      </p:sp>
+      <p:sp>
+        <p:nvSpPr>
+          <p:cNvPr id="4" name="TextBox 3"/>
           <p:cNvSpPr txBox="1"/>
           <p:nvPr/>
         </p:nvSpPr>
         <p:spPr>
           <a:xfrm>
-            <a:off x="914400" y="1828800"/>
-            <a:ext cx="7315200" cy="914400"/>
+            <a:off x="1828800" y="2011680"/>
+            <a:ext cx="5486400" cy="3657600"/>
           </a:xfrm>
           <a:prstGeom prst="rect">
             <a:avLst/>
@@ -6880,128 +6244,59 @@
           </a:bodyPr>
           <a:lstStyle/>
           <a:p>
-            <a:pPr algn="ctr">
-              <a:defRPr sz="6000" b="1">
-                <a:solidFill>
-                  <a:srgbClr val="2C3E50"/>
-                </a:solidFill>
+            <a:br/>
+            <a:pPr>
+              <a:defRPr sz="1600">
+                <a:latin typeface="Courier New"/>
               </a:defRPr>
             </a:pPr>
             <a:r>
-              <a:t>Thank You!</a:t>
-            </a:r>
-          </a:p>
-        </p:txBody>
-      </p:sp>
-      <p:sp>
-        <p:nvSpPr>
-          <p:cNvPr id="3" name="TextBox 2"/>
-          <p:cNvSpPr txBox="1"/>
-          <p:nvPr/>
-        </p:nvSpPr>
-        <p:spPr>
-          <a:xfrm>
-            <a:off x="914400" y="2926080"/>
-            <a:ext cx="7315200" cy="1097280"/>
-          </a:xfrm>
-          <a:prstGeom prst="rect">
-            <a:avLst/>
-          </a:prstGeom>
-          <a:noFill/>
-        </p:spPr>
-        <p:txBody>
-          <a:bodyPr wrap="none">
-            <a:spAutoFit/>
-          </a:bodyPr>
-          <a:lstStyle/>
-          <a:p>
-            <a:pPr algn="ctr">
-              <a:defRPr sz="2600" b="1">
-                <a:solidFill>
-                  <a:srgbClr val="2ECC71"/>
-                </a:solidFill>
-              </a:defRPr>
-            </a:pPr>
-            <a:r>
-              <a:t>🏆 Best Medical Performance: 96.34% Accuracy</a:t>
-            </a:r>
-          </a:p>
-          <a:p>
-            <a:pPr algn="ctr">
-              <a:spcBef>
-                <a:spcPts val="800"/>
-              </a:spcBef>
-              <a:defRPr sz="2400">
-                <a:solidFill>
-                  <a:srgbClr val="3498DB"/>
-                </a:solidFill>
-              </a:defRPr>
-            </a:pPr>
-            <a:r>
-              <a:t>✅ Cross-Domain Validation: Medical + Vision</a:t>
-            </a:r>
-          </a:p>
-          <a:p>
-            <a:pPr algn="ctr">
-              <a:spcBef>
-                <a:spcPts val="1200"/>
-              </a:spcBef>
-              <a:defRPr sz="3200">
-                <a:solidFill>
-                  <a:srgbClr val="2C3E50"/>
-                </a:solidFill>
-              </a:defRPr>
-            </a:pPr>
-            <a:r>
-              <a:t>Questions &amp; Discussion</a:t>
-            </a:r>
-          </a:p>
-        </p:txBody>
-      </p:sp>
-      <p:sp>
-        <p:nvSpPr>
-          <p:cNvPr id="4" name="TextBox 3"/>
-          <p:cNvSpPr txBox="1"/>
-          <p:nvPr/>
-        </p:nvSpPr>
-        <p:spPr>
-          <a:xfrm>
-            <a:off x="914400" y="5303520"/>
-            <a:ext cx="7315200" cy="914400"/>
-          </a:xfrm>
-          <a:prstGeom prst="rect">
-            <a:avLst/>
-          </a:prstGeom>
-          <a:noFill/>
-        </p:spPr>
-        <p:txBody>
-          <a:bodyPr wrap="square">
-            <a:spAutoFit/>
-          </a:bodyPr>
-          <a:lstStyle/>
-          <a:p>
-            <a:pPr algn="ctr">
-              <a:defRPr sz="1800"/>
-            </a:pPr>
-            <a:r>
-              <a:t>GitHub: amine-dubs/dio-optimization</a:t>
-            </a:r>
-          </a:p>
-          <a:p>
-            <a:pPr algn="ctr">
-              <a:defRPr sz="1800"/>
-            </a:pPr>
-            <a:r>
-              <a:t>Domains: Medical Classification (96.34%) + Computer Vision (83.6%)</a:t>
-            </a:r>
-          </a:p>
-          <a:p>
-            <a:pPr algn="ctr">
-              <a:defRPr sz="1800"/>
-            </a:pPr>
-            <a:r>
-              <a:t>Datasets: UCI Breast Cancer + CIFAR-10 ResNet50 Features</a:t>
-            </a:r>
+              <a:t>Full Dataset Comparison (50K train, 10K test):</a:t>
+            </a:r>
+            <a:br/>
+            <a:r>
+              <a:t>═══════════════════════════════════════════════</a:t>
+            </a:r>
+            <a:br/>
+            <a:br/>
+            <a:r>
+              <a:t>Algorithm          Accuracy    Features</a:t>
+            </a:r>
+            <a:br/>
+            <a:r>
+              <a:t>────────────────────────────────────────────</a:t>
+            </a:r>
+            <a:br/>
+            <a:r>
+              <a:t>XGBoost            85.0%       2048    ✅</a:t>
+            </a:r>
+            <a:br/>
+            <a:r>
+              <a:t>Random Forest      ~72%        2048</a:t>
+            </a:r>
+            <a:br/>
+            <a:r>
+              <a:t>Logistic Reg.      ~60%        2048</a:t>
+            </a:r>
+            <a:br/>
+            <a:r>
+              <a:t>KNN                ~57%        2048</a:t>
+            </a:r>
+            <a:br/>
+            <a:r>
+              <a:t>────────────────────────────────────────────</a:t>
+            </a:r>
+            <a:br/>
+            <a:br/>
+            <a:r>
+              <a:t>Selection: XGBoost (best baseline performance)</a:t>
+            </a:r>
+            <a:br/>
+            <a:br/>
+            <a:r>
+              <a:t>Next: DIO optimization on 2K subset for feasibility</a:t>
+            </a:r>
+            <a:br/>
           </a:p>
         </p:txBody>
       </p:sp>
@@ -7046,7 +6341,7 @@
               </a:defRPr>
             </a:pPr>
             <a:r>
-              <a:t>Problem Statement</a:t>
+              <a:t>The Challenge We Faced</a:t>
             </a:r>
           </a:p>
         </p:txBody>
@@ -7073,7 +6368,7 @@
               <a:defRPr sz="1800"/>
             </a:pPr>
             <a:r>
-              <a:t>Breast cancer: Leading cause of mortality in women</a:t>
+              <a:t>Breast cancer: Leading cause of mortality in women worldwide</a:t>
             </a:r>
           </a:p>
           <a:p>
@@ -7095,29 +6390,1780 @@
               <a:defRPr sz="1800"/>
             </a:pPr>
             <a:r>
-              <a:t>Challenge: Optimal feature selection + hyperparameter tuning</a:t>
-            </a:r>
-          </a:p>
-          <a:p>
-            <a:pPr>
-              <a:spcAft>
-                <a:spcPts val="1200"/>
-              </a:spcAft>
-              <a:defRPr sz="1800"/>
-            </a:pPr>
-            <a:r>
-              <a:t>Traditional approach: Sequential optimization → Suboptimal results</a:t>
-            </a:r>
-          </a:p>
-          <a:p>
-            <a:pPr>
-              <a:spcAft>
-                <a:spcPts val="1200"/>
-              </a:spcAft>
-              <a:defRPr sz="1800"/>
-            </a:pPr>
-            <a:r>
-              <a:t>Our solution: Simultaneous optimization using nature-inspired DIO algorithm</a:t>
+              <a:t>The dilemma: Optimal feature selection + hyperparameter tuning simultaneously</a:t>
+            </a:r>
+          </a:p>
+          <a:p>
+            <a:pPr>
+              <a:spcAft>
+                <a:spcPts val="1200"/>
+              </a:spcAft>
+              <a:defRPr sz="1800"/>
+            </a:pPr>
+            <a:r>
+              <a:t>Traditional sequential optimization → Suboptimal, misses feature-parameter interactions</a:t>
+            </a:r>
+          </a:p>
+          <a:p>
+            <a:pPr>
+              <a:spcAft>
+                <a:spcPts val="1200"/>
+              </a:spcAft>
+              <a:defRPr sz="1800"/>
+            </a:pPr>
+            <a:r>
+              <a:t>Our approach: Simultaneous optimization using DIO (nature-inspired algorithm)</a:t>
+            </a:r>
+          </a:p>
+        </p:txBody>
+      </p:sp>
+    </p:spTree>
+  </p:cSld>
+  <p:clrMapOvr>
+    <a:masterClrMapping/>
+  </p:clrMapOvr>
+</p:sld>
+</file>
+
+<file path=ppt/slides/slide30.xml><?xml version="1.0" encoding="utf-8"?>
+<p:sld xmlns:a="http://schemas.openxmlformats.org/drawingml/2006/main" xmlns:p="http://schemas.openxmlformats.org/presentationml/2006/main" xmlns:r="http://schemas.openxmlformats.org/officeDocument/2006/relationships">
+  <p:cSld>
+    <p:spTree>
+      <p:nvGrpSpPr>
+        <p:cNvPr id="1" name=""/>
+        <p:cNvGrpSpPr/>
+        <p:nvPr/>
+      </p:nvGrpSpPr>
+      <p:grpSpPr/>
+      <p:sp>
+        <p:nvSpPr>
+          <p:cNvPr id="2" name="Title 1"/>
+          <p:cNvSpPr>
+            <a:spLocks noGrp="1"/>
+          </p:cNvSpPr>
+          <p:nvPr>
+            <p:ph type="title"/>
+          </p:nvPr>
+        </p:nvSpPr>
+        <p:spPr/>
+        <p:txBody>
+          <a:bodyPr/>
+          <a:lstStyle/>
+          <a:p>
+            <a:pPr>
+              <a:defRPr sz="4000" b="1">
+                <a:solidFill>
+                  <a:srgbClr val="2C3E50"/>
+                </a:solidFill>
+              </a:defRPr>
+            </a:pPr>
+            <a:r>
+              <a:t>CIFAR-10: DIO Optimization Results</a:t>
+            </a:r>
+          </a:p>
+        </p:txBody>
+      </p:sp>
+      <p:sp>
+        <p:nvSpPr>
+          <p:cNvPr id="3" name="Content Placeholder 2"/>
+          <p:cNvSpPr>
+            <a:spLocks noGrp="1"/>
+          </p:cNvSpPr>
+          <p:nvPr>
+            <p:ph idx="1"/>
+          </p:nvPr>
+        </p:nvSpPr>
+        <p:spPr/>
+        <p:txBody>
+          <a:bodyPr/>
+          <a:lstStyle/>
+          <a:p/>
+        </p:txBody>
+      </p:sp>
+      <p:sp>
+        <p:nvSpPr>
+          <p:cNvPr id="4" name="TextBox 3"/>
+          <p:cNvSpPr txBox="1"/>
+          <p:nvPr/>
+        </p:nvSpPr>
+        <p:spPr>
+          <a:xfrm>
+            <a:off x="914400" y="1828800"/>
+            <a:ext cx="7315200" cy="4114800"/>
+          </a:xfrm>
+          <a:prstGeom prst="rect">
+            <a:avLst/>
+          </a:prstGeom>
+          <a:noFill/>
+        </p:spPr>
+        <p:txBody>
+          <a:bodyPr wrap="none">
+            <a:spAutoFit/>
+          </a:bodyPr>
+          <a:lstStyle/>
+          <a:p>
+            <a:pPr>
+              <a:defRPr sz="2400" b="1">
+                <a:solidFill>
+                  <a:srgbClr val="2C3E50"/>
+                </a:solidFill>
+              </a:defRPr>
+            </a:pPr>
+            <a:r>
+              <a:t>Optimization Subset (2K train, 500 test):</a:t>
+            </a:r>
+          </a:p>
+          <a:p>
+            <a:pPr>
+              <a:spcAft>
+                <a:spcPts val="400"/>
+              </a:spcAft>
+              <a:defRPr sz="1700"/>
+            </a:pPr>
+          </a:p>
+          <a:p>
+            <a:pPr>
+              <a:spcAft>
+                <a:spcPts val="400"/>
+              </a:spcAft>
+              <a:defRPr sz="1700"/>
+            </a:pPr>
+            <a:r>
+              <a:t>📊 Performance:</a:t>
+            </a:r>
+          </a:p>
+          <a:p>
+            <a:pPr>
+              <a:spcAft>
+                <a:spcPts val="400"/>
+              </a:spcAft>
+              <a:defRPr sz="1700"/>
+            </a:pPr>
+            <a:r>
+              <a:t>  • Baseline XGBoost: 80.8% accuracy</a:t>
+            </a:r>
+          </a:p>
+          <a:p>
+            <a:pPr>
+              <a:spcAft>
+                <a:spcPts val="400"/>
+              </a:spcAft>
+              <a:defRPr sz="1700"/>
+            </a:pPr>
+            <a:r>
+              <a:t>  • DIO Optimized: 83.6% accuracy</a:t>
+            </a:r>
+          </a:p>
+          <a:p>
+            <a:pPr>
+              <a:spcAft>
+                <a:spcPts val="400"/>
+              </a:spcAft>
+              <a:defRPr sz="1700"/>
+            </a:pPr>
+            <a:r>
+              <a:t>  • Improvement: +2.8% absolute (+3.47% relative)</a:t>
+            </a:r>
+          </a:p>
+          <a:p>
+            <a:pPr>
+              <a:spcAft>
+                <a:spcPts val="400"/>
+              </a:spcAft>
+              <a:defRPr sz="1700"/>
+            </a:pPr>
+          </a:p>
+          <a:p>
+            <a:pPr>
+              <a:spcAft>
+                <a:spcPts val="400"/>
+              </a:spcAft>
+              <a:defRPr sz="1700"/>
+            </a:pPr>
+            <a:r>
+              <a:t>🎯 Feature Reduction:</a:t>
+            </a:r>
+          </a:p>
+          <a:p>
+            <a:pPr>
+              <a:spcAft>
+                <a:spcPts val="400"/>
+              </a:spcAft>
+              <a:defRPr sz="1700"/>
+            </a:pPr>
+            <a:r>
+              <a:t>  • Original: 2,048 features</a:t>
+            </a:r>
+          </a:p>
+          <a:p>
+            <a:pPr>
+              <a:spcAft>
+                <a:spcPts val="400"/>
+              </a:spcAft>
+              <a:defRPr sz="1700"/>
+            </a:pPr>
+            <a:r>
+              <a:t>  • Selected: 853 features</a:t>
+            </a:r>
+          </a:p>
+          <a:p>
+            <a:pPr>
+              <a:spcAft>
+                <a:spcPts val="400"/>
+              </a:spcAft>
+              <a:defRPr sz="1700"/>
+            </a:pPr>
+            <a:r>
+              <a:t>  • Reduction: 58.35% (1,195 features eliminated!)</a:t>
+            </a:r>
+          </a:p>
+          <a:p>
+            <a:pPr>
+              <a:spcAft>
+                <a:spcPts val="400"/>
+              </a:spcAft>
+              <a:defRPr sz="1700"/>
+            </a:pPr>
+            <a:r>
+              <a:t>  • Inference speedup: ~2.4×</a:t>
+            </a:r>
+          </a:p>
+          <a:p>
+            <a:pPr>
+              <a:spcAft>
+                <a:spcPts val="400"/>
+              </a:spcAft>
+              <a:defRPr sz="1700"/>
+            </a:pPr>
+          </a:p>
+          <a:p>
+            <a:pPr>
+              <a:spcAft>
+                <a:spcPts val="400"/>
+              </a:spcAft>
+              <a:defRPr sz="1700"/>
+            </a:pPr>
+            <a:r>
+              <a:t>⚙️ Optimized Hyperparameters:</a:t>
+            </a:r>
+          </a:p>
+          <a:p>
+            <a:pPr>
+              <a:spcAft>
+                <a:spcPts val="400"/>
+              </a:spcAft>
+              <a:defRPr sz="1700"/>
+            </a:pPr>
+            <a:r>
+              <a:t>  • n_estimators: 76 (was 100)</a:t>
+            </a:r>
+          </a:p>
+          <a:p>
+            <a:pPr>
+              <a:spcAft>
+                <a:spcPts val="400"/>
+              </a:spcAft>
+              <a:defRPr sz="1700"/>
+            </a:pPr>
+            <a:r>
+              <a:t>  • max_depth: 5 (was 6)</a:t>
+            </a:r>
+          </a:p>
+          <a:p>
+            <a:pPr>
+              <a:spcAft>
+                <a:spcPts val="400"/>
+              </a:spcAft>
+              <a:defRPr sz="1700"/>
+            </a:pPr>
+            <a:r>
+              <a:t>  • learning_rate: 0.217 (was 0.3)</a:t>
+            </a:r>
+          </a:p>
+          <a:p>
+            <a:pPr>
+              <a:spcAft>
+                <a:spcPts val="400"/>
+              </a:spcAft>
+              <a:defRPr sz="1700"/>
+            </a:pPr>
+          </a:p>
+          <a:p>
+            <a:pPr>
+              <a:spcAft>
+                <a:spcPts val="400"/>
+              </a:spcAft>
+              <a:defRPr sz="1700"/>
+            </a:pPr>
+            <a:r>
+              <a:t>⏱️ Optimization Time: 5.4 hours (325 min)</a:t>
+            </a:r>
+          </a:p>
+        </p:txBody>
+      </p:sp>
+    </p:spTree>
+  </p:cSld>
+  <p:clrMapOvr>
+    <a:masterClrMapping/>
+  </p:clrMapOvr>
+</p:sld>
+</file>
+
+<file path=ppt/slides/slide31.xml><?xml version="1.0" encoding="utf-8"?>
+<p:sld xmlns:a="http://schemas.openxmlformats.org/drawingml/2006/main" xmlns:p="http://schemas.openxmlformats.org/presentationml/2006/main" xmlns:r="http://schemas.openxmlformats.org/officeDocument/2006/relationships">
+  <p:cSld>
+    <p:spTree>
+      <p:nvGrpSpPr>
+        <p:cNvPr id="1" name=""/>
+        <p:cNvGrpSpPr/>
+        <p:nvPr/>
+      </p:nvGrpSpPr>
+      <p:grpSpPr/>
+      <p:sp>
+        <p:nvSpPr>
+          <p:cNvPr id="2" name="Title 1"/>
+          <p:cNvSpPr>
+            <a:spLocks noGrp="1"/>
+          </p:cNvSpPr>
+          <p:nvPr>
+            <p:ph type="title"/>
+          </p:nvPr>
+        </p:nvSpPr>
+        <p:spPr/>
+        <p:txBody>
+          <a:bodyPr/>
+          <a:lstStyle/>
+          <a:p>
+            <a:pPr>
+              <a:defRPr sz="4000" b="1">
+                <a:solidFill>
+                  <a:srgbClr val="2C3E50"/>
+                </a:solidFill>
+              </a:defRPr>
+            </a:pPr>
+            <a:r>
+              <a:t>Cross-Domain Validation: Medical vs. Vision</a:t>
+            </a:r>
+          </a:p>
+        </p:txBody>
+      </p:sp>
+      <p:sp>
+        <p:nvSpPr>
+          <p:cNvPr id="3" name="Content Placeholder 2"/>
+          <p:cNvSpPr>
+            <a:spLocks noGrp="1"/>
+          </p:cNvSpPr>
+          <p:nvPr>
+            <p:ph idx="1"/>
+          </p:nvPr>
+        </p:nvSpPr>
+        <p:spPr/>
+        <p:txBody>
+          <a:bodyPr/>
+          <a:lstStyle/>
+          <a:p/>
+        </p:txBody>
+      </p:sp>
+      <p:sp>
+        <p:nvSpPr>
+          <p:cNvPr id="4" name="TextBox 3"/>
+          <p:cNvSpPr txBox="1"/>
+          <p:nvPr/>
+        </p:nvSpPr>
+        <p:spPr>
+          <a:xfrm>
+            <a:off x="731520" y="1828800"/>
+            <a:ext cx="7680960" cy="4389120"/>
+          </a:xfrm>
+          <a:prstGeom prst="rect">
+            <a:avLst/>
+          </a:prstGeom>
+          <a:noFill/>
+        </p:spPr>
+        <p:txBody>
+          <a:bodyPr wrap="none">
+            <a:spAutoFit/>
+          </a:bodyPr>
+          <a:lstStyle/>
+          <a:p>
+            <a:br/>
+            <a:pPr>
+              <a:defRPr sz="1400">
+                <a:latin typeface="Courier New"/>
+              </a:defRPr>
+            </a:pPr>
+            <a:r>
+              <a:t>Characteristic      Breast Cancer    CIFAR-10        Insight</a:t>
+            </a:r>
+            <a:br/>
+            <a:r>
+              <a:t>═══════════════════════════════════════════════════════════════════</a:t>
+            </a:r>
+            <a:br/>
+            <a:r>
+              <a:t>Domain              Medical          Computer Vision Multi-domain</a:t>
+            </a:r>
+            <a:br/>
+            <a:r>
+              <a:t>Data Type           Tabular          Deep Features   Versatile</a:t>
+            </a:r>
+            <a:br/>
+            <a:r>
+              <a:t>Features            30               2,048           68× larger</a:t>
+            </a:r>
+            <a:br/>
+            <a:r>
+              <a:t>Classes             2 (binary)       10 (multi)      More complex</a:t>
+            </a:r>
+            <a:br/>
+            <a:r>
+              <a:t>Training Samples    455              2,000           4.4× larger</a:t>
+            </a:r>
+            <a:br/>
+            <a:br/>
+            <a:r>
+              <a:t>Feature Reduction   80% (6 feat)     58.35% (853)    Both substantial</a:t>
+            </a:r>
+            <a:br/>
+            <a:r>
+              <a:t>Accuracy Gain       +1.54% (CV)      +2.8%           Consistent</a:t>
+            </a:r>
+            <a:br/>
+            <a:r>
+              <a:t>Optimization Time   7.9 hours        5.4 hours       Scalable</a:t>
+            </a:r>
+            <a:br/>
+            <a:r>
+              <a:t>Algorithm           RF-CV            XGBoost         Task-specific</a:t>
+            </a:r>
+            <a:br/>
+            <a:br/>
+            <a:r>
+              <a:t>✅ Key Insight: DIO achieves substantial improvements in BOTH domains</a:t>
+            </a:r>
+            <a:br/>
+            <a:r>
+              <a:t>   despite 68× dimensionality increase!</a:t>
+            </a:r>
+            <a:br/>
+          </a:p>
+        </p:txBody>
+      </p:sp>
+    </p:spTree>
+  </p:cSld>
+  <p:clrMapOvr>
+    <a:masterClrMapping/>
+  </p:clrMapOvr>
+</p:sld>
+</file>
+
+<file path=ppt/slides/slide32.xml><?xml version="1.0" encoding="utf-8"?>
+<p:sld xmlns:a="http://schemas.openxmlformats.org/drawingml/2006/main" xmlns:p="http://schemas.openxmlformats.org/presentationml/2006/main" xmlns:r="http://schemas.openxmlformats.org/officeDocument/2006/relationships">
+  <p:cSld>
+    <p:spTree>
+      <p:nvGrpSpPr>
+        <p:cNvPr id="1" name=""/>
+        <p:cNvGrpSpPr/>
+        <p:nvPr/>
+      </p:nvGrpSpPr>
+      <p:grpSpPr/>
+      <p:sp>
+        <p:nvSpPr>
+          <p:cNvPr id="2" name="Title 1"/>
+          <p:cNvSpPr>
+            <a:spLocks noGrp="1"/>
+          </p:cNvSpPr>
+          <p:nvPr>
+            <p:ph type="title"/>
+          </p:nvPr>
+        </p:nvSpPr>
+        <p:spPr/>
+        <p:txBody>
+          <a:bodyPr/>
+          <a:lstStyle/>
+          <a:p>
+            <a:pPr>
+              <a:defRPr sz="4000" b="1">
+                <a:solidFill>
+                  <a:srgbClr val="2C3E50"/>
+                </a:solidFill>
+              </a:defRPr>
+            </a:pPr>
+            <a:r>
+              <a:t>Cross-Domain Validation Framework</a:t>
+            </a:r>
+          </a:p>
+        </p:txBody>
+      </p:sp>
+      <p:sp>
+        <p:nvSpPr>
+          <p:cNvPr id="3" name="Content Placeholder 2"/>
+          <p:cNvSpPr>
+            <a:spLocks noGrp="1"/>
+          </p:cNvSpPr>
+          <p:nvPr>
+            <p:ph idx="1"/>
+          </p:nvPr>
+        </p:nvSpPr>
+        <p:spPr/>
+        <p:txBody>
+          <a:bodyPr/>
+          <a:lstStyle/>
+          <a:p/>
+        </p:txBody>
+      </p:sp>
+      <p:pic>
+        <p:nvPicPr>
+          <p:cNvPr id="4" name="Picture 3" descr="shema1 (1).png"/>
+          <p:cNvPicPr>
+            <a:picLocks noChangeAspect="1"/>
+          </p:cNvPicPr>
+          <p:nvPr/>
+        </p:nvPicPr>
+        <p:blipFill>
+          <a:blip r:embed="rId2"/>
+          <a:stretch>
+            <a:fillRect/>
+          </a:stretch>
+        </p:blipFill>
+        <p:spPr>
+          <a:xfrm>
+            <a:off x="1371600" y="1828800"/>
+            <a:ext cx="2032744" cy="4114800"/>
+          </a:xfrm>
+          <a:prstGeom prst="rect">
+            <a:avLst/>
+          </a:prstGeom>
+        </p:spPr>
+      </p:pic>
+      <p:sp>
+        <p:nvSpPr>
+          <p:cNvPr id="5" name="TextBox 4"/>
+          <p:cNvSpPr txBox="1"/>
+          <p:nvPr/>
+        </p:nvSpPr>
+        <p:spPr>
+          <a:xfrm>
+            <a:off x="914400" y="5943600"/>
+            <a:ext cx="7315200" cy="457200"/>
+          </a:xfrm>
+          <a:prstGeom prst="rect">
+            <a:avLst/>
+          </a:prstGeom>
+          <a:noFill/>
+        </p:spPr>
+        <p:txBody>
+          <a:bodyPr wrap="none">
+            <a:spAutoFit/>
+          </a:bodyPr>
+          <a:lstStyle/>
+          <a:p>
+            <a:pPr algn="ctr">
+              <a:defRPr sz="1400" i="1"/>
+            </a:pPr>
+            <a:r>
+              <a:t>DIO framework validated across medical (30-D) and vision (2048-D) domains—68× dimensionality increase</a:t>
+            </a:r>
+          </a:p>
+        </p:txBody>
+      </p:sp>
+    </p:spTree>
+  </p:cSld>
+  <p:clrMapOvr>
+    <a:masterClrMapping/>
+  </p:clrMapOvr>
+</p:sld>
+</file>
+
+<file path=ppt/slides/slide33.xml><?xml version="1.0" encoding="utf-8"?>
+<p:sld xmlns:a="http://schemas.openxmlformats.org/drawingml/2006/main" xmlns:p="http://schemas.openxmlformats.org/presentationml/2006/main" xmlns:r="http://schemas.openxmlformats.org/officeDocument/2006/relationships">
+  <p:cSld>
+    <p:spTree>
+      <p:nvGrpSpPr>
+        <p:cNvPr id="1" name=""/>
+        <p:cNvGrpSpPr/>
+        <p:nvPr/>
+      </p:nvGrpSpPr>
+      <p:grpSpPr/>
+      <p:sp>
+        <p:nvSpPr>
+          <p:cNvPr id="2" name="Title 1"/>
+          <p:cNvSpPr>
+            <a:spLocks noGrp="1"/>
+          </p:cNvSpPr>
+          <p:nvPr>
+            <p:ph type="title"/>
+          </p:nvPr>
+        </p:nvSpPr>
+        <p:spPr/>
+        <p:txBody>
+          <a:bodyPr/>
+          <a:lstStyle/>
+          <a:p>
+            <a:pPr>
+              <a:defRPr sz="4000" b="1">
+                <a:solidFill>
+                  <a:srgbClr val="2C3E50"/>
+                </a:solidFill>
+              </a:defRPr>
+            </a:pPr>
+            <a:r>
+              <a:t>Cross-Domain Performance Summary</a:t>
+            </a:r>
+          </a:p>
+        </p:txBody>
+      </p:sp>
+      <p:sp>
+        <p:nvSpPr>
+          <p:cNvPr id="3" name="Content Placeholder 2"/>
+          <p:cNvSpPr>
+            <a:spLocks noGrp="1"/>
+          </p:cNvSpPr>
+          <p:nvPr>
+            <p:ph idx="1"/>
+          </p:nvPr>
+        </p:nvSpPr>
+        <p:spPr/>
+        <p:txBody>
+          <a:bodyPr/>
+          <a:lstStyle/>
+          <a:p/>
+        </p:txBody>
+      </p:sp>
+      <p:pic>
+        <p:nvPicPr>
+          <p:cNvPr id="4" name="Picture 3" descr="shema3 (1).png"/>
+          <p:cNvPicPr>
+            <a:picLocks noChangeAspect="1"/>
+          </p:cNvPicPr>
+          <p:nvPr/>
+        </p:nvPicPr>
+        <p:blipFill>
+          <a:blip r:embed="rId2"/>
+          <a:stretch>
+            <a:fillRect/>
+          </a:stretch>
+        </p:blipFill>
+        <p:spPr>
+          <a:xfrm>
+            <a:off x="1371600" y="1828800"/>
+            <a:ext cx="2705400" cy="4114800"/>
+          </a:xfrm>
+          <a:prstGeom prst="rect">
+            <a:avLst/>
+          </a:prstGeom>
+        </p:spPr>
+      </p:pic>
+      <p:sp>
+        <p:nvSpPr>
+          <p:cNvPr id="5" name="TextBox 4"/>
+          <p:cNvSpPr txBox="1"/>
+          <p:nvPr/>
+        </p:nvSpPr>
+        <p:spPr>
+          <a:xfrm>
+            <a:off x="914400" y="5943600"/>
+            <a:ext cx="7315200" cy="457200"/>
+          </a:xfrm>
+          <a:prstGeom prst="rect">
+            <a:avLst/>
+          </a:prstGeom>
+          <a:noFill/>
+        </p:spPr>
+        <p:txBody>
+          <a:bodyPr wrap="none">
+            <a:spAutoFit/>
+          </a:bodyPr>
+          <a:lstStyle/>
+          <a:p>
+            <a:pPr algn="ctr">
+              <a:defRPr sz="1400" i="1"/>
+            </a:pPr>
+            <a:r>
+              <a:t>Consistent improvement patterns: 58-80% feature reduction while maintaining/improving accuracy</a:t>
+            </a:r>
+          </a:p>
+        </p:txBody>
+      </p:sp>
+    </p:spTree>
+  </p:cSld>
+  <p:clrMapOvr>
+    <a:masterClrMapping/>
+  </p:clrMapOvr>
+</p:sld>
+</file>
+
+<file path=ppt/slides/slide34.xml><?xml version="1.0" encoding="utf-8"?>
+<p:sld xmlns:a="http://schemas.openxmlformats.org/drawingml/2006/main" xmlns:p="http://schemas.openxmlformats.org/presentationml/2006/main" xmlns:r="http://schemas.openxmlformats.org/officeDocument/2006/relationships">
+  <p:cSld>
+    <p:spTree>
+      <p:nvGrpSpPr>
+        <p:cNvPr id="1" name=""/>
+        <p:cNvGrpSpPr/>
+        <p:nvPr/>
+      </p:nvGrpSpPr>
+      <p:grpSpPr/>
+      <p:sp>
+        <p:nvSpPr>
+          <p:cNvPr id="2" name="Title 1"/>
+          <p:cNvSpPr>
+            <a:spLocks noGrp="1"/>
+          </p:cNvSpPr>
+          <p:nvPr>
+            <p:ph type="title"/>
+          </p:nvPr>
+        </p:nvSpPr>
+        <p:spPr/>
+        <p:txBody>
+          <a:bodyPr/>
+          <a:lstStyle/>
+          <a:p>
+            <a:pPr>
+              <a:defRPr sz="4000" b="1">
+                <a:solidFill>
+                  <a:srgbClr val="2C3E50"/>
+                </a:solidFill>
+              </a:defRPr>
+            </a:pPr>
+            <a:r>
+              <a:t>Real-World Impact: Why This Matters for Vision AI</a:t>
+            </a:r>
+          </a:p>
+        </p:txBody>
+      </p:sp>
+      <p:sp>
+        <p:nvSpPr>
+          <p:cNvPr id="3" name="Content Placeholder 2"/>
+          <p:cNvSpPr>
+            <a:spLocks noGrp="1"/>
+          </p:cNvSpPr>
+          <p:nvPr>
+            <p:ph idx="1"/>
+          </p:nvPr>
+        </p:nvSpPr>
+        <p:spPr/>
+        <p:txBody>
+          <a:bodyPr/>
+          <a:lstStyle/>
+          <a:p>
+            <a:pPr>
+              <a:spcAft>
+                <a:spcPts val="1200"/>
+              </a:spcAft>
+              <a:defRPr sz="1800"/>
+            </a:pPr>
+            <a:r>
+              <a:t>🚀 Transfer Learning Made Better:</a:t>
+            </a:r>
+          </a:p>
+          <a:p>
+            <a:pPr>
+              <a:spcAft>
+                <a:spcPts val="1200"/>
+              </a:spcAft>
+              <a:defRPr sz="1800"/>
+            </a:pPr>
+            <a:r>
+              <a:t>  • Optimize frozen deep features without expensive CNN retraining</a:t>
+            </a:r>
+          </a:p>
+          <a:p>
+            <a:pPr>
+              <a:spcAft>
+                <a:spcPts val="1200"/>
+              </a:spcAft>
+              <a:defRPr sz="1800"/>
+            </a:pPr>
+            <a:r>
+              <a:t>  • 58.35% feature reduction while gaining +2.8% accuracy</a:t>
+            </a:r>
+          </a:p>
+          <a:p>
+            <a:pPr>
+              <a:spcAft>
+                <a:spcPts val="1200"/>
+              </a:spcAft>
+              <a:defRPr sz="1800"/>
+            </a:pPr>
+          </a:p>
+          <a:p>
+            <a:pPr>
+              <a:spcAft>
+                <a:spcPts val="1200"/>
+              </a:spcAft>
+              <a:defRPr sz="1800"/>
+            </a:pPr>
+            <a:r>
+              <a:t>⚡ Edge Deployment Enabled:</a:t>
+            </a:r>
+          </a:p>
+          <a:p>
+            <a:pPr>
+              <a:spcAft>
+                <a:spcPts val="1200"/>
+              </a:spcAft>
+              <a:defRPr sz="1800"/>
+            </a:pPr>
+            <a:r>
+              <a:t>  • 2.4× faster inference (2048 → 853 features)</a:t>
+            </a:r>
+          </a:p>
+          <a:p>
+            <a:pPr>
+              <a:spcAft>
+                <a:spcPts val="1200"/>
+              </a:spcAft>
+              <a:defRPr sz="1800"/>
+            </a:pPr>
+            <a:r>
+              <a:t>  • Makes AI practical for smartphones, IoT devices, embedded systems</a:t>
+            </a:r>
+          </a:p>
+          <a:p>
+            <a:pPr>
+              <a:spcAft>
+                <a:spcPts val="1200"/>
+              </a:spcAft>
+              <a:defRPr sz="1800"/>
+            </a:pPr>
+          </a:p>
+          <a:p>
+            <a:pPr>
+              <a:spcAft>
+                <a:spcPts val="1200"/>
+              </a:spcAft>
+              <a:defRPr sz="1800"/>
+            </a:pPr>
+            <a:r>
+              <a:t>💰 Cost-Effective for Startups:</a:t>
+            </a:r>
+          </a:p>
+          <a:p>
+            <a:pPr>
+              <a:spcAft>
+                <a:spcPts val="1200"/>
+              </a:spcAft>
+              <a:defRPr sz="1800"/>
+            </a:pPr>
+            <a:r>
+              <a:t>  • Only 4% of data needed (2K/50K samples)</a:t>
+            </a:r>
+          </a:p>
+          <a:p>
+            <a:pPr>
+              <a:spcAft>
+                <a:spcPts val="1200"/>
+              </a:spcAft>
+              <a:defRPr sz="1800"/>
+            </a:pPr>
+            <a:r>
+              <a:t>  • Valuable when annotation budgets are limited</a:t>
+            </a:r>
+          </a:p>
+          <a:p>
+            <a:pPr>
+              <a:spcAft>
+                <a:spcPts val="1200"/>
+              </a:spcAft>
+              <a:defRPr sz="1800"/>
+            </a:pPr>
+          </a:p>
+          <a:p>
+            <a:pPr>
+              <a:spcAft>
+                <a:spcPts val="1200"/>
+              </a:spcAft>
+              <a:defRPr sz="1800"/>
+            </a:pPr>
+            <a:r>
+              <a:t>🔍 Surprising Discovery:</a:t>
+            </a:r>
+          </a:p>
+          <a:p>
+            <a:pPr>
+              <a:spcAft>
+                <a:spcPts val="1200"/>
+              </a:spcAft>
+              <a:defRPr sz="1800"/>
+            </a:pPr>
+            <a:r>
+              <a:t>  • 58% of ResNet50 features are redundant!</a:t>
+            </a:r>
+          </a:p>
+          <a:p>
+            <a:pPr>
+              <a:spcAft>
+                <a:spcPts val="1200"/>
+              </a:spcAft>
+              <a:defRPr sz="1800"/>
+            </a:pPr>
+            <a:r>
+              <a:t>  • Suggests efficient architecture design opportunities</a:t>
+            </a:r>
+          </a:p>
+          <a:p>
+            <a:pPr>
+              <a:spcAft>
+                <a:spcPts val="1200"/>
+              </a:spcAft>
+              <a:defRPr sz="1800"/>
+            </a:pPr>
+          </a:p>
+          <a:p>
+            <a:pPr>
+              <a:spcAft>
+                <a:spcPts val="1200"/>
+              </a:spcAft>
+              <a:defRPr sz="1800"/>
+            </a:pPr>
+            <a:r>
+              <a:t>✅ Framework Transferability Proven:</a:t>
+            </a:r>
+          </a:p>
+          <a:p>
+            <a:pPr>
+              <a:spcAft>
+                <a:spcPts val="1200"/>
+              </a:spcAft>
+              <a:defRPr sz="1800"/>
+            </a:pPr>
+            <a:r>
+              <a:t>  • Medical (30-D) → Vision (2048-D) seamlessly</a:t>
+            </a:r>
+          </a:p>
+          <a:p>
+            <a:pPr>
+              <a:spcAft>
+                <a:spcPts val="1200"/>
+              </a:spcAft>
+              <a:defRPr sz="1800"/>
+            </a:pPr>
+            <a:r>
+              <a:t>  • Binary → Multi-class classification works</a:t>
+            </a:r>
+          </a:p>
+        </p:txBody>
+      </p:sp>
+    </p:spTree>
+  </p:cSld>
+  <p:clrMapOvr>
+    <a:masterClrMapping/>
+  </p:clrMapOvr>
+</p:sld>
+</file>
+
+<file path=ppt/slides/slide35.xml><?xml version="1.0" encoding="utf-8"?>
+<p:sld xmlns:a="http://schemas.openxmlformats.org/drawingml/2006/main" xmlns:p="http://schemas.openxmlformats.org/presentationml/2006/main" xmlns:r="http://schemas.openxmlformats.org/officeDocument/2006/relationships">
+  <p:cSld>
+    <p:spTree>
+      <p:nvGrpSpPr>
+        <p:cNvPr id="1" name=""/>
+        <p:cNvGrpSpPr/>
+        <p:nvPr/>
+      </p:nvGrpSpPr>
+      <p:grpSpPr/>
+      <p:sp>
+        <p:nvSpPr>
+          <p:cNvPr id="2" name="Title 1"/>
+          <p:cNvSpPr>
+            <a:spLocks noGrp="1"/>
+          </p:cNvSpPr>
+          <p:nvPr>
+            <p:ph type="title"/>
+          </p:nvPr>
+        </p:nvSpPr>
+        <p:spPr/>
+        <p:txBody>
+          <a:bodyPr/>
+          <a:lstStyle/>
+          <a:p>
+            <a:pPr>
+              <a:defRPr sz="4000" b="1">
+                <a:solidFill>
+                  <a:srgbClr val="2C3E50"/>
+                </a:solidFill>
+              </a:defRPr>
+            </a:pPr>
+            <a:r>
+              <a:t>Framework Generalizability Validated</a:t>
+            </a:r>
+          </a:p>
+        </p:txBody>
+      </p:sp>
+      <p:sp>
+        <p:nvSpPr>
+          <p:cNvPr id="3" name="Content Placeholder 2"/>
+          <p:cNvSpPr>
+            <a:spLocks noGrp="1"/>
+          </p:cNvSpPr>
+          <p:nvPr>
+            <p:ph idx="1"/>
+          </p:nvPr>
+        </p:nvSpPr>
+        <p:spPr/>
+        <p:txBody>
+          <a:bodyPr/>
+          <a:lstStyle/>
+          <a:p>
+            <a:pPr>
+              <a:spcAft>
+                <a:spcPts val="1200"/>
+              </a:spcAft>
+              <a:defRPr sz="1800"/>
+            </a:pPr>
+            <a:r>
+              <a:t>DIO Framework Successfully Applied to Multiple Algorithms:</a:t>
+            </a:r>
+          </a:p>
+          <a:p>
+            <a:pPr>
+              <a:spcAft>
+                <a:spcPts val="1200"/>
+              </a:spcAft>
+              <a:defRPr sz="1800"/>
+            </a:pPr>
+          </a:p>
+          <a:p>
+            <a:pPr>
+              <a:spcAft>
+                <a:spcPts val="1200"/>
+              </a:spcAft>
+              <a:defRPr sz="1800"/>
+            </a:pPr>
+            <a:r>
+              <a:t>✓ Random Forest (Bagging ensemble)</a:t>
+            </a:r>
+          </a:p>
+          <a:p>
+            <a:pPr lvl="1">
+              <a:defRPr sz="1600"/>
+            </a:pPr>
+            <a:r>
+              <a:t>Single-split: 94.72% (suffered optimization overfitting)</a:t>
+            </a:r>
+          </a:p>
+          <a:p>
+            <a:pPr lvl="1">
+              <a:defRPr sz="1600"/>
+            </a:pPr>
+            <a:r>
+              <a:t>CV-based: 96.26% (fixed overfitting, rank #3)</a:t>
+            </a:r>
+          </a:p>
+          <a:p>
+            <a:pPr>
+              <a:defRPr sz="1800" b="1"/>
+            </a:pPr>
+            <a:r>
+              <a:t>✓ XGBoost (Gradient boosting)</a:t>
+            </a:r>
+          </a:p>
+          <a:p>
+            <a:pPr lvl="1">
+              <a:defRPr sz="1600"/>
+            </a:pPr>
+            <a:r>
+              <a:t>Single-split: 96.34% (best overall, rank #1)</a:t>
+            </a:r>
+          </a:p>
+          <a:p>
+            <a:pPr lvl="1">
+              <a:defRPr sz="1600"/>
+            </a:pPr>
+            <a:r>
+              <a:t>Inherent regularization prevents optimization overfitting!</a:t>
+            </a:r>
+          </a:p>
+          <a:p>
+            <a:pPr/>
+          </a:p>
+          <a:p>
+            <a:pPr>
+              <a:defRPr sz="1800" b="1">
+                <a:solidFill>
+                  <a:srgbClr val="E74C3C"/>
+                </a:solidFill>
+              </a:defRPr>
+            </a:pPr>
+            <a:r>
+              <a:t>Key Discovery: Algorithm-dependent optimization behavior</a:t>
+            </a:r>
+          </a:p>
+        </p:txBody>
+      </p:sp>
+    </p:spTree>
+  </p:cSld>
+  <p:clrMapOvr>
+    <a:masterClrMapping/>
+  </p:clrMapOvr>
+</p:sld>
+</file>
+
+<file path=ppt/slides/slide36.xml><?xml version="1.0" encoding="utf-8"?>
+<p:sld xmlns:a="http://schemas.openxmlformats.org/drawingml/2006/main" xmlns:p="http://schemas.openxmlformats.org/presentationml/2006/main" xmlns:r="http://schemas.openxmlformats.org/officeDocument/2006/relationships">
+  <p:cSld>
+    <p:spTree>
+      <p:nvGrpSpPr>
+        <p:cNvPr id="1" name=""/>
+        <p:cNvGrpSpPr/>
+        <p:nvPr/>
+      </p:nvGrpSpPr>
+      <p:grpSpPr/>
+      <p:sp>
+        <p:nvSpPr>
+          <p:cNvPr id="2" name="Title 1"/>
+          <p:cNvSpPr>
+            <a:spLocks noGrp="1"/>
+          </p:cNvSpPr>
+          <p:nvPr>
+            <p:ph type="title"/>
+          </p:nvPr>
+        </p:nvSpPr>
+        <p:spPr/>
+        <p:txBody>
+          <a:bodyPr/>
+          <a:lstStyle/>
+          <a:p>
+            <a:pPr>
+              <a:defRPr sz="4000" b="1">
+                <a:solidFill>
+                  <a:srgbClr val="2C3E50"/>
+                </a:solidFill>
+              </a:defRPr>
+            </a:pPr>
+            <a:r>
+              <a:t>Evolution of Optimization Strategies</a:t>
+            </a:r>
+          </a:p>
+        </p:txBody>
+      </p:sp>
+      <p:sp>
+        <p:nvSpPr>
+          <p:cNvPr id="3" name="Content Placeholder 2"/>
+          <p:cNvSpPr>
+            <a:spLocks noGrp="1"/>
+          </p:cNvSpPr>
+          <p:nvPr>
+            <p:ph idx="1"/>
+          </p:nvPr>
+        </p:nvSpPr>
+        <p:spPr/>
+        <p:txBody>
+          <a:bodyPr/>
+          <a:lstStyle/>
+          <a:p/>
+        </p:txBody>
+      </p:sp>
+      <p:pic>
+        <p:nvPicPr>
+          <p:cNvPr id="4" name="Picture 3" descr="Shema6 (1).PNG"/>
+          <p:cNvPicPr>
+            <a:picLocks noChangeAspect="1"/>
+          </p:cNvPicPr>
+          <p:nvPr/>
+        </p:nvPicPr>
+        <p:blipFill>
+          <a:blip r:embed="rId2"/>
+          <a:stretch>
+            <a:fillRect/>
+          </a:stretch>
+        </p:blipFill>
+        <p:spPr>
+          <a:xfrm>
+            <a:off x="1371600" y="1828800"/>
+            <a:ext cx="3100053" cy="4114800"/>
+          </a:xfrm>
+          <a:prstGeom prst="rect">
+            <a:avLst/>
+          </a:prstGeom>
+        </p:spPr>
+      </p:pic>
+      <p:sp>
+        <p:nvSpPr>
+          <p:cNvPr id="5" name="TextBox 4"/>
+          <p:cNvSpPr txBox="1"/>
+          <p:nvPr/>
+        </p:nvSpPr>
+        <p:spPr>
+          <a:xfrm>
+            <a:off x="914400" y="5943600"/>
+            <a:ext cx="7315200" cy="457200"/>
+          </a:xfrm>
+          <a:prstGeom prst="rect">
+            <a:avLst/>
+          </a:prstGeom>
+          <a:noFill/>
+        </p:spPr>
+        <p:txBody>
+          <a:bodyPr wrap="none">
+            <a:spAutoFit/>
+          </a:bodyPr>
+          <a:lstStyle/>
+          <a:p>
+            <a:pPr algn="ctr">
+              <a:defRPr sz="1400" i="1"/>
+            </a:pPr>
+            <a:r>
+              <a:t>Three approaches tested: Single-split RF → CV-based RF → Single-split XGBoost (best overall)</a:t>
+            </a:r>
+          </a:p>
+        </p:txBody>
+      </p:sp>
+    </p:spTree>
+  </p:cSld>
+  <p:clrMapOvr>
+    <a:masterClrMapping/>
+  </p:clrMapOvr>
+</p:sld>
+</file>
+
+<file path=ppt/slides/slide37.xml><?xml version="1.0" encoding="utf-8"?>
+<p:sld xmlns:a="http://schemas.openxmlformats.org/drawingml/2006/main" xmlns:p="http://schemas.openxmlformats.org/presentationml/2006/main" xmlns:r="http://schemas.openxmlformats.org/officeDocument/2006/relationships">
+  <p:cSld>
+    <p:spTree>
+      <p:nvGrpSpPr>
+        <p:cNvPr id="1" name=""/>
+        <p:cNvGrpSpPr/>
+        <p:nvPr/>
+      </p:nvGrpSpPr>
+      <p:grpSpPr/>
+      <p:sp>
+        <p:nvSpPr>
+          <p:cNvPr id="2" name="Title 1"/>
+          <p:cNvSpPr>
+            <a:spLocks noGrp="1"/>
+          </p:cNvSpPr>
+          <p:nvPr>
+            <p:ph type="title"/>
+          </p:nvPr>
+        </p:nvSpPr>
+        <p:spPr/>
+        <p:txBody>
+          <a:bodyPr/>
+          <a:lstStyle/>
+          <a:p>
+            <a:pPr>
+              <a:defRPr sz="4000" b="1">
+                <a:solidFill>
+                  <a:srgbClr val="2C3E50"/>
+                </a:solidFill>
+              </a:defRPr>
+            </a:pPr>
+            <a:r>
+              <a:t>Limitations &amp; Lessons Learned</a:t>
+            </a:r>
+          </a:p>
+        </p:txBody>
+      </p:sp>
+      <p:sp>
+        <p:nvSpPr>
+          <p:cNvPr id="3" name="Content Placeholder 2"/>
+          <p:cNvSpPr>
+            <a:spLocks noGrp="1"/>
+          </p:cNvSpPr>
+          <p:nvPr>
+            <p:ph idx="1"/>
+          </p:nvPr>
+        </p:nvSpPr>
+        <p:spPr/>
+        <p:txBody>
+          <a:bodyPr/>
+          <a:lstStyle/>
+          <a:p>
+            <a:pPr>
+              <a:spcAft>
+                <a:spcPts val="1200"/>
+              </a:spcAft>
+              <a:defRPr sz="1800"/>
+            </a:pPr>
+            <a:r>
+              <a:t>✓ RESOLVED: Optimization overfitting in Random Forest</a:t>
+            </a:r>
+          </a:p>
+          <a:p>
+            <a:pPr>
+              <a:spcAft>
+                <a:spcPts val="1200"/>
+              </a:spcAft>
+              <a:defRPr sz="1800"/>
+            </a:pPr>
+            <a:r>
+              <a:t>  → CV-based approach increased accuracy from 94.72% to 96.26%</a:t>
+            </a:r>
+          </a:p>
+          <a:p>
+            <a:pPr>
+              <a:spcAft>
+                <a:spcPts val="1200"/>
+              </a:spcAft>
+              <a:defRPr sz="1800"/>
+            </a:pPr>
+            <a:r>
+              <a:t>  → Feature reduction improved from 73% to 80%</a:t>
+            </a:r>
+          </a:p>
+          <a:p>
+            <a:pPr>
+              <a:spcAft>
+                <a:spcPts val="1200"/>
+              </a:spcAft>
+              <a:defRPr sz="1800"/>
+            </a:pPr>
+          </a:p>
+          <a:p>
+            <a:pPr>
+              <a:spcAft>
+                <a:spcPts val="1200"/>
+              </a:spcAft>
+              <a:defRPr sz="1800"/>
+            </a:pPr>
+            <a:r>
+              <a:t>✓ DISCOVERY: Algorithm-dependent optimization behavior</a:t>
+            </a:r>
+          </a:p>
+          <a:p>
+            <a:pPr>
+              <a:spcAft>
+                <a:spcPts val="1200"/>
+              </a:spcAft>
+              <a:defRPr sz="1800"/>
+            </a:pPr>
+            <a:r>
+              <a:t>  → XGBoost's regularization enables successful single-split optimization</a:t>
+            </a:r>
+          </a:p>
+          <a:p>
+            <a:pPr>
+              <a:spcAft>
+                <a:spcPts val="1200"/>
+              </a:spcAft>
+              <a:defRPr sz="1800"/>
+            </a:pPr>
+            <a:r>
+              <a:t>  → Different algorithms require different validation strategies</a:t>
+            </a:r>
+          </a:p>
+          <a:p>
+            <a:pPr>
+              <a:spcAft>
+                <a:spcPts val="1200"/>
+              </a:spcAft>
+              <a:defRPr sz="1800"/>
+            </a:pPr>
+          </a:p>
+          <a:p>
+            <a:pPr>
+              <a:spcAft>
+                <a:spcPts val="1200"/>
+              </a:spcAft>
+              <a:defRPr sz="1800"/>
+            </a:pPr>
+            <a:r>
+              <a:t>Remaining Limitations:</a:t>
+            </a:r>
+          </a:p>
+          <a:p>
+            <a:pPr>
+              <a:spcAft>
+                <a:spcPts val="1200"/>
+              </a:spcAft>
+              <a:defRPr sz="1800"/>
+            </a:pPr>
+            <a:r>
+              <a:t>• Single dataset evaluation (Breast Cancer Wisconsin only)</a:t>
+            </a:r>
+          </a:p>
+          <a:p>
+            <a:pPr>
+              <a:spcAft>
+                <a:spcPts val="1200"/>
+              </a:spcAft>
+              <a:defRPr sz="1800"/>
+            </a:pPr>
+            <a:r>
+              <a:t>• Limited hyperparameter spaces (4 RF, 5 XGBoost parameters)</a:t>
+            </a:r>
+          </a:p>
+          <a:p>
+            <a:pPr>
+              <a:spcAft>
+                <a:spcPts val="1200"/>
+              </a:spcAft>
+              <a:defRPr sz="1800"/>
+            </a:pPr>
+            <a:r>
+              <a:t>• No comparison with other metaheuristics (PSO, GA, ACO)</a:t>
+            </a:r>
+          </a:p>
+          <a:p>
+            <a:pPr>
+              <a:spcAft>
+                <a:spcPts val="1200"/>
+              </a:spcAft>
+              <a:defRPr sz="1800"/>
+            </a:pPr>
+            <a:r>
+              <a:t>• Feature selection stability not assessed across multiple runs</a:t>
+            </a:r>
+          </a:p>
+        </p:txBody>
+      </p:sp>
+    </p:spTree>
+  </p:cSld>
+  <p:clrMapOvr>
+    <a:masterClrMapping/>
+  </p:clrMapOvr>
+</p:sld>
+</file>
+
+<file path=ppt/slides/slide38.xml><?xml version="1.0" encoding="utf-8"?>
+<p:sld xmlns:a="http://schemas.openxmlformats.org/drawingml/2006/main" xmlns:p="http://schemas.openxmlformats.org/presentationml/2006/main" xmlns:r="http://schemas.openxmlformats.org/officeDocument/2006/relationships">
+  <p:cSld>
+    <p:spTree>
+      <p:nvGrpSpPr>
+        <p:cNvPr id="1" name=""/>
+        <p:cNvGrpSpPr/>
+        <p:nvPr/>
+      </p:nvGrpSpPr>
+      <p:grpSpPr/>
+      <p:sp>
+        <p:nvSpPr>
+          <p:cNvPr id="2" name="Title 1"/>
+          <p:cNvSpPr>
+            <a:spLocks noGrp="1"/>
+          </p:cNvSpPr>
+          <p:nvPr>
+            <p:ph type="title"/>
+          </p:nvPr>
+        </p:nvSpPr>
+        <p:spPr/>
+        <p:txBody>
+          <a:bodyPr/>
+          <a:lstStyle/>
+          <a:p>
+            <a:pPr>
+              <a:defRPr sz="4000" b="1">
+                <a:solidFill>
+                  <a:srgbClr val="2C3E50"/>
+                </a:solidFill>
+              </a:defRPr>
+            </a:pPr>
+            <a:r>
+              <a:t>Future Research Directions</a:t>
+            </a:r>
+          </a:p>
+        </p:txBody>
+      </p:sp>
+      <p:sp>
+        <p:nvSpPr>
+          <p:cNvPr id="3" name="Content Placeholder 2"/>
+          <p:cNvSpPr>
+            <a:spLocks noGrp="1"/>
+          </p:cNvSpPr>
+          <p:nvPr>
+            <p:ph idx="1"/>
+          </p:nvPr>
+        </p:nvSpPr>
+        <p:spPr/>
+        <p:txBody>
+          <a:bodyPr/>
+          <a:lstStyle/>
+          <a:p>
+            <a:pPr>
+              <a:spcAft>
+                <a:spcPts val="1200"/>
+              </a:spcAft>
+              <a:defRPr sz="1800"/>
+            </a:pPr>
+            <a:r>
+              <a:t>1. Multi-dataset validation</a:t>
+            </a:r>
+          </a:p>
+          <a:p>
+            <a:pPr>
+              <a:spcAft>
+                <a:spcPts val="1200"/>
+              </a:spcAft>
+              <a:defRPr sz="1800"/>
+            </a:pPr>
+            <a:r>
+              <a:t>  → Lung cancer, diabetes, heart disease datasets</a:t>
+            </a:r>
+          </a:p>
+          <a:p>
+            <a:pPr>
+              <a:spcAft>
+                <a:spcPts val="1200"/>
+              </a:spcAft>
+              <a:defRPr sz="1800"/>
+            </a:pPr>
+            <a:r>
+              <a:t>  → Verify algorithm-dependent optimization findings</a:t>
+            </a:r>
+          </a:p>
+          <a:p>
+            <a:pPr>
+              <a:spcAft>
+                <a:spcPts val="1200"/>
+              </a:spcAft>
+              <a:defRPr sz="1800"/>
+            </a:pPr>
+          </a:p>
+          <a:p>
+            <a:pPr>
+              <a:spcAft>
+                <a:spcPts val="1200"/>
+              </a:spcAft>
+              <a:defRPr sz="1800"/>
+            </a:pPr>
+            <a:r>
+              <a:t>2. CV-based XGBoost optimization</a:t>
+            </a:r>
+          </a:p>
+          <a:p>
+            <a:pPr>
+              <a:spcAft>
+                <a:spcPts val="1200"/>
+              </a:spcAft>
+              <a:defRPr sz="1800"/>
+            </a:pPr>
+            <a:r>
+              <a:t>  → Can 96.34% accuracy be improved further with CV?</a:t>
+            </a:r>
+          </a:p>
+          <a:p>
+            <a:pPr>
+              <a:spcAft>
+                <a:spcPts val="1200"/>
+              </a:spcAft>
+              <a:defRPr sz="1800"/>
+            </a:pPr>
+            <a:r>
+              <a:t>  → Compare single-split vs CV for gradient boosting</a:t>
+            </a:r>
+          </a:p>
+          <a:p>
+            <a:pPr>
+              <a:spcAft>
+                <a:spcPts val="1200"/>
+              </a:spcAft>
+              <a:defRPr sz="1800"/>
+            </a:pPr>
+          </a:p>
+          <a:p>
+            <a:pPr>
+              <a:spcAft>
+                <a:spcPts val="1200"/>
+              </a:spcAft>
+              <a:defRPr sz="1800"/>
+            </a:pPr>
+            <a:r>
+              <a:t>3. Benchmark against other metaheuristics (PSO, GA, ACO, GWO)</a:t>
+            </a:r>
+          </a:p>
+          <a:p>
+            <a:pPr>
+              <a:spcAft>
+                <a:spcPts val="1200"/>
+              </a:spcAft>
+              <a:defRPr sz="1800"/>
+            </a:pPr>
+            <a:r>
+              <a:t>4. Extend to deep learning (neural architecture search)</a:t>
+            </a:r>
+          </a:p>
+          <a:p>
+            <a:pPr>
+              <a:spcAft>
+                <a:spcPts val="1200"/>
+              </a:spcAft>
+              <a:defRPr sz="1800"/>
+            </a:pPr>
+            <a:r>
+              <a:t>5. Feature selection stability analysis across multiple DIO runs</a:t>
+            </a:r>
+          </a:p>
+          <a:p>
+            <a:pPr>
+              <a:spcAft>
+                <a:spcPts val="1200"/>
+              </a:spcAft>
+              <a:defRPr sz="1800"/>
+            </a:pPr>
+            <a:r>
+              <a:t>6. Real-world clinical deployment and prospective validation</a:t>
+            </a:r>
+          </a:p>
+          <a:p>
+            <a:pPr>
+              <a:spcAft>
+                <a:spcPts val="1200"/>
+              </a:spcAft>
+              <a:defRPr sz="1800"/>
+            </a:pPr>
+            <a:r>
+              <a:t>7. Computational efficiency analysis and parallelization</a:t>
+            </a:r>
+          </a:p>
+        </p:txBody>
+      </p:sp>
+    </p:spTree>
+  </p:cSld>
+  <p:clrMapOvr>
+    <a:masterClrMapping/>
+  </p:clrMapOvr>
+</p:sld>
+</file>
+
+<file path=ppt/slides/slide39.xml><?xml version="1.0" encoding="utf-8"?>
+<p:sld xmlns:a="http://schemas.openxmlformats.org/drawingml/2006/main" xmlns:p="http://schemas.openxmlformats.org/presentationml/2006/main" xmlns:r="http://schemas.openxmlformats.org/officeDocument/2006/relationships">
+  <p:cSld>
+    <p:spTree>
+      <p:nvGrpSpPr>
+        <p:cNvPr id="1" name=""/>
+        <p:cNvGrpSpPr/>
+        <p:nvPr/>
+      </p:nvGrpSpPr>
+      <p:grpSpPr/>
+      <p:sp>
+        <p:nvSpPr>
+          <p:cNvPr id="2" name="Title 1"/>
+          <p:cNvSpPr>
+            <a:spLocks noGrp="1"/>
+          </p:cNvSpPr>
+          <p:nvPr>
+            <p:ph type="title"/>
+          </p:nvPr>
+        </p:nvSpPr>
+        <p:spPr/>
+        <p:txBody>
+          <a:bodyPr/>
+          <a:lstStyle/>
+          <a:p>
+            <a:pPr>
+              <a:defRPr sz="4000" b="1">
+                <a:solidFill>
+                  <a:srgbClr val="2C3E50"/>
+                </a:solidFill>
+              </a:defRPr>
+            </a:pPr>
+            <a:r>
+              <a:t>Key Contributions</a:t>
+            </a:r>
+          </a:p>
+        </p:txBody>
+      </p:sp>
+      <p:sp>
+        <p:nvSpPr>
+          <p:cNvPr id="3" name="Content Placeholder 2"/>
+          <p:cNvSpPr>
+            <a:spLocks noGrp="1"/>
+          </p:cNvSpPr>
+          <p:nvPr>
+            <p:ph idx="1"/>
+          </p:nvPr>
+        </p:nvSpPr>
+        <p:spPr/>
+        <p:txBody>
+          <a:bodyPr/>
+          <a:lstStyle/>
+          <a:p>
+            <a:pPr>
+              <a:spcAft>
+                <a:spcPts val="1200"/>
+              </a:spcAft>
+              <a:defRPr sz="1800"/>
+            </a:pPr>
+            <a:r>
+              <a:t>✓ First Python implementation of DIO algorithm</a:t>
+            </a:r>
+          </a:p>
+          <a:p>
+            <a:pPr>
+              <a:spcAft>
+                <a:spcPts val="1200"/>
+              </a:spcAft>
+              <a:defRPr sz="1800"/>
+            </a:pPr>
+            <a:r>
+              <a:t>✓ Novel nested optimization framework for simultaneous tuning</a:t>
+            </a:r>
+          </a:p>
+          <a:p>
+            <a:pPr>
+              <a:spcAft>
+                <a:spcPts val="1200"/>
+              </a:spcAft>
+              <a:defRPr sz="1800"/>
+            </a:pPr>
+            <a:r>
+              <a:t>✓ Three validated optimization approaches with trade-off analysis</a:t>
+            </a:r>
+          </a:p>
+          <a:p>
+            <a:pPr>
+              <a:spcAft>
+                <a:spcPts val="1200"/>
+              </a:spcAft>
+              <a:defRPr sz="1800"/>
+            </a:pPr>
+            <a:r>
+              <a:t>✓ Discovery of algorithm-dependent optimization overfitting</a:t>
+            </a:r>
+          </a:p>
+          <a:p>
+            <a:pPr>
+              <a:spcAft>
+                <a:spcPts val="1200"/>
+              </a:spcAft>
+              <a:defRPr sz="1800"/>
+            </a:pPr>
+            <a:r>
+              <a:t>✓ Multi-algorithm validation (Random Forest + XGBoost)</a:t>
+            </a:r>
+          </a:p>
+          <a:p>
+            <a:pPr>
+              <a:spcAft>
+                <a:spcPts val="1200"/>
+              </a:spcAft>
+              <a:defRPr sz="1800"/>
+            </a:pPr>
+            <a:r>
+              <a:t>✓ Rigorous statistical validation (30 independent runs per approach)</a:t>
+            </a:r>
+          </a:p>
+          <a:p>
+            <a:pPr>
+              <a:spcAft>
+                <a:spcPts val="1200"/>
+              </a:spcAft>
+              <a:defRPr sz="1800"/>
+            </a:pPr>
+            <a:r>
+              <a:t>✓ Comprehensive Pareto analysis with deployment recommendations</a:t>
+            </a:r>
+          </a:p>
+          <a:p>
+            <a:pPr>
+              <a:spcAft>
+                <a:spcPts val="1200"/>
+              </a:spcAft>
+              <a:defRPr sz="1800"/>
+            </a:pPr>
+            <a:r>
+              <a:t>✓ Open-source implementation for reproducible research</a:t>
+            </a:r>
+          </a:p>
+          <a:p>
+            <a:pPr>
+              <a:spcAft>
+                <a:spcPts val="1200"/>
+              </a:spcAft>
+              <a:defRPr sz="1800"/>
+            </a:pPr>
+            <a:r>
+              <a:t>✓ Best-in-class performance: 96.34% accuracy (Rank #1)</a:t>
             </a:r>
           </a:p>
         </p:txBody>
@@ -7257,6 +8303,432 @@
 </p:sld>
 </file>
 
+<file path=ppt/slides/slide40.xml><?xml version="1.0" encoding="utf-8"?>
+<p:sld xmlns:a="http://schemas.openxmlformats.org/drawingml/2006/main" xmlns:p="http://schemas.openxmlformats.org/presentationml/2006/main" xmlns:r="http://schemas.openxmlformats.org/officeDocument/2006/relationships">
+  <p:cSld>
+    <p:spTree>
+      <p:nvGrpSpPr>
+        <p:cNvPr id="1" name=""/>
+        <p:cNvGrpSpPr/>
+        <p:nvPr/>
+      </p:nvGrpSpPr>
+      <p:grpSpPr/>
+      <p:sp>
+        <p:nvSpPr>
+          <p:cNvPr id="2" name="Title 1"/>
+          <p:cNvSpPr>
+            <a:spLocks noGrp="1"/>
+          </p:cNvSpPr>
+          <p:nvPr>
+            <p:ph type="title"/>
+          </p:nvPr>
+        </p:nvSpPr>
+        <p:spPr/>
+        <p:txBody>
+          <a:bodyPr/>
+          <a:lstStyle/>
+          <a:p>
+            <a:pPr>
+              <a:defRPr sz="4000" b="1">
+                <a:solidFill>
+                  <a:srgbClr val="2C3E50"/>
+                </a:solidFill>
+              </a:defRPr>
+            </a:pPr>
+            <a:r>
+              <a:t>What We Learned</a:t>
+            </a:r>
+          </a:p>
+        </p:txBody>
+      </p:sp>
+      <p:sp>
+        <p:nvSpPr>
+          <p:cNvPr id="3" name="Content Placeholder 2"/>
+          <p:cNvSpPr>
+            <a:spLocks noGrp="1"/>
+          </p:cNvSpPr>
+          <p:nvPr>
+            <p:ph idx="1"/>
+          </p:nvPr>
+        </p:nvSpPr>
+        <p:spPr/>
+        <p:txBody>
+          <a:bodyPr/>
+          <a:lstStyle/>
+          <a:p/>
+        </p:txBody>
+      </p:sp>
+      <p:sp>
+        <p:nvSpPr>
+          <p:cNvPr id="4" name="TextBox 3"/>
+          <p:cNvSpPr txBox="1"/>
+          <p:nvPr/>
+        </p:nvSpPr>
+        <p:spPr>
+          <a:xfrm>
+            <a:off x="731520" y="1828800"/>
+            <a:ext cx="7680960" cy="4114800"/>
+          </a:xfrm>
+          <a:prstGeom prst="rect">
+            <a:avLst/>
+          </a:prstGeom>
+          <a:noFill/>
+        </p:spPr>
+        <p:txBody>
+          <a:bodyPr wrap="none">
+            <a:spAutoFit/>
+          </a:bodyPr>
+          <a:lstStyle/>
+          <a:p>
+            <a:pPr>
+              <a:spcAft>
+                <a:spcPts val="600"/>
+              </a:spcAft>
+              <a:defRPr sz="1800"/>
+            </a:pPr>
+            <a:r>
+              <a:t>DIO framework successfully validated across TWO distinct domains:</a:t>
+            </a:r>
+          </a:p>
+          <a:p>
+            <a:pPr>
+              <a:spcAft>
+                <a:spcPts val="600"/>
+              </a:spcAft>
+              <a:defRPr sz="1800"/>
+            </a:pPr>
+          </a:p>
+          <a:p>
+            <a:pPr>
+              <a:spcAft>
+                <a:spcPts val="600"/>
+              </a:spcAft>
+              <a:defRPr sz="1800"/>
+            </a:pPr>
+            <a:r>
+              <a:t>🏥 Medical Classification (Breast Cancer):</a:t>
+            </a:r>
+          </a:p>
+          <a:p>
+            <a:pPr>
+              <a:spcAft>
+                <a:spcPts val="600"/>
+              </a:spcAft>
+              <a:defRPr sz="1800"/>
+            </a:pPr>
+            <a:r>
+              <a:t>  🏆 DIO-XGBoost: 96.34% accuracy, 17 features (Rank #1 BEST OVERALL)</a:t>
+            </a:r>
+          </a:p>
+          <a:p>
+            <a:pPr>
+              <a:spcAft>
+                <a:spcPts val="600"/>
+              </a:spcAft>
+              <a:defRPr sz="1800"/>
+            </a:pPr>
+            <a:r>
+              <a:t>  🥉 DIO-RF-CV: 96.26% accuracy, 6 features (80% reduction)</a:t>
+            </a:r>
+          </a:p>
+          <a:p>
+            <a:pPr>
+              <a:spcAft>
+                <a:spcPts val="600"/>
+              </a:spcAft>
+              <a:defRPr sz="1800"/>
+            </a:pPr>
+          </a:p>
+          <a:p>
+            <a:pPr>
+              <a:spcAft>
+                <a:spcPts val="600"/>
+              </a:spcAft>
+              <a:defRPr sz="1800"/>
+            </a:pPr>
+            <a:r>
+              <a:t>🖼️ Computer Vision (CIFAR-10 Images):</a:t>
+            </a:r>
+          </a:p>
+          <a:p>
+            <a:pPr>
+              <a:spcAft>
+                <a:spcPts val="600"/>
+              </a:spcAft>
+              <a:defRPr sz="1800"/>
+            </a:pPr>
+            <a:r>
+              <a:t>  • Full dataset baseline: 85% (XGBoost, 2048 features)</a:t>
+            </a:r>
+          </a:p>
+          <a:p>
+            <a:pPr>
+              <a:spcAft>
+                <a:spcPts val="600"/>
+              </a:spcAft>
+              <a:defRPr sz="1800"/>
+            </a:pPr>
+            <a:r>
+              <a:t>  • DIO optimized: 83.6% on subset (+2.8%, 58.35% reduction)</a:t>
+            </a:r>
+          </a:p>
+          <a:p>
+            <a:pPr>
+              <a:spcAft>
+                <a:spcPts val="600"/>
+              </a:spcAft>
+              <a:defRPr sz="1800"/>
+            </a:pPr>
+            <a:r>
+              <a:t>  • 2.4× inference speedup for edge deployment</a:t>
+            </a:r>
+          </a:p>
+          <a:p>
+            <a:pPr>
+              <a:spcAft>
+                <a:spcPts val="600"/>
+              </a:spcAft>
+              <a:defRPr sz="1800"/>
+            </a:pPr>
+          </a:p>
+          <a:p>
+            <a:pPr>
+              <a:spcAft>
+                <a:spcPts val="600"/>
+              </a:spcAft>
+              <a:defRPr sz="1800"/>
+            </a:pPr>
+            <a:r>
+              <a:t>🔑 Unexpected Discoveries:</a:t>
+            </a:r>
+          </a:p>
+          <a:p>
+            <a:pPr>
+              <a:spcAft>
+                <a:spcPts val="600"/>
+              </a:spcAft>
+              <a:defRPr sz="1800"/>
+            </a:pPr>
+            <a:r>
+              <a:t>  • Optimization overfitting is algorithm-dependent (not universal!)</a:t>
+            </a:r>
+          </a:p>
+          <a:p>
+            <a:pPr>
+              <a:spcAft>
+                <a:spcPts val="600"/>
+              </a:spcAft>
+              <a:defRPr sz="1800"/>
+            </a:pPr>
+            <a:r>
+              <a:t>  • DIO scales remarkably: 30-D → 2048-D (68× increase)</a:t>
+            </a:r>
+          </a:p>
+          <a:p>
+            <a:pPr>
+              <a:spcAft>
+                <a:spcPts val="600"/>
+              </a:spcAft>
+              <a:defRPr sz="1800"/>
+            </a:pPr>
+            <a:r>
+              <a:t>  • Even deep learning features have massive redundancy (58%)</a:t>
+            </a:r>
+          </a:p>
+          <a:p>
+            <a:pPr>
+              <a:spcAft>
+                <a:spcPts val="600"/>
+              </a:spcAft>
+              <a:defRPr sz="1800"/>
+            </a:pPr>
+          </a:p>
+          <a:p>
+            <a:pPr>
+              <a:spcAft>
+                <a:spcPts val="600"/>
+              </a:spcAft>
+              <a:defRPr sz="1800"/>
+            </a:pPr>
+            <a:r>
+              <a:t>✅ Multi-domain framework proven for medical AI &amp; computer vision</a:t>
+            </a:r>
+          </a:p>
+        </p:txBody>
+      </p:sp>
+    </p:spTree>
+  </p:cSld>
+  <p:clrMapOvr>
+    <a:masterClrMapping/>
+  </p:clrMapOvr>
+</p:sld>
+</file>
+
+<file path=ppt/slides/slide41.xml><?xml version="1.0" encoding="utf-8"?>
+<p:sld xmlns:a="http://schemas.openxmlformats.org/drawingml/2006/main" xmlns:p="http://schemas.openxmlformats.org/presentationml/2006/main" xmlns:r="http://schemas.openxmlformats.org/officeDocument/2006/relationships">
+  <p:cSld>
+    <p:spTree>
+      <p:nvGrpSpPr>
+        <p:cNvPr id="1" name=""/>
+        <p:cNvGrpSpPr/>
+        <p:nvPr/>
+      </p:nvGrpSpPr>
+      <p:grpSpPr/>
+      <p:sp>
+        <p:nvSpPr>
+          <p:cNvPr id="2" name="TextBox 1"/>
+          <p:cNvSpPr txBox="1"/>
+          <p:nvPr/>
+        </p:nvSpPr>
+        <p:spPr>
+          <a:xfrm>
+            <a:off x="914400" y="1828800"/>
+            <a:ext cx="7315200" cy="914400"/>
+          </a:xfrm>
+          <a:prstGeom prst="rect">
+            <a:avLst/>
+          </a:prstGeom>
+          <a:noFill/>
+        </p:spPr>
+        <p:txBody>
+          <a:bodyPr wrap="none">
+            <a:spAutoFit/>
+          </a:bodyPr>
+          <a:lstStyle/>
+          <a:p>
+            <a:pPr algn="ctr">
+              <a:defRPr sz="6000" b="1">
+                <a:solidFill>
+                  <a:srgbClr val="2C3E50"/>
+                </a:solidFill>
+              </a:defRPr>
+            </a:pPr>
+            <a:r>
+              <a:t>Thank You!</a:t>
+            </a:r>
+          </a:p>
+        </p:txBody>
+      </p:sp>
+      <p:sp>
+        <p:nvSpPr>
+          <p:cNvPr id="3" name="TextBox 2"/>
+          <p:cNvSpPr txBox="1"/>
+          <p:nvPr/>
+        </p:nvSpPr>
+        <p:spPr>
+          <a:xfrm>
+            <a:off x="914400" y="2926080"/>
+            <a:ext cx="7315200" cy="1097280"/>
+          </a:xfrm>
+          <a:prstGeom prst="rect">
+            <a:avLst/>
+          </a:prstGeom>
+          <a:noFill/>
+        </p:spPr>
+        <p:txBody>
+          <a:bodyPr wrap="none">
+            <a:spAutoFit/>
+          </a:bodyPr>
+          <a:lstStyle/>
+          <a:p>
+            <a:pPr algn="ctr">
+              <a:defRPr sz="2600" b="1">
+                <a:solidFill>
+                  <a:srgbClr val="2ECC71"/>
+                </a:solidFill>
+              </a:defRPr>
+            </a:pPr>
+            <a:r>
+              <a:t>🏆 Best Medical Performance: 96.34% Accuracy</a:t>
+            </a:r>
+          </a:p>
+          <a:p>
+            <a:pPr algn="ctr">
+              <a:spcBef>
+                <a:spcPts val="800"/>
+              </a:spcBef>
+              <a:defRPr sz="2400">
+                <a:solidFill>
+                  <a:srgbClr val="3498DB"/>
+                </a:solidFill>
+              </a:defRPr>
+            </a:pPr>
+            <a:r>
+              <a:t>✅ Cross-Domain Validation: Medical + Vision</a:t>
+            </a:r>
+          </a:p>
+          <a:p>
+            <a:pPr algn="ctr">
+              <a:spcBef>
+                <a:spcPts val="1200"/>
+              </a:spcBef>
+              <a:defRPr sz="3200">
+                <a:solidFill>
+                  <a:srgbClr val="2C3E50"/>
+                </a:solidFill>
+              </a:defRPr>
+            </a:pPr>
+            <a:r>
+              <a:t>Questions &amp; Discussion</a:t>
+            </a:r>
+          </a:p>
+        </p:txBody>
+      </p:sp>
+      <p:sp>
+        <p:nvSpPr>
+          <p:cNvPr id="4" name="TextBox 3"/>
+          <p:cNvSpPr txBox="1"/>
+          <p:nvPr/>
+        </p:nvSpPr>
+        <p:spPr>
+          <a:xfrm>
+            <a:off x="914400" y="5303520"/>
+            <a:ext cx="7315200" cy="914400"/>
+          </a:xfrm>
+          <a:prstGeom prst="rect">
+            <a:avLst/>
+          </a:prstGeom>
+          <a:noFill/>
+        </p:spPr>
+        <p:txBody>
+          <a:bodyPr wrap="square">
+            <a:spAutoFit/>
+          </a:bodyPr>
+          <a:lstStyle/>
+          <a:p>
+            <a:pPr algn="ctr">
+              <a:defRPr sz="1800"/>
+            </a:pPr>
+            <a:r>
+              <a:t>GitHub: amine-dubs/dio-optimization</a:t>
+            </a:r>
+          </a:p>
+          <a:p>
+            <a:pPr algn="ctr">
+              <a:defRPr sz="1800"/>
+            </a:pPr>
+            <a:r>
+              <a:t>Domains: Medical Classification (96.34%) + Computer Vision (83.6%)</a:t>
+            </a:r>
+          </a:p>
+          <a:p>
+            <a:pPr algn="ctr">
+              <a:defRPr sz="1800"/>
+            </a:pPr>
+            <a:r>
+              <a:t>Datasets: UCI Breast Cancer + CIFAR-10 ResNet50 Features</a:t>
+            </a:r>
+          </a:p>
+        </p:txBody>
+      </p:sp>
+    </p:spTree>
+  </p:cSld>
+  <p:clrMapOvr>
+    <a:masterClrMapping/>
+  </p:clrMapOvr>
+</p:sld>
+</file>
+
 <file path=ppt/slides/slide5.xml><?xml version="1.0" encoding="utf-8"?>
 <p:sld xmlns:a="http://schemas.openxmlformats.org/drawingml/2006/main" xmlns:p="http://schemas.openxmlformats.org/presentationml/2006/main" xmlns:r="http://schemas.openxmlformats.org/officeDocument/2006/relationships">
   <p:cSld>
@@ -7442,7 +8914,7 @@
               </a:defRPr>
             </a:pPr>
             <a:r>
-              <a:t>Novel Nested Optimization Framework</a:t>
+              <a:t>DIO Algorithm Flowchart</a:t>
             </a:r>
           </a:p>
         </p:txBody>
@@ -7461,63 +8933,60 @@
         <p:txBody>
           <a:bodyPr/>
           <a:lstStyle/>
-          <a:p>
-            <a:pPr>
-              <a:spcAft>
-                <a:spcPts val="1200"/>
-              </a:spcAft>
-              <a:defRPr sz="1800"/>
-            </a:pPr>
-            <a:r>
-              <a:t>Two-level hierarchical optimization:</a:t>
-            </a:r>
-          </a:p>
-          <a:p>
-            <a:pPr lvl="1">
-              <a:defRPr sz="1800" b="1"/>
-            </a:pPr>
-            <a:r>
-              <a:t>Outer Loop: Hyperparameter Tuning</a:t>
-            </a:r>
-          </a:p>
-          <a:p>
-            <a:pPr lvl="2">
-              <a:defRPr sz="1600"/>
-            </a:pPr>
-            <a:r>
-              <a:t>Population: 3 dholes, 5 iterations</a:t>
-            </a:r>
-          </a:p>
-          <a:p>
-            <a:pPr lvl="2">
-              <a:defRPr sz="1600"/>
-            </a:pPr>
-            <a:r>
-              <a:t>Parameters: n_estimators, max_depth, min_samples_split, min_samples_leaf</a:t>
-            </a:r>
-          </a:p>
-          <a:p>
-            <a:pPr lvl="1">
-              <a:defRPr sz="1800" b="1"/>
-            </a:pPr>
-            <a:r>
-              <a:t>Inner Loop: Feature Selection</a:t>
-            </a:r>
-          </a:p>
-          <a:p>
-            <a:pPr lvl="2">
-              <a:defRPr sz="1600"/>
-            </a:pPr>
-            <a:r>
-              <a:t>Population: 5 dholes, 10 iterations</a:t>
-            </a:r>
-          </a:p>
-          <a:p>
-            <a:pPr lvl="2">
-              <a:defRPr sz="1600"/>
-            </a:pPr>
-            <a:r>
-              <a:t>Selects optimal feature subset for each hyperparameter set</a:t>
+          <a:p/>
+        </p:txBody>
+      </p:sp>
+      <p:pic>
+        <p:nvPicPr>
+          <p:cNvPr id="4" name="Picture 3" descr="dio_flowchart.png"/>
+          <p:cNvPicPr>
+            <a:picLocks noChangeAspect="1"/>
+          </p:cNvPicPr>
+          <p:nvPr/>
+        </p:nvPicPr>
+        <p:blipFill>
+          <a:blip r:embed="rId2"/>
+          <a:stretch>
+            <a:fillRect/>
+          </a:stretch>
+        </p:blipFill>
+        <p:spPr>
+          <a:xfrm>
+            <a:off x="1371600" y="1828800"/>
+            <a:ext cx="3654592" cy="4114800"/>
+          </a:xfrm>
+          <a:prstGeom prst="rect">
+            <a:avLst/>
+          </a:prstGeom>
+        </p:spPr>
+      </p:pic>
+      <p:sp>
+        <p:nvSpPr>
+          <p:cNvPr id="5" name="TextBox 4"/>
+          <p:cNvSpPr txBox="1"/>
+          <p:nvPr/>
+        </p:nvSpPr>
+        <p:spPr>
+          <a:xfrm>
+            <a:off x="914400" y="5943600"/>
+            <a:ext cx="7315200" cy="457200"/>
+          </a:xfrm>
+          <a:prstGeom prst="rect">
+            <a:avLst/>
+          </a:prstGeom>
+          <a:noFill/>
+        </p:spPr>
+        <p:txBody>
+          <a:bodyPr wrap="none">
+            <a:spAutoFit/>
+          </a:bodyPr>
+          <a:lstStyle/>
+          <a:p>
+            <a:pPr algn="ctr">
+              <a:defRPr sz="1400" i="1"/>
+            </a:pPr>
+            <a:r>
+              <a:t>Complete algorithmic flow: initialization, fitness evaluation, three hunting strategies, convergence</a:t>
             </a:r>
           </a:p>
         </p:txBody>
@@ -7563,7 +9032,7 @@
               </a:defRPr>
             </a:pPr>
             <a:r>
-              <a:t>Multi-Objective Fitness Function</a:t>
+              <a:t>Novel Nested Optimization Framework</a:t>
             </a:r>
           </a:p>
         </p:txBody>
@@ -7582,103 +9051,63 @@
         <p:txBody>
           <a:bodyPr/>
           <a:lstStyle/>
-          <a:p/>
-        </p:txBody>
-      </p:sp>
-      <p:sp>
-        <p:nvSpPr>
-          <p:cNvPr id="4" name="TextBox 3"/>
-          <p:cNvSpPr txBox="1"/>
-          <p:nvPr/>
-        </p:nvSpPr>
-        <p:spPr>
-          <a:xfrm>
-            <a:off x="1371600" y="2286000"/>
-            <a:ext cx="6400800" cy="1371600"/>
-          </a:xfrm>
-          <a:prstGeom prst="rect">
-            <a:avLst/>
-          </a:prstGeom>
-          <a:noFill/>
-        </p:spPr>
-        <p:txBody>
-          <a:bodyPr wrap="none">
-            <a:spAutoFit/>
-          </a:bodyPr>
-          <a:lstStyle/>
-          <a:p>
-            <a:pPr algn="ctr">
-              <a:defRPr sz="2800" b="1"/>
-            </a:pPr>
-            <a:r>
-              <a:t>F = 0.99 × (1 - Accuracy) + 0.01 × (Features/Total)</a:t>
-            </a:r>
-          </a:p>
-        </p:txBody>
-      </p:sp>
-      <p:sp>
-        <p:nvSpPr>
-          <p:cNvPr id="5" name="TextBox 4"/>
-          <p:cNvSpPr txBox="1"/>
-          <p:nvPr/>
-        </p:nvSpPr>
-        <p:spPr>
-          <a:xfrm>
-            <a:off x="914400" y="3840480"/>
-            <a:ext cx="7315200" cy="1828800"/>
-          </a:xfrm>
-          <a:prstGeom prst="rect">
-            <a:avLst/>
-          </a:prstGeom>
-          <a:noFill/>
-        </p:spPr>
-        <p:txBody>
-          <a:bodyPr wrap="none">
-            <a:spAutoFit/>
-          </a:bodyPr>
-          <a:lstStyle/>
-          <a:p>
-            <a:pPr>
-              <a:spcAft>
-                <a:spcPts val="1200"/>
-              </a:spcAft>
-              <a:defRPr sz="1800"/>
-            </a:pPr>
-            <a:r>
-              <a:t>Goal: Minimize F (balance accuracy and complexity)</a:t>
-            </a:r>
-          </a:p>
-          <a:p>
-            <a:pPr>
-              <a:spcAft>
-                <a:spcPts val="1200"/>
-              </a:spcAft>
-              <a:defRPr sz="1800"/>
-            </a:pPr>
-            <a:r>
-              <a:t>99% weight on accuracy, 1% on feature reduction</a:t>
-            </a:r>
-          </a:p>
-          <a:p>
-            <a:pPr>
-              <a:spcAft>
-                <a:spcPts val="1200"/>
-              </a:spcAft>
-              <a:defRPr sz="1800"/>
-            </a:pPr>
-            <a:r>
-              <a:t>Encourages Pareto-optimal solutions</a:t>
-            </a:r>
-          </a:p>
-          <a:p>
-            <a:pPr>
-              <a:spcAft>
-                <a:spcPts val="1200"/>
-              </a:spcAft>
-              <a:defRPr sz="1800"/>
-            </a:pPr>
-            <a:r>
-              <a:t>Favors fewer features when accuracy is comparable</a:t>
+          <a:p>
+            <a:pPr>
+              <a:spcAft>
+                <a:spcPts val="1200"/>
+              </a:spcAft>
+              <a:defRPr sz="1800"/>
+            </a:pPr>
+            <a:r>
+              <a:t>Two-level hierarchical optimization:</a:t>
+            </a:r>
+          </a:p>
+          <a:p>
+            <a:pPr lvl="1">
+              <a:defRPr sz="1800" b="1"/>
+            </a:pPr>
+            <a:r>
+              <a:t>Outer Loop: Hyperparameter Tuning</a:t>
+            </a:r>
+          </a:p>
+          <a:p>
+            <a:pPr lvl="2">
+              <a:defRPr sz="1600"/>
+            </a:pPr>
+            <a:r>
+              <a:t>Population: 3 dholes, 5 iterations</a:t>
+            </a:r>
+          </a:p>
+          <a:p>
+            <a:pPr lvl="2">
+              <a:defRPr sz="1600"/>
+            </a:pPr>
+            <a:r>
+              <a:t>Parameters: n_estimators, max_depth, min_samples_split, min_samples_leaf</a:t>
+            </a:r>
+          </a:p>
+          <a:p>
+            <a:pPr lvl="1">
+              <a:defRPr sz="1800" b="1"/>
+            </a:pPr>
+            <a:r>
+              <a:t>Inner Loop: Feature Selection</a:t>
+            </a:r>
+          </a:p>
+          <a:p>
+            <a:pPr lvl="2">
+              <a:defRPr sz="1600"/>
+            </a:pPr>
+            <a:r>
+              <a:t>Population: 5 dholes, 10 iterations</a:t>
+            </a:r>
+          </a:p>
+          <a:p>
+            <a:pPr lvl="2">
+              <a:defRPr sz="1600"/>
+            </a:pPr>
+            <a:r>
+              <a:t>Selects optimal feature subset for each hyperparameter set</a:t>
             </a:r>
           </a:p>
         </p:txBody>
@@ -7724,7 +9153,7 @@
               </a:defRPr>
             </a:pPr>
             <a:r>
-              <a:t>Dataset &amp; Experimental Setup</a:t>
+              <a:t>Nested Optimization Architecture</a:t>
             </a:r>
           </a:p>
         </p:txBody>
@@ -7743,71 +9172,60 @@
         <p:txBody>
           <a:bodyPr/>
           <a:lstStyle/>
-          <a:p>
-            <a:pPr>
-              <a:spcAft>
-                <a:spcPts val="1200"/>
-              </a:spcAft>
-              <a:defRPr sz="1800"/>
-            </a:pPr>
-            <a:r>
-              <a:t>Dataset: Breast Cancer Wisconsin (Diagnostic)</a:t>
-            </a:r>
-          </a:p>
-          <a:p>
-            <a:pPr lvl="1">
-              <a:defRPr sz="1600"/>
-            </a:pPr>
-            <a:r>
-              <a:t>569 samples (357 benign, 212 malignant)</a:t>
-            </a:r>
-          </a:p>
-          <a:p>
-            <a:pPr lvl="1">
-              <a:defRPr sz="1600"/>
-            </a:pPr>
-            <a:r>
-              <a:t>30 features from digitized cell nuclei images</a:t>
-            </a:r>
-          </a:p>
-          <a:p>
-            <a:pPr lvl="1">
-              <a:defRPr sz="1600"/>
-            </a:pPr>
-            <a:r>
-              <a:t>Standard benchmark in medical ML</a:t>
-            </a:r>
-          </a:p>
-          <a:p>
-            <a:pPr>
-              <a:defRPr sz="1800" b="1"/>
-            </a:pPr>
-            <a:r>
-              <a:t>Validation Strategy:</a:t>
-            </a:r>
-          </a:p>
-          <a:p>
-            <a:pPr lvl="1">
-              <a:defRPr sz="1600"/>
-            </a:pPr>
-            <a:r>
-              <a:t>30 independent runs with different train/test splits</a:t>
-            </a:r>
-          </a:p>
-          <a:p>
-            <a:pPr lvl="1">
-              <a:defRPr sz="1600"/>
-            </a:pPr>
-            <a:r>
-              <a:t>70/30 stratified split (random states: 42-71)</a:t>
-            </a:r>
-          </a:p>
-          <a:p>
-            <a:pPr lvl="1">
-              <a:defRPr sz="1600"/>
-            </a:pPr>
-            <a:r>
-              <a:t>Ensures statistical robustness and reproducibility</a:t>
+          <a:p/>
+        </p:txBody>
+      </p:sp>
+      <p:pic>
+        <p:nvPicPr>
+          <p:cNvPr id="4" name="Picture 3" descr="shema4 (1).png"/>
+          <p:cNvPicPr>
+            <a:picLocks noChangeAspect="1"/>
+          </p:cNvPicPr>
+          <p:nvPr/>
+        </p:nvPicPr>
+        <p:blipFill>
+          <a:blip r:embed="rId2"/>
+          <a:stretch>
+            <a:fillRect/>
+          </a:stretch>
+        </p:blipFill>
+        <p:spPr>
+          <a:xfrm>
+            <a:off x="1371600" y="1828800"/>
+            <a:ext cx="2906342" cy="4114800"/>
+          </a:xfrm>
+          <a:prstGeom prst="rect">
+            <a:avLst/>
+          </a:prstGeom>
+        </p:spPr>
+      </p:pic>
+      <p:sp>
+        <p:nvSpPr>
+          <p:cNvPr id="5" name="TextBox 4"/>
+          <p:cNvSpPr txBox="1"/>
+          <p:nvPr/>
+        </p:nvSpPr>
+        <p:spPr>
+          <a:xfrm>
+            <a:off x="914400" y="5943600"/>
+            <a:ext cx="7315200" cy="457200"/>
+          </a:xfrm>
+          <a:prstGeom prst="rect">
+            <a:avLst/>
+          </a:prstGeom>
+          <a:noFill/>
+        </p:spPr>
+        <p:txBody>
+          <a:bodyPr wrap="none">
+            <a:spAutoFit/>
+          </a:bodyPr>
+          <a:lstStyle/>
+          <a:p>
+            <a:pPr algn="ctr">
+              <a:defRPr sz="1400" i="1"/>
+            </a:pPr>
+            <a:r>
+              <a:t>Two-level hierarchical structure: Outer loop (hyperparameters) + Inner loop (feature selection)</a:t>
             </a:r>
           </a:p>
         </p:txBody>
@@ -7853,7 +9271,7 @@
               </a:defRPr>
             </a:pPr>
             <a:r>
-              <a:t>DIO-Optimized Configuration</a:t>
+              <a:t>Multi-Objective Fitness Function</a:t>
             </a:r>
           </a:p>
         </p:txBody>
@@ -7883,8 +9301,8 @@
         </p:nvSpPr>
         <p:spPr>
           <a:xfrm>
-            <a:off x="1371600" y="1828800"/>
-            <a:ext cx="6400800" cy="3657600"/>
+            <a:off x="1371600" y="2286000"/>
+            <a:ext cx="6400800" cy="1371600"/>
           </a:xfrm>
           <a:prstGeom prst="rect">
             <a:avLst/>
@@ -7897,68 +9315,78 @@
           </a:bodyPr>
           <a:lstStyle/>
           <a:p>
-            <a:pPr>
-              <a:defRPr sz="2400" b="1"/>
-            </a:pPr>
-            <a:r>
-              <a:t>Optimized Hyperparameters:</a:t>
-            </a:r>
-          </a:p>
-          <a:p>
-            <a:pPr>
-              <a:spcAft>
-                <a:spcPts val="800"/>
-              </a:spcAft>
-              <a:defRPr sz="2000"/>
-            </a:pPr>
-            <a:r>
-              <a:t>• n_estimators: 193</a:t>
-            </a:r>
-          </a:p>
-          <a:p>
-            <a:pPr>
-              <a:spcAft>
-                <a:spcPts val="800"/>
-              </a:spcAft>
-              <a:defRPr sz="2000"/>
-            </a:pPr>
-            <a:r>
-              <a:t>• max_depth: 13</a:t>
-            </a:r>
-          </a:p>
-          <a:p>
-            <a:pPr>
-              <a:spcAft>
-                <a:spcPts val="800"/>
-              </a:spcAft>
-              <a:defRPr sz="2000"/>
-            </a:pPr>
-            <a:r>
-              <a:t>• min_samples_split: 4</a:t>
-            </a:r>
-          </a:p>
-          <a:p>
-            <a:pPr>
-              <a:spcAft>
-                <a:spcPts val="800"/>
-              </a:spcAft>
-              <a:defRPr sz="2000"/>
-            </a:pPr>
-            <a:r>
-              <a:t>• min_samples_leaf: 1</a:t>
-            </a:r>
-          </a:p>
-          <a:p>
-            <a:br/>
-            <a:pPr>
-              <a:defRPr sz="2200" b="1">
-                <a:solidFill>
-                  <a:srgbClr val="2ECC71"/>
-                </a:solidFill>
-              </a:defRPr>
-            </a:pPr>
-            <a:r>
-              <a:t>Selected Features: 8 out of 30 (73% reduction!)</a:t>
+            <a:pPr algn="ctr">
+              <a:defRPr sz="2800" b="1"/>
+            </a:pPr>
+            <a:r>
+              <a:t>F = 0.99 × (1 - Accuracy) + 0.01 × (Features/Total)</a:t>
+            </a:r>
+          </a:p>
+        </p:txBody>
+      </p:sp>
+      <p:sp>
+        <p:nvSpPr>
+          <p:cNvPr id="5" name="TextBox 4"/>
+          <p:cNvSpPr txBox="1"/>
+          <p:nvPr/>
+        </p:nvSpPr>
+        <p:spPr>
+          <a:xfrm>
+            <a:off x="914400" y="3840480"/>
+            <a:ext cx="7315200" cy="1828800"/>
+          </a:xfrm>
+          <a:prstGeom prst="rect">
+            <a:avLst/>
+          </a:prstGeom>
+          <a:noFill/>
+        </p:spPr>
+        <p:txBody>
+          <a:bodyPr wrap="none">
+            <a:spAutoFit/>
+          </a:bodyPr>
+          <a:lstStyle/>
+          <a:p>
+            <a:pPr>
+              <a:spcAft>
+                <a:spcPts val="1200"/>
+              </a:spcAft>
+              <a:defRPr sz="1800"/>
+            </a:pPr>
+            <a:r>
+              <a:t>Goal: Minimize F (balance accuracy and complexity)</a:t>
+            </a:r>
+          </a:p>
+          <a:p>
+            <a:pPr>
+              <a:spcAft>
+                <a:spcPts val="1200"/>
+              </a:spcAft>
+              <a:defRPr sz="1800"/>
+            </a:pPr>
+            <a:r>
+              <a:t>99% weight on accuracy, 1% on feature reduction</a:t>
+            </a:r>
+          </a:p>
+          <a:p>
+            <a:pPr>
+              <a:spcAft>
+                <a:spcPts val="1200"/>
+              </a:spcAft>
+              <a:defRPr sz="1800"/>
+            </a:pPr>
+            <a:r>
+              <a:t>Encourages Pareto-optimal solutions</a:t>
+            </a:r>
+          </a:p>
+          <a:p>
+            <a:pPr>
+              <a:spcAft>
+                <a:spcPts val="1200"/>
+              </a:spcAft>
+              <a:defRPr sz="1800"/>
+            </a:pPr>
+            <a:r>
+              <a:t>Favors fewer features when accuracy is comparable</a:t>
             </a:r>
           </a:p>
         </p:txBody>
